--- a/img/PCAD.pptx
+++ b/img/PCAD.pptx
@@ -261,7 +261,7 @@
           <a:p>
             <a:fld id="{C82DCF77-BEA7-6C42-B65C-E5761D0F8E88}" type="datetimeFigureOut">
               <a:rPr lang="de-DE" smtClean="0"/>
-              <a:t>30.06.19</a:t>
+              <a:t>04.07.19</a:t>
             </a:fld>
             <a:endParaRPr lang="de-DE"/>
           </a:p>
@@ -459,7 +459,7 @@
           <a:p>
             <a:fld id="{C82DCF77-BEA7-6C42-B65C-E5761D0F8E88}" type="datetimeFigureOut">
               <a:rPr lang="de-DE" smtClean="0"/>
-              <a:t>30.06.19</a:t>
+              <a:t>04.07.19</a:t>
             </a:fld>
             <a:endParaRPr lang="de-DE"/>
           </a:p>
@@ -667,7 +667,7 @@
           <a:p>
             <a:fld id="{C82DCF77-BEA7-6C42-B65C-E5761D0F8E88}" type="datetimeFigureOut">
               <a:rPr lang="de-DE" smtClean="0"/>
-              <a:t>30.06.19</a:t>
+              <a:t>04.07.19</a:t>
             </a:fld>
             <a:endParaRPr lang="de-DE"/>
           </a:p>
@@ -865,7 +865,7 @@
           <a:p>
             <a:fld id="{C82DCF77-BEA7-6C42-B65C-E5761D0F8E88}" type="datetimeFigureOut">
               <a:rPr lang="de-DE" smtClean="0"/>
-              <a:t>30.06.19</a:t>
+              <a:t>04.07.19</a:t>
             </a:fld>
             <a:endParaRPr lang="de-DE"/>
           </a:p>
@@ -1140,7 +1140,7 @@
           <a:p>
             <a:fld id="{C82DCF77-BEA7-6C42-B65C-E5761D0F8E88}" type="datetimeFigureOut">
               <a:rPr lang="de-DE" smtClean="0"/>
-              <a:t>30.06.19</a:t>
+              <a:t>04.07.19</a:t>
             </a:fld>
             <a:endParaRPr lang="de-DE"/>
           </a:p>
@@ -1405,7 +1405,7 @@
           <a:p>
             <a:fld id="{C82DCF77-BEA7-6C42-B65C-E5761D0F8E88}" type="datetimeFigureOut">
               <a:rPr lang="de-DE" smtClean="0"/>
-              <a:t>30.06.19</a:t>
+              <a:t>04.07.19</a:t>
             </a:fld>
             <a:endParaRPr lang="de-DE"/>
           </a:p>
@@ -1817,7 +1817,7 @@
           <a:p>
             <a:fld id="{C82DCF77-BEA7-6C42-B65C-E5761D0F8E88}" type="datetimeFigureOut">
               <a:rPr lang="de-DE" smtClean="0"/>
-              <a:t>30.06.19</a:t>
+              <a:t>04.07.19</a:t>
             </a:fld>
             <a:endParaRPr lang="de-DE"/>
           </a:p>
@@ -1958,7 +1958,7 @@
           <a:p>
             <a:fld id="{C82DCF77-BEA7-6C42-B65C-E5761D0F8E88}" type="datetimeFigureOut">
               <a:rPr lang="de-DE" smtClean="0"/>
-              <a:t>30.06.19</a:t>
+              <a:t>04.07.19</a:t>
             </a:fld>
             <a:endParaRPr lang="de-DE"/>
           </a:p>
@@ -2071,7 +2071,7 @@
           <a:p>
             <a:fld id="{C82DCF77-BEA7-6C42-B65C-E5761D0F8E88}" type="datetimeFigureOut">
               <a:rPr lang="de-DE" smtClean="0"/>
-              <a:t>30.06.19</a:t>
+              <a:t>04.07.19</a:t>
             </a:fld>
             <a:endParaRPr lang="de-DE"/>
           </a:p>
@@ -2382,7 +2382,7 @@
           <a:p>
             <a:fld id="{C82DCF77-BEA7-6C42-B65C-E5761D0F8E88}" type="datetimeFigureOut">
               <a:rPr lang="de-DE" smtClean="0"/>
-              <a:t>30.06.19</a:t>
+              <a:t>04.07.19</a:t>
             </a:fld>
             <a:endParaRPr lang="de-DE"/>
           </a:p>
@@ -2670,7 +2670,7 @@
           <a:p>
             <a:fld id="{C82DCF77-BEA7-6C42-B65C-E5761D0F8E88}" type="datetimeFigureOut">
               <a:rPr lang="de-DE" smtClean="0"/>
-              <a:t>30.06.19</a:t>
+              <a:t>04.07.19</a:t>
             </a:fld>
             <a:endParaRPr lang="de-DE"/>
           </a:p>
@@ -2911,7 +2911,7 @@
           <a:p>
             <a:fld id="{C82DCF77-BEA7-6C42-B65C-E5761D0F8E88}" type="datetimeFigureOut">
               <a:rPr lang="de-DE" smtClean="0"/>
-              <a:t>30.06.19</a:t>
+              <a:t>04.07.19</a:t>
             </a:fld>
             <a:endParaRPr lang="de-DE"/>
           </a:p>
@@ -6533,7 +6533,7 @@
                     <a:schemeClr val="tx1"/>
                   </a:solidFill>
                 </a:rPr>
-                <a:t>PCAD</a:t>
+                <a:t>3D</a:t>
               </a:r>
               <a:br>
                 <a:rPr lang="de-DE" sz="2000" dirty="0">
@@ -6548,7 +6548,7 @@
                     <a:schemeClr val="tx1"/>
                   </a:solidFill>
                 </a:rPr>
-                <a:t>File</a:t>
+                <a:t>Model</a:t>
               </a:r>
             </a:p>
           </p:txBody>
@@ -6995,16 +6995,15 @@
                     <a:schemeClr val="tx1"/>
                   </a:solidFill>
                 </a:rPr>
-                <a:t>export</a:t>
+                <a:t>add</a:t>
               </a:r>
-              <a:endParaRPr lang="de-DE" sz="1600" dirty="0">
-                <a:solidFill>
-                  <a:schemeClr val="tx1"/>
-                </a:solidFill>
-              </a:endParaRPr>
-            </a:p>
-            <a:p>
-              <a:pPr algn="ctr"/>
+              <a:br>
+                <a:rPr lang="de-DE" sz="1600" dirty="0">
+                  <a:solidFill>
+                    <a:schemeClr val="tx1"/>
+                  </a:solidFill>
+                </a:rPr>
+              </a:br>
               <a:r>
                 <a:rPr lang="de-DE" sz="1600" dirty="0" err="1">
                   <a:solidFill>
@@ -7635,12 +7634,12 @@
             <a:p>
               <a:pPr algn="ctr"/>
               <a:r>
-                <a:rPr lang="de-DE" sz="1600" dirty="0">
+                <a:rPr lang="de-DE" sz="1600">
                   <a:solidFill>
                     <a:schemeClr val="tx1"/>
                   </a:solidFill>
                 </a:rPr>
-                <a:t>3d </a:t>
+                <a:t>3D </a:t>
               </a:r>
               <a:r>
                 <a:rPr lang="de-DE" sz="1600" dirty="0" err="1">

--- a/img/PCAD.pptx
+++ b/img/PCAD.pptx
@@ -5,9 +5,9 @@
     <p:sldMasterId id="2147483648" r:id="rId1"/>
   </p:sldMasterIdLst>
   <p:sldIdLst>
-    <p:sldId id="256" r:id="rId2"/>
-    <p:sldId id="257" r:id="rId3"/>
-    <p:sldId id="258" r:id="rId4"/>
+    <p:sldId id="257" r:id="rId2"/>
+    <p:sldId id="258" r:id="rId3"/>
+    <p:sldId id="259" r:id="rId4"/>
   </p:sldIdLst>
   <p:sldSz cx="12192000" cy="6858000"/>
   <p:notesSz cx="6858000" cy="9144000"/>
@@ -3328,419 +3328,6 @@
           <a:chExt cx="0" cy="0"/>
         </a:xfrm>
       </p:grpSpPr>
-      <p:grpSp>
-        <p:nvGrpSpPr>
-          <p:cNvPr id="11" name="Gruppieren 10">
-            <a:extLst>
-              <a:ext uri="{FF2B5EF4-FFF2-40B4-BE49-F238E27FC236}">
-                <a16:creationId xmlns:a16="http://schemas.microsoft.com/office/drawing/2014/main" id="{62D53AC1-6C73-E446-8A84-5711694DFA16}"/>
-              </a:ext>
-            </a:extLst>
-          </p:cNvPr>
-          <p:cNvGrpSpPr/>
-          <p:nvPr/>
-        </p:nvGrpSpPr>
-        <p:grpSpPr>
-          <a:xfrm>
-            <a:off x="-79332" y="1051064"/>
-            <a:ext cx="12192000" cy="2811409"/>
-            <a:chOff x="-79332" y="1051064"/>
-            <a:chExt cx="12192000" cy="2811409"/>
-          </a:xfrm>
-        </p:grpSpPr>
-        <p:pic>
-          <p:nvPicPr>
-            <p:cNvPr id="5" name="Grafik 4">
-              <a:extLst>
-                <a:ext uri="{FF2B5EF4-FFF2-40B4-BE49-F238E27FC236}">
-                  <a16:creationId xmlns:a16="http://schemas.microsoft.com/office/drawing/2014/main" id="{CBAD100B-0DC5-1C47-B12C-685C09F6126F}"/>
-                </a:ext>
-              </a:extLst>
-            </p:cNvPr>
-            <p:cNvPicPr>
-              <a:picLocks noChangeAspect="1"/>
-            </p:cNvPicPr>
-            <p:nvPr/>
-          </p:nvPicPr>
-          <p:blipFill rotWithShape="1">
-            <a:blip r:embed="rId2"/>
-            <a:srcRect t="54494"/>
-            <a:stretch/>
-          </p:blipFill>
-          <p:spPr>
-            <a:xfrm>
-              <a:off x="-79332" y="1334826"/>
-              <a:ext cx="12192000" cy="1752321"/>
-            </a:xfrm>
-            <a:prstGeom prst="rect">
-              <a:avLst/>
-            </a:prstGeom>
-          </p:spPr>
-        </p:pic>
-        <p:sp>
-          <p:nvSpPr>
-            <p:cNvPr id="6" name="Rechteck 5">
-              <a:extLst>
-                <a:ext uri="{FF2B5EF4-FFF2-40B4-BE49-F238E27FC236}">
-                  <a16:creationId xmlns:a16="http://schemas.microsoft.com/office/drawing/2014/main" id="{B0837291-6C23-6649-B44A-B9ADAF8971A5}"/>
-                </a:ext>
-              </a:extLst>
-            </p:cNvPr>
-            <p:cNvSpPr/>
-            <p:nvPr/>
-          </p:nvSpPr>
-          <p:spPr>
-            <a:xfrm>
-              <a:off x="5824603" y="1313054"/>
-              <a:ext cx="463463" cy="284312"/>
-            </a:xfrm>
-            <a:prstGeom prst="rect">
-              <a:avLst/>
-            </a:prstGeom>
-            <a:solidFill>
-              <a:schemeClr val="bg1"/>
-            </a:solidFill>
-            <a:ln>
-              <a:solidFill>
-                <a:schemeClr val="bg1"/>
-              </a:solidFill>
-            </a:ln>
-          </p:spPr>
-          <p:style>
-            <a:lnRef idx="2">
-              <a:schemeClr val="accent1">
-                <a:shade val="50000"/>
-              </a:schemeClr>
-            </a:lnRef>
-            <a:fillRef idx="1">
-              <a:schemeClr val="accent1"/>
-            </a:fillRef>
-            <a:effectRef idx="0">
-              <a:schemeClr val="accent1"/>
-            </a:effectRef>
-            <a:fontRef idx="minor">
-              <a:schemeClr val="lt1"/>
-            </a:fontRef>
-          </p:style>
-          <p:txBody>
-            <a:bodyPr rtlCol="0" anchor="ctr"/>
-            <a:lstStyle/>
-            <a:p>
-              <a:pPr algn="ctr"/>
-              <a:endParaRPr lang="de-DE"/>
-            </a:p>
-          </p:txBody>
-        </p:sp>
-        <p:sp>
-          <p:nvSpPr>
-            <p:cNvPr id="7" name="Textfeld 6">
-              <a:extLst>
-                <a:ext uri="{FF2B5EF4-FFF2-40B4-BE49-F238E27FC236}">
-                  <a16:creationId xmlns:a16="http://schemas.microsoft.com/office/drawing/2014/main" id="{5E87CC45-F972-1D45-910A-4598CF7D5BAC}"/>
-                </a:ext>
-              </a:extLst>
-            </p:cNvPr>
-            <p:cNvSpPr txBox="1"/>
-            <p:nvPr/>
-          </p:nvSpPr>
-          <p:spPr>
-            <a:xfrm>
-              <a:off x="261257" y="2939143"/>
-              <a:ext cx="3069771" cy="923330"/>
-            </a:xfrm>
-            <a:prstGeom prst="wedgeRectCallout">
-              <a:avLst>
-                <a:gd name="adj1" fmla="val -4833"/>
-                <a:gd name="adj2" fmla="val -91672"/>
-              </a:avLst>
-            </a:prstGeom>
-            <a:solidFill>
-              <a:srgbClr val="C00000"/>
-            </a:solidFill>
-          </p:spPr>
-          <p:style>
-            <a:lnRef idx="3">
-              <a:schemeClr val="lt1"/>
-            </a:lnRef>
-            <a:fillRef idx="1">
-              <a:schemeClr val="accent2"/>
-            </a:fillRef>
-            <a:effectRef idx="1">
-              <a:schemeClr val="accent2"/>
-            </a:effectRef>
-            <a:fontRef idx="minor">
-              <a:schemeClr val="lt1"/>
-            </a:fontRef>
-          </p:style>
-          <p:txBody>
-            <a:bodyPr wrap="square" rtlCol="0">
-              <a:spAutoFit/>
-            </a:bodyPr>
-            <a:lstStyle/>
-            <a:p>
-              <a:r>
-                <a:rPr lang="de-DE" dirty="0"/>
-                <a:t>@Moussa: The </a:t>
-              </a:r>
-              <a:r>
-                <a:rPr lang="de-DE" dirty="0" err="1"/>
-                <a:t>name</a:t>
-              </a:r>
-              <a:r>
-                <a:rPr lang="de-DE" dirty="0"/>
-                <a:t> </a:t>
-              </a:r>
-              <a:r>
-                <a:rPr lang="de-DE" dirty="0" err="1"/>
-                <a:t>is</a:t>
-              </a:r>
-              <a:r>
-                <a:rPr lang="de-DE" dirty="0"/>
-                <a:t> not </a:t>
-              </a:r>
-              <a:r>
-                <a:rPr lang="de-DE" dirty="0" err="1"/>
-                <a:t>covered</a:t>
-              </a:r>
-              <a:r>
-                <a:rPr lang="de-DE" dirty="0"/>
-                <a:t> in </a:t>
-              </a:r>
-              <a:r>
-                <a:rPr lang="de-DE" dirty="0" err="1"/>
-                <a:t>the</a:t>
-              </a:r>
-              <a:r>
-                <a:rPr lang="de-DE" dirty="0"/>
-                <a:t> </a:t>
-              </a:r>
-              <a:r>
-                <a:rPr lang="de-DE" dirty="0" err="1"/>
-                <a:t>syntax</a:t>
-              </a:r>
-              <a:r>
-                <a:rPr lang="de-DE" dirty="0"/>
-                <a:t> </a:t>
-              </a:r>
-              <a:r>
-                <a:rPr lang="de-DE" dirty="0" err="1"/>
-                <a:t>or</a:t>
-              </a:r>
-              <a:r>
-                <a:rPr lang="de-DE" dirty="0"/>
-                <a:t> </a:t>
-              </a:r>
-              <a:r>
-                <a:rPr lang="de-DE" dirty="0" err="1"/>
-                <a:t>semantics</a:t>
-              </a:r>
-              <a:r>
-                <a:rPr lang="de-DE" dirty="0"/>
-                <a:t>. Can </a:t>
-              </a:r>
-              <a:r>
-                <a:rPr lang="de-DE" dirty="0" err="1"/>
-                <a:t>we</a:t>
-              </a:r>
-              <a:r>
-                <a:rPr lang="de-DE" dirty="0"/>
-                <a:t> </a:t>
-              </a:r>
-              <a:r>
-                <a:rPr lang="de-DE" dirty="0" err="1"/>
-                <a:t>remove</a:t>
-              </a:r>
-              <a:r>
-                <a:rPr lang="de-DE" dirty="0"/>
-                <a:t> </a:t>
-              </a:r>
-              <a:r>
-                <a:rPr lang="de-DE" dirty="0" err="1"/>
-                <a:t>it</a:t>
-              </a:r>
-              <a:r>
-                <a:rPr lang="de-DE" dirty="0"/>
-                <a:t>?</a:t>
-              </a:r>
-            </a:p>
-          </p:txBody>
-        </p:sp>
-        <p:sp>
-          <p:nvSpPr>
-            <p:cNvPr id="8" name="Textfeld 7">
-              <a:extLst>
-                <a:ext uri="{FF2B5EF4-FFF2-40B4-BE49-F238E27FC236}">
-                  <a16:creationId xmlns:a16="http://schemas.microsoft.com/office/drawing/2014/main" id="{E9338187-5423-C94F-8559-1DA4393A35E0}"/>
-                </a:ext>
-              </a:extLst>
-            </p:cNvPr>
-            <p:cNvSpPr txBox="1"/>
-            <p:nvPr/>
-          </p:nvSpPr>
-          <p:spPr>
-            <a:xfrm>
-              <a:off x="7326088" y="2939143"/>
-              <a:ext cx="3069771" cy="646331"/>
-            </a:xfrm>
-            <a:prstGeom prst="wedgeRectCallout">
-              <a:avLst>
-                <a:gd name="adj1" fmla="val 37011"/>
-                <a:gd name="adj2" fmla="val -81061"/>
-              </a:avLst>
-            </a:prstGeom>
-            <a:solidFill>
-              <a:srgbClr val="C00000"/>
-            </a:solidFill>
-          </p:spPr>
-          <p:style>
-            <a:lnRef idx="3">
-              <a:schemeClr val="lt1"/>
-            </a:lnRef>
-            <a:fillRef idx="1">
-              <a:schemeClr val="accent2"/>
-            </a:fillRef>
-            <a:effectRef idx="1">
-              <a:schemeClr val="accent2"/>
-            </a:effectRef>
-            <a:fontRef idx="minor">
-              <a:schemeClr val="lt1"/>
-            </a:fontRef>
-          </p:style>
-          <p:txBody>
-            <a:bodyPr wrap="square" rtlCol="0">
-              <a:spAutoFit/>
-            </a:bodyPr>
-            <a:lstStyle/>
-            <a:p>
-              <a:r>
-                <a:rPr lang="de-DE" dirty="0"/>
-                <a:t>@Moussa: The </a:t>
-              </a:r>
-              <a:r>
-                <a:rPr lang="de-DE" dirty="0" err="1"/>
-                <a:t>points</a:t>
-              </a:r>
-              <a:r>
-                <a:rPr lang="de-DE" dirty="0"/>
-                <a:t> </a:t>
-              </a:r>
-              <a:r>
-                <a:rPr lang="de-DE" dirty="0" err="1"/>
-                <a:t>should</a:t>
-              </a:r>
-              <a:r>
-                <a:rPr lang="de-DE" dirty="0"/>
-                <a:t> </a:t>
-              </a:r>
-              <a:r>
-                <a:rPr lang="de-DE" dirty="0" err="1"/>
-                <a:t>become</a:t>
-              </a:r>
-              <a:r>
-                <a:rPr lang="de-DE" dirty="0"/>
-                <a:t> </a:t>
-              </a:r>
-              <a:r>
-                <a:rPr lang="de-DE" dirty="0" err="1"/>
-                <a:t>reals</a:t>
-              </a:r>
-              <a:r>
-                <a:rPr lang="de-DE" dirty="0"/>
-                <a:t> </a:t>
-              </a:r>
-              <a:r>
-                <a:rPr lang="de-DE" dirty="0" err="1"/>
-                <a:t>now</a:t>
-              </a:r>
-              <a:endParaRPr lang="de-DE" dirty="0"/>
-            </a:p>
-          </p:txBody>
-        </p:sp>
-        <p:sp>
-          <p:nvSpPr>
-            <p:cNvPr id="10" name="Rechteck 9">
-              <a:extLst>
-                <a:ext uri="{FF2B5EF4-FFF2-40B4-BE49-F238E27FC236}">
-                  <a16:creationId xmlns:a16="http://schemas.microsoft.com/office/drawing/2014/main" id="{E26ABAD9-BB94-5B47-8F1F-4531E88B2BB3}"/>
-                </a:ext>
-              </a:extLst>
-            </p:cNvPr>
-            <p:cNvSpPr/>
-            <p:nvPr/>
-          </p:nvSpPr>
-          <p:spPr>
-            <a:xfrm>
-              <a:off x="8379913" y="1051064"/>
-              <a:ext cx="3471798" cy="284312"/>
-            </a:xfrm>
-            <a:prstGeom prst="rect">
-              <a:avLst/>
-            </a:prstGeom>
-            <a:solidFill>
-              <a:schemeClr val="bg1"/>
-            </a:solidFill>
-            <a:ln>
-              <a:solidFill>
-                <a:schemeClr val="bg1"/>
-              </a:solidFill>
-            </a:ln>
-          </p:spPr>
-          <p:style>
-            <a:lnRef idx="2">
-              <a:schemeClr val="accent1">
-                <a:shade val="50000"/>
-              </a:schemeClr>
-            </a:lnRef>
-            <a:fillRef idx="1">
-              <a:schemeClr val="accent1"/>
-            </a:fillRef>
-            <a:effectRef idx="0">
-              <a:schemeClr val="accent1"/>
-            </a:effectRef>
-            <a:fontRef idx="minor">
-              <a:schemeClr val="lt1"/>
-            </a:fontRef>
-          </p:style>
-          <p:txBody>
-            <a:bodyPr rtlCol="0" anchor="ctr"/>
-            <a:lstStyle/>
-            <a:p>
-              <a:pPr algn="ctr"/>
-              <a:endParaRPr lang="de-DE"/>
-            </a:p>
-          </p:txBody>
-        </p:sp>
-      </p:grpSp>
-    </p:spTree>
-    <p:extLst>
-      <p:ext uri="{BB962C8B-B14F-4D97-AF65-F5344CB8AC3E}">
-        <p14:creationId xmlns:p14="http://schemas.microsoft.com/office/powerpoint/2010/main" val="1290524225"/>
-      </p:ext>
-    </p:extLst>
-  </p:cSld>
-  <p:clrMapOvr>
-    <a:masterClrMapping/>
-  </p:clrMapOvr>
-</p:sld>
-</file>
-
-<file path=ppt/slides/slide2.xml><?xml version="1.0" encoding="utf-8"?>
-<p:sld xmlns:a="http://schemas.openxmlformats.org/drawingml/2006/main" xmlns:r="http://schemas.openxmlformats.org/officeDocument/2006/relationships" xmlns:p="http://schemas.openxmlformats.org/presentationml/2006/main">
-  <p:cSld>
-    <p:spTree>
-      <p:nvGrpSpPr>
-        <p:cNvPr id="1" name=""/>
-        <p:cNvGrpSpPr/>
-        <p:nvPr/>
-      </p:nvGrpSpPr>
-      <p:grpSpPr>
-        <a:xfrm>
-          <a:off x="0" y="0"/>
-          <a:ext cx="0" cy="0"/>
-          <a:chOff x="0" y="0"/>
-          <a:chExt cx="0" cy="0"/>
-        </a:xfrm>
-      </p:grpSpPr>
       <p:sp>
         <p:nvSpPr>
           <p:cNvPr id="45" name="Rechteck 44">
@@ -4071,12 +3658,12 @@
               </a:rPr>
             </a:br>
             <a:r>
-              <a:rPr lang="de-DE" sz="2000" dirty="0" err="1">
+              <a:rPr lang="de-DE" sz="2000">
                 <a:solidFill>
                   <a:schemeClr val="tx1"/>
                 </a:solidFill>
               </a:rPr>
-              <a:t>closedness</a:t>
+              <a:t>shape</a:t>
             </a:r>
             <a:endParaRPr lang="de-DE" sz="2000" dirty="0">
               <a:solidFill>
@@ -4142,7 +3729,23 @@
                   <a:schemeClr val="tx1"/>
                 </a:solidFill>
               </a:rPr>
-              <a:t>export</a:t>
+              <a:t>lift</a:t>
+            </a:r>
+            <a:r>
+              <a:rPr lang="de-DE" sz="2000" dirty="0">
+                <a:solidFill>
+                  <a:schemeClr val="tx1"/>
+                </a:solidFill>
+              </a:rPr>
+              <a:t> </a:t>
+            </a:r>
+            <a:r>
+              <a:rPr lang="de-DE" sz="2000" dirty="0" err="1">
+                <a:solidFill>
+                  <a:schemeClr val="tx1"/>
+                </a:solidFill>
+              </a:rPr>
+              <a:t>to</a:t>
             </a:r>
             <a:br>
               <a:rPr lang="de-DE" sz="2000" dirty="0">
@@ -4152,12 +3755,20 @@
               </a:rPr>
             </a:br>
             <a:r>
+              <a:rPr lang="de-DE" sz="2000" dirty="0">
+                <a:solidFill>
+                  <a:schemeClr val="tx1"/>
+                </a:solidFill>
+              </a:rPr>
+              <a:t>3D </a:t>
+            </a:r>
+            <a:r>
               <a:rPr lang="de-DE" sz="2000" dirty="0" err="1">
                 <a:solidFill>
                   <a:schemeClr val="tx1"/>
                 </a:solidFill>
               </a:rPr>
-              <a:t>drawing</a:t>
+              <a:t>model</a:t>
             </a:r>
             <a:endParaRPr lang="de-DE" sz="2000" dirty="0">
               <a:solidFill>
@@ -5234,7 +4845,7 @@
         <p:spPr>
           <a:xfrm>
             <a:off x="4161257" y="2020846"/>
-            <a:ext cx="567784" cy="338554"/>
+            <a:ext cx="522900" cy="307777"/>
           </a:xfrm>
           <a:prstGeom prst="rect">
             <a:avLst/>
@@ -5248,10 +4859,10 @@
           <a:lstStyle/>
           <a:p>
             <a:r>
-              <a:rPr lang="de-DE" sz="1600" dirty="0" err="1"/>
+              <a:rPr lang="de-DE" sz="1400" dirty="0" err="1"/>
               <a:t>lines</a:t>
             </a:r>
-            <a:endParaRPr lang="de-DE" sz="1600" dirty="0"/>
+            <a:endParaRPr lang="de-DE" sz="1400" dirty="0"/>
           </a:p>
         </p:txBody>
       </p:sp>
@@ -5270,7 +4881,7 @@
         <p:spPr>
           <a:xfrm>
             <a:off x="6265856" y="2020846"/>
-            <a:ext cx="1130246" cy="338554"/>
+            <a:ext cx="1004378" cy="307777"/>
           </a:xfrm>
           <a:prstGeom prst="rect">
             <a:avLst/>
@@ -5284,14 +4895,14 @@
           <a:lstStyle/>
           <a:p>
             <a:r>
-              <a:rPr lang="de-DE" sz="1600" dirty="0"/>
+              <a:rPr lang="de-DE" sz="1400" dirty="0"/>
               <a:t>valid </a:t>
             </a:r>
             <a:r>
-              <a:rPr lang="de-DE" sz="1600" dirty="0" err="1"/>
+              <a:rPr lang="de-DE" sz="1400" dirty="0" err="1"/>
               <a:t>shape</a:t>
             </a:r>
-            <a:endParaRPr lang="de-DE" sz="1600" dirty="0"/>
+            <a:endParaRPr lang="de-DE" sz="1400" dirty="0"/>
           </a:p>
         </p:txBody>
       </p:sp>
@@ -5477,7 +5088,7 @@
         <p:spPr>
           <a:xfrm>
             <a:off x="8598907" y="2017770"/>
-            <a:ext cx="853888" cy="338554"/>
+            <a:ext cx="889987" cy="307777"/>
           </a:xfrm>
           <a:prstGeom prst="rect">
             <a:avLst/>
@@ -5491,10 +5102,14 @@
           <a:lstStyle/>
           <a:p>
             <a:r>
-              <a:rPr lang="de-DE" sz="1600" dirty="0" err="1"/>
-              <a:t>drawing</a:t>
-            </a:r>
-            <a:endParaRPr lang="de-DE" sz="1600" dirty="0"/>
+              <a:rPr lang="de-DE" sz="1400" dirty="0"/>
+              <a:t>3D </a:t>
+            </a:r>
+            <a:r>
+              <a:rPr lang="de-DE" sz="1400" dirty="0" err="1"/>
+              <a:t>model</a:t>
+            </a:r>
+            <a:endParaRPr lang="de-DE" sz="1400" dirty="0"/>
           </a:p>
         </p:txBody>
       </p:sp>
@@ -6023,7 +5638,7 @@
 </p:sld>
 </file>
 
-<file path=ppt/slides/slide3.xml><?xml version="1.0" encoding="utf-8"?>
+<file path=ppt/slides/slide2.xml><?xml version="1.0" encoding="utf-8"?>
 <p:sld xmlns:a="http://schemas.openxmlformats.org/drawingml/2006/main" xmlns:r="http://schemas.openxmlformats.org/officeDocument/2006/relationships" xmlns:p="http://schemas.openxmlformats.org/presentationml/2006/main">
   <p:cSld>
     <p:spTree>
@@ -6234,7 +5849,7 @@
                     <a:schemeClr val="tx1"/>
                   </a:solidFill>
                 </a:rPr>
-                <a:t>PCAD</a:t>
+                <a:t>CCAD</a:t>
               </a:r>
               <a:br>
                 <a:rPr lang="de-DE" sz="2000" dirty="0">
@@ -6995,7 +6610,23 @@
                     <a:schemeClr val="tx1"/>
                   </a:solidFill>
                 </a:rPr>
-                <a:t>add</a:t>
+                <a:t>lift</a:t>
+              </a:r>
+              <a:r>
+                <a:rPr lang="de-DE" sz="1600" dirty="0">
+                  <a:solidFill>
+                    <a:schemeClr val="tx1"/>
+                  </a:solidFill>
+                </a:rPr>
+                <a:t> </a:t>
+              </a:r>
+              <a:r>
+                <a:rPr lang="de-DE" sz="1600" dirty="0" err="1">
+                  <a:solidFill>
+                    <a:schemeClr val="tx1"/>
+                  </a:solidFill>
+                </a:rPr>
+                <a:t>to</a:t>
               </a:r>
               <a:br>
                 <a:rPr lang="de-DE" sz="1600" dirty="0">
@@ -7005,12 +6636,20 @@
                 </a:rPr>
               </a:br>
               <a:r>
-                <a:rPr lang="de-DE" sz="1600" dirty="0" err="1">
+                <a:rPr lang="de-DE" sz="1600" dirty="0">
                   <a:solidFill>
                     <a:schemeClr val="tx1"/>
                   </a:solidFill>
                 </a:rPr>
-                <a:t>drawing</a:t>
+                <a:t>3D </a:t>
+              </a:r>
+              <a:r>
+                <a:rPr lang="de-DE" sz="1600">
+                  <a:solidFill>
+                    <a:schemeClr val="tx1"/>
+                  </a:solidFill>
+                </a:rPr>
+                <a:t>model</a:t>
               </a:r>
               <a:endParaRPr lang="de-DE" sz="1600" dirty="0">
                 <a:solidFill>
@@ -7203,20 +6842,21 @@
                 </a:rPr>
                 <a:t>validate</a:t>
               </a:r>
-              <a:br>
+              <a:r>
                 <a:rPr lang="de-DE" sz="1600" dirty="0">
                   <a:solidFill>
                     <a:schemeClr val="tx1"/>
                   </a:solidFill>
                 </a:rPr>
-              </a:br>
+                <a:t> </a:t>
+              </a:r>
               <a:r>
                 <a:rPr lang="de-DE" sz="1600" dirty="0" err="1">
                   <a:solidFill>
                     <a:schemeClr val="tx1"/>
                   </a:solidFill>
                 </a:rPr>
-                <a:t>closedness</a:t>
+                <a:t>shape</a:t>
               </a:r>
               <a:endParaRPr lang="de-DE" sz="1600" dirty="0">
                 <a:solidFill>
@@ -7336,7 +6976,7 @@
         </p:nvCxnSpPr>
         <p:spPr>
           <a:xfrm flipV="1">
-            <a:off x="2705557" y="2612571"/>
+            <a:off x="2434615" y="2448331"/>
             <a:ext cx="1017578" cy="607195"/>
           </a:xfrm>
           <a:prstGeom prst="straightConnector1">
@@ -8018,15 +7658,15 @@
           </p:cNvPr>
           <p:cNvCxnSpPr>
             <a:cxnSpLocks/>
-            <a:stCxn id="3" idx="2"/>
+            <a:stCxn id="54" idx="2"/>
             <a:endCxn id="57" idx="0"/>
           </p:cNvCxnSpPr>
           <p:nvPr/>
         </p:nvCxnSpPr>
         <p:spPr>
           <a:xfrm>
-            <a:off x="4097385" y="2605798"/>
-            <a:ext cx="0" cy="1919398"/>
+            <a:off x="4092999" y="4000797"/>
+            <a:ext cx="4386" cy="524399"/>
           </a:xfrm>
           <a:prstGeom prst="straightConnector1">
             <a:avLst/>
@@ -8377,10 +8017,1459 @@
           </a:p>
         </p:txBody>
       </p:sp>
+      <p:grpSp>
+        <p:nvGrpSpPr>
+          <p:cNvPr id="52" name="Gruppieren 51">
+            <a:extLst>
+              <a:ext uri="{FF2B5EF4-FFF2-40B4-BE49-F238E27FC236}">
+                <a16:creationId xmlns:a16="http://schemas.microsoft.com/office/drawing/2014/main" id="{A9B19464-5EAC-0648-B771-CB14A526B8BA}"/>
+              </a:ext>
+            </a:extLst>
+          </p:cNvPr>
+          <p:cNvGrpSpPr/>
+          <p:nvPr/>
+        </p:nvGrpSpPr>
+        <p:grpSpPr>
+          <a:xfrm>
+            <a:off x="3480999" y="2992797"/>
+            <a:ext cx="1224000" cy="1008000"/>
+            <a:chOff x="5180357" y="4768881"/>
+            <a:chExt cx="1224000" cy="1008000"/>
+          </a:xfrm>
+        </p:grpSpPr>
+        <p:sp>
+          <p:nvSpPr>
+            <p:cNvPr id="54" name="Rechteck 53">
+              <a:extLst>
+                <a:ext uri="{FF2B5EF4-FFF2-40B4-BE49-F238E27FC236}">
+                  <a16:creationId xmlns:a16="http://schemas.microsoft.com/office/drawing/2014/main" id="{A17213E6-945E-3244-8A47-ECCBD6EFF552}"/>
+                </a:ext>
+              </a:extLst>
+            </p:cNvPr>
+            <p:cNvSpPr>
+              <a:spLocks/>
+            </p:cNvSpPr>
+            <p:nvPr/>
+          </p:nvSpPr>
+          <p:spPr>
+            <a:xfrm>
+              <a:off x="5180357" y="4768881"/>
+              <a:ext cx="1224000" cy="1008000"/>
+            </a:xfrm>
+            <a:prstGeom prst="rect">
+              <a:avLst/>
+            </a:prstGeom>
+            <a:solidFill>
+              <a:schemeClr val="bg1"/>
+            </a:solidFill>
+            <a:ln>
+              <a:solidFill>
+                <a:schemeClr val="tx1"/>
+              </a:solidFill>
+            </a:ln>
+          </p:spPr>
+          <p:style>
+            <a:lnRef idx="2">
+              <a:schemeClr val="accent1">
+                <a:shade val="50000"/>
+              </a:schemeClr>
+            </a:lnRef>
+            <a:fillRef idx="1">
+              <a:schemeClr val="accent1"/>
+            </a:fillRef>
+            <a:effectRef idx="0">
+              <a:schemeClr val="accent1"/>
+            </a:effectRef>
+            <a:fontRef idx="minor">
+              <a:schemeClr val="lt1"/>
+            </a:fontRef>
+          </p:style>
+          <p:txBody>
+            <a:bodyPr lIns="36000" tIns="36000" rIns="36000" bIns="36000" rtlCol="0" anchor="ctr"/>
+            <a:lstStyle/>
+            <a:p>
+              <a:pPr algn="ctr"/>
+              <a:endParaRPr lang="de-DE" sz="2000" dirty="0">
+                <a:solidFill>
+                  <a:schemeClr val="tx1"/>
+                </a:solidFill>
+              </a:endParaRPr>
+            </a:p>
+          </p:txBody>
+        </p:sp>
+        <p:sp>
+          <p:nvSpPr>
+            <p:cNvPr id="55" name="Rechteck 54">
+              <a:extLst>
+                <a:ext uri="{FF2B5EF4-FFF2-40B4-BE49-F238E27FC236}">
+                  <a16:creationId xmlns:a16="http://schemas.microsoft.com/office/drawing/2014/main" id="{0CEFD7FA-168F-CD41-80C7-891E858EC63F}"/>
+                </a:ext>
+              </a:extLst>
+            </p:cNvPr>
+            <p:cNvSpPr/>
+            <p:nvPr/>
+          </p:nvSpPr>
+          <p:spPr>
+            <a:xfrm>
+              <a:off x="5252357" y="4840882"/>
+              <a:ext cx="1080000" cy="864000"/>
+            </a:xfrm>
+            <a:prstGeom prst="rect">
+              <a:avLst/>
+            </a:prstGeom>
+            <a:solidFill>
+              <a:schemeClr val="bg1"/>
+            </a:solidFill>
+            <a:ln>
+              <a:solidFill>
+                <a:schemeClr val="tx1"/>
+              </a:solidFill>
+            </a:ln>
+          </p:spPr>
+          <p:style>
+            <a:lnRef idx="2">
+              <a:schemeClr val="accent1">
+                <a:shade val="50000"/>
+              </a:schemeClr>
+            </a:lnRef>
+            <a:fillRef idx="1">
+              <a:schemeClr val="accent1"/>
+            </a:fillRef>
+            <a:effectRef idx="0">
+              <a:schemeClr val="accent1"/>
+            </a:effectRef>
+            <a:fontRef idx="minor">
+              <a:schemeClr val="lt1"/>
+            </a:fontRef>
+          </p:style>
+          <p:txBody>
+            <a:bodyPr lIns="36000" tIns="36000" rIns="36000" bIns="36000" rtlCol="0" anchor="ctr"/>
+            <a:lstStyle/>
+            <a:p>
+              <a:pPr algn="ctr"/>
+              <a:r>
+                <a:rPr lang="de-DE" sz="2000" dirty="0">
+                  <a:solidFill>
+                    <a:schemeClr val="tx1"/>
+                  </a:solidFill>
+                </a:rPr>
+                <a:t>Material</a:t>
+              </a:r>
+              <a:br>
+                <a:rPr lang="de-DE" sz="2000" dirty="0">
+                  <a:solidFill>
+                    <a:schemeClr val="tx1"/>
+                  </a:solidFill>
+                </a:rPr>
+              </a:br>
+              <a:r>
+                <a:rPr lang="de-DE" sz="2000" dirty="0" err="1">
+                  <a:solidFill>
+                    <a:schemeClr val="tx1"/>
+                  </a:solidFill>
+                </a:rPr>
+                <a:t>Descript</a:t>
+              </a:r>
+              <a:r>
+                <a:rPr lang="de-DE" sz="2000" dirty="0">
+                  <a:solidFill>
+                    <a:schemeClr val="tx1"/>
+                  </a:solidFill>
+                </a:rPr>
+                <a:t>.</a:t>
+              </a:r>
+            </a:p>
+          </p:txBody>
+        </p:sp>
+      </p:grpSp>
+      <p:sp>
+        <p:nvSpPr>
+          <p:cNvPr id="26" name="Freihandform 25">
+            <a:extLst>
+              <a:ext uri="{FF2B5EF4-FFF2-40B4-BE49-F238E27FC236}">
+                <a16:creationId xmlns:a16="http://schemas.microsoft.com/office/drawing/2014/main" id="{E8907DA3-E3EF-994E-ADCF-8EADBFD34892}"/>
+              </a:ext>
+            </a:extLst>
+          </p:cNvPr>
+          <p:cNvSpPr/>
+          <p:nvPr/>
+        </p:nvSpPr>
+        <p:spPr>
+          <a:xfrm>
+            <a:off x="4572000" y="2612571"/>
+            <a:ext cx="512002" cy="2024743"/>
+          </a:xfrm>
+          <a:custGeom>
+            <a:avLst/>
+            <a:gdLst>
+              <a:gd name="connsiteX0" fmla="*/ 0 w 512002"/>
+              <a:gd name="connsiteY0" fmla="*/ 0 h 2024743"/>
+              <a:gd name="connsiteX1" fmla="*/ 511629 w 512002"/>
+              <a:gd name="connsiteY1" fmla="*/ 740229 h 2024743"/>
+              <a:gd name="connsiteX2" fmla="*/ 65314 w 512002"/>
+              <a:gd name="connsiteY2" fmla="*/ 2024743 h 2024743"/>
+            </a:gdLst>
+            <a:ahLst/>
+            <a:cxnLst>
+              <a:cxn ang="0">
+                <a:pos x="connsiteX0" y="connsiteY0"/>
+              </a:cxn>
+              <a:cxn ang="0">
+                <a:pos x="connsiteX1" y="connsiteY1"/>
+              </a:cxn>
+              <a:cxn ang="0">
+                <a:pos x="connsiteX2" y="connsiteY2"/>
+              </a:cxn>
+            </a:cxnLst>
+            <a:rect l="l" t="t" r="r" b="b"/>
+            <a:pathLst>
+              <a:path w="512002" h="2024743">
+                <a:moveTo>
+                  <a:pt x="0" y="0"/>
+                </a:moveTo>
+                <a:cubicBezTo>
+                  <a:pt x="250371" y="201386"/>
+                  <a:pt x="500743" y="402772"/>
+                  <a:pt x="511629" y="740229"/>
+                </a:cubicBezTo>
+                <a:cubicBezTo>
+                  <a:pt x="522515" y="1077686"/>
+                  <a:pt x="293914" y="1551214"/>
+                  <a:pt x="65314" y="2024743"/>
+                </a:cubicBezTo>
+              </a:path>
+            </a:pathLst>
+          </a:custGeom>
+          <a:noFill/>
+          <a:ln>
+            <a:solidFill>
+              <a:schemeClr val="tx1"/>
+            </a:solidFill>
+            <a:headEnd type="none" w="med" len="med"/>
+            <a:tailEnd type="arrow" w="med" len="med"/>
+          </a:ln>
+        </p:spPr>
+        <p:style>
+          <a:lnRef idx="2">
+            <a:schemeClr val="accent1">
+              <a:shade val="50000"/>
+            </a:schemeClr>
+          </a:lnRef>
+          <a:fillRef idx="1">
+            <a:schemeClr val="accent1"/>
+          </a:fillRef>
+          <a:effectRef idx="0">
+            <a:schemeClr val="accent1"/>
+          </a:effectRef>
+          <a:fontRef idx="minor">
+            <a:schemeClr val="lt1"/>
+          </a:fontRef>
+        </p:style>
+        <p:txBody>
+          <a:bodyPr rtlCol="0" anchor="ctr"/>
+          <a:lstStyle/>
+          <a:p>
+            <a:pPr algn="ctr"/>
+            <a:endParaRPr lang="de-DE"/>
+          </a:p>
+        </p:txBody>
+      </p:sp>
     </p:spTree>
     <p:extLst>
       <p:ext uri="{BB962C8B-B14F-4D97-AF65-F5344CB8AC3E}">
         <p14:creationId xmlns:p14="http://schemas.microsoft.com/office/powerpoint/2010/main" val="2181968414"/>
+      </p:ext>
+    </p:extLst>
+  </p:cSld>
+  <p:clrMapOvr>
+    <a:masterClrMapping/>
+  </p:clrMapOvr>
+</p:sld>
+</file>
+
+<file path=ppt/slides/slide3.xml><?xml version="1.0" encoding="utf-8"?>
+<p:sld xmlns:a="http://schemas.openxmlformats.org/drawingml/2006/main" xmlns:r="http://schemas.openxmlformats.org/officeDocument/2006/relationships" xmlns:p="http://schemas.openxmlformats.org/presentationml/2006/main">
+  <p:cSld>
+    <p:spTree>
+      <p:nvGrpSpPr>
+        <p:cNvPr id="1" name=""/>
+        <p:cNvGrpSpPr/>
+        <p:nvPr/>
+      </p:nvGrpSpPr>
+      <p:grpSpPr>
+        <a:xfrm>
+          <a:off x="0" y="0"/>
+          <a:ext cx="0" cy="0"/>
+          <a:chOff x="0" y="0"/>
+          <a:chExt cx="0" cy="0"/>
+        </a:xfrm>
+      </p:grpSpPr>
+      <p:sp>
+        <p:nvSpPr>
+          <p:cNvPr id="74" name="Rechteck 73">
+            <a:extLst>
+              <a:ext uri="{FF2B5EF4-FFF2-40B4-BE49-F238E27FC236}">
+                <a16:creationId xmlns:a16="http://schemas.microsoft.com/office/drawing/2014/main" id="{9BDA332C-2531-F94E-B87F-F1933D4A6C34}"/>
+              </a:ext>
+            </a:extLst>
+          </p:cNvPr>
+          <p:cNvSpPr/>
+          <p:nvPr/>
+        </p:nvSpPr>
+        <p:spPr>
+          <a:xfrm>
+            <a:off x="2275115" y="1010282"/>
+            <a:ext cx="7489280" cy="1547861"/>
+          </a:xfrm>
+          <a:prstGeom prst="rect">
+            <a:avLst/>
+          </a:prstGeom>
+          <a:solidFill>
+            <a:schemeClr val="bg1"/>
+          </a:solidFill>
+          <a:ln>
+            <a:solidFill>
+              <a:schemeClr val="bg1"/>
+            </a:solidFill>
+          </a:ln>
+        </p:spPr>
+        <p:style>
+          <a:lnRef idx="2">
+            <a:schemeClr val="accent1">
+              <a:shade val="50000"/>
+            </a:schemeClr>
+          </a:lnRef>
+          <a:fillRef idx="1">
+            <a:schemeClr val="accent1"/>
+          </a:fillRef>
+          <a:effectRef idx="0">
+            <a:schemeClr val="accent1"/>
+          </a:effectRef>
+          <a:fontRef idx="minor">
+            <a:schemeClr val="lt1"/>
+          </a:fontRef>
+        </p:style>
+        <p:txBody>
+          <a:bodyPr lIns="36000" tIns="36000" rIns="36000" bIns="36000" rtlCol="0" anchor="ctr"/>
+          <a:lstStyle/>
+          <a:p>
+            <a:pPr algn="ctr"/>
+            <a:endParaRPr lang="de-DE" sz="2000" dirty="0" err="1">
+              <a:solidFill>
+                <a:schemeClr val="tx1"/>
+              </a:solidFill>
+            </a:endParaRPr>
+          </a:p>
+        </p:txBody>
+      </p:sp>
+      <p:sp>
+        <p:nvSpPr>
+          <p:cNvPr id="15" name="Rechteck 14">
+            <a:extLst>
+              <a:ext uri="{FF2B5EF4-FFF2-40B4-BE49-F238E27FC236}">
+                <a16:creationId xmlns:a16="http://schemas.microsoft.com/office/drawing/2014/main" id="{5CF2D6B0-B611-EB48-8F2F-5DC277DAE832}"/>
+              </a:ext>
+            </a:extLst>
+          </p:cNvPr>
+          <p:cNvSpPr/>
+          <p:nvPr/>
+        </p:nvSpPr>
+        <p:spPr>
+          <a:xfrm>
+            <a:off x="6498772" y="1186412"/>
+            <a:ext cx="1080000" cy="360000"/>
+          </a:xfrm>
+          <a:prstGeom prst="rect">
+            <a:avLst/>
+          </a:prstGeom>
+          <a:solidFill>
+            <a:schemeClr val="bg1"/>
+          </a:solidFill>
+          <a:ln>
+            <a:solidFill>
+              <a:schemeClr val="tx1"/>
+            </a:solidFill>
+            <a:headEnd type="none" w="med" len="med"/>
+            <a:tailEnd type="arrow" w="med" len="med"/>
+          </a:ln>
+        </p:spPr>
+        <p:style>
+          <a:lnRef idx="2">
+            <a:schemeClr val="accent1">
+              <a:shade val="50000"/>
+            </a:schemeClr>
+          </a:lnRef>
+          <a:fillRef idx="1">
+            <a:schemeClr val="accent1"/>
+          </a:fillRef>
+          <a:effectRef idx="0">
+            <a:schemeClr val="accent1"/>
+          </a:effectRef>
+          <a:fontRef idx="minor">
+            <a:schemeClr val="lt1"/>
+          </a:fontRef>
+        </p:style>
+        <p:txBody>
+          <a:bodyPr rtlCol="0" anchor="ctr"/>
+          <a:lstStyle/>
+          <a:p>
+            <a:pPr algn="ctr"/>
+            <a:r>
+              <a:rPr lang="de-DE" sz="1600" dirty="0">
+                <a:solidFill>
+                  <a:schemeClr val="tx1"/>
+                </a:solidFill>
+              </a:rPr>
+              <a:t>P</a:t>
+            </a:r>
+          </a:p>
+        </p:txBody>
+      </p:sp>
+      <p:sp>
+        <p:nvSpPr>
+          <p:cNvPr id="46" name="Rechteck 45">
+            <a:extLst>
+              <a:ext uri="{FF2B5EF4-FFF2-40B4-BE49-F238E27FC236}">
+                <a16:creationId xmlns:a16="http://schemas.microsoft.com/office/drawing/2014/main" id="{AF67F341-EEC9-2F45-B6BD-9FC478C5604F}"/>
+              </a:ext>
+            </a:extLst>
+          </p:cNvPr>
+          <p:cNvSpPr/>
+          <p:nvPr/>
+        </p:nvSpPr>
+        <p:spPr>
+          <a:xfrm>
+            <a:off x="8323245" y="1186412"/>
+            <a:ext cx="1080000" cy="360000"/>
+          </a:xfrm>
+          <a:prstGeom prst="rect">
+            <a:avLst/>
+          </a:prstGeom>
+          <a:solidFill>
+            <a:schemeClr val="bg1"/>
+          </a:solidFill>
+          <a:ln>
+            <a:solidFill>
+              <a:schemeClr val="tx1"/>
+            </a:solidFill>
+            <a:headEnd type="none" w="med" len="med"/>
+            <a:tailEnd type="arrow" w="med" len="med"/>
+          </a:ln>
+        </p:spPr>
+        <p:style>
+          <a:lnRef idx="2">
+            <a:schemeClr val="accent1">
+              <a:shade val="50000"/>
+            </a:schemeClr>
+          </a:lnRef>
+          <a:fillRef idx="1">
+            <a:schemeClr val="accent1"/>
+          </a:fillRef>
+          <a:effectRef idx="0">
+            <a:schemeClr val="accent1"/>
+          </a:effectRef>
+          <a:fontRef idx="minor">
+            <a:schemeClr val="lt1"/>
+          </a:fontRef>
+        </p:style>
+        <p:txBody>
+          <a:bodyPr rtlCol="0" anchor="ctr"/>
+          <a:lstStyle/>
+          <a:p>
+            <a:pPr algn="ctr"/>
+            <a:r>
+              <a:rPr lang="de-DE" sz="1400" dirty="0" err="1">
+                <a:solidFill>
+                  <a:schemeClr val="tx1"/>
+                </a:solidFill>
+              </a:rPr>
+              <a:t>Float</a:t>
+            </a:r>
+            <a:endParaRPr lang="de-DE" sz="1400" dirty="0">
+              <a:solidFill>
+                <a:schemeClr val="tx1"/>
+              </a:solidFill>
+            </a:endParaRPr>
+          </a:p>
+        </p:txBody>
+      </p:sp>
+      <p:cxnSp>
+        <p:nvCxnSpPr>
+          <p:cNvPr id="47" name="Gerade Verbindung mit Pfeil 46">
+            <a:extLst>
+              <a:ext uri="{FF2B5EF4-FFF2-40B4-BE49-F238E27FC236}">
+                <a16:creationId xmlns:a16="http://schemas.microsoft.com/office/drawing/2014/main" id="{59504A05-6E2C-1743-97C3-DCED0BB8B90A}"/>
+              </a:ext>
+            </a:extLst>
+          </p:cNvPr>
+          <p:cNvCxnSpPr>
+            <a:cxnSpLocks/>
+          </p:cNvCxnSpPr>
+          <p:nvPr/>
+        </p:nvCxnSpPr>
+        <p:spPr>
+          <a:xfrm>
+            <a:off x="7578772" y="1272723"/>
+            <a:ext cx="754941" cy="0"/>
+          </a:xfrm>
+          <a:prstGeom prst="straightConnector1">
+            <a:avLst/>
+          </a:prstGeom>
+          <a:ln w="12700">
+            <a:solidFill>
+              <a:schemeClr val="tx1"/>
+            </a:solidFill>
+            <a:headEnd type="none" w="med" len="med"/>
+            <a:tailEnd type="arrow" w="med" len="med"/>
+          </a:ln>
+        </p:spPr>
+        <p:style>
+          <a:lnRef idx="1">
+            <a:schemeClr val="accent1"/>
+          </a:lnRef>
+          <a:fillRef idx="0">
+            <a:schemeClr val="accent1"/>
+          </a:fillRef>
+          <a:effectRef idx="0">
+            <a:schemeClr val="accent1"/>
+          </a:effectRef>
+          <a:fontRef idx="minor">
+            <a:schemeClr val="tx1"/>
+          </a:fontRef>
+        </p:style>
+      </p:cxnSp>
+      <p:cxnSp>
+        <p:nvCxnSpPr>
+          <p:cNvPr id="52" name="Gerade Verbindung mit Pfeil 51">
+            <a:extLst>
+              <a:ext uri="{FF2B5EF4-FFF2-40B4-BE49-F238E27FC236}">
+                <a16:creationId xmlns:a16="http://schemas.microsoft.com/office/drawing/2014/main" id="{A6F2E7CA-FDD3-DD4B-A26F-9CA04E784A6F}"/>
+              </a:ext>
+            </a:extLst>
+          </p:cNvPr>
+          <p:cNvCxnSpPr>
+            <a:cxnSpLocks/>
+          </p:cNvCxnSpPr>
+          <p:nvPr/>
+        </p:nvCxnSpPr>
+        <p:spPr>
+          <a:xfrm>
+            <a:off x="7578772" y="1463611"/>
+            <a:ext cx="754941" cy="0"/>
+          </a:xfrm>
+          <a:prstGeom prst="straightConnector1">
+            <a:avLst/>
+          </a:prstGeom>
+          <a:ln w="12700">
+            <a:solidFill>
+              <a:schemeClr val="tx1"/>
+            </a:solidFill>
+            <a:headEnd type="none" w="med" len="med"/>
+            <a:tailEnd type="arrow" w="med" len="med"/>
+          </a:ln>
+        </p:spPr>
+        <p:style>
+          <a:lnRef idx="1">
+            <a:schemeClr val="accent1"/>
+          </a:lnRef>
+          <a:fillRef idx="0">
+            <a:schemeClr val="accent1"/>
+          </a:fillRef>
+          <a:effectRef idx="0">
+            <a:schemeClr val="accent1"/>
+          </a:effectRef>
+          <a:fontRef idx="minor">
+            <a:schemeClr val="tx1"/>
+          </a:fontRef>
+        </p:style>
+      </p:cxnSp>
+      <p:sp>
+        <p:nvSpPr>
+          <p:cNvPr id="53" name="Textfeld 52">
+            <a:extLst>
+              <a:ext uri="{FF2B5EF4-FFF2-40B4-BE49-F238E27FC236}">
+                <a16:creationId xmlns:a16="http://schemas.microsoft.com/office/drawing/2014/main" id="{1E27DC81-C1BB-064E-A163-7197CC64FD11}"/>
+              </a:ext>
+            </a:extLst>
+          </p:cNvPr>
+          <p:cNvSpPr txBox="1"/>
+          <p:nvPr/>
+        </p:nvSpPr>
+        <p:spPr>
+          <a:xfrm>
+            <a:off x="7580690" y="1010282"/>
+            <a:ext cx="271228" cy="307777"/>
+          </a:xfrm>
+          <a:prstGeom prst="rect">
+            <a:avLst/>
+          </a:prstGeom>
+          <a:noFill/>
+        </p:spPr>
+        <p:txBody>
+          <a:bodyPr wrap="none" rtlCol="0">
+            <a:spAutoFit/>
+          </a:bodyPr>
+          <a:lstStyle/>
+          <a:p>
+            <a:r>
+              <a:rPr lang="de-DE" sz="1400" dirty="0"/>
+              <a:t>a</a:t>
+            </a:r>
+          </a:p>
+        </p:txBody>
+      </p:sp>
+      <p:sp>
+        <p:nvSpPr>
+          <p:cNvPr id="54" name="Textfeld 53">
+            <a:extLst>
+              <a:ext uri="{FF2B5EF4-FFF2-40B4-BE49-F238E27FC236}">
+                <a16:creationId xmlns:a16="http://schemas.microsoft.com/office/drawing/2014/main" id="{D197B395-B212-5A43-AC34-9335F8D4156F}"/>
+              </a:ext>
+            </a:extLst>
+          </p:cNvPr>
+          <p:cNvSpPr txBox="1"/>
+          <p:nvPr/>
+        </p:nvSpPr>
+        <p:spPr>
+          <a:xfrm>
+            <a:off x="7580690" y="1458800"/>
+            <a:ext cx="279244" cy="307777"/>
+          </a:xfrm>
+          <a:prstGeom prst="rect">
+            <a:avLst/>
+          </a:prstGeom>
+          <a:noFill/>
+        </p:spPr>
+        <p:txBody>
+          <a:bodyPr wrap="none" rtlCol="0">
+            <a:spAutoFit/>
+          </a:bodyPr>
+          <a:lstStyle/>
+          <a:p>
+            <a:r>
+              <a:rPr lang="de-DE" sz="1400" dirty="0"/>
+              <a:t>b</a:t>
+            </a:r>
+          </a:p>
+        </p:txBody>
+      </p:sp>
+      <p:sp>
+        <p:nvSpPr>
+          <p:cNvPr id="56" name="Rechteck 55">
+            <a:extLst>
+              <a:ext uri="{FF2B5EF4-FFF2-40B4-BE49-F238E27FC236}">
+                <a16:creationId xmlns:a16="http://schemas.microsoft.com/office/drawing/2014/main" id="{362BE9C2-C9F0-024E-96DC-C785F46F6A8E}"/>
+              </a:ext>
+            </a:extLst>
+          </p:cNvPr>
+          <p:cNvSpPr/>
+          <p:nvPr/>
+        </p:nvSpPr>
+        <p:spPr>
+          <a:xfrm>
+            <a:off x="4506536" y="1186412"/>
+            <a:ext cx="1080000" cy="360000"/>
+          </a:xfrm>
+          <a:prstGeom prst="rect">
+            <a:avLst/>
+          </a:prstGeom>
+          <a:solidFill>
+            <a:schemeClr val="bg1"/>
+          </a:solidFill>
+          <a:ln>
+            <a:solidFill>
+              <a:schemeClr val="tx1"/>
+            </a:solidFill>
+            <a:headEnd type="none" w="med" len="med"/>
+            <a:tailEnd type="arrow" w="med" len="med"/>
+          </a:ln>
+        </p:spPr>
+        <p:style>
+          <a:lnRef idx="2">
+            <a:schemeClr val="accent1">
+              <a:shade val="50000"/>
+            </a:schemeClr>
+          </a:lnRef>
+          <a:fillRef idx="1">
+            <a:schemeClr val="accent1"/>
+          </a:fillRef>
+          <a:effectRef idx="0">
+            <a:schemeClr val="accent1"/>
+          </a:effectRef>
+          <a:fontRef idx="minor">
+            <a:schemeClr val="lt1"/>
+          </a:fontRef>
+        </p:style>
+        <p:txBody>
+          <a:bodyPr rtlCol="0" anchor="ctr"/>
+          <a:lstStyle/>
+          <a:p>
+            <a:pPr algn="ctr"/>
+            <a:r>
+              <a:rPr lang="de-DE" sz="1400" dirty="0">
+                <a:solidFill>
+                  <a:schemeClr val="tx1"/>
+                </a:solidFill>
+              </a:rPr>
+              <a:t>L</a:t>
+            </a:r>
+          </a:p>
+        </p:txBody>
+      </p:sp>
+      <p:cxnSp>
+        <p:nvCxnSpPr>
+          <p:cNvPr id="57" name="Gerade Verbindung mit Pfeil 56">
+            <a:extLst>
+              <a:ext uri="{FF2B5EF4-FFF2-40B4-BE49-F238E27FC236}">
+                <a16:creationId xmlns:a16="http://schemas.microsoft.com/office/drawing/2014/main" id="{8EE81412-0FAC-5246-B572-A84D7D2979C0}"/>
+              </a:ext>
+            </a:extLst>
+          </p:cNvPr>
+          <p:cNvCxnSpPr>
+            <a:cxnSpLocks/>
+            <a:stCxn id="56" idx="3"/>
+            <a:endCxn id="15" idx="1"/>
+          </p:cNvCxnSpPr>
+          <p:nvPr/>
+        </p:nvCxnSpPr>
+        <p:spPr>
+          <a:xfrm>
+            <a:off x="5586536" y="1366412"/>
+            <a:ext cx="912236" cy="0"/>
+          </a:xfrm>
+          <a:prstGeom prst="straightConnector1">
+            <a:avLst/>
+          </a:prstGeom>
+          <a:ln w="12700">
+            <a:solidFill>
+              <a:schemeClr val="tx1"/>
+            </a:solidFill>
+            <a:headEnd type="none" w="med" len="med"/>
+            <a:tailEnd type="arrow" w="med" len="med"/>
+          </a:ln>
+        </p:spPr>
+        <p:style>
+          <a:lnRef idx="1">
+            <a:schemeClr val="accent1"/>
+          </a:lnRef>
+          <a:fillRef idx="0">
+            <a:schemeClr val="accent1"/>
+          </a:fillRef>
+          <a:effectRef idx="0">
+            <a:schemeClr val="accent1"/>
+          </a:effectRef>
+          <a:fontRef idx="minor">
+            <a:schemeClr val="tx1"/>
+          </a:fontRef>
+        </p:style>
+      </p:cxnSp>
+      <p:sp>
+        <p:nvSpPr>
+          <p:cNvPr id="61" name="Textfeld 60">
+            <a:extLst>
+              <a:ext uri="{FF2B5EF4-FFF2-40B4-BE49-F238E27FC236}">
+                <a16:creationId xmlns:a16="http://schemas.microsoft.com/office/drawing/2014/main" id="{19DB0996-F2F3-0844-B7B3-9D8BF9E6468A}"/>
+              </a:ext>
+            </a:extLst>
+          </p:cNvPr>
+          <p:cNvSpPr txBox="1"/>
+          <p:nvPr/>
+        </p:nvSpPr>
+        <p:spPr>
+          <a:xfrm>
+            <a:off x="5995205" y="1081840"/>
+            <a:ext cx="566181" cy="307777"/>
+          </a:xfrm>
+          <a:prstGeom prst="rect">
+            <a:avLst/>
+          </a:prstGeom>
+          <a:noFill/>
+        </p:spPr>
+        <p:txBody>
+          <a:bodyPr wrap="none" rtlCol="0">
+            <a:spAutoFit/>
+          </a:bodyPr>
+          <a:lstStyle/>
+          <a:p>
+            <a:r>
+              <a:rPr lang="de-DE" sz="1400" dirty="0"/>
+              <a:t>[2..2]</a:t>
+            </a:r>
+          </a:p>
+        </p:txBody>
+      </p:sp>
+      <p:sp>
+        <p:nvSpPr>
+          <p:cNvPr id="26" name="Textfeld 25">
+            <a:extLst>
+              <a:ext uri="{FF2B5EF4-FFF2-40B4-BE49-F238E27FC236}">
+                <a16:creationId xmlns:a16="http://schemas.microsoft.com/office/drawing/2014/main" id="{4133B144-DE72-D546-9C1E-D42217F1C59F}"/>
+              </a:ext>
+            </a:extLst>
+          </p:cNvPr>
+          <p:cNvSpPr txBox="1"/>
+          <p:nvPr/>
+        </p:nvSpPr>
+        <p:spPr>
+          <a:xfrm>
+            <a:off x="2427606" y="1137460"/>
+            <a:ext cx="1859805" cy="461665"/>
+          </a:xfrm>
+          <a:prstGeom prst="rect">
+            <a:avLst/>
+          </a:prstGeom>
+          <a:noFill/>
+        </p:spPr>
+        <p:txBody>
+          <a:bodyPr wrap="none" rtlCol="0">
+            <a:spAutoFit/>
+          </a:bodyPr>
+          <a:lstStyle/>
+          <a:p>
+            <a:pPr algn="r"/>
+            <a:r>
+              <a:rPr lang="de-DE" sz="1200" i="1" dirty="0" err="1">
+                <a:solidFill>
+                  <a:schemeClr val="accent1"/>
+                </a:solidFill>
+                <a:latin typeface="Comic Sans MS" panose="030F0902030302020204" pitchFamily="66" charset="0"/>
+              </a:rPr>
+              <a:t>pattern</a:t>
+            </a:r>
+            <a:r>
+              <a:rPr lang="de-DE" sz="1200" i="1" dirty="0">
+                <a:solidFill>
+                  <a:schemeClr val="accent1"/>
+                </a:solidFill>
+                <a:latin typeface="Comic Sans MS" panose="030F0902030302020204" pitchFamily="66" charset="0"/>
+              </a:rPr>
+              <a:t> </a:t>
+            </a:r>
+            <a:r>
+              <a:rPr lang="de-DE" sz="1200" i="1" dirty="0" err="1">
+                <a:solidFill>
+                  <a:schemeClr val="accent1"/>
+                </a:solidFill>
+                <a:latin typeface="Comic Sans MS" panose="030F0902030302020204" pitchFamily="66" charset="0"/>
+              </a:rPr>
+              <a:t>characterizing</a:t>
+            </a:r>
+            <a:r>
+              <a:rPr lang="de-DE" sz="1200" i="1" dirty="0">
+                <a:solidFill>
+                  <a:schemeClr val="accent1"/>
+                </a:solidFill>
+                <a:latin typeface="Comic Sans MS" panose="030F0902030302020204" pitchFamily="66" charset="0"/>
+              </a:rPr>
+              <a:t> </a:t>
+            </a:r>
+          </a:p>
+          <a:p>
+            <a:pPr algn="r"/>
+            <a:r>
+              <a:rPr lang="de-DE" sz="1200" i="1" dirty="0" err="1">
+                <a:solidFill>
+                  <a:schemeClr val="accent1"/>
+                </a:solidFill>
+                <a:latin typeface="Comic Sans MS" panose="030F0902030302020204" pitchFamily="66" charset="0"/>
+              </a:rPr>
+              <a:t>the</a:t>
+            </a:r>
+            <a:r>
+              <a:rPr lang="de-DE" sz="1200" i="1" dirty="0">
+                <a:solidFill>
+                  <a:schemeClr val="accent1"/>
+                </a:solidFill>
+                <a:latin typeface="Comic Sans MS" panose="030F0902030302020204" pitchFamily="66" charset="0"/>
+              </a:rPr>
+              <a:t> </a:t>
+            </a:r>
+            <a:r>
+              <a:rPr lang="de-DE" sz="1200" i="1" dirty="0" err="1">
+                <a:solidFill>
+                  <a:schemeClr val="accent1"/>
+                </a:solidFill>
+                <a:latin typeface="Comic Sans MS" panose="030F0902030302020204" pitchFamily="66" charset="0"/>
+              </a:rPr>
+              <a:t>property</a:t>
+            </a:r>
+            <a:r>
+              <a:rPr lang="de-DE" sz="1200" i="1" dirty="0">
+                <a:solidFill>
+                  <a:schemeClr val="accent1"/>
+                </a:solidFill>
+                <a:latin typeface="Comic Sans MS" panose="030F0902030302020204" pitchFamily="66" charset="0"/>
+              </a:rPr>
+              <a:t> CAD</a:t>
+            </a:r>
+            <a:r>
+              <a:rPr lang="de-DE" sz="1200" i="1" baseline="-25000" dirty="0">
+                <a:solidFill>
+                  <a:schemeClr val="accent1"/>
+                </a:solidFill>
+                <a:latin typeface="Comic Sans MS" panose="030F0902030302020204" pitchFamily="66" charset="0"/>
+              </a:rPr>
+              <a:t>1</a:t>
+            </a:r>
+          </a:p>
+        </p:txBody>
+      </p:sp>
+      <p:sp>
+        <p:nvSpPr>
+          <p:cNvPr id="27" name="Freihandform 26">
+            <a:extLst>
+              <a:ext uri="{FF2B5EF4-FFF2-40B4-BE49-F238E27FC236}">
+                <a16:creationId xmlns:a16="http://schemas.microsoft.com/office/drawing/2014/main" id="{576843CA-3110-BB47-8E76-33ED6582411D}"/>
+              </a:ext>
+            </a:extLst>
+          </p:cNvPr>
+          <p:cNvSpPr/>
+          <p:nvPr/>
+        </p:nvSpPr>
+        <p:spPr>
+          <a:xfrm>
+            <a:off x="4180114" y="1349513"/>
+            <a:ext cx="283029" cy="32842"/>
+          </a:xfrm>
+          <a:custGeom>
+            <a:avLst/>
+            <a:gdLst>
+              <a:gd name="connsiteX0" fmla="*/ 0 w 283029"/>
+              <a:gd name="connsiteY0" fmla="*/ 21956 h 32842"/>
+              <a:gd name="connsiteX1" fmla="*/ 152400 w 283029"/>
+              <a:gd name="connsiteY1" fmla="*/ 185 h 32842"/>
+              <a:gd name="connsiteX2" fmla="*/ 283029 w 283029"/>
+              <a:gd name="connsiteY2" fmla="*/ 32842 h 32842"/>
+            </a:gdLst>
+            <a:ahLst/>
+            <a:cxnLst>
+              <a:cxn ang="0">
+                <a:pos x="connsiteX0" y="connsiteY0"/>
+              </a:cxn>
+              <a:cxn ang="0">
+                <a:pos x="connsiteX1" y="connsiteY1"/>
+              </a:cxn>
+              <a:cxn ang="0">
+                <a:pos x="connsiteX2" y="connsiteY2"/>
+              </a:cxn>
+            </a:cxnLst>
+            <a:rect l="l" t="t" r="r" b="b"/>
+            <a:pathLst>
+              <a:path w="283029" h="32842">
+                <a:moveTo>
+                  <a:pt x="0" y="21956"/>
+                </a:moveTo>
+                <a:cubicBezTo>
+                  <a:pt x="52614" y="10163"/>
+                  <a:pt x="105229" y="-1629"/>
+                  <a:pt x="152400" y="185"/>
+                </a:cubicBezTo>
+                <a:cubicBezTo>
+                  <a:pt x="199571" y="1999"/>
+                  <a:pt x="241300" y="17420"/>
+                  <a:pt x="283029" y="32842"/>
+                </a:cubicBezTo>
+              </a:path>
+            </a:pathLst>
+          </a:custGeom>
+          <a:noFill/>
+          <a:ln>
+            <a:solidFill>
+              <a:schemeClr val="accent1"/>
+            </a:solidFill>
+            <a:headEnd type="none" w="med" len="med"/>
+            <a:tailEnd type="arrow" w="med" len="med"/>
+          </a:ln>
+        </p:spPr>
+        <p:style>
+          <a:lnRef idx="2">
+            <a:schemeClr val="accent1">
+              <a:shade val="50000"/>
+            </a:schemeClr>
+          </a:lnRef>
+          <a:fillRef idx="1">
+            <a:schemeClr val="accent1"/>
+          </a:fillRef>
+          <a:effectRef idx="0">
+            <a:schemeClr val="accent1"/>
+          </a:effectRef>
+          <a:fontRef idx="minor">
+            <a:schemeClr val="lt1"/>
+          </a:fontRef>
+        </p:style>
+        <p:txBody>
+          <a:bodyPr rtlCol="0" anchor="ctr"/>
+          <a:lstStyle/>
+          <a:p>
+            <a:pPr algn="ctr"/>
+            <a:endParaRPr lang="de-DE"/>
+          </a:p>
+        </p:txBody>
+      </p:sp>
+      <p:sp>
+        <p:nvSpPr>
+          <p:cNvPr id="63" name="Rechteck 62">
+            <a:extLst>
+              <a:ext uri="{FF2B5EF4-FFF2-40B4-BE49-F238E27FC236}">
+                <a16:creationId xmlns:a16="http://schemas.microsoft.com/office/drawing/2014/main" id="{70004B9B-9A72-7242-8E81-FBEC4D1372D3}"/>
+              </a:ext>
+            </a:extLst>
+          </p:cNvPr>
+          <p:cNvSpPr/>
+          <p:nvPr/>
+        </p:nvSpPr>
+        <p:spPr>
+          <a:xfrm>
+            <a:off x="6498772" y="2013726"/>
+            <a:ext cx="1080000" cy="360000"/>
+          </a:xfrm>
+          <a:prstGeom prst="rect">
+            <a:avLst/>
+          </a:prstGeom>
+          <a:solidFill>
+            <a:schemeClr val="bg1"/>
+          </a:solidFill>
+          <a:ln>
+            <a:solidFill>
+              <a:schemeClr val="tx1"/>
+            </a:solidFill>
+            <a:headEnd type="none" w="med" len="med"/>
+            <a:tailEnd type="arrow" w="med" len="med"/>
+          </a:ln>
+        </p:spPr>
+        <p:style>
+          <a:lnRef idx="2">
+            <a:schemeClr val="accent1">
+              <a:shade val="50000"/>
+            </a:schemeClr>
+          </a:lnRef>
+          <a:fillRef idx="1">
+            <a:schemeClr val="accent1"/>
+          </a:fillRef>
+          <a:effectRef idx="0">
+            <a:schemeClr val="accent1"/>
+          </a:effectRef>
+          <a:fontRef idx="minor">
+            <a:schemeClr val="lt1"/>
+          </a:fontRef>
+        </p:style>
+        <p:txBody>
+          <a:bodyPr rtlCol="0" anchor="ctr"/>
+          <a:lstStyle/>
+          <a:p>
+            <a:pPr algn="ctr"/>
+            <a:r>
+              <a:rPr lang="de-DE" sz="1600" dirty="0">
+                <a:solidFill>
+                  <a:schemeClr val="tx1"/>
+                </a:solidFill>
+              </a:rPr>
+              <a:t>L</a:t>
+            </a:r>
+          </a:p>
+        </p:txBody>
+      </p:sp>
+      <p:sp>
+        <p:nvSpPr>
+          <p:cNvPr id="69" name="Rechteck 68">
+            <a:extLst>
+              <a:ext uri="{FF2B5EF4-FFF2-40B4-BE49-F238E27FC236}">
+                <a16:creationId xmlns:a16="http://schemas.microsoft.com/office/drawing/2014/main" id="{4C410494-8A26-0949-8563-72E2B90823E0}"/>
+              </a:ext>
+            </a:extLst>
+          </p:cNvPr>
+          <p:cNvSpPr/>
+          <p:nvPr/>
+        </p:nvSpPr>
+        <p:spPr>
+          <a:xfrm>
+            <a:off x="4506536" y="2013726"/>
+            <a:ext cx="1080000" cy="360000"/>
+          </a:xfrm>
+          <a:prstGeom prst="rect">
+            <a:avLst/>
+          </a:prstGeom>
+          <a:solidFill>
+            <a:schemeClr val="bg1"/>
+          </a:solidFill>
+          <a:ln>
+            <a:solidFill>
+              <a:schemeClr val="tx1"/>
+            </a:solidFill>
+            <a:headEnd type="none" w="med" len="med"/>
+            <a:tailEnd type="arrow" w="med" len="med"/>
+          </a:ln>
+        </p:spPr>
+        <p:style>
+          <a:lnRef idx="2">
+            <a:schemeClr val="accent1">
+              <a:shade val="50000"/>
+            </a:schemeClr>
+          </a:lnRef>
+          <a:fillRef idx="1">
+            <a:schemeClr val="accent1"/>
+          </a:fillRef>
+          <a:effectRef idx="0">
+            <a:schemeClr val="accent1"/>
+          </a:effectRef>
+          <a:fontRef idx="minor">
+            <a:schemeClr val="lt1"/>
+          </a:fontRef>
+        </p:style>
+        <p:txBody>
+          <a:bodyPr rtlCol="0" anchor="ctr"/>
+          <a:lstStyle/>
+          <a:p>
+            <a:pPr algn="ctr"/>
+            <a:r>
+              <a:rPr lang="de-DE" sz="1400" dirty="0">
+                <a:solidFill>
+                  <a:schemeClr val="tx1"/>
+                </a:solidFill>
+              </a:rPr>
+              <a:t>D</a:t>
+            </a:r>
+          </a:p>
+        </p:txBody>
+      </p:sp>
+      <p:cxnSp>
+        <p:nvCxnSpPr>
+          <p:cNvPr id="70" name="Gerade Verbindung mit Pfeil 69">
+            <a:extLst>
+              <a:ext uri="{FF2B5EF4-FFF2-40B4-BE49-F238E27FC236}">
+                <a16:creationId xmlns:a16="http://schemas.microsoft.com/office/drawing/2014/main" id="{27AC48A8-6C85-BD4C-9B4C-39B2FA716CFD}"/>
+              </a:ext>
+            </a:extLst>
+          </p:cNvPr>
+          <p:cNvCxnSpPr>
+            <a:cxnSpLocks/>
+            <a:stCxn id="69" idx="3"/>
+            <a:endCxn id="63" idx="1"/>
+          </p:cNvCxnSpPr>
+          <p:nvPr/>
+        </p:nvCxnSpPr>
+        <p:spPr>
+          <a:xfrm>
+            <a:off x="5586536" y="2193726"/>
+            <a:ext cx="912236" cy="0"/>
+          </a:xfrm>
+          <a:prstGeom prst="straightConnector1">
+            <a:avLst/>
+          </a:prstGeom>
+          <a:ln w="12700">
+            <a:solidFill>
+              <a:schemeClr val="tx1"/>
+            </a:solidFill>
+            <a:headEnd type="none" w="med" len="med"/>
+            <a:tailEnd type="arrow" w="med" len="med"/>
+          </a:ln>
+        </p:spPr>
+        <p:style>
+          <a:lnRef idx="1">
+            <a:schemeClr val="accent1"/>
+          </a:lnRef>
+          <a:fillRef idx="0">
+            <a:schemeClr val="accent1"/>
+          </a:fillRef>
+          <a:effectRef idx="0">
+            <a:schemeClr val="accent1"/>
+          </a:effectRef>
+          <a:fontRef idx="minor">
+            <a:schemeClr val="tx1"/>
+          </a:fontRef>
+        </p:style>
+      </p:cxnSp>
+      <p:sp>
+        <p:nvSpPr>
+          <p:cNvPr id="71" name="Textfeld 70">
+            <a:extLst>
+              <a:ext uri="{FF2B5EF4-FFF2-40B4-BE49-F238E27FC236}">
+                <a16:creationId xmlns:a16="http://schemas.microsoft.com/office/drawing/2014/main" id="{4122483B-E074-8141-9B45-0FAABF0B18D5}"/>
+              </a:ext>
+            </a:extLst>
+          </p:cNvPr>
+          <p:cNvSpPr txBox="1"/>
+          <p:nvPr/>
+        </p:nvSpPr>
+        <p:spPr>
+          <a:xfrm>
+            <a:off x="6223804" y="1920040"/>
+            <a:ext cx="300082" cy="369332"/>
+          </a:xfrm>
+          <a:prstGeom prst="rect">
+            <a:avLst/>
+          </a:prstGeom>
+          <a:noFill/>
+        </p:spPr>
+        <p:txBody>
+          <a:bodyPr wrap="none" rtlCol="0">
+            <a:spAutoFit/>
+          </a:bodyPr>
+          <a:lstStyle/>
+          <a:p>
+            <a:r>
+              <a:rPr lang="de-DE"/>
+              <a:t>*</a:t>
+            </a:r>
+            <a:endParaRPr lang="de-DE" dirty="0"/>
+          </a:p>
+        </p:txBody>
+      </p:sp>
+      <p:sp>
+        <p:nvSpPr>
+          <p:cNvPr id="72" name="Textfeld 71">
+            <a:extLst>
+              <a:ext uri="{FF2B5EF4-FFF2-40B4-BE49-F238E27FC236}">
+                <a16:creationId xmlns:a16="http://schemas.microsoft.com/office/drawing/2014/main" id="{94A04CA6-DF87-C248-B1E5-A92C61B70520}"/>
+              </a:ext>
+            </a:extLst>
+          </p:cNvPr>
+          <p:cNvSpPr txBox="1"/>
+          <p:nvPr/>
+        </p:nvSpPr>
+        <p:spPr>
+          <a:xfrm>
+            <a:off x="2427606" y="1964774"/>
+            <a:ext cx="1859805" cy="461665"/>
+          </a:xfrm>
+          <a:prstGeom prst="rect">
+            <a:avLst/>
+          </a:prstGeom>
+          <a:noFill/>
+        </p:spPr>
+        <p:txBody>
+          <a:bodyPr wrap="none" rtlCol="0">
+            <a:spAutoFit/>
+          </a:bodyPr>
+          <a:lstStyle/>
+          <a:p>
+            <a:pPr algn="r"/>
+            <a:r>
+              <a:rPr lang="de-DE" sz="1200" i="1" dirty="0" err="1">
+                <a:solidFill>
+                  <a:schemeClr val="accent1"/>
+                </a:solidFill>
+                <a:latin typeface="Comic Sans MS" panose="030F0902030302020204" pitchFamily="66" charset="0"/>
+              </a:rPr>
+              <a:t>pattern</a:t>
+            </a:r>
+            <a:r>
+              <a:rPr lang="de-DE" sz="1200" i="1" dirty="0">
+                <a:solidFill>
+                  <a:schemeClr val="accent1"/>
+                </a:solidFill>
+                <a:latin typeface="Comic Sans MS" panose="030F0902030302020204" pitchFamily="66" charset="0"/>
+              </a:rPr>
+              <a:t> </a:t>
+            </a:r>
+            <a:r>
+              <a:rPr lang="de-DE" sz="1200" i="1" dirty="0" err="1">
+                <a:solidFill>
+                  <a:schemeClr val="accent1"/>
+                </a:solidFill>
+                <a:latin typeface="Comic Sans MS" panose="030F0902030302020204" pitchFamily="66" charset="0"/>
+              </a:rPr>
+              <a:t>characterizing</a:t>
+            </a:r>
+            <a:r>
+              <a:rPr lang="de-DE" sz="1200" i="1" dirty="0">
+                <a:solidFill>
+                  <a:schemeClr val="accent1"/>
+                </a:solidFill>
+                <a:latin typeface="Comic Sans MS" panose="030F0902030302020204" pitchFamily="66" charset="0"/>
+              </a:rPr>
+              <a:t> </a:t>
+            </a:r>
+          </a:p>
+          <a:p>
+            <a:pPr algn="r"/>
+            <a:r>
+              <a:rPr lang="de-DE" sz="1200" i="1" dirty="0" err="1">
+                <a:solidFill>
+                  <a:schemeClr val="accent1"/>
+                </a:solidFill>
+                <a:latin typeface="Comic Sans MS" panose="030F0902030302020204" pitchFamily="66" charset="0"/>
+              </a:rPr>
+              <a:t>the</a:t>
+            </a:r>
+            <a:r>
+              <a:rPr lang="de-DE" sz="1200" i="1" dirty="0">
+                <a:solidFill>
+                  <a:schemeClr val="accent1"/>
+                </a:solidFill>
+                <a:latin typeface="Comic Sans MS" panose="030F0902030302020204" pitchFamily="66" charset="0"/>
+              </a:rPr>
+              <a:t> </a:t>
+            </a:r>
+            <a:r>
+              <a:rPr lang="de-DE" sz="1200" i="1" dirty="0" err="1">
+                <a:solidFill>
+                  <a:schemeClr val="accent1"/>
+                </a:solidFill>
+                <a:latin typeface="Comic Sans MS" panose="030F0902030302020204" pitchFamily="66" charset="0"/>
+              </a:rPr>
+              <a:t>property</a:t>
+            </a:r>
+            <a:r>
+              <a:rPr lang="de-DE" sz="1200" i="1" dirty="0">
+                <a:solidFill>
+                  <a:schemeClr val="accent1"/>
+                </a:solidFill>
+                <a:latin typeface="Comic Sans MS" panose="030F0902030302020204" pitchFamily="66" charset="0"/>
+              </a:rPr>
+              <a:t> CAD</a:t>
+            </a:r>
+            <a:r>
+              <a:rPr lang="de-DE" sz="1200" i="1" baseline="-25000" dirty="0">
+                <a:solidFill>
+                  <a:schemeClr val="accent1"/>
+                </a:solidFill>
+                <a:latin typeface="Comic Sans MS" panose="030F0902030302020204" pitchFamily="66" charset="0"/>
+              </a:rPr>
+              <a:t>2</a:t>
+            </a:r>
+          </a:p>
+        </p:txBody>
+      </p:sp>
+      <p:sp>
+        <p:nvSpPr>
+          <p:cNvPr id="73" name="Freihandform 72">
+            <a:extLst>
+              <a:ext uri="{FF2B5EF4-FFF2-40B4-BE49-F238E27FC236}">
+                <a16:creationId xmlns:a16="http://schemas.microsoft.com/office/drawing/2014/main" id="{93FF7E98-33CA-5446-A160-D434B8721679}"/>
+              </a:ext>
+            </a:extLst>
+          </p:cNvPr>
+          <p:cNvSpPr/>
+          <p:nvPr/>
+        </p:nvSpPr>
+        <p:spPr>
+          <a:xfrm>
+            <a:off x="4180114" y="2176827"/>
+            <a:ext cx="283029" cy="32842"/>
+          </a:xfrm>
+          <a:custGeom>
+            <a:avLst/>
+            <a:gdLst>
+              <a:gd name="connsiteX0" fmla="*/ 0 w 283029"/>
+              <a:gd name="connsiteY0" fmla="*/ 21956 h 32842"/>
+              <a:gd name="connsiteX1" fmla="*/ 152400 w 283029"/>
+              <a:gd name="connsiteY1" fmla="*/ 185 h 32842"/>
+              <a:gd name="connsiteX2" fmla="*/ 283029 w 283029"/>
+              <a:gd name="connsiteY2" fmla="*/ 32842 h 32842"/>
+            </a:gdLst>
+            <a:ahLst/>
+            <a:cxnLst>
+              <a:cxn ang="0">
+                <a:pos x="connsiteX0" y="connsiteY0"/>
+              </a:cxn>
+              <a:cxn ang="0">
+                <a:pos x="connsiteX1" y="connsiteY1"/>
+              </a:cxn>
+              <a:cxn ang="0">
+                <a:pos x="connsiteX2" y="connsiteY2"/>
+              </a:cxn>
+            </a:cxnLst>
+            <a:rect l="l" t="t" r="r" b="b"/>
+            <a:pathLst>
+              <a:path w="283029" h="32842">
+                <a:moveTo>
+                  <a:pt x="0" y="21956"/>
+                </a:moveTo>
+                <a:cubicBezTo>
+                  <a:pt x="52614" y="10163"/>
+                  <a:pt x="105229" y="-1629"/>
+                  <a:pt x="152400" y="185"/>
+                </a:cubicBezTo>
+                <a:cubicBezTo>
+                  <a:pt x="199571" y="1999"/>
+                  <a:pt x="241300" y="17420"/>
+                  <a:pt x="283029" y="32842"/>
+                </a:cubicBezTo>
+              </a:path>
+            </a:pathLst>
+          </a:custGeom>
+          <a:noFill/>
+          <a:ln>
+            <a:solidFill>
+              <a:schemeClr val="accent1"/>
+            </a:solidFill>
+            <a:headEnd type="none" w="med" len="med"/>
+            <a:tailEnd type="arrow" w="med" len="med"/>
+          </a:ln>
+        </p:spPr>
+        <p:style>
+          <a:lnRef idx="2">
+            <a:schemeClr val="accent1">
+              <a:shade val="50000"/>
+            </a:schemeClr>
+          </a:lnRef>
+          <a:fillRef idx="1">
+            <a:schemeClr val="accent1"/>
+          </a:fillRef>
+          <a:effectRef idx="0">
+            <a:schemeClr val="accent1"/>
+          </a:effectRef>
+          <a:fontRef idx="minor">
+            <a:schemeClr val="lt1"/>
+          </a:fontRef>
+        </p:style>
+        <p:txBody>
+          <a:bodyPr rtlCol="0" anchor="ctr"/>
+          <a:lstStyle/>
+          <a:p>
+            <a:pPr algn="ctr"/>
+            <a:endParaRPr lang="de-DE"/>
+          </a:p>
+        </p:txBody>
+      </p:sp>
+      <p:cxnSp>
+        <p:nvCxnSpPr>
+          <p:cNvPr id="35" name="Gerade Verbindung 34">
+            <a:extLst>
+              <a:ext uri="{FF2B5EF4-FFF2-40B4-BE49-F238E27FC236}">
+                <a16:creationId xmlns:a16="http://schemas.microsoft.com/office/drawing/2014/main" id="{9FEA822E-FEF0-934C-94F8-190683D84A10}"/>
+              </a:ext>
+            </a:extLst>
+          </p:cNvPr>
+          <p:cNvCxnSpPr/>
+          <p:nvPr/>
+        </p:nvCxnSpPr>
+        <p:spPr>
+          <a:xfrm>
+            <a:off x="2427606" y="1766577"/>
+            <a:ext cx="7128000" cy="0"/>
+          </a:xfrm>
+          <a:prstGeom prst="line">
+            <a:avLst/>
+          </a:prstGeom>
+          <a:ln w="12700">
+            <a:solidFill>
+              <a:schemeClr val="tx1"/>
+            </a:solidFill>
+            <a:headEnd type="none" w="med" len="med"/>
+            <a:tailEnd type="none" w="med" len="med"/>
+          </a:ln>
+        </p:spPr>
+        <p:style>
+          <a:lnRef idx="1">
+            <a:schemeClr val="accent1"/>
+          </a:lnRef>
+          <a:fillRef idx="0">
+            <a:schemeClr val="accent1"/>
+          </a:fillRef>
+          <a:effectRef idx="0">
+            <a:schemeClr val="accent1"/>
+          </a:effectRef>
+          <a:fontRef idx="minor">
+            <a:schemeClr val="tx1"/>
+          </a:fontRef>
+        </p:style>
+      </p:cxnSp>
+    </p:spTree>
+    <p:extLst>
+      <p:ext uri="{BB962C8B-B14F-4D97-AF65-F5344CB8AC3E}">
+        <p14:creationId xmlns:p14="http://schemas.microsoft.com/office/powerpoint/2010/main" val="3440358816"/>
       </p:ext>
     </p:extLst>
   </p:cSld>

--- a/img/PCAD.pptx
+++ b/img/PCAD.pptx
@@ -8,6 +8,7 @@
     <p:sldId id="257" r:id="rId2"/>
     <p:sldId id="258" r:id="rId3"/>
     <p:sldId id="259" r:id="rId4"/>
+    <p:sldId id="260" r:id="rId5"/>
   </p:sldIdLst>
   <p:sldSz cx="12192000" cy="6858000"/>
   <p:notesSz cx="6858000" cy="9144000"/>
@@ -261,7 +262,7 @@
           <a:p>
             <a:fld id="{C82DCF77-BEA7-6C42-B65C-E5761D0F8E88}" type="datetimeFigureOut">
               <a:rPr lang="de-DE" smtClean="0"/>
-              <a:t>04.07.19</a:t>
+              <a:t>06.07.2019</a:t>
             </a:fld>
             <a:endParaRPr lang="de-DE"/>
           </a:p>
@@ -315,7 +316,7 @@
           <a:p>
             <a:fld id="{209BE7C2-4543-EB47-9ACA-A1C83460A989}" type="slidenum">
               <a:rPr lang="de-DE" smtClean="0"/>
-              <a:t>‹Nr.›</a:t>
+              <a:t>‹#›</a:t>
             </a:fld>
             <a:endParaRPr lang="de-DE"/>
           </a:p>
@@ -459,7 +460,7 @@
           <a:p>
             <a:fld id="{C82DCF77-BEA7-6C42-B65C-E5761D0F8E88}" type="datetimeFigureOut">
               <a:rPr lang="de-DE" smtClean="0"/>
-              <a:t>04.07.19</a:t>
+              <a:t>06.07.2019</a:t>
             </a:fld>
             <a:endParaRPr lang="de-DE"/>
           </a:p>
@@ -513,7 +514,7 @@
           <a:p>
             <a:fld id="{209BE7C2-4543-EB47-9ACA-A1C83460A989}" type="slidenum">
               <a:rPr lang="de-DE" smtClean="0"/>
-              <a:t>‹Nr.›</a:t>
+              <a:t>‹#›</a:t>
             </a:fld>
             <a:endParaRPr lang="de-DE"/>
           </a:p>
@@ -667,7 +668,7 @@
           <a:p>
             <a:fld id="{C82DCF77-BEA7-6C42-B65C-E5761D0F8E88}" type="datetimeFigureOut">
               <a:rPr lang="de-DE" smtClean="0"/>
-              <a:t>04.07.19</a:t>
+              <a:t>06.07.2019</a:t>
             </a:fld>
             <a:endParaRPr lang="de-DE"/>
           </a:p>
@@ -721,7 +722,7 @@
           <a:p>
             <a:fld id="{209BE7C2-4543-EB47-9ACA-A1C83460A989}" type="slidenum">
               <a:rPr lang="de-DE" smtClean="0"/>
-              <a:t>‹Nr.›</a:t>
+              <a:t>‹#›</a:t>
             </a:fld>
             <a:endParaRPr lang="de-DE"/>
           </a:p>
@@ -865,7 +866,7 @@
           <a:p>
             <a:fld id="{C82DCF77-BEA7-6C42-B65C-E5761D0F8E88}" type="datetimeFigureOut">
               <a:rPr lang="de-DE" smtClean="0"/>
-              <a:t>04.07.19</a:t>
+              <a:t>06.07.2019</a:t>
             </a:fld>
             <a:endParaRPr lang="de-DE"/>
           </a:p>
@@ -919,7 +920,7 @@
           <a:p>
             <a:fld id="{209BE7C2-4543-EB47-9ACA-A1C83460A989}" type="slidenum">
               <a:rPr lang="de-DE" smtClean="0"/>
-              <a:t>‹Nr.›</a:t>
+              <a:t>‹#›</a:t>
             </a:fld>
             <a:endParaRPr lang="de-DE"/>
           </a:p>
@@ -1140,7 +1141,7 @@
           <a:p>
             <a:fld id="{C82DCF77-BEA7-6C42-B65C-E5761D0F8E88}" type="datetimeFigureOut">
               <a:rPr lang="de-DE" smtClean="0"/>
-              <a:t>04.07.19</a:t>
+              <a:t>06.07.2019</a:t>
             </a:fld>
             <a:endParaRPr lang="de-DE"/>
           </a:p>
@@ -1194,7 +1195,7 @@
           <a:p>
             <a:fld id="{209BE7C2-4543-EB47-9ACA-A1C83460A989}" type="slidenum">
               <a:rPr lang="de-DE" smtClean="0"/>
-              <a:t>‹Nr.›</a:t>
+              <a:t>‹#›</a:t>
             </a:fld>
             <a:endParaRPr lang="de-DE"/>
           </a:p>
@@ -1405,7 +1406,7 @@
           <a:p>
             <a:fld id="{C82DCF77-BEA7-6C42-B65C-E5761D0F8E88}" type="datetimeFigureOut">
               <a:rPr lang="de-DE" smtClean="0"/>
-              <a:t>04.07.19</a:t>
+              <a:t>06.07.2019</a:t>
             </a:fld>
             <a:endParaRPr lang="de-DE"/>
           </a:p>
@@ -1459,7 +1460,7 @@
           <a:p>
             <a:fld id="{209BE7C2-4543-EB47-9ACA-A1C83460A989}" type="slidenum">
               <a:rPr lang="de-DE" smtClean="0"/>
-              <a:t>‹Nr.›</a:t>
+              <a:t>‹#›</a:t>
             </a:fld>
             <a:endParaRPr lang="de-DE"/>
           </a:p>
@@ -1817,7 +1818,7 @@
           <a:p>
             <a:fld id="{C82DCF77-BEA7-6C42-B65C-E5761D0F8E88}" type="datetimeFigureOut">
               <a:rPr lang="de-DE" smtClean="0"/>
-              <a:t>04.07.19</a:t>
+              <a:t>06.07.2019</a:t>
             </a:fld>
             <a:endParaRPr lang="de-DE"/>
           </a:p>
@@ -1871,7 +1872,7 @@
           <a:p>
             <a:fld id="{209BE7C2-4543-EB47-9ACA-A1C83460A989}" type="slidenum">
               <a:rPr lang="de-DE" smtClean="0"/>
-              <a:t>‹Nr.›</a:t>
+              <a:t>‹#›</a:t>
             </a:fld>
             <a:endParaRPr lang="de-DE"/>
           </a:p>
@@ -1958,7 +1959,7 @@
           <a:p>
             <a:fld id="{C82DCF77-BEA7-6C42-B65C-E5761D0F8E88}" type="datetimeFigureOut">
               <a:rPr lang="de-DE" smtClean="0"/>
-              <a:t>04.07.19</a:t>
+              <a:t>06.07.2019</a:t>
             </a:fld>
             <a:endParaRPr lang="de-DE"/>
           </a:p>
@@ -2012,7 +2013,7 @@
           <a:p>
             <a:fld id="{209BE7C2-4543-EB47-9ACA-A1C83460A989}" type="slidenum">
               <a:rPr lang="de-DE" smtClean="0"/>
-              <a:t>‹Nr.›</a:t>
+              <a:t>‹#›</a:t>
             </a:fld>
             <a:endParaRPr lang="de-DE"/>
           </a:p>
@@ -2071,7 +2072,7 @@
           <a:p>
             <a:fld id="{C82DCF77-BEA7-6C42-B65C-E5761D0F8E88}" type="datetimeFigureOut">
               <a:rPr lang="de-DE" smtClean="0"/>
-              <a:t>04.07.19</a:t>
+              <a:t>06.07.2019</a:t>
             </a:fld>
             <a:endParaRPr lang="de-DE"/>
           </a:p>
@@ -2125,7 +2126,7 @@
           <a:p>
             <a:fld id="{209BE7C2-4543-EB47-9ACA-A1C83460A989}" type="slidenum">
               <a:rPr lang="de-DE" smtClean="0"/>
-              <a:t>‹Nr.›</a:t>
+              <a:t>‹#›</a:t>
             </a:fld>
             <a:endParaRPr lang="de-DE"/>
           </a:p>
@@ -2382,7 +2383,7 @@
           <a:p>
             <a:fld id="{C82DCF77-BEA7-6C42-B65C-E5761D0F8E88}" type="datetimeFigureOut">
               <a:rPr lang="de-DE" smtClean="0"/>
-              <a:t>04.07.19</a:t>
+              <a:t>06.07.2019</a:t>
             </a:fld>
             <a:endParaRPr lang="de-DE"/>
           </a:p>
@@ -2436,7 +2437,7 @@
           <a:p>
             <a:fld id="{209BE7C2-4543-EB47-9ACA-A1C83460A989}" type="slidenum">
               <a:rPr lang="de-DE" smtClean="0"/>
-              <a:t>‹Nr.›</a:t>
+              <a:t>‹#›</a:t>
             </a:fld>
             <a:endParaRPr lang="de-DE"/>
           </a:p>
@@ -2670,7 +2671,7 @@
           <a:p>
             <a:fld id="{C82DCF77-BEA7-6C42-B65C-E5761D0F8E88}" type="datetimeFigureOut">
               <a:rPr lang="de-DE" smtClean="0"/>
-              <a:t>04.07.19</a:t>
+              <a:t>06.07.2019</a:t>
             </a:fld>
             <a:endParaRPr lang="de-DE"/>
           </a:p>
@@ -2724,7 +2725,7 @@
           <a:p>
             <a:fld id="{209BE7C2-4543-EB47-9ACA-A1C83460A989}" type="slidenum">
               <a:rPr lang="de-DE" smtClean="0"/>
-              <a:t>‹Nr.›</a:t>
+              <a:t>‹#›</a:t>
             </a:fld>
             <a:endParaRPr lang="de-DE"/>
           </a:p>
@@ -2911,7 +2912,7 @@
           <a:p>
             <a:fld id="{C82DCF77-BEA7-6C42-B65C-E5761D0F8E88}" type="datetimeFigureOut">
               <a:rPr lang="de-DE" smtClean="0"/>
-              <a:t>04.07.19</a:t>
+              <a:t>06.07.2019</a:t>
             </a:fld>
             <a:endParaRPr lang="de-DE"/>
           </a:p>
@@ -3001,7 +3002,7 @@
           <a:p>
             <a:fld id="{209BE7C2-4543-EB47-9ACA-A1C83460A989}" type="slidenum">
               <a:rPr lang="de-DE" smtClean="0"/>
-              <a:t>‹Nr.›</a:t>
+              <a:t>‹#›</a:t>
             </a:fld>
             <a:endParaRPr lang="de-DE"/>
           </a:p>
@@ -3569,6 +3570,14 @@
               </a:rPr>
               <a:t>draw</a:t>
             </a:r>
+            <a:r>
+              <a:rPr lang="de-DE" sz="2000" dirty="0">
+                <a:solidFill>
+                  <a:schemeClr val="tx1"/>
+                </a:solidFill>
+              </a:rPr>
+              <a:t/>
+            </a:r>
             <a:br>
               <a:rPr lang="de-DE" sz="2000" dirty="0">
                 <a:solidFill>
@@ -3650,6 +3659,14 @@
               </a:rPr>
               <a:t>validate</a:t>
             </a:r>
+            <a:r>
+              <a:rPr lang="de-DE" sz="2000" dirty="0">
+                <a:solidFill>
+                  <a:schemeClr val="tx1"/>
+                </a:solidFill>
+              </a:rPr>
+              <a:t/>
+            </a:r>
             <a:br>
               <a:rPr lang="de-DE" sz="2000" dirty="0">
                 <a:solidFill>
@@ -3746,6 +3763,14 @@
                 </a:solidFill>
               </a:rPr>
               <a:t>to</a:t>
+            </a:r>
+            <a:r>
+              <a:rPr lang="de-DE" sz="2000" dirty="0">
+                <a:solidFill>
+                  <a:schemeClr val="tx1"/>
+                </a:solidFill>
+              </a:rPr>
+              <a:t/>
             </a:r>
             <a:br>
               <a:rPr lang="de-DE" sz="2000" dirty="0">
@@ -5635,6 +5660,13 @@
   <p:clrMapOvr>
     <a:masterClrMapping/>
   </p:clrMapOvr>
+  <p:timing>
+    <p:tnLst>
+      <p:par>
+        <p:cTn id="1" dur="indefinite" restart="never" nodeType="tmRoot"/>
+      </p:par>
+    </p:tnLst>
+  </p:timing>
 </p:sld>
 </file>
 
@@ -6452,6 +6484,14 @@
                 </a:rPr>
                 <a:t>draw</a:t>
               </a:r>
+              <a:r>
+                <a:rPr lang="de-DE" sz="1600" dirty="0">
+                  <a:solidFill>
+                    <a:schemeClr val="tx1"/>
+                  </a:solidFill>
+                </a:rPr>
+                <a:t/>
+              </a:r>
               <a:br>
                 <a:rPr lang="de-DE" sz="1600" dirty="0">
                   <a:solidFill>
@@ -6627,6 +6667,14 @@
                   </a:solidFill>
                 </a:rPr>
                 <a:t>to</a:t>
+              </a:r>
+              <a:r>
+                <a:rPr lang="de-DE" sz="1600" dirty="0">
+                  <a:solidFill>
+                    <a:schemeClr val="tx1"/>
+                  </a:solidFill>
+                </a:rPr>
+                <a:t/>
               </a:r>
               <a:br>
                 <a:rPr lang="de-DE" sz="1600" dirty="0">
@@ -7480,6 +7528,14 @@
                   </a:solidFill>
                 </a:rPr>
                 <a:t>calculate</a:t>
+              </a:r>
+              <a:r>
+                <a:rPr lang="de-DE" sz="1600" dirty="0">
+                  <a:solidFill>
+                    <a:schemeClr val="tx1"/>
+                  </a:solidFill>
+                </a:rPr>
+                <a:t/>
               </a:r>
               <a:br>
                 <a:rPr lang="de-DE" sz="1600" dirty="0">
@@ -8284,6 +8340,13 @@
   <p:clrMapOvr>
     <a:masterClrMapping/>
   </p:clrMapOvr>
+  <p:timing>
+    <p:tnLst>
+      <p:par>
+        <p:cTn id="1" dur="indefinite" restart="never" nodeType="tmRoot"/>
+      </p:par>
+    </p:tnLst>
+  </p:timing>
 </p:sld>
 </file>
 
@@ -9476,6 +9539,1155 @@
   <p:clrMapOvr>
     <a:masterClrMapping/>
   </p:clrMapOvr>
+  <p:timing>
+    <p:tnLst>
+      <p:par>
+        <p:cTn id="1" dur="indefinite" restart="never" nodeType="tmRoot"/>
+      </p:par>
+    </p:tnLst>
+  </p:timing>
+</p:sld>
+</file>
+
+<file path=ppt/slides/slide4.xml><?xml version="1.0" encoding="utf-8"?>
+<p:sld xmlns:a="http://schemas.openxmlformats.org/drawingml/2006/main" xmlns:r="http://schemas.openxmlformats.org/officeDocument/2006/relationships" xmlns:p="http://schemas.openxmlformats.org/presentationml/2006/main">
+  <p:cSld>
+    <p:spTree>
+      <p:nvGrpSpPr>
+        <p:cNvPr id="1" name=""/>
+        <p:cNvGrpSpPr/>
+        <p:nvPr/>
+      </p:nvGrpSpPr>
+      <p:grpSpPr>
+        <a:xfrm>
+          <a:off x="0" y="0"/>
+          <a:ext cx="0" cy="0"/>
+          <a:chOff x="0" y="0"/>
+          <a:chExt cx="0" cy="0"/>
+        </a:xfrm>
+      </p:grpSpPr>
+      <p:sp>
+        <p:nvSpPr>
+          <p:cNvPr id="4" name="Rectangle 3"/>
+          <p:cNvSpPr/>
+          <p:nvPr/>
+        </p:nvSpPr>
+        <p:spPr>
+          <a:xfrm>
+            <a:off x="1258844" y="474845"/>
+            <a:ext cx="580347" cy="442694"/>
+          </a:xfrm>
+          <a:prstGeom prst="rect">
+            <a:avLst/>
+          </a:prstGeom>
+          <a:noFill/>
+          <a:ln>
+            <a:solidFill>
+              <a:schemeClr val="tx1"/>
+            </a:solidFill>
+            <a:headEnd type="none" w="med" len="med"/>
+            <a:tailEnd type="arrow" w="med" len="med"/>
+          </a:ln>
+        </p:spPr>
+        <p:style>
+          <a:lnRef idx="2">
+            <a:schemeClr val="accent1">
+              <a:shade val="50000"/>
+            </a:schemeClr>
+          </a:lnRef>
+          <a:fillRef idx="1">
+            <a:schemeClr val="accent1"/>
+          </a:fillRef>
+          <a:effectRef idx="0">
+            <a:schemeClr val="accent1"/>
+          </a:effectRef>
+          <a:fontRef idx="minor">
+            <a:schemeClr val="lt1"/>
+          </a:fontRef>
+        </p:style>
+        <p:txBody>
+          <a:bodyPr rtlCol="0" anchor="ctr"/>
+          <a:lstStyle/>
+          <a:p>
+            <a:pPr algn="ctr"/>
+            <a:r>
+              <a:rPr lang="fr-FR" dirty="0" smtClean="0">
+                <a:solidFill>
+                  <a:schemeClr val="tx1"/>
+                </a:solidFill>
+              </a:rPr>
+              <a:t>C</a:t>
+            </a:r>
+            <a:endParaRPr lang="en-GB" dirty="0">
+              <a:solidFill>
+                <a:schemeClr val="tx1"/>
+              </a:solidFill>
+            </a:endParaRPr>
+          </a:p>
+        </p:txBody>
+      </p:sp>
+      <p:sp>
+        <p:nvSpPr>
+          <p:cNvPr id="5" name="Rectangle 4"/>
+          <p:cNvSpPr/>
+          <p:nvPr/>
+        </p:nvSpPr>
+        <p:spPr>
+          <a:xfrm>
+            <a:off x="1258842" y="1462057"/>
+            <a:ext cx="580347" cy="442694"/>
+          </a:xfrm>
+          <a:prstGeom prst="rect">
+            <a:avLst/>
+          </a:prstGeom>
+          <a:noFill/>
+          <a:ln>
+            <a:solidFill>
+              <a:schemeClr val="tx1"/>
+            </a:solidFill>
+            <a:headEnd type="none" w="med" len="med"/>
+            <a:tailEnd type="arrow" w="med" len="med"/>
+          </a:ln>
+        </p:spPr>
+        <p:style>
+          <a:lnRef idx="2">
+            <a:schemeClr val="accent1">
+              <a:shade val="50000"/>
+            </a:schemeClr>
+          </a:lnRef>
+          <a:fillRef idx="1">
+            <a:schemeClr val="accent1"/>
+          </a:fillRef>
+          <a:effectRef idx="0">
+            <a:schemeClr val="accent1"/>
+          </a:effectRef>
+          <a:fontRef idx="minor">
+            <a:schemeClr val="lt1"/>
+          </a:fontRef>
+        </p:style>
+        <p:txBody>
+          <a:bodyPr rtlCol="0" anchor="ctr"/>
+          <a:lstStyle/>
+          <a:p>
+            <a:pPr algn="ctr"/>
+            <a:r>
+              <a:rPr lang="fr-FR" dirty="0">
+                <a:solidFill>
+                  <a:schemeClr val="tx1"/>
+                </a:solidFill>
+              </a:rPr>
+              <a:t>P</a:t>
+            </a:r>
+            <a:endParaRPr lang="en-GB" dirty="0">
+              <a:solidFill>
+                <a:schemeClr val="tx1"/>
+              </a:solidFill>
+            </a:endParaRPr>
+          </a:p>
+        </p:txBody>
+      </p:sp>
+      <p:cxnSp>
+        <p:nvCxnSpPr>
+          <p:cNvPr id="9" name="Elbow Connector 8"/>
+          <p:cNvCxnSpPr>
+            <a:stCxn id="4" idx="3"/>
+            <a:endCxn id="4" idx="0"/>
+          </p:cNvCxnSpPr>
+          <p:nvPr/>
+        </p:nvCxnSpPr>
+        <p:spPr>
+          <a:xfrm flipH="1" flipV="1">
+            <a:off x="1549018" y="474845"/>
+            <a:ext cx="290173" cy="221347"/>
+          </a:xfrm>
+          <a:prstGeom prst="bentConnector4">
+            <a:avLst>
+              <a:gd name="adj1" fmla="val -78781"/>
+              <a:gd name="adj2" fmla="val 203277"/>
+            </a:avLst>
+          </a:prstGeom>
+          <a:ln w="12700">
+            <a:solidFill>
+              <a:schemeClr val="tx1"/>
+            </a:solidFill>
+            <a:headEnd type="none" w="med" len="med"/>
+            <a:tailEnd type="arrow" w="med" len="med"/>
+          </a:ln>
+        </p:spPr>
+        <p:style>
+          <a:lnRef idx="1">
+            <a:schemeClr val="accent1"/>
+          </a:lnRef>
+          <a:fillRef idx="0">
+            <a:schemeClr val="accent1"/>
+          </a:fillRef>
+          <a:effectRef idx="0">
+            <a:schemeClr val="accent1"/>
+          </a:effectRef>
+          <a:fontRef idx="minor">
+            <a:schemeClr val="tx1"/>
+          </a:fontRef>
+        </p:style>
+      </p:cxnSp>
+      <p:cxnSp>
+        <p:nvCxnSpPr>
+          <p:cNvPr id="12" name="Straight Arrow Connector 11"/>
+          <p:cNvCxnSpPr>
+            <a:stCxn id="4" idx="2"/>
+            <a:endCxn id="5" idx="0"/>
+          </p:cNvCxnSpPr>
+          <p:nvPr/>
+        </p:nvCxnSpPr>
+        <p:spPr>
+          <a:xfrm flipH="1">
+            <a:off x="1549016" y="917539"/>
+            <a:ext cx="2" cy="544518"/>
+          </a:xfrm>
+          <a:prstGeom prst="straightConnector1">
+            <a:avLst/>
+          </a:prstGeom>
+          <a:ln w="12700">
+            <a:solidFill>
+              <a:schemeClr val="tx1"/>
+            </a:solidFill>
+            <a:headEnd type="none" w="med" len="med"/>
+            <a:tailEnd type="arrow"/>
+          </a:ln>
+        </p:spPr>
+        <p:style>
+          <a:lnRef idx="1">
+            <a:schemeClr val="accent1"/>
+          </a:lnRef>
+          <a:fillRef idx="0">
+            <a:schemeClr val="accent1"/>
+          </a:fillRef>
+          <a:effectRef idx="0">
+            <a:schemeClr val="accent1"/>
+          </a:effectRef>
+          <a:fontRef idx="minor">
+            <a:schemeClr val="tx1"/>
+          </a:fontRef>
+        </p:style>
+      </p:cxnSp>
+      <p:sp>
+        <p:nvSpPr>
+          <p:cNvPr id="13" name="Rectangle 12"/>
+          <p:cNvSpPr/>
+          <p:nvPr/>
+        </p:nvSpPr>
+        <p:spPr>
+          <a:xfrm rot="2700000">
+            <a:off x="1513016" y="932451"/>
+            <a:ext cx="72000" cy="72000"/>
+          </a:xfrm>
+          <a:prstGeom prst="rect">
+            <a:avLst/>
+          </a:prstGeom>
+          <a:solidFill>
+            <a:schemeClr val="tx1"/>
+          </a:solidFill>
+          <a:ln>
+            <a:noFill/>
+            <a:headEnd type="none" w="med" len="med"/>
+            <a:tailEnd type="arrow" w="med" len="med"/>
+          </a:ln>
+        </p:spPr>
+        <p:style>
+          <a:lnRef idx="2">
+            <a:schemeClr val="accent1">
+              <a:shade val="50000"/>
+            </a:schemeClr>
+          </a:lnRef>
+          <a:fillRef idx="1">
+            <a:schemeClr val="accent1"/>
+          </a:fillRef>
+          <a:effectRef idx="0">
+            <a:schemeClr val="accent1"/>
+          </a:effectRef>
+          <a:fontRef idx="minor">
+            <a:schemeClr val="lt1"/>
+          </a:fontRef>
+        </p:style>
+        <p:txBody>
+          <a:bodyPr rtlCol="0" anchor="ctr"/>
+          <a:lstStyle/>
+          <a:p>
+            <a:pPr algn="ctr"/>
+            <a:endParaRPr lang="en-GB"/>
+          </a:p>
+        </p:txBody>
+      </p:sp>
+      <p:sp>
+        <p:nvSpPr>
+          <p:cNvPr id="14" name="TextBox 13"/>
+          <p:cNvSpPr txBox="1"/>
+          <p:nvPr/>
+        </p:nvSpPr>
+        <p:spPr>
+          <a:xfrm>
+            <a:off x="1569315" y="167088"/>
+            <a:ext cx="539750" cy="261610"/>
+          </a:xfrm>
+          <a:prstGeom prst="rect">
+            <a:avLst/>
+          </a:prstGeom>
+          <a:noFill/>
+        </p:spPr>
+        <p:txBody>
+          <a:bodyPr wrap="square" rtlCol="0">
+            <a:spAutoFit/>
+          </a:bodyPr>
+          <a:lstStyle/>
+          <a:p>
+            <a:r>
+              <a:rPr lang="fr-FR" sz="1100" dirty="0" smtClean="0"/>
+              <a:t>super</a:t>
+            </a:r>
+            <a:endParaRPr lang="en-GB" sz="1100" dirty="0"/>
+          </a:p>
+        </p:txBody>
+      </p:sp>
+      <p:sp>
+        <p:nvSpPr>
+          <p:cNvPr id="16" name="TextBox 15"/>
+          <p:cNvSpPr txBox="1"/>
+          <p:nvPr/>
+        </p:nvSpPr>
+        <p:spPr>
+          <a:xfrm>
+            <a:off x="1498104" y="1138886"/>
+            <a:ext cx="539750" cy="261610"/>
+          </a:xfrm>
+          <a:prstGeom prst="rect">
+            <a:avLst/>
+          </a:prstGeom>
+          <a:noFill/>
+        </p:spPr>
+        <p:txBody>
+          <a:bodyPr wrap="square" rtlCol="0">
+            <a:spAutoFit/>
+          </a:bodyPr>
+          <a:lstStyle/>
+          <a:p>
+            <a:r>
+              <a:rPr lang="fr-FR" sz="1100" dirty="0" err="1" smtClean="0"/>
+              <a:t>props</a:t>
+            </a:r>
+            <a:endParaRPr lang="en-GB" sz="1100" dirty="0"/>
+          </a:p>
+        </p:txBody>
+      </p:sp>
+      <p:sp>
+        <p:nvSpPr>
+          <p:cNvPr id="17" name="TextBox 16"/>
+          <p:cNvSpPr txBox="1"/>
+          <p:nvPr/>
+        </p:nvSpPr>
+        <p:spPr>
+          <a:xfrm>
+            <a:off x="1110754" y="1160172"/>
+            <a:ext cx="489174" cy="261610"/>
+          </a:xfrm>
+          <a:prstGeom prst="rect">
+            <a:avLst/>
+          </a:prstGeom>
+          <a:noFill/>
+        </p:spPr>
+        <p:txBody>
+          <a:bodyPr wrap="square" rtlCol="0">
+            <a:spAutoFit/>
+          </a:bodyPr>
+          <a:lstStyle/>
+          <a:p>
+            <a:r>
+              <a:rPr lang="fr-FR" sz="1100" dirty="0" smtClean="0"/>
+              <a:t>[0..*]</a:t>
+            </a:r>
+            <a:endParaRPr lang="en-GB" sz="1100" dirty="0"/>
+          </a:p>
+        </p:txBody>
+      </p:sp>
+      <p:sp>
+        <p:nvSpPr>
+          <p:cNvPr id="18" name="TextBox 17"/>
+          <p:cNvSpPr txBox="1"/>
+          <p:nvPr/>
+        </p:nvSpPr>
+        <p:spPr>
+          <a:xfrm>
+            <a:off x="1116832" y="177731"/>
+            <a:ext cx="489174" cy="261610"/>
+          </a:xfrm>
+          <a:prstGeom prst="rect">
+            <a:avLst/>
+          </a:prstGeom>
+          <a:noFill/>
+        </p:spPr>
+        <p:txBody>
+          <a:bodyPr wrap="square" rtlCol="0">
+            <a:spAutoFit/>
+          </a:bodyPr>
+          <a:lstStyle/>
+          <a:p>
+            <a:r>
+              <a:rPr lang="fr-FR" sz="1100" dirty="0" smtClean="0"/>
+              <a:t>[0..*]</a:t>
+            </a:r>
+            <a:endParaRPr lang="en-GB" sz="1100" dirty="0"/>
+          </a:p>
+        </p:txBody>
+      </p:sp>
+      <p:sp>
+        <p:nvSpPr>
+          <p:cNvPr id="2" name="Rectangle 1"/>
+          <p:cNvSpPr/>
+          <p:nvPr/>
+        </p:nvSpPr>
+        <p:spPr>
+          <a:xfrm>
+            <a:off x="4135687" y="277983"/>
+            <a:ext cx="936000" cy="504000"/>
+          </a:xfrm>
+          <a:prstGeom prst="rect">
+            <a:avLst/>
+          </a:prstGeom>
+          <a:noFill/>
+          <a:ln w="38100" cmpd="dbl">
+            <a:solidFill>
+              <a:schemeClr val="tx1"/>
+            </a:solidFill>
+            <a:headEnd type="none" w="med" len="med"/>
+            <a:tailEnd type="arrow" w="med" len="med"/>
+          </a:ln>
+        </p:spPr>
+        <p:style>
+          <a:lnRef idx="2">
+            <a:schemeClr val="accent1">
+              <a:shade val="50000"/>
+            </a:schemeClr>
+          </a:lnRef>
+          <a:fillRef idx="1">
+            <a:schemeClr val="accent1"/>
+          </a:fillRef>
+          <a:effectRef idx="0">
+            <a:schemeClr val="accent1"/>
+          </a:effectRef>
+          <a:fontRef idx="minor">
+            <a:schemeClr val="lt1"/>
+          </a:fontRef>
+        </p:style>
+        <p:txBody>
+          <a:bodyPr rtlCol="0" anchor="ctr"/>
+          <a:lstStyle/>
+          <a:p>
+            <a:pPr algn="ctr"/>
+            <a:r>
+              <a:rPr lang="fr-FR" sz="1600" dirty="0">
+                <a:solidFill>
+                  <a:schemeClr val="tx1"/>
+                </a:solidFill>
+              </a:rPr>
+              <a:t>OO_MM</a:t>
+            </a:r>
+            <a:endParaRPr lang="en-GB" sz="1600" dirty="0">
+              <a:solidFill>
+                <a:schemeClr val="tx1"/>
+              </a:solidFill>
+            </a:endParaRPr>
+          </a:p>
+        </p:txBody>
+      </p:sp>
+      <p:sp>
+        <p:nvSpPr>
+          <p:cNvPr id="3" name="Oval 2"/>
+          <p:cNvSpPr/>
+          <p:nvPr/>
+        </p:nvSpPr>
+        <p:spPr>
+          <a:xfrm>
+            <a:off x="3444843" y="1063710"/>
+            <a:ext cx="1158843" cy="450923"/>
+          </a:xfrm>
+          <a:prstGeom prst="ellipse">
+            <a:avLst/>
+          </a:prstGeom>
+          <a:noFill/>
+          <a:ln w="38100" cmpd="dbl">
+            <a:solidFill>
+              <a:schemeClr val="tx1"/>
+            </a:solidFill>
+            <a:headEnd type="none" w="med" len="med"/>
+            <a:tailEnd type="arrow" w="med" len="med"/>
+          </a:ln>
+        </p:spPr>
+        <p:style>
+          <a:lnRef idx="2">
+            <a:schemeClr val="accent1">
+              <a:shade val="50000"/>
+            </a:schemeClr>
+          </a:lnRef>
+          <a:fillRef idx="1">
+            <a:schemeClr val="accent1"/>
+          </a:fillRef>
+          <a:effectRef idx="0">
+            <a:schemeClr val="accent1"/>
+          </a:effectRef>
+          <a:fontRef idx="minor">
+            <a:schemeClr val="lt1"/>
+          </a:fontRef>
+        </p:style>
+        <p:txBody>
+          <a:bodyPr rtlCol="0" anchor="ctr"/>
+          <a:lstStyle/>
+          <a:p>
+            <a:pPr algn="ctr"/>
+            <a:r>
+              <a:rPr lang="fr-FR" sz="1400" dirty="0" smtClean="0">
+                <a:solidFill>
+                  <a:schemeClr val="tx1"/>
+                </a:solidFill>
+              </a:rPr>
+              <a:t>Compile</a:t>
+            </a:r>
+            <a:endParaRPr lang="en-GB" sz="1400" dirty="0">
+              <a:solidFill>
+                <a:schemeClr val="tx1"/>
+              </a:solidFill>
+            </a:endParaRPr>
+          </a:p>
+        </p:txBody>
+      </p:sp>
+      <p:sp>
+        <p:nvSpPr>
+          <p:cNvPr id="26" name="Oval 25"/>
+          <p:cNvSpPr/>
+          <p:nvPr/>
+        </p:nvSpPr>
+        <p:spPr>
+          <a:xfrm>
+            <a:off x="4603687" y="1063710"/>
+            <a:ext cx="1158843" cy="450923"/>
+          </a:xfrm>
+          <a:prstGeom prst="ellipse">
+            <a:avLst/>
+          </a:prstGeom>
+          <a:noFill/>
+          <a:ln w="38100" cmpd="dbl">
+            <a:solidFill>
+              <a:schemeClr val="tx1"/>
+            </a:solidFill>
+            <a:headEnd type="none" w="med" len="med"/>
+            <a:tailEnd type="arrow" w="med" len="med"/>
+          </a:ln>
+        </p:spPr>
+        <p:style>
+          <a:lnRef idx="2">
+            <a:schemeClr val="accent1">
+              <a:shade val="50000"/>
+            </a:schemeClr>
+          </a:lnRef>
+          <a:fillRef idx="1">
+            <a:schemeClr val="accent1"/>
+          </a:fillRef>
+          <a:effectRef idx="0">
+            <a:schemeClr val="accent1"/>
+          </a:effectRef>
+          <a:fontRef idx="minor">
+            <a:schemeClr val="lt1"/>
+          </a:fontRef>
+        </p:style>
+        <p:txBody>
+          <a:bodyPr rtlCol="0" anchor="ctr"/>
+          <a:lstStyle/>
+          <a:p>
+            <a:pPr algn="ctr"/>
+            <a:r>
+              <a:rPr lang="fr-FR" sz="1400" dirty="0" err="1" smtClean="0">
+                <a:solidFill>
+                  <a:schemeClr val="tx1"/>
+                </a:solidFill>
+              </a:rPr>
+              <a:t>ExtractH</a:t>
+            </a:r>
+            <a:endParaRPr lang="en-GB" sz="1400" dirty="0">
+              <a:solidFill>
+                <a:schemeClr val="tx1"/>
+              </a:solidFill>
+            </a:endParaRPr>
+          </a:p>
+        </p:txBody>
+      </p:sp>
+      <p:sp>
+        <p:nvSpPr>
+          <p:cNvPr id="27" name="Rectangle 26"/>
+          <p:cNvSpPr/>
+          <p:nvPr/>
+        </p:nvSpPr>
+        <p:spPr>
+          <a:xfrm>
+            <a:off x="3556264" y="1904271"/>
+            <a:ext cx="936000" cy="504000"/>
+          </a:xfrm>
+          <a:prstGeom prst="rect">
+            <a:avLst/>
+          </a:prstGeom>
+          <a:noFill/>
+          <a:ln w="38100" cmpd="dbl">
+            <a:solidFill>
+              <a:schemeClr val="tx1"/>
+            </a:solidFill>
+            <a:headEnd type="none" w="med" len="med"/>
+            <a:tailEnd type="arrow" w="med" len="med"/>
+          </a:ln>
+        </p:spPr>
+        <p:style>
+          <a:lnRef idx="2">
+            <a:schemeClr val="accent1">
+              <a:shade val="50000"/>
+            </a:schemeClr>
+          </a:lnRef>
+          <a:fillRef idx="1">
+            <a:schemeClr val="accent1"/>
+          </a:fillRef>
+          <a:effectRef idx="0">
+            <a:schemeClr val="accent1"/>
+          </a:effectRef>
+          <a:fontRef idx="minor">
+            <a:schemeClr val="lt1"/>
+          </a:fontRef>
+        </p:style>
+        <p:txBody>
+          <a:bodyPr rtlCol="0" anchor="ctr"/>
+          <a:lstStyle/>
+          <a:p>
+            <a:pPr algn="ctr"/>
+            <a:r>
+              <a:rPr lang="fr-FR" sz="1400" dirty="0" err="1" smtClean="0">
+                <a:solidFill>
+                  <a:schemeClr val="tx1"/>
+                </a:solidFill>
+              </a:rPr>
+              <a:t>ByteCode</a:t>
+            </a:r>
+            <a:endParaRPr lang="en-GB" sz="1400" dirty="0">
+              <a:solidFill>
+                <a:schemeClr val="tx1"/>
+              </a:solidFill>
+            </a:endParaRPr>
+          </a:p>
+        </p:txBody>
+      </p:sp>
+      <p:sp>
+        <p:nvSpPr>
+          <p:cNvPr id="28" name="Rectangle 27"/>
+          <p:cNvSpPr/>
+          <p:nvPr/>
+        </p:nvSpPr>
+        <p:spPr>
+          <a:xfrm>
+            <a:off x="4715108" y="1904751"/>
+            <a:ext cx="936000" cy="504000"/>
+          </a:xfrm>
+          <a:prstGeom prst="rect">
+            <a:avLst/>
+          </a:prstGeom>
+          <a:noFill/>
+          <a:ln w="38100" cmpd="dbl">
+            <a:solidFill>
+              <a:schemeClr val="tx1"/>
+            </a:solidFill>
+            <a:headEnd type="none" w="med" len="med"/>
+            <a:tailEnd type="arrow" w="med" len="med"/>
+          </a:ln>
+        </p:spPr>
+        <p:style>
+          <a:lnRef idx="2">
+            <a:schemeClr val="accent1">
+              <a:shade val="50000"/>
+            </a:schemeClr>
+          </a:lnRef>
+          <a:fillRef idx="1">
+            <a:schemeClr val="accent1"/>
+          </a:fillRef>
+          <a:effectRef idx="0">
+            <a:schemeClr val="accent1"/>
+          </a:effectRef>
+          <a:fontRef idx="minor">
+            <a:schemeClr val="lt1"/>
+          </a:fontRef>
+        </p:style>
+        <p:txBody>
+          <a:bodyPr rtlCol="0" anchor="ctr"/>
+          <a:lstStyle/>
+          <a:p>
+            <a:pPr algn="ctr"/>
+            <a:r>
+              <a:rPr lang="fr-FR" sz="1400" dirty="0" err="1" smtClean="0">
+                <a:solidFill>
+                  <a:schemeClr val="tx1"/>
+                </a:solidFill>
+              </a:rPr>
+              <a:t>ClassSet</a:t>
+            </a:r>
+            <a:endParaRPr lang="en-GB" sz="1400" dirty="0">
+              <a:solidFill>
+                <a:schemeClr val="tx1"/>
+              </a:solidFill>
+            </a:endParaRPr>
+          </a:p>
+        </p:txBody>
+      </p:sp>
+      <p:cxnSp>
+        <p:nvCxnSpPr>
+          <p:cNvPr id="7" name="Straight Arrow Connector 6"/>
+          <p:cNvCxnSpPr>
+            <a:stCxn id="2" idx="2"/>
+            <a:endCxn id="3" idx="0"/>
+          </p:cNvCxnSpPr>
+          <p:nvPr/>
+        </p:nvCxnSpPr>
+        <p:spPr>
+          <a:xfrm flipH="1">
+            <a:off x="4024265" y="781983"/>
+            <a:ext cx="579422" cy="281727"/>
+          </a:xfrm>
+          <a:prstGeom prst="straightConnector1">
+            <a:avLst/>
+          </a:prstGeom>
+          <a:ln w="38100">
+            <a:solidFill>
+              <a:schemeClr val="tx1"/>
+            </a:solidFill>
+            <a:headEnd type="none" w="med" len="med"/>
+            <a:tailEnd type="triangle"/>
+          </a:ln>
+        </p:spPr>
+        <p:style>
+          <a:lnRef idx="1">
+            <a:schemeClr val="accent1"/>
+          </a:lnRef>
+          <a:fillRef idx="0">
+            <a:schemeClr val="accent1"/>
+          </a:fillRef>
+          <a:effectRef idx="0">
+            <a:schemeClr val="accent1"/>
+          </a:effectRef>
+          <a:fontRef idx="minor">
+            <a:schemeClr val="tx1"/>
+          </a:fontRef>
+        </p:style>
+      </p:cxnSp>
+      <p:cxnSp>
+        <p:nvCxnSpPr>
+          <p:cNvPr id="29" name="Straight Arrow Connector 28"/>
+          <p:cNvCxnSpPr>
+            <a:stCxn id="2" idx="2"/>
+            <a:endCxn id="26" idx="0"/>
+          </p:cNvCxnSpPr>
+          <p:nvPr/>
+        </p:nvCxnSpPr>
+        <p:spPr>
+          <a:xfrm>
+            <a:off x="4603687" y="781983"/>
+            <a:ext cx="579422" cy="281727"/>
+          </a:xfrm>
+          <a:prstGeom prst="straightConnector1">
+            <a:avLst/>
+          </a:prstGeom>
+          <a:ln w="38100">
+            <a:solidFill>
+              <a:schemeClr val="tx1"/>
+            </a:solidFill>
+            <a:headEnd type="none" w="med" len="med"/>
+            <a:tailEnd type="triangle"/>
+          </a:ln>
+        </p:spPr>
+        <p:style>
+          <a:lnRef idx="1">
+            <a:schemeClr val="accent1"/>
+          </a:lnRef>
+          <a:fillRef idx="0">
+            <a:schemeClr val="accent1"/>
+          </a:fillRef>
+          <a:effectRef idx="0">
+            <a:schemeClr val="accent1"/>
+          </a:effectRef>
+          <a:fontRef idx="minor">
+            <a:schemeClr val="tx1"/>
+          </a:fontRef>
+        </p:style>
+      </p:cxnSp>
+      <p:cxnSp>
+        <p:nvCxnSpPr>
+          <p:cNvPr id="30" name="Straight Arrow Connector 29"/>
+          <p:cNvCxnSpPr>
+            <a:stCxn id="26" idx="4"/>
+            <a:endCxn id="28" idx="0"/>
+          </p:cNvCxnSpPr>
+          <p:nvPr/>
+        </p:nvCxnSpPr>
+        <p:spPr>
+          <a:xfrm flipH="1">
+            <a:off x="5183108" y="1514633"/>
+            <a:ext cx="1" cy="390118"/>
+          </a:xfrm>
+          <a:prstGeom prst="straightConnector1">
+            <a:avLst/>
+          </a:prstGeom>
+          <a:ln w="38100">
+            <a:solidFill>
+              <a:schemeClr val="tx1"/>
+            </a:solidFill>
+            <a:headEnd type="none" w="med" len="med"/>
+            <a:tailEnd type="triangle"/>
+          </a:ln>
+        </p:spPr>
+        <p:style>
+          <a:lnRef idx="1">
+            <a:schemeClr val="accent1"/>
+          </a:lnRef>
+          <a:fillRef idx="0">
+            <a:schemeClr val="accent1"/>
+          </a:fillRef>
+          <a:effectRef idx="0">
+            <a:schemeClr val="accent1"/>
+          </a:effectRef>
+          <a:fontRef idx="minor">
+            <a:schemeClr val="tx1"/>
+          </a:fontRef>
+        </p:style>
+      </p:cxnSp>
+      <p:cxnSp>
+        <p:nvCxnSpPr>
+          <p:cNvPr id="33" name="Straight Arrow Connector 32"/>
+          <p:cNvCxnSpPr>
+            <a:stCxn id="3" idx="4"/>
+            <a:endCxn id="27" idx="0"/>
+          </p:cNvCxnSpPr>
+          <p:nvPr/>
+        </p:nvCxnSpPr>
+        <p:spPr>
+          <a:xfrm flipH="1">
+            <a:off x="4024264" y="1514633"/>
+            <a:ext cx="1" cy="389638"/>
+          </a:xfrm>
+          <a:prstGeom prst="straightConnector1">
+            <a:avLst/>
+          </a:prstGeom>
+          <a:ln w="38100">
+            <a:solidFill>
+              <a:schemeClr val="tx1"/>
+            </a:solidFill>
+            <a:headEnd type="none" w="med" len="med"/>
+            <a:tailEnd type="triangle"/>
+          </a:ln>
+        </p:spPr>
+        <p:style>
+          <a:lnRef idx="1">
+            <a:schemeClr val="accent1"/>
+          </a:lnRef>
+          <a:fillRef idx="0">
+            <a:schemeClr val="accent1"/>
+          </a:fillRef>
+          <a:effectRef idx="0">
+            <a:schemeClr val="accent1"/>
+          </a:effectRef>
+          <a:fontRef idx="minor">
+            <a:schemeClr val="tx1"/>
+          </a:fontRef>
+        </p:style>
+      </p:cxnSp>
+      <p:sp>
+        <p:nvSpPr>
+          <p:cNvPr id="36" name="Rectangle 35"/>
+          <p:cNvSpPr/>
+          <p:nvPr/>
+        </p:nvSpPr>
+        <p:spPr>
+          <a:xfrm>
+            <a:off x="6796515" y="763322"/>
+            <a:ext cx="936000" cy="216000"/>
+          </a:xfrm>
+          <a:prstGeom prst="rect">
+            <a:avLst/>
+          </a:prstGeom>
+          <a:noFill/>
+          <a:ln w="25400" cmpd="sng">
+            <a:solidFill>
+              <a:schemeClr val="tx1"/>
+            </a:solidFill>
+            <a:headEnd type="none" w="med" len="med"/>
+            <a:tailEnd type="arrow" w="med" len="med"/>
+          </a:ln>
+        </p:spPr>
+        <p:style>
+          <a:lnRef idx="2">
+            <a:schemeClr val="accent1">
+              <a:shade val="50000"/>
+            </a:schemeClr>
+          </a:lnRef>
+          <a:fillRef idx="1">
+            <a:schemeClr val="accent1"/>
+          </a:fillRef>
+          <a:effectRef idx="0">
+            <a:schemeClr val="accent1"/>
+          </a:effectRef>
+          <a:fontRef idx="minor">
+            <a:schemeClr val="lt1"/>
+          </a:fontRef>
+        </p:style>
+        <p:txBody>
+          <a:bodyPr rtlCol="0" anchor="ctr"/>
+          <a:lstStyle/>
+          <a:p>
+            <a:pPr algn="ctr"/>
+            <a:r>
+              <a:rPr lang="fr-FR" sz="1600" dirty="0" smtClean="0">
+                <a:solidFill>
+                  <a:schemeClr val="tx1"/>
+                </a:solidFill>
+              </a:rPr>
+              <a:t>:Java</a:t>
+            </a:r>
+            <a:endParaRPr lang="en-GB" sz="1600" dirty="0">
+              <a:solidFill>
+                <a:schemeClr val="tx1"/>
+              </a:solidFill>
+            </a:endParaRPr>
+          </a:p>
+        </p:txBody>
+      </p:sp>
+      <p:sp>
+        <p:nvSpPr>
+          <p:cNvPr id="38" name="Rectangle 37"/>
+          <p:cNvSpPr/>
+          <p:nvPr/>
+        </p:nvSpPr>
+        <p:spPr>
+          <a:xfrm>
+            <a:off x="6796515" y="1703804"/>
+            <a:ext cx="936000" cy="216000"/>
+          </a:xfrm>
+          <a:prstGeom prst="rect">
+            <a:avLst/>
+          </a:prstGeom>
+          <a:noFill/>
+          <a:ln w="25400" cmpd="sng">
+            <a:solidFill>
+              <a:schemeClr val="tx1"/>
+            </a:solidFill>
+            <a:headEnd type="none" w="med" len="med"/>
+            <a:tailEnd type="arrow" w="med" len="med"/>
+          </a:ln>
+        </p:spPr>
+        <p:style>
+          <a:lnRef idx="2">
+            <a:schemeClr val="accent1">
+              <a:shade val="50000"/>
+            </a:schemeClr>
+          </a:lnRef>
+          <a:fillRef idx="1">
+            <a:schemeClr val="accent1"/>
+          </a:fillRef>
+          <a:effectRef idx="0">
+            <a:schemeClr val="accent1"/>
+          </a:effectRef>
+          <a:fontRef idx="minor">
+            <a:schemeClr val="lt1"/>
+          </a:fontRef>
+        </p:style>
+        <p:txBody>
+          <a:bodyPr rtlCol="0" anchor="ctr"/>
+          <a:lstStyle/>
+          <a:p>
+            <a:pPr algn="ctr"/>
+            <a:r>
+              <a:rPr lang="fr-FR" sz="1400" dirty="0" smtClean="0">
+                <a:solidFill>
+                  <a:schemeClr val="tx1"/>
+                </a:solidFill>
+              </a:rPr>
+              <a:t>:</a:t>
+            </a:r>
+            <a:r>
+              <a:rPr lang="fr-FR" sz="1400" dirty="0" err="1" smtClean="0">
+                <a:solidFill>
+                  <a:schemeClr val="tx1"/>
+                </a:solidFill>
+              </a:rPr>
+              <a:t>ByteCode</a:t>
+            </a:r>
+            <a:endParaRPr lang="en-GB" sz="1400" dirty="0">
+              <a:solidFill>
+                <a:schemeClr val="tx1"/>
+              </a:solidFill>
+            </a:endParaRPr>
+          </a:p>
+        </p:txBody>
+      </p:sp>
+      <p:sp>
+        <p:nvSpPr>
+          <p:cNvPr id="40" name="Abgerundetes Rechteck 3">
+            <a:extLst>
+              <a:ext uri="{FF2B5EF4-FFF2-40B4-BE49-F238E27FC236}">
+                <a16:creationId xmlns:a16="http://schemas.microsoft.com/office/drawing/2014/main" id="{C7123AC8-18E4-314B-993E-A97436703A69}"/>
+              </a:ext>
+            </a:extLst>
+          </p:cNvPr>
+          <p:cNvSpPr/>
+          <p:nvPr/>
+        </p:nvSpPr>
+        <p:spPr>
+          <a:xfrm>
+            <a:off x="6724515" y="1218896"/>
+            <a:ext cx="1080000" cy="245335"/>
+          </a:xfrm>
+          <a:prstGeom prst="roundRect">
+            <a:avLst/>
+          </a:prstGeom>
+          <a:solidFill>
+            <a:schemeClr val="bg1"/>
+          </a:solidFill>
+          <a:ln>
+            <a:solidFill>
+              <a:schemeClr val="tx1"/>
+            </a:solidFill>
+          </a:ln>
+        </p:spPr>
+        <p:style>
+          <a:lnRef idx="2">
+            <a:schemeClr val="accent1">
+              <a:shade val="50000"/>
+            </a:schemeClr>
+          </a:lnRef>
+          <a:fillRef idx="1">
+            <a:schemeClr val="accent1"/>
+          </a:fillRef>
+          <a:effectRef idx="0">
+            <a:schemeClr val="accent1"/>
+          </a:effectRef>
+          <a:fontRef idx="minor">
+            <a:schemeClr val="lt1"/>
+          </a:fontRef>
+        </p:style>
+        <p:txBody>
+          <a:bodyPr lIns="36000" tIns="36000" rIns="36000" bIns="36000" rtlCol="0" anchor="ctr"/>
+          <a:lstStyle/>
+          <a:p>
+            <a:pPr algn="ctr"/>
+            <a:r>
+              <a:rPr lang="de-DE" sz="2000" dirty="0" smtClean="0">
+                <a:solidFill>
+                  <a:schemeClr val="tx1"/>
+                </a:solidFill>
+              </a:rPr>
+              <a:t>javac</a:t>
+            </a:r>
+            <a:endParaRPr lang="de-DE" sz="2000" dirty="0">
+              <a:solidFill>
+                <a:schemeClr val="tx1"/>
+              </a:solidFill>
+            </a:endParaRPr>
+          </a:p>
+        </p:txBody>
+      </p:sp>
+      <p:cxnSp>
+        <p:nvCxnSpPr>
+          <p:cNvPr id="43" name="Straight Arrow Connector 42"/>
+          <p:cNvCxnSpPr>
+            <a:stCxn id="40" idx="2"/>
+            <a:endCxn id="38" idx="0"/>
+          </p:cNvCxnSpPr>
+          <p:nvPr/>
+        </p:nvCxnSpPr>
+        <p:spPr>
+          <a:xfrm>
+            <a:off x="7264515" y="1464231"/>
+            <a:ext cx="0" cy="239573"/>
+          </a:xfrm>
+          <a:prstGeom prst="straightConnector1">
+            <a:avLst/>
+          </a:prstGeom>
+          <a:ln w="25400">
+            <a:solidFill>
+              <a:schemeClr val="tx1"/>
+            </a:solidFill>
+            <a:headEnd type="none" w="med" len="med"/>
+            <a:tailEnd type="triangle"/>
+          </a:ln>
+        </p:spPr>
+        <p:style>
+          <a:lnRef idx="1">
+            <a:schemeClr val="accent1"/>
+          </a:lnRef>
+          <a:fillRef idx="0">
+            <a:schemeClr val="accent1"/>
+          </a:fillRef>
+          <a:effectRef idx="0">
+            <a:schemeClr val="accent1"/>
+          </a:effectRef>
+          <a:fontRef idx="minor">
+            <a:schemeClr val="tx1"/>
+          </a:fontRef>
+        </p:style>
+      </p:cxnSp>
+      <p:cxnSp>
+        <p:nvCxnSpPr>
+          <p:cNvPr id="46" name="Straight Arrow Connector 45"/>
+          <p:cNvCxnSpPr>
+            <a:stCxn id="36" idx="2"/>
+            <a:endCxn id="40" idx="0"/>
+          </p:cNvCxnSpPr>
+          <p:nvPr/>
+        </p:nvCxnSpPr>
+        <p:spPr>
+          <a:xfrm>
+            <a:off x="7264515" y="979322"/>
+            <a:ext cx="0" cy="239574"/>
+          </a:xfrm>
+          <a:prstGeom prst="straightConnector1">
+            <a:avLst/>
+          </a:prstGeom>
+          <a:ln w="25400">
+            <a:solidFill>
+              <a:schemeClr val="tx1"/>
+            </a:solidFill>
+            <a:headEnd type="none" w="med" len="med"/>
+            <a:tailEnd type="triangle"/>
+          </a:ln>
+        </p:spPr>
+        <p:style>
+          <a:lnRef idx="1">
+            <a:schemeClr val="accent1"/>
+          </a:lnRef>
+          <a:fillRef idx="0">
+            <a:schemeClr val="accent1"/>
+          </a:fillRef>
+          <a:effectRef idx="0">
+            <a:schemeClr val="accent1"/>
+          </a:effectRef>
+          <a:fontRef idx="minor">
+            <a:schemeClr val="tx1"/>
+          </a:fontRef>
+        </p:style>
+      </p:cxnSp>
+    </p:spTree>
+    <p:extLst>
+      <p:ext uri="{BB962C8B-B14F-4D97-AF65-F5344CB8AC3E}">
+        <p14:creationId xmlns:p14="http://schemas.microsoft.com/office/powerpoint/2010/main" val="2279442181"/>
+      </p:ext>
+    </p:extLst>
+  </p:cSld>
+  <p:clrMapOvr>
+    <a:masterClrMapping/>
+  </p:clrMapOvr>
+  <p:timing>
+    <p:tnLst>
+      <p:par>
+        <p:cTn id="1" dur="indefinite" restart="never" nodeType="tmRoot"/>
+      </p:par>
+    </p:tnLst>
+  </p:timing>
 </p:sld>
 </file>
 

--- a/img/PCAD.pptx
+++ b/img/PCAD.pptx
@@ -262,7 +262,7 @@
           <a:p>
             <a:fld id="{C82DCF77-BEA7-6C42-B65C-E5761D0F8E88}" type="datetimeFigureOut">
               <a:rPr lang="de-DE" smtClean="0"/>
-              <a:t>06.07.2019</a:t>
+              <a:t>07.07.2019</a:t>
             </a:fld>
             <a:endParaRPr lang="de-DE"/>
           </a:p>
@@ -460,7 +460,7 @@
           <a:p>
             <a:fld id="{C82DCF77-BEA7-6C42-B65C-E5761D0F8E88}" type="datetimeFigureOut">
               <a:rPr lang="de-DE" smtClean="0"/>
-              <a:t>06.07.2019</a:t>
+              <a:t>07.07.2019</a:t>
             </a:fld>
             <a:endParaRPr lang="de-DE"/>
           </a:p>
@@ -668,7 +668,7 @@
           <a:p>
             <a:fld id="{C82DCF77-BEA7-6C42-B65C-E5761D0F8E88}" type="datetimeFigureOut">
               <a:rPr lang="de-DE" smtClean="0"/>
-              <a:t>06.07.2019</a:t>
+              <a:t>07.07.2019</a:t>
             </a:fld>
             <a:endParaRPr lang="de-DE"/>
           </a:p>
@@ -866,7 +866,7 @@
           <a:p>
             <a:fld id="{C82DCF77-BEA7-6C42-B65C-E5761D0F8E88}" type="datetimeFigureOut">
               <a:rPr lang="de-DE" smtClean="0"/>
-              <a:t>06.07.2019</a:t>
+              <a:t>07.07.2019</a:t>
             </a:fld>
             <a:endParaRPr lang="de-DE"/>
           </a:p>
@@ -1141,7 +1141,7 @@
           <a:p>
             <a:fld id="{C82DCF77-BEA7-6C42-B65C-E5761D0F8E88}" type="datetimeFigureOut">
               <a:rPr lang="de-DE" smtClean="0"/>
-              <a:t>06.07.2019</a:t>
+              <a:t>07.07.2019</a:t>
             </a:fld>
             <a:endParaRPr lang="de-DE"/>
           </a:p>
@@ -1406,7 +1406,7 @@
           <a:p>
             <a:fld id="{C82DCF77-BEA7-6C42-B65C-E5761D0F8E88}" type="datetimeFigureOut">
               <a:rPr lang="de-DE" smtClean="0"/>
-              <a:t>06.07.2019</a:t>
+              <a:t>07.07.2019</a:t>
             </a:fld>
             <a:endParaRPr lang="de-DE"/>
           </a:p>
@@ -1818,7 +1818,7 @@
           <a:p>
             <a:fld id="{C82DCF77-BEA7-6C42-B65C-E5761D0F8E88}" type="datetimeFigureOut">
               <a:rPr lang="de-DE" smtClean="0"/>
-              <a:t>06.07.2019</a:t>
+              <a:t>07.07.2019</a:t>
             </a:fld>
             <a:endParaRPr lang="de-DE"/>
           </a:p>
@@ -1959,7 +1959,7 @@
           <a:p>
             <a:fld id="{C82DCF77-BEA7-6C42-B65C-E5761D0F8E88}" type="datetimeFigureOut">
               <a:rPr lang="de-DE" smtClean="0"/>
-              <a:t>06.07.2019</a:t>
+              <a:t>07.07.2019</a:t>
             </a:fld>
             <a:endParaRPr lang="de-DE"/>
           </a:p>
@@ -2072,7 +2072,7 @@
           <a:p>
             <a:fld id="{C82DCF77-BEA7-6C42-B65C-E5761D0F8E88}" type="datetimeFigureOut">
               <a:rPr lang="de-DE" smtClean="0"/>
-              <a:t>06.07.2019</a:t>
+              <a:t>07.07.2019</a:t>
             </a:fld>
             <a:endParaRPr lang="de-DE"/>
           </a:p>
@@ -2383,7 +2383,7 @@
           <a:p>
             <a:fld id="{C82DCF77-BEA7-6C42-B65C-E5761D0F8E88}" type="datetimeFigureOut">
               <a:rPr lang="de-DE" smtClean="0"/>
-              <a:t>06.07.2019</a:t>
+              <a:t>07.07.2019</a:t>
             </a:fld>
             <a:endParaRPr lang="de-DE"/>
           </a:p>
@@ -2671,7 +2671,7 @@
           <a:p>
             <a:fld id="{C82DCF77-BEA7-6C42-B65C-E5761D0F8E88}" type="datetimeFigureOut">
               <a:rPr lang="de-DE" smtClean="0"/>
-              <a:t>06.07.2019</a:t>
+              <a:t>07.07.2019</a:t>
             </a:fld>
             <a:endParaRPr lang="de-DE"/>
           </a:p>
@@ -2912,7 +2912,7 @@
           <a:p>
             <a:fld id="{C82DCF77-BEA7-6C42-B65C-E5761D0F8E88}" type="datetimeFigureOut">
               <a:rPr lang="de-DE" smtClean="0"/>
-              <a:t>06.07.2019</a:t>
+              <a:t>07.07.2019</a:t>
             </a:fld>
             <a:endParaRPr lang="de-DE"/>
           </a:p>
@@ -3331,10 +3331,10 @@
       </p:grpSpPr>
       <p:sp>
         <p:nvSpPr>
-          <p:cNvPr id="45" name="Rechteck 44">
-            <a:extLst>
-              <a:ext uri="{FF2B5EF4-FFF2-40B4-BE49-F238E27FC236}">
-                <a16:creationId xmlns:a16="http://schemas.microsoft.com/office/drawing/2014/main" id="{D778DB42-CE75-B742-AF3F-5A5F14B05436}"/>
+          <p:cNvPr id="3" name="Abgerundetes Rechteck 2">
+            <a:extLst>
+              <a:ext uri="{FF2B5EF4-FFF2-40B4-BE49-F238E27FC236}">
+                <a16:creationId xmlns:a16="http://schemas.microsoft.com/office/drawing/2014/main" id="{04854D14-0B1B-884C-A782-18CF7CB68CE8}"/>
               </a:ext>
             </a:extLst>
           </p:cNvPr>
@@ -3343,66 +3343,8 @@
         </p:nvSpPr>
         <p:spPr>
           <a:xfrm>
-            <a:off x="762000" y="206828"/>
-            <a:ext cx="8980714" cy="2581873"/>
-          </a:xfrm>
-          <a:prstGeom prst="rect">
-            <a:avLst/>
-          </a:prstGeom>
-          <a:solidFill>
-            <a:schemeClr val="bg1"/>
-          </a:solidFill>
-          <a:ln>
-            <a:solidFill>
-              <a:schemeClr val="bg1"/>
-            </a:solidFill>
-          </a:ln>
-        </p:spPr>
-        <p:style>
-          <a:lnRef idx="2">
-            <a:schemeClr val="accent1">
-              <a:shade val="50000"/>
-            </a:schemeClr>
-          </a:lnRef>
-          <a:fillRef idx="1">
-            <a:schemeClr val="accent1"/>
-          </a:fillRef>
-          <a:effectRef idx="0">
-            <a:schemeClr val="accent1"/>
-          </a:effectRef>
-          <a:fontRef idx="minor">
-            <a:schemeClr val="lt1"/>
-          </a:fontRef>
-        </p:style>
-        <p:txBody>
-          <a:bodyPr lIns="36000" tIns="36000" rIns="36000" bIns="36000" rtlCol="0" anchor="ctr"/>
-          <a:lstStyle/>
-          <a:p>
-            <a:pPr algn="ctr"/>
-            <a:endParaRPr lang="de-DE" sz="2000" dirty="0" err="1">
-              <a:solidFill>
-                <a:schemeClr val="tx1"/>
-              </a:solidFill>
-            </a:endParaRPr>
-          </a:p>
-        </p:txBody>
-      </p:sp>
-      <p:sp>
-        <p:nvSpPr>
-          <p:cNvPr id="3" name="Abgerundetes Rechteck 2">
-            <a:extLst>
-              <a:ext uri="{FF2B5EF4-FFF2-40B4-BE49-F238E27FC236}">
-                <a16:creationId xmlns:a16="http://schemas.microsoft.com/office/drawing/2014/main" id="{04854D14-0B1B-884C-A782-18CF7CB68CE8}"/>
-              </a:ext>
-            </a:extLst>
-          </p:cNvPr>
-          <p:cNvSpPr/>
-          <p:nvPr/>
-        </p:nvSpPr>
-        <p:spPr>
-          <a:xfrm>
-            <a:off x="1001486" y="370114"/>
-            <a:ext cx="8451309" cy="2090057"/>
+            <a:off x="556985" y="426394"/>
+            <a:ext cx="9874795" cy="2656191"/>
           </a:xfrm>
           <a:prstGeom prst="roundRect">
             <a:avLst>
@@ -3449,71 +3391,6 @@
       </p:sp>
       <p:sp>
         <p:nvSpPr>
-          <p:cNvPr id="50" name="Oval 49">
-            <a:extLst>
-              <a:ext uri="{FF2B5EF4-FFF2-40B4-BE49-F238E27FC236}">
-                <a16:creationId xmlns:a16="http://schemas.microsoft.com/office/drawing/2014/main" id="{BEB3D7CC-6028-874D-A554-4EADF476DFE5}"/>
-              </a:ext>
-            </a:extLst>
-          </p:cNvPr>
-          <p:cNvSpPr>
-            <a:spLocks noChangeAspect="1"/>
-          </p:cNvSpPr>
-          <p:nvPr/>
-        </p:nvSpPr>
-        <p:spPr>
-          <a:xfrm>
-            <a:off x="8894019" y="1582711"/>
-            <a:ext cx="360000" cy="360000"/>
-          </a:xfrm>
-          <a:prstGeom prst="ellipse">
-            <a:avLst/>
-          </a:prstGeom>
-          <a:solidFill>
-            <a:schemeClr val="bg1"/>
-          </a:solidFill>
-          <a:ln w="19050">
-            <a:solidFill>
-              <a:schemeClr val="tx1"/>
-            </a:solidFill>
-          </a:ln>
-        </p:spPr>
-        <p:style>
-          <a:lnRef idx="2">
-            <a:schemeClr val="accent1">
-              <a:shade val="50000"/>
-            </a:schemeClr>
-          </a:lnRef>
-          <a:fillRef idx="1">
-            <a:schemeClr val="accent1"/>
-          </a:fillRef>
-          <a:effectRef idx="0">
-            <a:schemeClr val="accent1"/>
-          </a:effectRef>
-          <a:fontRef idx="minor">
-            <a:schemeClr val="lt1"/>
-          </a:fontRef>
-        </p:style>
-        <p:txBody>
-          <a:bodyPr rot="0" spcFirstLastPara="0" vertOverflow="overflow" horzOverflow="overflow" vert="horz" wrap="square" lIns="36000" tIns="36000" rIns="36000" bIns="36000" numCol="1" spcCol="0" rtlCol="0" fromWordArt="0" anchor="ctr" anchorCtr="0" forceAA="0" compatLnSpc="1">
-            <a:prstTxWarp prst="textNoShape">
-              <a:avLst/>
-            </a:prstTxWarp>
-            <a:noAutofit/>
-          </a:bodyPr>
-          <a:lstStyle/>
-          <a:p>
-            <a:pPr algn="ctr"/>
-            <a:endParaRPr lang="de-DE" sz="2000" dirty="0" err="1">
-              <a:solidFill>
-                <a:schemeClr val="tx1"/>
-              </a:solidFill>
-            </a:endParaRPr>
-          </a:p>
-        </p:txBody>
-      </p:sp>
-      <p:sp>
-        <p:nvSpPr>
           <p:cNvPr id="4" name="Abgerundetes Rechteck 3">
             <a:extLst>
               <a:ext uri="{FF2B5EF4-FFF2-40B4-BE49-F238E27FC236}">
@@ -3526,8 +3403,8 @@
         </p:nvSpPr>
         <p:spPr>
           <a:xfrm>
-            <a:off x="2572905" y="1295399"/>
-            <a:ext cx="1296000" cy="936000"/>
+            <a:off x="2614457" y="1541495"/>
+            <a:ext cx="1296000" cy="443807"/>
           </a:xfrm>
           <a:prstGeom prst="roundRect">
             <a:avLst/>
@@ -3563,35 +3440,12 @@
           <a:p>
             <a:pPr algn="ctr"/>
             <a:r>
-              <a:rPr lang="de-DE" sz="2000" dirty="0" err="1">
+              <a:rPr lang="de-DE" sz="2000" dirty="0" smtClean="0">
                 <a:solidFill>
                   <a:schemeClr val="tx1"/>
                 </a:solidFill>
               </a:rPr>
-              <a:t>draw</a:t>
-            </a:r>
-            <a:r>
-              <a:rPr lang="de-DE" sz="2000" dirty="0">
-                <a:solidFill>
-                  <a:schemeClr val="tx1"/>
-                </a:solidFill>
-              </a:rPr>
-              <a:t/>
-            </a:r>
-            <a:br>
-              <a:rPr lang="de-DE" sz="2000" dirty="0">
-                <a:solidFill>
-                  <a:schemeClr val="tx1"/>
-                </a:solidFill>
-              </a:rPr>
-            </a:br>
-            <a:r>
-              <a:rPr lang="de-DE" sz="2000" dirty="0" err="1">
-                <a:solidFill>
-                  <a:schemeClr val="tx1"/>
-                </a:solidFill>
-              </a:rPr>
-              <a:t>lines</a:t>
+              <a:t>Design</a:t>
             </a:r>
             <a:endParaRPr lang="de-DE" sz="2000" dirty="0">
               <a:solidFill>
@@ -3615,8 +3469,8 @@
         </p:nvSpPr>
         <p:spPr>
           <a:xfrm>
-            <a:off x="4997634" y="1295399"/>
-            <a:ext cx="1296000" cy="936000"/>
+            <a:off x="5045884" y="1413683"/>
+            <a:ext cx="1296000" cy="681614"/>
           </a:xfrm>
           <a:prstGeom prst="roundRect">
             <a:avLst/>
@@ -3652,35 +3506,12 @@
           <a:p>
             <a:pPr algn="ctr"/>
             <a:r>
-              <a:rPr lang="de-DE" sz="2000" dirty="0" err="1">
+              <a:rPr lang="de-DE" sz="2000" dirty="0" smtClean="0">
                 <a:solidFill>
                   <a:schemeClr val="tx1"/>
                 </a:solidFill>
               </a:rPr>
-              <a:t>validate</a:t>
-            </a:r>
-            <a:r>
-              <a:rPr lang="de-DE" sz="2000" dirty="0">
-                <a:solidFill>
-                  <a:schemeClr val="tx1"/>
-                </a:solidFill>
-              </a:rPr>
-              <a:t/>
-            </a:r>
-            <a:br>
-              <a:rPr lang="de-DE" sz="2000" dirty="0">
-                <a:solidFill>
-                  <a:schemeClr val="tx1"/>
-                </a:solidFill>
-              </a:rPr>
-            </a:br>
-            <a:r>
-              <a:rPr lang="de-DE" sz="2000">
-                <a:solidFill>
-                  <a:schemeClr val="tx1"/>
-                </a:solidFill>
-              </a:rPr>
-              <a:t>shape</a:t>
+              <a:t>Validate</a:t>
             </a:r>
             <a:endParaRPr lang="de-DE" sz="2000" dirty="0">
               <a:solidFill>
@@ -3704,8 +3535,8 @@
         </p:nvSpPr>
         <p:spPr>
           <a:xfrm>
-            <a:off x="7309532" y="1295399"/>
-            <a:ext cx="1296000" cy="936000"/>
+            <a:off x="8361051" y="1530951"/>
+            <a:ext cx="1512487" cy="464893"/>
           </a:xfrm>
           <a:prstGeom prst="roundRect">
             <a:avLst/>
@@ -3741,59 +3572,12 @@
           <a:p>
             <a:pPr algn="ctr"/>
             <a:r>
-              <a:rPr lang="de-DE" sz="2000" dirty="0" err="1">
+              <a:rPr lang="de-DE" sz="2000" dirty="0" smtClean="0">
                 <a:solidFill>
                   <a:schemeClr val="tx1"/>
                 </a:solidFill>
               </a:rPr>
-              <a:t>lift</a:t>
-            </a:r>
-            <a:r>
-              <a:rPr lang="de-DE" sz="2000" dirty="0">
-                <a:solidFill>
-                  <a:schemeClr val="tx1"/>
-                </a:solidFill>
-              </a:rPr>
-              <a:t> </a:t>
-            </a:r>
-            <a:r>
-              <a:rPr lang="de-DE" sz="2000" dirty="0" err="1">
-                <a:solidFill>
-                  <a:schemeClr val="tx1"/>
-                </a:solidFill>
-              </a:rPr>
-              <a:t>to</a:t>
-            </a:r>
-            <a:r>
-              <a:rPr lang="de-DE" sz="2000" dirty="0">
-                <a:solidFill>
-                  <a:schemeClr val="tx1"/>
-                </a:solidFill>
-              </a:rPr>
-              <a:t/>
-            </a:r>
-            <a:br>
-              <a:rPr lang="de-DE" sz="2000" dirty="0">
-                <a:solidFill>
-                  <a:schemeClr val="tx1"/>
-                </a:solidFill>
-              </a:rPr>
-            </a:br>
-            <a:r>
-              <a:rPr lang="de-DE" sz="2000" dirty="0">
-                <a:solidFill>
-                  <a:schemeClr val="tx1"/>
-                </a:solidFill>
-              </a:rPr>
-              <a:t>3D </a:t>
-            </a:r>
-            <a:r>
-              <a:rPr lang="de-DE" sz="2000" dirty="0" err="1">
-                <a:solidFill>
-                  <a:schemeClr val="tx1"/>
-                </a:solidFill>
-              </a:rPr>
-              <a:t>model</a:t>
+              <a:t>Manufacture</a:t>
             </a:r>
             <a:endParaRPr lang="de-DE" sz="2000" dirty="0">
               <a:solidFill>
@@ -3819,7 +3603,7 @@
         </p:nvSpPr>
         <p:spPr>
           <a:xfrm>
-            <a:off x="1303484" y="1654711"/>
+            <a:off x="1303484" y="1601374"/>
             <a:ext cx="216000" cy="216000"/>
           </a:xfrm>
           <a:prstGeom prst="ellipse">
@@ -3886,7 +3670,7 @@
         </p:nvCxnSpPr>
         <p:spPr>
           <a:xfrm>
-            <a:off x="1519484" y="1762711"/>
+            <a:off x="1519484" y="1709374"/>
             <a:ext cx="373314" cy="0"/>
           </a:xfrm>
           <a:prstGeom prst="straightConnector1">
@@ -3927,14 +3711,13 @@
           <p:cNvCxnSpPr>
             <a:cxnSpLocks/>
             <a:stCxn id="38" idx="3"/>
-            <a:endCxn id="4" idx="1"/>
           </p:cNvCxnSpPr>
           <p:nvPr/>
         </p:nvCxnSpPr>
         <p:spPr>
           <a:xfrm>
-            <a:off x="2180798" y="1762711"/>
-            <a:ext cx="392107" cy="688"/>
+            <a:off x="2180798" y="1709374"/>
+            <a:ext cx="433659" cy="688"/>
           </a:xfrm>
           <a:prstGeom prst="straightConnector1">
             <a:avLst/>
@@ -3973,15 +3756,14 @@
           </p:cNvPr>
           <p:cNvCxnSpPr>
             <a:cxnSpLocks/>
-            <a:stCxn id="4" idx="3"/>
             <a:endCxn id="37" idx="1"/>
           </p:cNvCxnSpPr>
           <p:nvPr/>
         </p:nvCxnSpPr>
         <p:spPr>
           <a:xfrm flipV="1">
-            <a:off x="3868905" y="1762711"/>
-            <a:ext cx="325198" cy="688"/>
+            <a:off x="3924641" y="1692316"/>
+            <a:ext cx="283646" cy="688"/>
           </a:xfrm>
           <a:prstGeom prst="straightConnector1">
             <a:avLst/>
@@ -4021,14 +3803,14 @@
           <p:cNvCxnSpPr>
             <a:cxnSpLocks/>
             <a:stCxn id="5" idx="3"/>
-            <a:endCxn id="7" idx="1"/>
+            <a:endCxn id="88" idx="1"/>
           </p:cNvCxnSpPr>
           <p:nvPr/>
         </p:nvCxnSpPr>
         <p:spPr>
           <a:xfrm>
-            <a:off x="6293634" y="1763399"/>
-            <a:ext cx="1015898" cy="0"/>
+            <a:off x="6341884" y="1754490"/>
+            <a:ext cx="1138620" cy="0"/>
           </a:xfrm>
           <a:prstGeom prst="straightConnector1">
             <a:avLst/>
@@ -4068,14 +3850,13 @@
           <p:cNvCxnSpPr>
             <a:cxnSpLocks/>
             <a:stCxn id="37" idx="3"/>
-            <a:endCxn id="5" idx="1"/>
           </p:cNvCxnSpPr>
           <p:nvPr/>
         </p:nvCxnSpPr>
         <p:spPr>
           <a:xfrm>
-            <a:off x="4482103" y="1762711"/>
-            <a:ext cx="515531" cy="688"/>
+            <a:off x="4496287" y="1692316"/>
+            <a:ext cx="576000" cy="0"/>
           </a:xfrm>
           <a:prstGeom prst="straightConnector1">
             <a:avLst/>
@@ -4120,13 +3901,13 @@
           <p:nvPr/>
         </p:nvCxnSpPr>
         <p:spPr>
-          <a:xfrm rot="16200000" flipV="1">
-            <a:off x="3187451" y="468058"/>
-            <a:ext cx="12700" cy="2301305"/>
+          <a:xfrm rot="16200000" flipH="1" flipV="1">
+            <a:off x="3186014" y="399100"/>
+            <a:ext cx="17058" cy="2315489"/>
           </a:xfrm>
           <a:prstGeom prst="bentConnector3">
             <a:avLst>
-              <a:gd name="adj1" fmla="val 4758890"/>
+              <a:gd name="adj1" fmla="val -1340134"/>
             </a:avLst>
           </a:prstGeom>
           <a:ln w="12700">
@@ -4168,7 +3949,7 @@
         </p:nvSpPr>
         <p:spPr>
           <a:xfrm>
-            <a:off x="4194103" y="1618711"/>
+            <a:off x="4208287" y="1548316"/>
             <a:ext cx="288000" cy="288000"/>
           </a:xfrm>
           <a:prstGeom prst="diamond">
@@ -4233,7 +4014,7 @@
         </p:nvSpPr>
         <p:spPr>
           <a:xfrm>
-            <a:off x="1892798" y="1618711"/>
+            <a:off x="1892798" y="1565374"/>
             <a:ext cx="288000" cy="288000"/>
           </a:xfrm>
           <a:prstGeom prst="diamond">
@@ -4282,118 +4063,151 @@
           </a:p>
         </p:txBody>
       </p:sp>
-      <p:sp>
-        <p:nvSpPr>
-          <p:cNvPr id="49" name="Oval 48">
-            <a:extLst>
-              <a:ext uri="{FF2B5EF4-FFF2-40B4-BE49-F238E27FC236}">
-                <a16:creationId xmlns:a16="http://schemas.microsoft.com/office/drawing/2014/main" id="{14BC109D-5ED4-B540-8714-D7D6FCF469C7}"/>
-              </a:ext>
-            </a:extLst>
-          </p:cNvPr>
-          <p:cNvSpPr>
-            <a:spLocks noChangeAspect="1"/>
-          </p:cNvSpPr>
-          <p:nvPr/>
-        </p:nvSpPr>
-        <p:spPr>
-          <a:xfrm>
-            <a:off x="8966019" y="1643825"/>
-            <a:ext cx="216000" cy="216000"/>
-          </a:xfrm>
-          <a:prstGeom prst="ellipse">
-            <a:avLst/>
-          </a:prstGeom>
-          <a:solidFill>
-            <a:schemeClr val="tx1"/>
-          </a:solidFill>
-          <a:ln>
+      <p:grpSp>
+        <p:nvGrpSpPr>
+          <p:cNvPr id="87" name="Group 86"/>
+          <p:cNvGrpSpPr/>
+          <p:nvPr/>
+        </p:nvGrpSpPr>
+        <p:grpSpPr>
+          <a:xfrm>
+            <a:off x="9957850" y="722030"/>
+            <a:ext cx="360000" cy="360000"/>
+            <a:chOff x="8894019" y="1582711"/>
+            <a:chExt cx="360000" cy="360000"/>
+          </a:xfrm>
+        </p:grpSpPr>
+        <p:sp>
+          <p:nvSpPr>
+            <p:cNvPr id="50" name="Oval 49">
+              <a:extLst>
+                <a:ext uri="{FF2B5EF4-FFF2-40B4-BE49-F238E27FC236}">
+                  <a16:creationId xmlns:a16="http://schemas.microsoft.com/office/drawing/2014/main" id="{BEB3D7CC-6028-874D-A554-4EADF476DFE5}"/>
+                </a:ext>
+              </a:extLst>
+            </p:cNvPr>
+            <p:cNvSpPr>
+              <a:spLocks noChangeAspect="1"/>
+            </p:cNvSpPr>
+            <p:nvPr/>
+          </p:nvSpPr>
+          <p:spPr>
+            <a:xfrm>
+              <a:off x="8894019" y="1582711"/>
+              <a:ext cx="360000" cy="360000"/>
+            </a:xfrm>
+            <a:prstGeom prst="ellipse">
+              <a:avLst/>
+            </a:prstGeom>
+            <a:solidFill>
+              <a:schemeClr val="bg1"/>
+            </a:solidFill>
+            <a:ln w="19050">
+              <a:solidFill>
+                <a:schemeClr val="tx1"/>
+              </a:solidFill>
+            </a:ln>
+          </p:spPr>
+          <p:style>
+            <a:lnRef idx="2">
+              <a:schemeClr val="accent1">
+                <a:shade val="50000"/>
+              </a:schemeClr>
+            </a:lnRef>
+            <a:fillRef idx="1">
+              <a:schemeClr val="accent1"/>
+            </a:fillRef>
+            <a:effectRef idx="0">
+              <a:schemeClr val="accent1"/>
+            </a:effectRef>
+            <a:fontRef idx="minor">
+              <a:schemeClr val="lt1"/>
+            </a:fontRef>
+          </p:style>
+          <p:txBody>
+            <a:bodyPr rot="0" spcFirstLastPara="0" vertOverflow="overflow" horzOverflow="overflow" vert="horz" wrap="square" lIns="36000" tIns="36000" rIns="36000" bIns="36000" numCol="1" spcCol="0" rtlCol="0" fromWordArt="0" anchor="ctr" anchorCtr="0" forceAA="0" compatLnSpc="1">
+              <a:prstTxWarp prst="textNoShape">
+                <a:avLst/>
+              </a:prstTxWarp>
+              <a:noAutofit/>
+            </a:bodyPr>
+            <a:lstStyle/>
+            <a:p>
+              <a:pPr algn="ctr"/>
+              <a:endParaRPr lang="de-DE" sz="2000" dirty="0" err="1">
+                <a:solidFill>
+                  <a:schemeClr val="tx1"/>
+                </a:solidFill>
+              </a:endParaRPr>
+            </a:p>
+          </p:txBody>
+        </p:sp>
+        <p:sp>
+          <p:nvSpPr>
+            <p:cNvPr id="49" name="Oval 48">
+              <a:extLst>
+                <a:ext uri="{FF2B5EF4-FFF2-40B4-BE49-F238E27FC236}">
+                  <a16:creationId xmlns:a16="http://schemas.microsoft.com/office/drawing/2014/main" id="{14BC109D-5ED4-B540-8714-D7D6FCF469C7}"/>
+                </a:ext>
+              </a:extLst>
+            </p:cNvPr>
+            <p:cNvSpPr>
+              <a:spLocks noChangeAspect="1"/>
+            </p:cNvSpPr>
+            <p:nvPr/>
+          </p:nvSpPr>
+          <p:spPr>
+            <a:xfrm>
+              <a:off x="8966019" y="1654711"/>
+              <a:ext cx="216000" cy="216000"/>
+            </a:xfrm>
+            <a:prstGeom prst="ellipse">
+              <a:avLst/>
+            </a:prstGeom>
             <a:solidFill>
               <a:schemeClr val="tx1"/>
             </a:solidFill>
-          </a:ln>
-        </p:spPr>
-        <p:style>
-          <a:lnRef idx="2">
-            <a:schemeClr val="accent1">
-              <a:shade val="50000"/>
-            </a:schemeClr>
-          </a:lnRef>
-          <a:fillRef idx="1">
-            <a:schemeClr val="accent1"/>
-          </a:fillRef>
-          <a:effectRef idx="0">
-            <a:schemeClr val="accent1"/>
-          </a:effectRef>
-          <a:fontRef idx="minor">
-            <a:schemeClr val="lt1"/>
-          </a:fontRef>
-        </p:style>
-        <p:txBody>
-          <a:bodyPr rot="0" spcFirstLastPara="0" vertOverflow="overflow" horzOverflow="overflow" vert="horz" wrap="square" lIns="36000" tIns="36000" rIns="36000" bIns="36000" numCol="1" spcCol="0" rtlCol="0" fromWordArt="0" anchor="ctr" anchorCtr="0" forceAA="0" compatLnSpc="1">
-            <a:prstTxWarp prst="textNoShape">
-              <a:avLst/>
-            </a:prstTxWarp>
-            <a:noAutofit/>
-          </a:bodyPr>
-          <a:lstStyle/>
-          <a:p>
-            <a:pPr algn="ctr"/>
-            <a:endParaRPr lang="de-DE" sz="2000" dirty="0" err="1">
+            <a:ln>
               <a:solidFill>
                 <a:schemeClr val="tx1"/>
               </a:solidFill>
-            </a:endParaRPr>
-          </a:p>
-        </p:txBody>
-      </p:sp>
-      <p:cxnSp>
-        <p:nvCxnSpPr>
-          <p:cNvPr id="51" name="Gerade Verbindung mit Pfeil 50">
-            <a:extLst>
-              <a:ext uri="{FF2B5EF4-FFF2-40B4-BE49-F238E27FC236}">
-                <a16:creationId xmlns:a16="http://schemas.microsoft.com/office/drawing/2014/main" id="{7945A406-364F-F24A-BD46-0462ED96838B}"/>
-              </a:ext>
-            </a:extLst>
-          </p:cNvPr>
-          <p:cNvCxnSpPr>
-            <a:cxnSpLocks/>
-            <a:stCxn id="7" idx="3"/>
-            <a:endCxn id="50" idx="2"/>
-          </p:cNvCxnSpPr>
-          <p:nvPr/>
-        </p:nvCxnSpPr>
-        <p:spPr>
-          <a:xfrm flipV="1">
-            <a:off x="8605532" y="1762711"/>
-            <a:ext cx="288487" cy="688"/>
-          </a:xfrm>
-          <a:prstGeom prst="straightConnector1">
-            <a:avLst/>
-          </a:prstGeom>
-          <a:ln w="12700">
-            <a:solidFill>
-              <a:schemeClr val="tx1"/>
-            </a:solidFill>
-            <a:headEnd type="none" w="med" len="med"/>
-            <a:tailEnd type="arrow" w="med" len="med"/>
-          </a:ln>
-        </p:spPr>
-        <p:style>
-          <a:lnRef idx="1">
-            <a:schemeClr val="accent1"/>
-          </a:lnRef>
-          <a:fillRef idx="0">
-            <a:schemeClr val="accent1"/>
-          </a:fillRef>
-          <a:effectRef idx="0">
-            <a:schemeClr val="accent1"/>
-          </a:effectRef>
-          <a:fontRef idx="minor">
-            <a:schemeClr val="tx1"/>
-          </a:fontRef>
-        </p:style>
-      </p:cxnSp>
+            </a:ln>
+          </p:spPr>
+          <p:style>
+            <a:lnRef idx="2">
+              <a:schemeClr val="accent1">
+                <a:shade val="50000"/>
+              </a:schemeClr>
+            </a:lnRef>
+            <a:fillRef idx="1">
+              <a:schemeClr val="accent1"/>
+            </a:fillRef>
+            <a:effectRef idx="0">
+              <a:schemeClr val="accent1"/>
+            </a:effectRef>
+            <a:fontRef idx="minor">
+              <a:schemeClr val="lt1"/>
+            </a:fontRef>
+          </p:style>
+          <p:txBody>
+            <a:bodyPr rot="0" spcFirstLastPara="0" vertOverflow="overflow" horzOverflow="overflow" vert="horz" wrap="square" lIns="36000" tIns="36000" rIns="36000" bIns="36000" numCol="1" spcCol="0" rtlCol="0" fromWordArt="0" anchor="ctr" anchorCtr="0" forceAA="0" compatLnSpc="1">
+              <a:prstTxWarp prst="textNoShape">
+                <a:avLst/>
+              </a:prstTxWarp>
+              <a:noAutofit/>
+            </a:bodyPr>
+            <a:lstStyle/>
+            <a:p>
+              <a:pPr algn="ctr"/>
+              <a:endParaRPr lang="de-DE" sz="2000" dirty="0" err="1">
+                <a:solidFill>
+                  <a:schemeClr val="tx1"/>
+                </a:solidFill>
+              </a:endParaRPr>
+            </a:p>
+          </p:txBody>
+        </p:sp>
+      </p:grpSp>
       <p:sp>
         <p:nvSpPr>
           <p:cNvPr id="2" name="Textfeld 1">
@@ -4408,7 +4222,7 @@
         </p:nvSpPr>
         <p:spPr>
           <a:xfrm>
-            <a:off x="3687123" y="689061"/>
+            <a:off x="2611477" y="1015926"/>
             <a:ext cx="1301959" cy="338554"/>
           </a:xfrm>
           <a:prstGeom prst="rect">
@@ -4451,7 +4265,7 @@
         </p:nvSpPr>
         <p:spPr>
           <a:xfrm>
-            <a:off x="4388386" y="1400652"/>
+            <a:off x="4415012" y="1340975"/>
             <a:ext cx="641522" cy="338554"/>
           </a:xfrm>
           <a:prstGeom prst="rect">
@@ -4496,8 +4310,8 @@
         </p:nvCxnSpPr>
         <p:spPr>
           <a:xfrm>
-            <a:off x="1001486" y="689061"/>
-            <a:ext cx="2612571" cy="0"/>
+            <a:off x="556985" y="689061"/>
+            <a:ext cx="3060000" cy="0"/>
           </a:xfrm>
           <a:prstGeom prst="line">
             <a:avLst/>
@@ -4541,7 +4355,7 @@
         </p:nvSpPr>
         <p:spPr>
           <a:xfrm>
-            <a:off x="3868905" y="1939531"/>
+            <a:off x="3909736" y="1798711"/>
             <a:ext cx="144000" cy="144000"/>
           </a:xfrm>
           <a:prstGeom prst="rect">
@@ -4601,7 +4415,7 @@
         </p:nvSpPr>
         <p:spPr>
           <a:xfrm>
-            <a:off x="4857041" y="1939531"/>
+            <a:off x="4897872" y="1798711"/>
             <a:ext cx="144000" cy="144000"/>
           </a:xfrm>
           <a:prstGeom prst="rect">
@@ -4661,8 +4475,8 @@
         </p:nvSpPr>
         <p:spPr>
           <a:xfrm>
-            <a:off x="6293877" y="1939531"/>
-            <a:ext cx="144000" cy="144000"/>
+            <a:off x="6341884" y="1499825"/>
+            <a:ext cx="117198" cy="144000"/>
           </a:xfrm>
           <a:prstGeom prst="rect">
             <a:avLst/>
@@ -4721,7 +4535,7 @@
         </p:nvSpPr>
         <p:spPr>
           <a:xfrm>
-            <a:off x="7165532" y="1939531"/>
+            <a:off x="8631821" y="1440366"/>
             <a:ext cx="144000" cy="144000"/>
           </a:xfrm>
           <a:prstGeom prst="rect">
@@ -4776,12 +4590,14 @@
           </p:cNvPr>
           <p:cNvCxnSpPr>
             <a:cxnSpLocks/>
+            <a:stCxn id="16" idx="3"/>
+            <a:endCxn id="28" idx="1"/>
           </p:cNvCxnSpPr>
           <p:nvPr/>
         </p:nvCxnSpPr>
         <p:spPr>
           <a:xfrm>
-            <a:off x="4012905" y="2011531"/>
+            <a:off x="4053736" y="1870711"/>
             <a:ext cx="844136" cy="0"/>
           </a:xfrm>
           <a:prstGeom prst="line">
@@ -4793,6 +4609,678 @@
             </a:solidFill>
             <a:headEnd type="none" w="med" len="med"/>
             <a:tailEnd type="arrow" w="med" len="med"/>
+          </a:ln>
+        </p:spPr>
+        <p:style>
+          <a:lnRef idx="1">
+            <a:schemeClr val="accent1"/>
+          </a:lnRef>
+          <a:fillRef idx="0">
+            <a:schemeClr val="accent1"/>
+          </a:fillRef>
+          <a:effectRef idx="0">
+            <a:schemeClr val="accent1"/>
+          </a:effectRef>
+          <a:fontRef idx="minor">
+            <a:schemeClr val="tx1"/>
+          </a:fontRef>
+        </p:style>
+      </p:cxnSp>
+      <p:sp>
+        <p:nvSpPr>
+          <p:cNvPr id="39" name="Textfeld 38">
+            <a:extLst>
+              <a:ext uri="{FF2B5EF4-FFF2-40B4-BE49-F238E27FC236}">
+                <a16:creationId xmlns:a16="http://schemas.microsoft.com/office/drawing/2014/main" id="{B18C0F37-A360-AE4F-BD2F-531CF40F1AB4}"/>
+              </a:ext>
+            </a:extLst>
+          </p:cNvPr>
+          <p:cNvSpPr txBox="1"/>
+          <p:nvPr/>
+        </p:nvSpPr>
+        <p:spPr>
+          <a:xfrm>
+            <a:off x="4242101" y="1970950"/>
+            <a:ext cx="639919" cy="307777"/>
+          </a:xfrm>
+          <a:prstGeom prst="rect">
+            <a:avLst/>
+          </a:prstGeom>
+          <a:noFill/>
+          <a:ln w="25400">
+            <a:solidFill>
+              <a:schemeClr val="tx1"/>
+            </a:solidFill>
+          </a:ln>
+        </p:spPr>
+        <p:txBody>
+          <a:bodyPr wrap="none" rtlCol="0">
+            <a:spAutoFit/>
+          </a:bodyPr>
+          <a:lstStyle/>
+          <a:p>
+            <a:r>
+              <a:rPr lang="de-DE" sz="1400" dirty="0" smtClean="0"/>
+              <a:t>:CCAD</a:t>
+            </a:r>
+            <a:endParaRPr lang="de-DE" sz="1400" dirty="0"/>
+          </a:p>
+        </p:txBody>
+      </p:sp>
+      <p:cxnSp>
+        <p:nvCxnSpPr>
+          <p:cNvPr id="33" name="Gerade Verbindung 32">
+            <a:extLst>
+              <a:ext uri="{FF2B5EF4-FFF2-40B4-BE49-F238E27FC236}">
+                <a16:creationId xmlns:a16="http://schemas.microsoft.com/office/drawing/2014/main" id="{00B12769-BDFD-F643-AF69-985FA0A6A4A8}"/>
+              </a:ext>
+            </a:extLst>
+          </p:cNvPr>
+          <p:cNvCxnSpPr/>
+          <p:nvPr/>
+        </p:nvCxnSpPr>
+        <p:spPr>
+          <a:xfrm flipV="1">
+            <a:off x="3614057" y="370114"/>
+            <a:ext cx="0" cy="318947"/>
+          </a:xfrm>
+          <a:prstGeom prst="line">
+            <a:avLst/>
+          </a:prstGeom>
+          <a:ln w="12700">
+            <a:solidFill>
+              <a:schemeClr val="tx1"/>
+            </a:solidFill>
+            <a:headEnd type="none" w="med" len="med"/>
+            <a:tailEnd type="none" w="med" len="med"/>
+          </a:ln>
+        </p:spPr>
+        <p:style>
+          <a:lnRef idx="1">
+            <a:schemeClr val="accent1"/>
+          </a:lnRef>
+          <a:fillRef idx="0">
+            <a:schemeClr val="accent1"/>
+          </a:fillRef>
+          <a:effectRef idx="0">
+            <a:schemeClr val="accent1"/>
+          </a:effectRef>
+          <a:fontRef idx="minor">
+            <a:schemeClr val="tx1"/>
+          </a:fontRef>
+        </p:style>
+      </p:cxnSp>
+      <p:sp>
+        <p:nvSpPr>
+          <p:cNvPr id="48" name="Textfeld 47">
+            <a:extLst>
+              <a:ext uri="{FF2B5EF4-FFF2-40B4-BE49-F238E27FC236}">
+                <a16:creationId xmlns:a16="http://schemas.microsoft.com/office/drawing/2014/main" id="{91519482-E02D-1346-AB11-B945F254CFFE}"/>
+              </a:ext>
+            </a:extLst>
+          </p:cNvPr>
+          <p:cNvSpPr txBox="1"/>
+          <p:nvPr/>
+        </p:nvSpPr>
+        <p:spPr>
+          <a:xfrm>
+            <a:off x="580595" y="360310"/>
+            <a:ext cx="3033462" cy="338554"/>
+          </a:xfrm>
+          <a:prstGeom prst="rect">
+            <a:avLst/>
+          </a:prstGeom>
+          <a:noFill/>
+        </p:spPr>
+        <p:txBody>
+          <a:bodyPr wrap="square" rtlCol="0">
+            <a:spAutoFit/>
+          </a:bodyPr>
+          <a:lstStyle/>
+          <a:p>
+            <a:r>
+              <a:rPr lang="de-DE" sz="1600" b="1" dirty="0" err="1"/>
+              <a:t>act</a:t>
+            </a:r>
+            <a:r>
+              <a:rPr lang="de-DE" sz="1600" dirty="0"/>
+              <a:t> Export PCAD Drawing </a:t>
+            </a:r>
+          </a:p>
+        </p:txBody>
+      </p:sp>
+      <p:sp>
+        <p:nvSpPr>
+          <p:cNvPr id="52" name="Rechteck 15">
+            <a:extLst>
+              <a:ext uri="{FF2B5EF4-FFF2-40B4-BE49-F238E27FC236}">
+                <a16:creationId xmlns:a16="http://schemas.microsoft.com/office/drawing/2014/main" id="{4F17FC77-DB43-A047-9FEF-DFE58152E807}"/>
+              </a:ext>
+            </a:extLst>
+          </p:cNvPr>
+          <p:cNvSpPr>
+            <a:spLocks noChangeAspect="1"/>
+          </p:cNvSpPr>
+          <p:nvPr/>
+        </p:nvSpPr>
+        <p:spPr>
+          <a:xfrm>
+            <a:off x="2469033" y="1806422"/>
+            <a:ext cx="144000" cy="144000"/>
+          </a:xfrm>
+          <a:prstGeom prst="rect">
+            <a:avLst/>
+          </a:prstGeom>
+          <a:solidFill>
+            <a:schemeClr val="bg1"/>
+          </a:solidFill>
+          <a:ln>
+            <a:solidFill>
+              <a:schemeClr val="tx1"/>
+            </a:solidFill>
+          </a:ln>
+        </p:spPr>
+        <p:style>
+          <a:lnRef idx="2">
+            <a:schemeClr val="accent1">
+              <a:shade val="50000"/>
+            </a:schemeClr>
+          </a:lnRef>
+          <a:fillRef idx="1">
+            <a:schemeClr val="accent1"/>
+          </a:fillRef>
+          <a:effectRef idx="0">
+            <a:schemeClr val="accent1"/>
+          </a:effectRef>
+          <a:fontRef idx="minor">
+            <a:schemeClr val="lt1"/>
+          </a:fontRef>
+        </p:style>
+        <p:txBody>
+          <a:bodyPr lIns="36000" tIns="36000" rIns="36000" bIns="36000" rtlCol="0" anchor="ctr"/>
+          <a:lstStyle/>
+          <a:p>
+            <a:pPr algn="ctr"/>
+            <a:endParaRPr lang="de-DE" sz="2000" dirty="0" err="1">
+              <a:solidFill>
+                <a:schemeClr val="tx1"/>
+              </a:solidFill>
+            </a:endParaRPr>
+          </a:p>
+        </p:txBody>
+      </p:sp>
+      <p:cxnSp>
+        <p:nvCxnSpPr>
+          <p:cNvPr id="54" name="Elbow Connector 53"/>
+          <p:cNvCxnSpPr>
+            <a:stCxn id="16" idx="3"/>
+            <a:endCxn id="52" idx="1"/>
+          </p:cNvCxnSpPr>
+          <p:nvPr/>
+        </p:nvCxnSpPr>
+        <p:spPr>
+          <a:xfrm flipH="1">
+            <a:off x="2469033" y="1870711"/>
+            <a:ext cx="1584703" cy="7711"/>
+          </a:xfrm>
+          <a:prstGeom prst="bentConnector5">
+            <a:avLst>
+              <a:gd name="adj1" fmla="val -6010"/>
+              <a:gd name="adj2" fmla="val 3998327"/>
+              <a:gd name="adj3" fmla="val 114425"/>
+            </a:avLst>
+          </a:prstGeom>
+          <a:ln w="12700">
+            <a:solidFill>
+              <a:schemeClr val="tx1"/>
+            </a:solidFill>
+            <a:headEnd type="none" w="med" len="med"/>
+            <a:tailEnd type="triangle"/>
+          </a:ln>
+        </p:spPr>
+        <p:style>
+          <a:lnRef idx="1">
+            <a:schemeClr val="accent1"/>
+          </a:lnRef>
+          <a:fillRef idx="0">
+            <a:schemeClr val="accent1"/>
+          </a:fillRef>
+          <a:effectRef idx="0">
+            <a:schemeClr val="accent1"/>
+          </a:effectRef>
+          <a:fontRef idx="minor">
+            <a:schemeClr val="tx1"/>
+          </a:fontRef>
+        </p:style>
+      </p:cxnSp>
+      <p:sp>
+        <p:nvSpPr>
+          <p:cNvPr id="56" name="Textfeld 38">
+            <a:extLst>
+              <a:ext uri="{FF2B5EF4-FFF2-40B4-BE49-F238E27FC236}">
+                <a16:creationId xmlns:a16="http://schemas.microsoft.com/office/drawing/2014/main" id="{B18C0F37-A360-AE4F-BD2F-531CF40F1AB4}"/>
+              </a:ext>
+            </a:extLst>
+          </p:cNvPr>
+          <p:cNvSpPr txBox="1"/>
+          <p:nvPr/>
+        </p:nvSpPr>
+        <p:spPr>
+          <a:xfrm>
+            <a:off x="707351" y="1941408"/>
+            <a:ext cx="1107569" cy="307777"/>
+          </a:xfrm>
+          <a:prstGeom prst="rect">
+            <a:avLst/>
+          </a:prstGeom>
+          <a:noFill/>
+          <a:ln w="25400">
+            <a:solidFill>
+              <a:schemeClr val="tx1"/>
+            </a:solidFill>
+          </a:ln>
+        </p:spPr>
+        <p:txBody>
+          <a:bodyPr wrap="square" rtlCol="0">
+            <a:spAutoFit/>
+          </a:bodyPr>
+          <a:lstStyle/>
+          <a:p>
+            <a:r>
+              <a:rPr lang="de-DE" sz="1400" dirty="0" smtClean="0"/>
+              <a:t>:EmptyCCAD</a:t>
+            </a:r>
+            <a:endParaRPr lang="de-DE" sz="1400" dirty="0"/>
+          </a:p>
+        </p:txBody>
+      </p:sp>
+      <p:cxnSp>
+        <p:nvCxnSpPr>
+          <p:cNvPr id="58" name="Elbow Connector 57"/>
+          <p:cNvCxnSpPr>
+            <a:stCxn id="56" idx="3"/>
+          </p:cNvCxnSpPr>
+          <p:nvPr/>
+        </p:nvCxnSpPr>
+        <p:spPr>
+          <a:xfrm flipV="1">
+            <a:off x="1814920" y="1878422"/>
+            <a:ext cx="602104" cy="216875"/>
+          </a:xfrm>
+          <a:prstGeom prst="bentConnector3">
+            <a:avLst/>
+          </a:prstGeom>
+          <a:ln w="12700">
+            <a:solidFill>
+              <a:schemeClr val="tx1"/>
+            </a:solidFill>
+            <a:headEnd type="none" w="med" len="med"/>
+            <a:tailEnd type="triangle"/>
+          </a:ln>
+        </p:spPr>
+        <p:style>
+          <a:lnRef idx="1">
+            <a:schemeClr val="accent1"/>
+          </a:lnRef>
+          <a:fillRef idx="0">
+            <a:schemeClr val="accent1"/>
+          </a:fillRef>
+          <a:effectRef idx="0">
+            <a:schemeClr val="accent1"/>
+          </a:effectRef>
+          <a:fontRef idx="minor">
+            <a:schemeClr val="tx1"/>
+          </a:fontRef>
+        </p:style>
+      </p:cxnSp>
+      <p:sp>
+        <p:nvSpPr>
+          <p:cNvPr id="61" name="Textfeld 38">
+            <a:extLst>
+              <a:ext uri="{FF2B5EF4-FFF2-40B4-BE49-F238E27FC236}">
+                <a16:creationId xmlns:a16="http://schemas.microsoft.com/office/drawing/2014/main" id="{B18C0F37-A360-AE4F-BD2F-531CF40F1AB4}"/>
+              </a:ext>
+            </a:extLst>
+          </p:cNvPr>
+          <p:cNvSpPr txBox="1"/>
+          <p:nvPr/>
+        </p:nvSpPr>
+        <p:spPr>
+          <a:xfrm>
+            <a:off x="6230642" y="594253"/>
+            <a:ext cx="639919" cy="307777"/>
+          </a:xfrm>
+          <a:prstGeom prst="rect">
+            <a:avLst/>
+          </a:prstGeom>
+          <a:noFill/>
+          <a:ln w="25400">
+            <a:solidFill>
+              <a:schemeClr val="tx1"/>
+            </a:solidFill>
+          </a:ln>
+        </p:spPr>
+        <p:txBody>
+          <a:bodyPr wrap="none" rtlCol="0">
+            <a:spAutoFit/>
+          </a:bodyPr>
+          <a:lstStyle/>
+          <a:p>
+            <a:r>
+              <a:rPr lang="de-DE" sz="1400" dirty="0" smtClean="0"/>
+              <a:t>:CCAD</a:t>
+            </a:r>
+            <a:endParaRPr lang="de-DE" sz="1400" dirty="0"/>
+          </a:p>
+        </p:txBody>
+      </p:sp>
+      <p:cxnSp>
+        <p:nvCxnSpPr>
+          <p:cNvPr id="63" name="Elbow Connector 62"/>
+          <p:cNvCxnSpPr>
+            <a:stCxn id="29" idx="3"/>
+            <a:endCxn id="61" idx="2"/>
+          </p:cNvCxnSpPr>
+          <p:nvPr/>
+        </p:nvCxnSpPr>
+        <p:spPr>
+          <a:xfrm flipV="1">
+            <a:off x="6459082" y="902030"/>
+            <a:ext cx="91520" cy="669795"/>
+          </a:xfrm>
+          <a:prstGeom prst="bentConnector2">
+            <a:avLst/>
+          </a:prstGeom>
+          <a:ln w="12700">
+            <a:solidFill>
+              <a:schemeClr val="tx1"/>
+            </a:solidFill>
+            <a:headEnd type="none" w="med" len="med"/>
+            <a:tailEnd type="triangle"/>
+          </a:ln>
+        </p:spPr>
+        <p:style>
+          <a:lnRef idx="1">
+            <a:schemeClr val="accent1"/>
+          </a:lnRef>
+          <a:fillRef idx="0">
+            <a:schemeClr val="accent1"/>
+          </a:fillRef>
+          <a:effectRef idx="0">
+            <a:schemeClr val="accent1"/>
+          </a:effectRef>
+          <a:fontRef idx="minor">
+            <a:schemeClr val="tx1"/>
+          </a:fontRef>
+        </p:style>
+      </p:cxnSp>
+      <p:sp>
+        <p:nvSpPr>
+          <p:cNvPr id="65" name="Textfeld 38">
+            <a:extLst>
+              <a:ext uri="{FF2B5EF4-FFF2-40B4-BE49-F238E27FC236}">
+                <a16:creationId xmlns:a16="http://schemas.microsoft.com/office/drawing/2014/main" id="{B18C0F37-A360-AE4F-BD2F-531CF40F1AB4}"/>
+              </a:ext>
+            </a:extLst>
+          </p:cNvPr>
+          <p:cNvSpPr txBox="1"/>
+          <p:nvPr/>
+        </p:nvSpPr>
+        <p:spPr>
+          <a:xfrm>
+            <a:off x="5920493" y="2470277"/>
+            <a:ext cx="620298" cy="307777"/>
+          </a:xfrm>
+          <a:prstGeom prst="rect">
+            <a:avLst/>
+          </a:prstGeom>
+          <a:noFill/>
+          <a:ln w="25400">
+            <a:solidFill>
+              <a:schemeClr val="tx1"/>
+            </a:solidFill>
+          </a:ln>
+        </p:spPr>
+        <p:txBody>
+          <a:bodyPr wrap="none" rtlCol="0">
+            <a:spAutoFit/>
+          </a:bodyPr>
+          <a:lstStyle/>
+          <a:p>
+            <a:r>
+              <a:rPr lang="de-DE" sz="1400" dirty="0" smtClean="0"/>
+              <a:t>:Trace</a:t>
+            </a:r>
+            <a:endParaRPr lang="de-DE" sz="1400" dirty="0"/>
+          </a:p>
+        </p:txBody>
+      </p:sp>
+      <p:sp>
+        <p:nvSpPr>
+          <p:cNvPr id="66" name="Rechteck 28">
+            <a:extLst>
+              <a:ext uri="{FF2B5EF4-FFF2-40B4-BE49-F238E27FC236}">
+                <a16:creationId xmlns:a16="http://schemas.microsoft.com/office/drawing/2014/main" id="{3C7724B7-9797-4844-9E86-05B65E18B1C0}"/>
+              </a:ext>
+            </a:extLst>
+          </p:cNvPr>
+          <p:cNvSpPr>
+            <a:spLocks noChangeAspect="1"/>
+          </p:cNvSpPr>
+          <p:nvPr/>
+        </p:nvSpPr>
+        <p:spPr>
+          <a:xfrm>
+            <a:off x="6341884" y="1929574"/>
+            <a:ext cx="117198" cy="117198"/>
+          </a:xfrm>
+          <a:prstGeom prst="rect">
+            <a:avLst/>
+          </a:prstGeom>
+          <a:solidFill>
+            <a:schemeClr val="bg1"/>
+          </a:solidFill>
+          <a:ln>
+            <a:solidFill>
+              <a:schemeClr val="tx1"/>
+            </a:solidFill>
+          </a:ln>
+        </p:spPr>
+        <p:style>
+          <a:lnRef idx="2">
+            <a:schemeClr val="accent1">
+              <a:shade val="50000"/>
+            </a:schemeClr>
+          </a:lnRef>
+          <a:fillRef idx="1">
+            <a:schemeClr val="accent1"/>
+          </a:fillRef>
+          <a:effectRef idx="0">
+            <a:schemeClr val="accent1"/>
+          </a:effectRef>
+          <a:fontRef idx="minor">
+            <a:schemeClr val="lt1"/>
+          </a:fontRef>
+        </p:style>
+        <p:txBody>
+          <a:bodyPr lIns="36000" tIns="36000" rIns="36000" bIns="36000" rtlCol="0" anchor="ctr"/>
+          <a:lstStyle/>
+          <a:p>
+            <a:pPr algn="ctr"/>
+            <a:endParaRPr lang="de-DE" sz="2000" dirty="0" err="1">
+              <a:solidFill>
+                <a:schemeClr val="tx1"/>
+              </a:solidFill>
+            </a:endParaRPr>
+          </a:p>
+        </p:txBody>
+      </p:sp>
+      <p:cxnSp>
+        <p:nvCxnSpPr>
+          <p:cNvPr id="68" name="Elbow Connector 67"/>
+          <p:cNvCxnSpPr>
+            <a:stCxn id="66" idx="2"/>
+            <a:endCxn id="65" idx="0"/>
+          </p:cNvCxnSpPr>
+          <p:nvPr/>
+        </p:nvCxnSpPr>
+        <p:spPr>
+          <a:xfrm rot="5400000">
+            <a:off x="6103811" y="2173604"/>
+            <a:ext cx="423505" cy="169841"/>
+          </a:xfrm>
+          <a:prstGeom prst="bentConnector3">
+            <a:avLst>
+              <a:gd name="adj1" fmla="val 50000"/>
+            </a:avLst>
+          </a:prstGeom>
+          <a:ln w="12700">
+            <a:solidFill>
+              <a:schemeClr val="tx1"/>
+            </a:solidFill>
+            <a:headEnd type="none" w="med" len="med"/>
+            <a:tailEnd type="triangle"/>
+          </a:ln>
+        </p:spPr>
+        <p:style>
+          <a:lnRef idx="1">
+            <a:schemeClr val="accent1"/>
+          </a:lnRef>
+          <a:fillRef idx="0">
+            <a:schemeClr val="accent1"/>
+          </a:fillRef>
+          <a:effectRef idx="0">
+            <a:schemeClr val="accent1"/>
+          </a:effectRef>
+          <a:fontRef idx="minor">
+            <a:schemeClr val="tx1"/>
+          </a:fontRef>
+        </p:style>
+      </p:cxnSp>
+      <p:sp>
+        <p:nvSpPr>
+          <p:cNvPr id="75" name="Rechteck 28">
+            <a:extLst>
+              <a:ext uri="{FF2B5EF4-FFF2-40B4-BE49-F238E27FC236}">
+                <a16:creationId xmlns:a16="http://schemas.microsoft.com/office/drawing/2014/main" id="{3C7724B7-9797-4844-9E86-05B65E18B1C0}"/>
+              </a:ext>
+            </a:extLst>
+          </p:cNvPr>
+          <p:cNvSpPr>
+            <a:spLocks noChangeAspect="1"/>
+          </p:cNvSpPr>
+          <p:nvPr/>
+        </p:nvSpPr>
+        <p:spPr>
+          <a:xfrm>
+            <a:off x="6341884" y="1809759"/>
+            <a:ext cx="117198" cy="117198"/>
+          </a:xfrm>
+          <a:prstGeom prst="rect">
+            <a:avLst/>
+          </a:prstGeom>
+          <a:solidFill>
+            <a:schemeClr val="bg1"/>
+          </a:solidFill>
+          <a:ln>
+            <a:solidFill>
+              <a:schemeClr val="tx1"/>
+            </a:solidFill>
+          </a:ln>
+        </p:spPr>
+        <p:style>
+          <a:lnRef idx="2">
+            <a:schemeClr val="accent1">
+              <a:shade val="50000"/>
+            </a:schemeClr>
+          </a:lnRef>
+          <a:fillRef idx="1">
+            <a:schemeClr val="accent1"/>
+          </a:fillRef>
+          <a:effectRef idx="0">
+            <a:schemeClr val="accent1"/>
+          </a:effectRef>
+          <a:fontRef idx="minor">
+            <a:schemeClr val="lt1"/>
+          </a:fontRef>
+        </p:style>
+        <p:txBody>
+          <a:bodyPr lIns="36000" tIns="36000" rIns="36000" bIns="36000" rtlCol="0" anchor="ctr"/>
+          <a:lstStyle/>
+          <a:p>
+            <a:pPr algn="ctr"/>
+            <a:endParaRPr lang="de-DE" sz="2000" dirty="0" err="1">
+              <a:solidFill>
+                <a:schemeClr val="tx1"/>
+              </a:solidFill>
+            </a:endParaRPr>
+          </a:p>
+        </p:txBody>
+      </p:sp>
+      <p:sp>
+        <p:nvSpPr>
+          <p:cNvPr id="76" name="Textfeld 38">
+            <a:extLst>
+              <a:ext uri="{FF2B5EF4-FFF2-40B4-BE49-F238E27FC236}">
+                <a16:creationId xmlns:a16="http://schemas.microsoft.com/office/drawing/2014/main" id="{B18C0F37-A360-AE4F-BD2F-531CF40F1AB4}"/>
+              </a:ext>
+            </a:extLst>
+          </p:cNvPr>
+          <p:cNvSpPr txBox="1"/>
+          <p:nvPr/>
+        </p:nvSpPr>
+        <p:spPr>
+          <a:xfrm>
+            <a:off x="6641765" y="2462199"/>
+            <a:ext cx="552605" cy="215444"/>
+          </a:xfrm>
+          <a:prstGeom prst="rect">
+            <a:avLst/>
+          </a:prstGeom>
+          <a:noFill/>
+          <a:ln w="25400">
+            <a:solidFill>
+              <a:schemeClr val="tx1"/>
+            </a:solidFill>
+          </a:ln>
+        </p:spPr>
+        <p:txBody>
+          <a:bodyPr wrap="square" rtlCol="0">
+            <a:spAutoFit/>
+          </a:bodyPr>
+          <a:lstStyle/>
+          <a:p>
+            <a:r>
+              <a:rPr lang="de-DE" sz="800" dirty="0" smtClean="0"/>
+              <a:t>:Boolean</a:t>
+            </a:r>
+            <a:endParaRPr lang="de-DE" sz="800" dirty="0"/>
+          </a:p>
+        </p:txBody>
+      </p:sp>
+      <p:cxnSp>
+        <p:nvCxnSpPr>
+          <p:cNvPr id="77" name="Elbow Connector 76"/>
+          <p:cNvCxnSpPr>
+            <a:stCxn id="75" idx="3"/>
+            <a:endCxn id="76" idx="0"/>
+          </p:cNvCxnSpPr>
+          <p:nvPr/>
+        </p:nvCxnSpPr>
+        <p:spPr>
+          <a:xfrm>
+            <a:off x="6459082" y="1868358"/>
+            <a:ext cx="458986" cy="593841"/>
+          </a:xfrm>
+          <a:prstGeom prst="bentConnector2">
+            <a:avLst/>
+          </a:prstGeom>
+          <a:ln w="12700">
+            <a:solidFill>
+              <a:schemeClr val="tx1"/>
+            </a:solidFill>
+            <a:headEnd type="none" w="med" len="med"/>
+            <a:tailEnd type="triangle"/>
           </a:ln>
         </p:spPr>
         <p:style>
@@ -4812,24 +5300,19 @@
       </p:cxnSp>
       <p:cxnSp>
         <p:nvCxnSpPr>
-          <p:cNvPr id="34" name="Gerade Verbindung 33">
-            <a:extLst>
-              <a:ext uri="{FF2B5EF4-FFF2-40B4-BE49-F238E27FC236}">
-                <a16:creationId xmlns:a16="http://schemas.microsoft.com/office/drawing/2014/main" id="{18B5DA90-679F-4B49-8662-8A3ED682CC52}"/>
-              </a:ext>
-            </a:extLst>
-          </p:cNvPr>
+          <p:cNvPr id="80" name="Elbow Connector 79"/>
           <p:cNvCxnSpPr>
-            <a:cxnSpLocks/>
+            <a:stCxn id="61" idx="3"/>
+            <a:endCxn id="30" idx="0"/>
           </p:cNvCxnSpPr>
           <p:nvPr/>
         </p:nvCxnSpPr>
         <p:spPr>
           <a:xfrm>
-            <a:off x="6437877" y="2011531"/>
-            <a:ext cx="727655" cy="0"/>
-          </a:xfrm>
-          <a:prstGeom prst="line">
+            <a:off x="6870561" y="748142"/>
+            <a:ext cx="1833260" cy="692224"/>
+          </a:xfrm>
+          <a:prstGeom prst="bentConnector2">
             <a:avLst/>
           </a:prstGeom>
           <a:ln w="12700">
@@ -4837,7 +5320,7 @@
               <a:schemeClr val="tx1"/>
             </a:solidFill>
             <a:headEnd type="none" w="med" len="med"/>
-            <a:tailEnd type="arrow" w="med" len="med"/>
+            <a:tailEnd type="triangle"/>
           </a:ln>
         </p:spPr>
         <p:style>
@@ -4857,86 +5340,10 @@
       </p:cxnSp>
       <p:sp>
         <p:nvSpPr>
-          <p:cNvPr id="39" name="Textfeld 38">
-            <a:extLst>
-              <a:ext uri="{FF2B5EF4-FFF2-40B4-BE49-F238E27FC236}">
-                <a16:creationId xmlns:a16="http://schemas.microsoft.com/office/drawing/2014/main" id="{B18C0F37-A360-AE4F-BD2F-531CF40F1AB4}"/>
-              </a:ext>
-            </a:extLst>
-          </p:cNvPr>
-          <p:cNvSpPr txBox="1"/>
-          <p:nvPr/>
-        </p:nvSpPr>
-        <p:spPr>
-          <a:xfrm>
-            <a:off x="4161257" y="2020846"/>
-            <a:ext cx="522900" cy="307777"/>
-          </a:xfrm>
-          <a:prstGeom prst="rect">
-            <a:avLst/>
-          </a:prstGeom>
-          <a:noFill/>
-        </p:spPr>
-        <p:txBody>
-          <a:bodyPr wrap="none" rtlCol="0">
-            <a:spAutoFit/>
-          </a:bodyPr>
-          <a:lstStyle/>
-          <a:p>
-            <a:r>
-              <a:rPr lang="de-DE" sz="1400" dirty="0" err="1"/>
-              <a:t>lines</a:t>
-            </a:r>
-            <a:endParaRPr lang="de-DE" sz="1400" dirty="0"/>
-          </a:p>
-        </p:txBody>
-      </p:sp>
-      <p:sp>
-        <p:nvSpPr>
-          <p:cNvPr id="40" name="Textfeld 39">
-            <a:extLst>
-              <a:ext uri="{FF2B5EF4-FFF2-40B4-BE49-F238E27FC236}">
-                <a16:creationId xmlns:a16="http://schemas.microsoft.com/office/drawing/2014/main" id="{08ECEFD3-61DA-5743-B30D-AB97C9FB2D38}"/>
-              </a:ext>
-            </a:extLst>
-          </p:cNvPr>
-          <p:cNvSpPr txBox="1"/>
-          <p:nvPr/>
-        </p:nvSpPr>
-        <p:spPr>
-          <a:xfrm>
-            <a:off x="6265856" y="2020846"/>
-            <a:ext cx="1004378" cy="307777"/>
-          </a:xfrm>
-          <a:prstGeom prst="rect">
-            <a:avLst/>
-          </a:prstGeom>
-          <a:noFill/>
-        </p:spPr>
-        <p:txBody>
-          <a:bodyPr wrap="none" rtlCol="0">
-            <a:spAutoFit/>
-          </a:bodyPr>
-          <a:lstStyle/>
-          <a:p>
-            <a:r>
-              <a:rPr lang="de-DE" sz="1400" dirty="0"/>
-              <a:t>valid </a:t>
-            </a:r>
-            <a:r>
-              <a:rPr lang="de-DE" sz="1400" dirty="0" err="1"/>
-              <a:t>shape</a:t>
-            </a:r>
-            <a:endParaRPr lang="de-DE" sz="1400" dirty="0"/>
-          </a:p>
-        </p:txBody>
-      </p:sp>
-      <p:sp>
-        <p:nvSpPr>
-          <p:cNvPr id="41" name="Rechteck 40">
-            <a:extLst>
-              <a:ext uri="{FF2B5EF4-FFF2-40B4-BE49-F238E27FC236}">
-                <a16:creationId xmlns:a16="http://schemas.microsoft.com/office/drawing/2014/main" id="{4B18B3C2-2EB8-FB40-BE75-8A6EE2A4597B}"/>
+          <p:cNvPr id="88" name="Raute 36">
+            <a:extLst>
+              <a:ext uri="{FF2B5EF4-FFF2-40B4-BE49-F238E27FC236}">
+                <a16:creationId xmlns:a16="http://schemas.microsoft.com/office/drawing/2014/main" id="{9D6FF20F-1E46-254D-B086-F061928F17B9}"/>
               </a:ext>
             </a:extLst>
           </p:cNvPr>
@@ -4947,10 +5354,10 @@
         </p:nvSpPr>
         <p:spPr>
           <a:xfrm>
-            <a:off x="8605775" y="1939531"/>
-            <a:ext cx="144000" cy="144000"/>
-          </a:xfrm>
-          <a:prstGeom prst="rect">
+            <a:off x="7480504" y="1610490"/>
+            <a:ext cx="288000" cy="288000"/>
+          </a:xfrm>
+          <a:prstGeom prst="diamond">
             <a:avLst/>
           </a:prstGeom>
           <a:solidFill>
@@ -4979,7 +5386,12 @@
           </a:fontRef>
         </p:style>
         <p:txBody>
-          <a:bodyPr lIns="36000" tIns="36000" rIns="36000" bIns="36000" rtlCol="0" anchor="ctr"/>
+          <a:bodyPr rot="0" spcFirstLastPara="0" vertOverflow="overflow" horzOverflow="overflow" vert="horz" wrap="square" lIns="36000" tIns="36000" rIns="36000" bIns="36000" numCol="1" spcCol="0" rtlCol="0" fromWordArt="0" anchor="ctr" anchorCtr="0" forceAA="0" compatLnSpc="1">
+            <a:prstTxWarp prst="textNoShape">
+              <a:avLst/>
+            </a:prstTxWarp>
+            <a:noAutofit/>
+          </a:bodyPr>
           <a:lstStyle/>
           <a:p>
             <a:pPr algn="ctr"/>
@@ -4991,12 +5403,141 @@
           </a:p>
         </p:txBody>
       </p:sp>
-      <p:sp>
-        <p:nvSpPr>
-          <p:cNvPr id="42" name="Rechteck 41">
-            <a:extLst>
-              <a:ext uri="{FF2B5EF4-FFF2-40B4-BE49-F238E27FC236}">
-                <a16:creationId xmlns:a16="http://schemas.microsoft.com/office/drawing/2014/main" id="{CFD2BB54-32B7-B54B-AE92-543090ECA83A}"/>
+      <p:cxnSp>
+        <p:nvCxnSpPr>
+          <p:cNvPr id="93" name="Elbow Connector 92"/>
+          <p:cNvCxnSpPr>
+            <a:stCxn id="76" idx="3"/>
+            <a:endCxn id="88" idx="1"/>
+          </p:cNvCxnSpPr>
+          <p:nvPr/>
+        </p:nvCxnSpPr>
+        <p:spPr>
+          <a:xfrm flipV="1">
+            <a:off x="7194370" y="1754490"/>
+            <a:ext cx="286134" cy="815431"/>
+          </a:xfrm>
+          <a:prstGeom prst="bentConnector3">
+            <a:avLst>
+              <a:gd name="adj1" fmla="val 50000"/>
+            </a:avLst>
+          </a:prstGeom>
+          <a:ln w="12700">
+            <a:solidFill>
+              <a:schemeClr val="tx1"/>
+            </a:solidFill>
+            <a:headEnd type="none" w="med" len="med"/>
+            <a:tailEnd type="triangle"/>
+          </a:ln>
+        </p:spPr>
+        <p:style>
+          <a:lnRef idx="1">
+            <a:schemeClr val="accent1"/>
+          </a:lnRef>
+          <a:fillRef idx="0">
+            <a:schemeClr val="accent1"/>
+          </a:fillRef>
+          <a:effectRef idx="0">
+            <a:schemeClr val="accent1"/>
+          </a:effectRef>
+          <a:fontRef idx="minor">
+            <a:schemeClr val="tx1"/>
+          </a:fontRef>
+        </p:style>
+      </p:cxnSp>
+      <p:cxnSp>
+        <p:nvCxnSpPr>
+          <p:cNvPr id="99" name="Gerade Verbindung mit Pfeil 21">
+            <a:extLst>
+              <a:ext uri="{FF2B5EF4-FFF2-40B4-BE49-F238E27FC236}">
+                <a16:creationId xmlns:a16="http://schemas.microsoft.com/office/drawing/2014/main" id="{3548BFAC-2A4E-A541-A454-7C7A636BDA72}"/>
+              </a:ext>
+            </a:extLst>
+          </p:cNvPr>
+          <p:cNvCxnSpPr>
+            <a:cxnSpLocks/>
+            <a:stCxn id="88" idx="3"/>
+            <a:endCxn id="7" idx="1"/>
+          </p:cNvCxnSpPr>
+          <p:nvPr/>
+        </p:nvCxnSpPr>
+        <p:spPr>
+          <a:xfrm>
+            <a:off x="7768504" y="1754490"/>
+            <a:ext cx="592547" cy="8908"/>
+          </a:xfrm>
+          <a:prstGeom prst="straightConnector1">
+            <a:avLst/>
+          </a:prstGeom>
+          <a:ln w="12700">
+            <a:solidFill>
+              <a:schemeClr val="tx1"/>
+            </a:solidFill>
+            <a:headEnd type="none" w="med" len="med"/>
+            <a:tailEnd type="arrow" w="med" len="med"/>
+          </a:ln>
+        </p:spPr>
+        <p:style>
+          <a:lnRef idx="1">
+            <a:schemeClr val="accent1"/>
+          </a:lnRef>
+          <a:fillRef idx="0">
+            <a:schemeClr val="accent1"/>
+          </a:fillRef>
+          <a:effectRef idx="0">
+            <a:schemeClr val="accent1"/>
+          </a:effectRef>
+          <a:fontRef idx="minor">
+            <a:schemeClr val="tx1"/>
+          </a:fontRef>
+        </p:style>
+      </p:cxnSp>
+      <p:cxnSp>
+        <p:nvCxnSpPr>
+          <p:cNvPr id="105" name="Elbow Connector 104"/>
+          <p:cNvCxnSpPr>
+            <a:stCxn id="7" idx="3"/>
+            <a:endCxn id="50" idx="4"/>
+          </p:cNvCxnSpPr>
+          <p:nvPr/>
+        </p:nvCxnSpPr>
+        <p:spPr>
+          <a:xfrm flipV="1">
+            <a:off x="9873538" y="1082030"/>
+            <a:ext cx="264312" cy="681368"/>
+          </a:xfrm>
+          <a:prstGeom prst="bentConnector2">
+            <a:avLst/>
+          </a:prstGeom>
+          <a:ln w="12700">
+            <a:solidFill>
+              <a:schemeClr val="tx1"/>
+            </a:solidFill>
+            <a:headEnd type="none" w="med" len="med"/>
+            <a:tailEnd type="triangle"/>
+          </a:ln>
+        </p:spPr>
+        <p:style>
+          <a:lnRef idx="1">
+            <a:schemeClr val="accent1"/>
+          </a:lnRef>
+          <a:fillRef idx="0">
+            <a:schemeClr val="accent1"/>
+          </a:fillRef>
+          <a:effectRef idx="0">
+            <a:schemeClr val="accent1"/>
+          </a:effectRef>
+          <a:fontRef idx="minor">
+            <a:schemeClr val="tx1"/>
+          </a:fontRef>
+        </p:style>
+      </p:cxnSp>
+      <p:sp>
+        <p:nvSpPr>
+          <p:cNvPr id="112" name="Rechteck 29">
+            <a:extLst>
+              <a:ext uri="{FF2B5EF4-FFF2-40B4-BE49-F238E27FC236}">
+                <a16:creationId xmlns:a16="http://schemas.microsoft.com/office/drawing/2014/main" id="{687BA39A-028B-D246-BC82-433BA9194377}"/>
               </a:ext>
             </a:extLst>
           </p:cNvPr>
@@ -5007,7 +5548,7 @@
         </p:nvSpPr>
         <p:spPr>
           <a:xfrm>
-            <a:off x="9446006" y="1939531"/>
+            <a:off x="9873538" y="1798711"/>
             <a:ext cx="144000" cy="144000"/>
           </a:xfrm>
           <a:prstGeom prst="rect">
@@ -5051,394 +5592,35 @@
           </a:p>
         </p:txBody>
       </p:sp>
-      <p:cxnSp>
-        <p:nvCxnSpPr>
-          <p:cNvPr id="43" name="Gerade Verbindung mit Pfeil 42">
-            <a:extLst>
-              <a:ext uri="{FF2B5EF4-FFF2-40B4-BE49-F238E27FC236}">
-                <a16:creationId xmlns:a16="http://schemas.microsoft.com/office/drawing/2014/main" id="{3F6A9DD5-9327-0C4F-87DD-4ACF17B26042}"/>
-              </a:ext>
-            </a:extLst>
-          </p:cNvPr>
-          <p:cNvCxnSpPr>
-            <a:cxnSpLocks/>
-            <a:stCxn id="41" idx="3"/>
-            <a:endCxn id="42" idx="1"/>
-          </p:cNvCxnSpPr>
-          <p:nvPr/>
-        </p:nvCxnSpPr>
-        <p:spPr>
-          <a:xfrm>
-            <a:off x="8749775" y="2011531"/>
-            <a:ext cx="696231" cy="0"/>
-          </a:xfrm>
-          <a:prstGeom prst="straightConnector1">
-            <a:avLst/>
-          </a:prstGeom>
-          <a:ln w="12700">
+      <p:sp>
+        <p:nvSpPr>
+          <p:cNvPr id="113" name="Rechteck 29">
+            <a:extLst>
+              <a:ext uri="{FF2B5EF4-FFF2-40B4-BE49-F238E27FC236}">
+                <a16:creationId xmlns:a16="http://schemas.microsoft.com/office/drawing/2014/main" id="{687BA39A-028B-D246-BC82-433BA9194377}"/>
+              </a:ext>
+            </a:extLst>
+          </p:cNvPr>
+          <p:cNvSpPr>
+            <a:spLocks noChangeAspect="1"/>
+          </p:cNvSpPr>
+          <p:nvPr/>
+        </p:nvSpPr>
+        <p:spPr>
+          <a:xfrm>
+            <a:off x="10317850" y="2555882"/>
+            <a:ext cx="136566" cy="136566"/>
+          </a:xfrm>
+          <a:prstGeom prst="rect">
+            <a:avLst/>
+          </a:prstGeom>
+          <a:solidFill>
+            <a:schemeClr val="bg1"/>
+          </a:solidFill>
+          <a:ln>
             <a:solidFill>
               <a:schemeClr val="tx1"/>
             </a:solidFill>
-            <a:headEnd type="none" w="med" len="med"/>
-            <a:tailEnd type="arrow" w="med" len="med"/>
-          </a:ln>
-        </p:spPr>
-        <p:style>
-          <a:lnRef idx="1">
-            <a:schemeClr val="accent1"/>
-          </a:lnRef>
-          <a:fillRef idx="0">
-            <a:schemeClr val="accent1"/>
-          </a:fillRef>
-          <a:effectRef idx="0">
-            <a:schemeClr val="accent1"/>
-          </a:effectRef>
-          <a:fontRef idx="minor">
-            <a:schemeClr val="tx1"/>
-          </a:fontRef>
-        </p:style>
-      </p:cxnSp>
-      <p:sp>
-        <p:nvSpPr>
-          <p:cNvPr id="44" name="Textfeld 43">
-            <a:extLst>
-              <a:ext uri="{FF2B5EF4-FFF2-40B4-BE49-F238E27FC236}">
-                <a16:creationId xmlns:a16="http://schemas.microsoft.com/office/drawing/2014/main" id="{0F3B5A90-9970-854F-B69D-4A64FA2057A9}"/>
-              </a:ext>
-            </a:extLst>
-          </p:cNvPr>
-          <p:cNvSpPr txBox="1"/>
-          <p:nvPr/>
-        </p:nvSpPr>
-        <p:spPr>
-          <a:xfrm>
-            <a:off x="8598907" y="2017770"/>
-            <a:ext cx="889987" cy="307777"/>
-          </a:xfrm>
-          <a:prstGeom prst="rect">
-            <a:avLst/>
-          </a:prstGeom>
-          <a:noFill/>
-        </p:spPr>
-        <p:txBody>
-          <a:bodyPr wrap="none" rtlCol="0">
-            <a:spAutoFit/>
-          </a:bodyPr>
-          <a:lstStyle/>
-          <a:p>
-            <a:r>
-              <a:rPr lang="de-DE" sz="1400" dirty="0"/>
-              <a:t>3D </a:t>
-            </a:r>
-            <a:r>
-              <a:rPr lang="de-DE" sz="1400" dirty="0" err="1"/>
-              <a:t>model</a:t>
-            </a:r>
-            <a:endParaRPr lang="de-DE" sz="1400" dirty="0"/>
-          </a:p>
-        </p:txBody>
-      </p:sp>
-      <p:cxnSp>
-        <p:nvCxnSpPr>
-          <p:cNvPr id="33" name="Gerade Verbindung 32">
-            <a:extLst>
-              <a:ext uri="{FF2B5EF4-FFF2-40B4-BE49-F238E27FC236}">
-                <a16:creationId xmlns:a16="http://schemas.microsoft.com/office/drawing/2014/main" id="{00B12769-BDFD-F643-AF69-985FA0A6A4A8}"/>
-              </a:ext>
-            </a:extLst>
-          </p:cNvPr>
-          <p:cNvCxnSpPr/>
-          <p:nvPr/>
-        </p:nvCxnSpPr>
-        <p:spPr>
-          <a:xfrm flipV="1">
-            <a:off x="3614057" y="370114"/>
-            <a:ext cx="0" cy="318947"/>
-          </a:xfrm>
-          <a:prstGeom prst="line">
-            <a:avLst/>
-          </a:prstGeom>
-          <a:ln w="12700">
-            <a:solidFill>
-              <a:schemeClr val="tx1"/>
-            </a:solidFill>
-            <a:headEnd type="none" w="med" len="med"/>
-            <a:tailEnd type="none" w="med" len="med"/>
-          </a:ln>
-        </p:spPr>
-        <p:style>
-          <a:lnRef idx="1">
-            <a:schemeClr val="accent1"/>
-          </a:lnRef>
-          <a:fillRef idx="0">
-            <a:schemeClr val="accent1"/>
-          </a:fillRef>
-          <a:effectRef idx="0">
-            <a:schemeClr val="accent1"/>
-          </a:effectRef>
-          <a:fontRef idx="minor">
-            <a:schemeClr val="tx1"/>
-          </a:fontRef>
-        </p:style>
-      </p:cxnSp>
-      <p:sp>
-        <p:nvSpPr>
-          <p:cNvPr id="48" name="Textfeld 47">
-            <a:extLst>
-              <a:ext uri="{FF2B5EF4-FFF2-40B4-BE49-F238E27FC236}">
-                <a16:creationId xmlns:a16="http://schemas.microsoft.com/office/drawing/2014/main" id="{91519482-E02D-1346-AB11-B945F254CFFE}"/>
-              </a:ext>
-            </a:extLst>
-          </p:cNvPr>
-          <p:cNvSpPr txBox="1"/>
-          <p:nvPr/>
-        </p:nvSpPr>
-        <p:spPr>
-          <a:xfrm>
-            <a:off x="1113995" y="360310"/>
-            <a:ext cx="2373535" cy="338554"/>
-          </a:xfrm>
-          <a:prstGeom prst="rect">
-            <a:avLst/>
-          </a:prstGeom>
-          <a:noFill/>
-        </p:spPr>
-        <p:txBody>
-          <a:bodyPr wrap="none" rtlCol="0">
-            <a:spAutoFit/>
-          </a:bodyPr>
-          <a:lstStyle/>
-          <a:p>
-            <a:r>
-              <a:rPr lang="de-DE" sz="1600" b="1" dirty="0" err="1"/>
-              <a:t>act</a:t>
-            </a:r>
-            <a:r>
-              <a:rPr lang="de-DE" sz="1600" dirty="0"/>
-              <a:t> Export PCAD Drawing </a:t>
-            </a:r>
-          </a:p>
-        </p:txBody>
-      </p:sp>
-      <p:sp>
-        <p:nvSpPr>
-          <p:cNvPr id="6" name="Textfeld 5">
-            <a:extLst>
-              <a:ext uri="{FF2B5EF4-FFF2-40B4-BE49-F238E27FC236}">
-                <a16:creationId xmlns:a16="http://schemas.microsoft.com/office/drawing/2014/main" id="{E33A902D-0DD0-4847-8B17-1FD097A0792F}"/>
-              </a:ext>
-            </a:extLst>
-          </p:cNvPr>
-          <p:cNvSpPr txBox="1"/>
-          <p:nvPr/>
-        </p:nvSpPr>
-        <p:spPr>
-          <a:xfrm>
-            <a:off x="3509302" y="2480925"/>
-            <a:ext cx="4209807" cy="307777"/>
-          </a:xfrm>
-          <a:prstGeom prst="rect">
-            <a:avLst/>
-          </a:prstGeom>
-          <a:noFill/>
-        </p:spPr>
-        <p:txBody>
-          <a:bodyPr wrap="none" rtlCol="0">
-            <a:spAutoFit/>
-          </a:bodyPr>
-          <a:lstStyle/>
-          <a:p>
-            <a:r>
-              <a:rPr lang="de-DE" sz="1400" i="1" dirty="0" err="1">
-                <a:solidFill>
-                  <a:schemeClr val="accent1"/>
-                </a:solidFill>
-                <a:latin typeface="Comic Sans MS" panose="030F0902030302020204" pitchFamily="66" charset="0"/>
-              </a:rPr>
-              <a:t>activities</a:t>
-            </a:r>
-            <a:r>
-              <a:rPr lang="de-DE" sz="1400" i="1" dirty="0">
-                <a:solidFill>
-                  <a:schemeClr val="accent1"/>
-                </a:solidFill>
-                <a:latin typeface="Comic Sans MS" panose="030F0902030302020204" pitchFamily="66" charset="0"/>
-              </a:rPr>
-              <a:t> </a:t>
-            </a:r>
-            <a:r>
-              <a:rPr lang="de-DE" sz="1400" i="1" dirty="0" err="1">
-                <a:solidFill>
-                  <a:schemeClr val="accent1"/>
-                </a:solidFill>
-                <a:latin typeface="Comic Sans MS" panose="030F0902030302020204" pitchFamily="66" charset="0"/>
-              </a:rPr>
-              <a:t>refer</a:t>
-            </a:r>
-            <a:r>
-              <a:rPr lang="de-DE" sz="1400" i="1" dirty="0">
-                <a:solidFill>
-                  <a:schemeClr val="accent1"/>
-                </a:solidFill>
-                <a:latin typeface="Comic Sans MS" panose="030F0902030302020204" pitchFamily="66" charset="0"/>
-              </a:rPr>
-              <a:t> </a:t>
-            </a:r>
-            <a:r>
-              <a:rPr lang="de-DE" sz="1400" i="1" dirty="0" err="1">
-                <a:solidFill>
-                  <a:schemeClr val="accent1"/>
-                </a:solidFill>
-                <a:latin typeface="Comic Sans MS" panose="030F0902030302020204" pitchFamily="66" charset="0"/>
-              </a:rPr>
-              <a:t>to</a:t>
-            </a:r>
-            <a:r>
-              <a:rPr lang="de-DE" sz="1400" i="1" dirty="0">
-                <a:solidFill>
-                  <a:schemeClr val="accent1"/>
-                </a:solidFill>
-                <a:latin typeface="Comic Sans MS" panose="030F0902030302020204" pitchFamily="66" charset="0"/>
-              </a:rPr>
-              <a:t> </a:t>
-            </a:r>
-            <a:r>
-              <a:rPr lang="de-DE" sz="1400" i="1" dirty="0" err="1">
-                <a:solidFill>
-                  <a:schemeClr val="accent1"/>
-                </a:solidFill>
-                <a:latin typeface="Comic Sans MS" panose="030F0902030302020204" pitchFamily="66" charset="0"/>
-              </a:rPr>
-              <a:t>transformations</a:t>
-            </a:r>
-            <a:r>
-              <a:rPr lang="de-DE" sz="1400" i="1" dirty="0">
-                <a:solidFill>
-                  <a:schemeClr val="accent1"/>
-                </a:solidFill>
-                <a:latin typeface="Comic Sans MS" panose="030F0902030302020204" pitchFamily="66" charset="0"/>
-              </a:rPr>
-              <a:t> </a:t>
-            </a:r>
-            <a:r>
-              <a:rPr lang="de-DE" sz="1400" i="1" dirty="0" err="1">
-                <a:solidFill>
-                  <a:schemeClr val="accent1"/>
-                </a:solidFill>
-                <a:latin typeface="Comic Sans MS" panose="030F0902030302020204" pitchFamily="66" charset="0"/>
-              </a:rPr>
-              <a:t>of</a:t>
-            </a:r>
-            <a:r>
-              <a:rPr lang="de-DE" sz="1400" i="1" dirty="0">
-                <a:solidFill>
-                  <a:schemeClr val="accent1"/>
-                </a:solidFill>
-                <a:latin typeface="Comic Sans MS" panose="030F0902030302020204" pitchFamily="66" charset="0"/>
-              </a:rPr>
-              <a:t> </a:t>
-            </a:r>
-            <a:r>
-              <a:rPr lang="de-DE" sz="1400" i="1" dirty="0" err="1">
-                <a:solidFill>
-                  <a:schemeClr val="accent1"/>
-                </a:solidFill>
-                <a:latin typeface="Comic Sans MS" panose="030F0902030302020204" pitchFamily="66" charset="0"/>
-              </a:rPr>
-              <a:t>the</a:t>
-            </a:r>
-            <a:r>
-              <a:rPr lang="de-DE" sz="1400" i="1" dirty="0">
-                <a:solidFill>
-                  <a:schemeClr val="accent1"/>
-                </a:solidFill>
-                <a:latin typeface="Comic Sans MS" panose="030F0902030302020204" pitchFamily="66" charset="0"/>
-              </a:rPr>
-              <a:t> </a:t>
-            </a:r>
-            <a:r>
-              <a:rPr lang="de-DE" sz="1400" i="1" dirty="0" err="1">
-                <a:solidFill>
-                  <a:schemeClr val="accent1"/>
-                </a:solidFill>
-                <a:latin typeface="Comic Sans MS" panose="030F0902030302020204" pitchFamily="66" charset="0"/>
-              </a:rPr>
-              <a:t>xFTG</a:t>
-            </a:r>
-            <a:endParaRPr lang="de-DE" sz="1400" i="1" dirty="0">
-              <a:solidFill>
-                <a:schemeClr val="accent1"/>
-              </a:solidFill>
-              <a:latin typeface="Comic Sans MS" panose="030F0902030302020204" pitchFamily="66" charset="0"/>
-            </a:endParaRPr>
-          </a:p>
-        </p:txBody>
-      </p:sp>
-      <p:sp>
-        <p:nvSpPr>
-          <p:cNvPr id="8" name="Freihandform 7">
-            <a:extLst>
-              <a:ext uri="{FF2B5EF4-FFF2-40B4-BE49-F238E27FC236}">
-                <a16:creationId xmlns:a16="http://schemas.microsoft.com/office/drawing/2014/main" id="{C60D79C4-292B-2342-843E-FAEEEB3D0CB0}"/>
-              </a:ext>
-            </a:extLst>
-          </p:cNvPr>
-          <p:cNvSpPr/>
-          <p:nvPr/>
-        </p:nvSpPr>
-        <p:spPr>
-          <a:xfrm>
-            <a:off x="7652657" y="2264229"/>
-            <a:ext cx="293914" cy="230005"/>
-          </a:xfrm>
-          <a:custGeom>
-            <a:avLst/>
-            <a:gdLst>
-              <a:gd name="connsiteX0" fmla="*/ 0 w 293914"/>
-              <a:gd name="connsiteY0" fmla="*/ 228600 h 230005"/>
-              <a:gd name="connsiteX1" fmla="*/ 174172 w 293914"/>
-              <a:gd name="connsiteY1" fmla="*/ 195942 h 230005"/>
-              <a:gd name="connsiteX2" fmla="*/ 293914 w 293914"/>
-              <a:gd name="connsiteY2" fmla="*/ 0 h 230005"/>
-            </a:gdLst>
-            <a:ahLst/>
-            <a:cxnLst>
-              <a:cxn ang="0">
-                <a:pos x="connsiteX0" y="connsiteY0"/>
-              </a:cxn>
-              <a:cxn ang="0">
-                <a:pos x="connsiteX1" y="connsiteY1"/>
-              </a:cxn>
-              <a:cxn ang="0">
-                <a:pos x="connsiteX2" y="connsiteY2"/>
-              </a:cxn>
-            </a:cxnLst>
-            <a:rect l="l" t="t" r="r" b="b"/>
-            <a:pathLst>
-              <a:path w="293914" h="230005">
-                <a:moveTo>
-                  <a:pt x="0" y="228600"/>
-                </a:moveTo>
-                <a:cubicBezTo>
-                  <a:pt x="62593" y="231321"/>
-                  <a:pt x="125186" y="234042"/>
-                  <a:pt x="174172" y="195942"/>
-                </a:cubicBezTo>
-                <a:cubicBezTo>
-                  <a:pt x="223158" y="157842"/>
-                  <a:pt x="258536" y="78921"/>
-                  <a:pt x="293914" y="0"/>
-                </a:cubicBezTo>
-              </a:path>
-            </a:pathLst>
-          </a:custGeom>
-          <a:noFill/>
-          <a:ln>
-            <a:solidFill>
-              <a:schemeClr val="accent1"/>
-            </a:solidFill>
-            <a:headEnd type="none" w="med" len="med"/>
-            <a:tailEnd type="arrow" w="med" len="med"/>
           </a:ln>
         </p:spPr>
         <p:style>
@@ -5458,195 +5640,372 @@
           </a:fontRef>
         </p:style>
         <p:txBody>
-          <a:bodyPr rtlCol="0" anchor="ctr"/>
+          <a:bodyPr lIns="36000" tIns="36000" rIns="36000" bIns="36000" rtlCol="0" anchor="ctr"/>
           <a:lstStyle/>
           <a:p>
             <a:pPr algn="ctr"/>
-            <a:endParaRPr lang="de-DE"/>
-          </a:p>
-        </p:txBody>
-      </p:sp>
-      <p:sp>
-        <p:nvSpPr>
-          <p:cNvPr id="11" name="Freihandform 10">
-            <a:extLst>
-              <a:ext uri="{FF2B5EF4-FFF2-40B4-BE49-F238E27FC236}">
-                <a16:creationId xmlns:a16="http://schemas.microsoft.com/office/drawing/2014/main" id="{96602081-82AA-AB47-B621-D78A69E2646A}"/>
-              </a:ext>
-            </a:extLst>
-          </p:cNvPr>
-          <p:cNvSpPr/>
-          <p:nvPr/>
-        </p:nvSpPr>
-        <p:spPr>
-          <a:xfrm>
-            <a:off x="5626152" y="2264229"/>
-            <a:ext cx="45305" cy="261257"/>
-          </a:xfrm>
-          <a:custGeom>
-            <a:avLst/>
-            <a:gdLst>
-              <a:gd name="connsiteX0" fmla="*/ 12648 w 45305"/>
-              <a:gd name="connsiteY0" fmla="*/ 261257 h 261257"/>
-              <a:gd name="connsiteX1" fmla="*/ 1762 w 45305"/>
-              <a:gd name="connsiteY1" fmla="*/ 119742 h 261257"/>
-              <a:gd name="connsiteX2" fmla="*/ 45305 w 45305"/>
-              <a:gd name="connsiteY2" fmla="*/ 0 h 261257"/>
-            </a:gdLst>
-            <a:ahLst/>
-            <a:cxnLst>
-              <a:cxn ang="0">
-                <a:pos x="connsiteX0" y="connsiteY0"/>
-              </a:cxn>
-              <a:cxn ang="0">
-                <a:pos x="connsiteX1" y="connsiteY1"/>
-              </a:cxn>
-              <a:cxn ang="0">
-                <a:pos x="connsiteX2" y="connsiteY2"/>
-              </a:cxn>
-            </a:cxnLst>
-            <a:rect l="l" t="t" r="r" b="b"/>
-            <a:pathLst>
-              <a:path w="45305" h="261257">
-                <a:moveTo>
-                  <a:pt x="12648" y="261257"/>
-                </a:moveTo>
-                <a:cubicBezTo>
-                  <a:pt x="4483" y="212271"/>
-                  <a:pt x="-3681" y="163285"/>
-                  <a:pt x="1762" y="119742"/>
-                </a:cubicBezTo>
-                <a:cubicBezTo>
-                  <a:pt x="7205" y="76199"/>
-                  <a:pt x="26255" y="38099"/>
-                  <a:pt x="45305" y="0"/>
-                </a:cubicBezTo>
-              </a:path>
-            </a:pathLst>
-          </a:custGeom>
-          <a:noFill/>
-          <a:ln>
+            <a:endParaRPr lang="de-DE" sz="2000" dirty="0" err="1">
+              <a:solidFill>
+                <a:schemeClr val="tx1"/>
+              </a:solidFill>
+            </a:endParaRPr>
+          </a:p>
+        </p:txBody>
+      </p:sp>
+      <p:cxnSp>
+        <p:nvCxnSpPr>
+          <p:cNvPr id="115" name="Elbow Connector 114"/>
+          <p:cNvCxnSpPr>
+            <a:stCxn id="112" idx="3"/>
+            <a:endCxn id="113" idx="1"/>
+          </p:cNvCxnSpPr>
+          <p:nvPr/>
+        </p:nvCxnSpPr>
+        <p:spPr>
+          <a:xfrm>
+            <a:off x="10017538" y="1870711"/>
+            <a:ext cx="300312" cy="753454"/>
+          </a:xfrm>
+          <a:prstGeom prst="bentConnector3">
+            <a:avLst>
+              <a:gd name="adj1" fmla="val 50000"/>
+            </a:avLst>
+          </a:prstGeom>
+          <a:ln w="12700">
             <a:solidFill>
-              <a:schemeClr val="accent1"/>
+              <a:schemeClr val="tx1"/>
             </a:solidFill>
             <a:headEnd type="none" w="med" len="med"/>
-            <a:tailEnd type="arrow" w="med" len="med"/>
+            <a:tailEnd type="triangle"/>
           </a:ln>
         </p:spPr>
         <p:style>
-          <a:lnRef idx="2">
-            <a:schemeClr val="accent1">
-              <a:shade val="50000"/>
-            </a:schemeClr>
+          <a:lnRef idx="1">
+            <a:schemeClr val="accent1"/>
           </a:lnRef>
-          <a:fillRef idx="1">
+          <a:fillRef idx="0">
             <a:schemeClr val="accent1"/>
           </a:fillRef>
           <a:effectRef idx="0">
             <a:schemeClr val="accent1"/>
           </a:effectRef>
           <a:fontRef idx="minor">
-            <a:schemeClr val="lt1"/>
+            <a:schemeClr val="tx1"/>
           </a:fontRef>
         </p:style>
-        <p:txBody>
-          <a:bodyPr rtlCol="0" anchor="ctr"/>
-          <a:lstStyle/>
-          <a:p>
-            <a:pPr algn="ctr"/>
-            <a:endParaRPr lang="de-DE"/>
-          </a:p>
-        </p:txBody>
-      </p:sp>
-      <p:sp>
-        <p:nvSpPr>
-          <p:cNvPr id="13" name="Freihandform 12">
-            <a:extLst>
-              <a:ext uri="{FF2B5EF4-FFF2-40B4-BE49-F238E27FC236}">
-                <a16:creationId xmlns:a16="http://schemas.microsoft.com/office/drawing/2014/main" id="{79EFC5D4-D57F-0B44-835F-547D6D190985}"/>
-              </a:ext>
-            </a:extLst>
-          </p:cNvPr>
-          <p:cNvSpPr/>
-          <p:nvPr/>
-        </p:nvSpPr>
-        <p:spPr>
-          <a:xfrm>
-            <a:off x="3461657" y="2253343"/>
-            <a:ext cx="97972" cy="348343"/>
-          </a:xfrm>
-          <a:custGeom>
-            <a:avLst/>
-            <a:gdLst>
-              <a:gd name="connsiteX0" fmla="*/ 97972 w 97972"/>
-              <a:gd name="connsiteY0" fmla="*/ 348343 h 348343"/>
-              <a:gd name="connsiteX1" fmla="*/ 21772 w 97972"/>
-              <a:gd name="connsiteY1" fmla="*/ 239486 h 348343"/>
-              <a:gd name="connsiteX2" fmla="*/ 0 w 97972"/>
-              <a:gd name="connsiteY2" fmla="*/ 0 h 348343"/>
-            </a:gdLst>
-            <a:ahLst/>
-            <a:cxnLst>
-              <a:cxn ang="0">
-                <a:pos x="connsiteX0" y="connsiteY0"/>
-              </a:cxn>
-              <a:cxn ang="0">
-                <a:pos x="connsiteX1" y="connsiteY1"/>
-              </a:cxn>
-              <a:cxn ang="0">
-                <a:pos x="connsiteX2" y="connsiteY2"/>
-              </a:cxn>
-            </a:cxnLst>
-            <a:rect l="l" t="t" r="r" b="b"/>
-            <a:pathLst>
-              <a:path w="97972" h="348343">
-                <a:moveTo>
-                  <a:pt x="97972" y="348343"/>
-                </a:moveTo>
-                <a:cubicBezTo>
-                  <a:pt x="68036" y="322943"/>
-                  <a:pt x="38101" y="297543"/>
-                  <a:pt x="21772" y="239486"/>
-                </a:cubicBezTo>
-                <a:cubicBezTo>
-                  <a:pt x="5443" y="181429"/>
-                  <a:pt x="2721" y="90714"/>
-                  <a:pt x="0" y="0"/>
-                </a:cubicBezTo>
-              </a:path>
-            </a:pathLst>
-          </a:custGeom>
+      </p:cxnSp>
+      <p:sp>
+        <p:nvSpPr>
+          <p:cNvPr id="118" name="Textfeld 38">
+            <a:extLst>
+              <a:ext uri="{FF2B5EF4-FFF2-40B4-BE49-F238E27FC236}">
+                <a16:creationId xmlns:a16="http://schemas.microsoft.com/office/drawing/2014/main" id="{B18C0F37-A360-AE4F-BD2F-531CF40F1AB4}"/>
+              </a:ext>
+            </a:extLst>
+          </p:cNvPr>
+          <p:cNvSpPr txBox="1"/>
+          <p:nvPr/>
+        </p:nvSpPr>
+        <p:spPr>
+          <a:xfrm>
+            <a:off x="9311881" y="2220971"/>
+            <a:ext cx="805349" cy="307777"/>
+          </a:xfrm>
+          <a:prstGeom prst="rect">
+            <a:avLst/>
+          </a:prstGeom>
           <a:noFill/>
-          <a:ln>
+          <a:ln w="25400">
             <a:solidFill>
+              <a:schemeClr val="tx1"/>
+            </a:solidFill>
+          </a:ln>
+        </p:spPr>
+        <p:txBody>
+          <a:bodyPr wrap="none" rtlCol="0">
+            <a:spAutoFit/>
+          </a:bodyPr>
+          <a:lstStyle/>
+          <a:p>
+            <a:r>
+              <a:rPr lang="de-DE" sz="1400" dirty="0" smtClean="0"/>
+              <a:t>:Product</a:t>
+            </a:r>
+            <a:endParaRPr lang="de-DE" sz="1400" dirty="0"/>
+          </a:p>
+        </p:txBody>
+      </p:sp>
+      <p:sp>
+        <p:nvSpPr>
+          <p:cNvPr id="119" name="Textfeld 19">
+            <a:extLst>
+              <a:ext uri="{FF2B5EF4-FFF2-40B4-BE49-F238E27FC236}">
+                <a16:creationId xmlns:a16="http://schemas.microsoft.com/office/drawing/2014/main" id="{911BA15E-6F1A-DA46-AEDB-023295D6DBEA}"/>
+              </a:ext>
+            </a:extLst>
+          </p:cNvPr>
+          <p:cNvSpPr txBox="1"/>
+          <p:nvPr/>
+        </p:nvSpPr>
+        <p:spPr>
+          <a:xfrm>
+            <a:off x="7670751" y="1444491"/>
+            <a:ext cx="660758" cy="338554"/>
+          </a:xfrm>
+          <a:prstGeom prst="rect">
+            <a:avLst/>
+          </a:prstGeom>
+          <a:noFill/>
+        </p:spPr>
+        <p:txBody>
+          <a:bodyPr wrap="none" rtlCol="0">
+            <a:spAutoFit/>
+          </a:bodyPr>
+          <a:lstStyle/>
+          <a:p>
+            <a:r>
+              <a:rPr lang="de-DE" sz="1600" dirty="0" smtClean="0"/>
+              <a:t>[true]</a:t>
+            </a:r>
+            <a:endParaRPr lang="de-DE" sz="1600" dirty="0"/>
+          </a:p>
+        </p:txBody>
+      </p:sp>
+      <p:grpSp>
+        <p:nvGrpSpPr>
+          <p:cNvPr id="130" name="Group 129"/>
+          <p:cNvGrpSpPr/>
+          <p:nvPr/>
+        </p:nvGrpSpPr>
+        <p:grpSpPr>
+          <a:xfrm>
+            <a:off x="7508006" y="2739921"/>
+            <a:ext cx="206112" cy="206112"/>
+            <a:chOff x="7740777" y="2624165"/>
+            <a:chExt cx="206112" cy="206112"/>
+          </a:xfrm>
+        </p:grpSpPr>
+        <p:sp>
+          <p:nvSpPr>
+            <p:cNvPr id="121" name="Oval 120">
+              <a:extLst>
+                <a:ext uri="{FF2B5EF4-FFF2-40B4-BE49-F238E27FC236}">
+                  <a16:creationId xmlns:a16="http://schemas.microsoft.com/office/drawing/2014/main" id="{BEB3D7CC-6028-874D-A554-4EADF476DFE5}"/>
+                </a:ext>
+              </a:extLst>
+            </p:cNvPr>
+            <p:cNvSpPr>
+              <a:spLocks noChangeAspect="1"/>
+            </p:cNvSpPr>
+            <p:nvPr/>
+          </p:nvSpPr>
+          <p:spPr>
+            <a:xfrm>
+              <a:off x="7740777" y="2624165"/>
+              <a:ext cx="206112" cy="206112"/>
+            </a:xfrm>
+            <a:prstGeom prst="ellipse">
+              <a:avLst/>
+            </a:prstGeom>
+            <a:solidFill>
+              <a:schemeClr val="bg1"/>
+            </a:solidFill>
+            <a:ln w="19050">
+              <a:solidFill>
+                <a:schemeClr val="tx1"/>
+              </a:solidFill>
+            </a:ln>
+          </p:spPr>
+          <p:style>
+            <a:lnRef idx="2">
+              <a:schemeClr val="accent1">
+                <a:shade val="50000"/>
+              </a:schemeClr>
+            </a:lnRef>
+            <a:fillRef idx="1">
               <a:schemeClr val="accent1"/>
+            </a:fillRef>
+            <a:effectRef idx="0">
+              <a:schemeClr val="accent1"/>
+            </a:effectRef>
+            <a:fontRef idx="minor">
+              <a:schemeClr val="lt1"/>
+            </a:fontRef>
+          </p:style>
+          <p:txBody>
+            <a:bodyPr rot="0" spcFirstLastPara="0" vertOverflow="overflow" horzOverflow="overflow" vert="horz" wrap="square" lIns="36000" tIns="36000" rIns="36000" bIns="36000" numCol="1" spcCol="0" rtlCol="0" fromWordArt="0" anchor="ctr" anchorCtr="0" forceAA="0" compatLnSpc="1">
+              <a:prstTxWarp prst="textNoShape">
+                <a:avLst/>
+              </a:prstTxWarp>
+              <a:noAutofit/>
+            </a:bodyPr>
+            <a:lstStyle/>
+            <a:p>
+              <a:pPr algn="ctr"/>
+              <a:endParaRPr lang="de-DE" sz="2000" dirty="0" err="1">
+                <a:solidFill>
+                  <a:schemeClr val="tx1"/>
+                </a:solidFill>
+              </a:endParaRPr>
+            </a:p>
+          </p:txBody>
+        </p:sp>
+        <p:cxnSp>
+          <p:nvCxnSpPr>
+            <p:cNvPr id="124" name="Straight Connector 123"/>
+            <p:cNvCxnSpPr>
+              <a:stCxn id="121" idx="3"/>
+              <a:endCxn id="121" idx="7"/>
+            </p:cNvCxnSpPr>
+            <p:nvPr/>
+          </p:nvCxnSpPr>
+          <p:spPr>
+            <a:xfrm flipV="1">
+              <a:off x="7770961" y="2654349"/>
+              <a:ext cx="145744" cy="145744"/>
+            </a:xfrm>
+            <a:prstGeom prst="line">
+              <a:avLst/>
+            </a:prstGeom>
+            <a:ln w="25400">
+              <a:solidFill>
+                <a:schemeClr val="tx1"/>
+              </a:solidFill>
+              <a:headEnd type="none" w="med" len="med"/>
+              <a:tailEnd type="none" w="med" len="med"/>
+            </a:ln>
+          </p:spPr>
+          <p:style>
+            <a:lnRef idx="1">
+              <a:schemeClr val="accent1"/>
+            </a:lnRef>
+            <a:fillRef idx="0">
+              <a:schemeClr val="accent1"/>
+            </a:fillRef>
+            <a:effectRef idx="0">
+              <a:schemeClr val="accent1"/>
+            </a:effectRef>
+            <a:fontRef idx="minor">
+              <a:schemeClr val="tx1"/>
+            </a:fontRef>
+          </p:style>
+        </p:cxnSp>
+        <p:cxnSp>
+          <p:nvCxnSpPr>
+            <p:cNvPr id="125" name="Straight Connector 124"/>
+            <p:cNvCxnSpPr>
+              <a:stCxn id="121" idx="5"/>
+              <a:endCxn id="121" idx="1"/>
+            </p:cNvCxnSpPr>
+            <p:nvPr/>
+          </p:nvCxnSpPr>
+          <p:spPr>
+            <a:xfrm flipH="1" flipV="1">
+              <a:off x="7770961" y="2654349"/>
+              <a:ext cx="145744" cy="145744"/>
+            </a:xfrm>
+            <a:prstGeom prst="line">
+              <a:avLst/>
+            </a:prstGeom>
+            <a:ln w="25400">
+              <a:solidFill>
+                <a:schemeClr val="tx1"/>
+              </a:solidFill>
+              <a:headEnd type="none" w="med" len="med"/>
+              <a:tailEnd type="none" w="med" len="med"/>
+            </a:ln>
+          </p:spPr>
+          <p:style>
+            <a:lnRef idx="1">
+              <a:schemeClr val="accent1"/>
+            </a:lnRef>
+            <a:fillRef idx="0">
+              <a:schemeClr val="accent1"/>
+            </a:fillRef>
+            <a:effectRef idx="0">
+              <a:schemeClr val="accent1"/>
+            </a:effectRef>
+            <a:fontRef idx="minor">
+              <a:schemeClr val="tx1"/>
+            </a:fontRef>
+          </p:style>
+        </p:cxnSp>
+      </p:grpSp>
+      <p:cxnSp>
+        <p:nvCxnSpPr>
+          <p:cNvPr id="131" name="Elbow Connector 130"/>
+          <p:cNvCxnSpPr>
+            <a:stCxn id="88" idx="2"/>
+            <a:endCxn id="121" idx="0"/>
+          </p:cNvCxnSpPr>
+          <p:nvPr/>
+        </p:nvCxnSpPr>
+        <p:spPr>
+          <a:xfrm rot="5400000">
+            <a:off x="7197068" y="2312484"/>
+            <a:ext cx="841431" cy="13442"/>
+          </a:xfrm>
+          <a:prstGeom prst="bentConnector3">
+            <a:avLst>
+              <a:gd name="adj1" fmla="val 104902"/>
+            </a:avLst>
+          </a:prstGeom>
+          <a:ln w="12700">
+            <a:solidFill>
+              <a:schemeClr val="tx1"/>
             </a:solidFill>
             <a:headEnd type="none" w="med" len="med"/>
-            <a:tailEnd type="arrow" w="med" len="med"/>
+            <a:tailEnd type="triangle"/>
           </a:ln>
         </p:spPr>
         <p:style>
-          <a:lnRef idx="2">
-            <a:schemeClr val="accent1">
-              <a:shade val="50000"/>
-            </a:schemeClr>
+          <a:lnRef idx="1">
+            <a:schemeClr val="accent1"/>
           </a:lnRef>
-          <a:fillRef idx="1">
+          <a:fillRef idx="0">
             <a:schemeClr val="accent1"/>
           </a:fillRef>
           <a:effectRef idx="0">
             <a:schemeClr val="accent1"/>
           </a:effectRef>
           <a:fontRef idx="minor">
-            <a:schemeClr val="lt1"/>
+            <a:schemeClr val="tx1"/>
           </a:fontRef>
         </p:style>
-        <p:txBody>
-          <a:bodyPr rtlCol="0" anchor="ctr"/>
-          <a:lstStyle/>
-          <a:p>
-            <a:pPr algn="ctr"/>
-            <a:endParaRPr lang="de-DE"/>
+      </p:cxnSp>
+      <p:sp>
+        <p:nvSpPr>
+          <p:cNvPr id="135" name="Textfeld 19">
+            <a:extLst>
+              <a:ext uri="{FF2B5EF4-FFF2-40B4-BE49-F238E27FC236}">
+                <a16:creationId xmlns:a16="http://schemas.microsoft.com/office/drawing/2014/main" id="{911BA15E-6F1A-DA46-AEDB-023295D6DBEA}"/>
+              </a:ext>
+            </a:extLst>
+          </p:cNvPr>
+          <p:cNvSpPr txBox="1"/>
+          <p:nvPr/>
+        </p:nvSpPr>
+        <p:spPr>
+          <a:xfrm>
+            <a:off x="7543288" y="1933502"/>
+            <a:ext cx="695190" cy="338554"/>
+          </a:xfrm>
+          <a:prstGeom prst="rect">
+            <a:avLst/>
+          </a:prstGeom>
+          <a:noFill/>
+        </p:spPr>
+        <p:txBody>
+          <a:bodyPr wrap="none" rtlCol="0">
+            <a:spAutoFit/>
+          </a:bodyPr>
+          <a:lstStyle/>
+          <a:p>
+            <a:r>
+              <a:rPr lang="de-DE" sz="1600" dirty="0" smtClean="0"/>
+              <a:t>[false]</a:t>
+            </a:r>
+            <a:endParaRPr lang="de-DE" sz="1600" dirty="0"/>
           </a:p>
         </p:txBody>
       </p:sp>
@@ -5689,31 +6048,25 @@
       </p:grpSpPr>
       <p:sp>
         <p:nvSpPr>
-          <p:cNvPr id="68" name="Rechteck 67">
-            <a:extLst>
-              <a:ext uri="{FF2B5EF4-FFF2-40B4-BE49-F238E27FC236}">
-                <a16:creationId xmlns:a16="http://schemas.microsoft.com/office/drawing/2014/main" id="{2F9ED6A7-22FE-B74F-9256-98692E5BF3DA}"/>
-              </a:ext>
-            </a:extLst>
-          </p:cNvPr>
+          <p:cNvPr id="63" name="Rectangle 62"/>
           <p:cNvSpPr/>
           <p:nvPr/>
         </p:nvSpPr>
         <p:spPr>
           <a:xfrm>
-            <a:off x="1049010" y="1208314"/>
-            <a:ext cx="8214733" cy="4430485"/>
+            <a:off x="2808617" y="1296994"/>
+            <a:ext cx="936000" cy="504000"/>
           </a:xfrm>
           <a:prstGeom prst="rect">
             <a:avLst/>
           </a:prstGeom>
-          <a:solidFill>
-            <a:schemeClr val="bg1"/>
-          </a:solidFill>
-          <a:ln>
+          <a:noFill/>
+          <a:ln w="38100" cmpd="dbl">
             <a:solidFill>
-              <a:schemeClr val="bg1"/>
+              <a:schemeClr val="tx1"/>
             </a:solidFill>
+            <a:headEnd type="none" w="med" len="med"/>
+            <a:tailEnd type="arrow" w="med" len="med"/>
           </a:ln>
         </p:spPr>
         <p:style>
@@ -5733,11 +6086,74 @@
           </a:fontRef>
         </p:style>
         <p:txBody>
-          <a:bodyPr lIns="36000" tIns="36000" rIns="36000" bIns="36000" rtlCol="0" anchor="ctr"/>
+          <a:bodyPr rtlCol="0" anchor="ctr"/>
           <a:lstStyle/>
           <a:p>
             <a:pPr algn="ctr"/>
-            <a:endParaRPr lang="de-DE" sz="2000" dirty="0" err="1">
+            <a:r>
+              <a:rPr lang="fr-FR" sz="1600" dirty="0" smtClean="0">
+                <a:solidFill>
+                  <a:schemeClr val="tx1"/>
+                </a:solidFill>
+              </a:rPr>
+              <a:t>CCAD</a:t>
+            </a:r>
+          </a:p>
+        </p:txBody>
+      </p:sp>
+      <p:sp>
+        <p:nvSpPr>
+          <p:cNvPr id="64" name="Oval 63"/>
+          <p:cNvSpPr/>
+          <p:nvPr/>
+        </p:nvSpPr>
+        <p:spPr>
+          <a:xfrm>
+            <a:off x="448509" y="991023"/>
+            <a:ext cx="1158843" cy="450923"/>
+          </a:xfrm>
+          <a:prstGeom prst="ellipse">
+            <a:avLst/>
+          </a:prstGeom>
+          <a:noFill/>
+          <a:ln w="38100" cmpd="dbl">
+            <a:solidFill>
+              <a:schemeClr val="tx1"/>
+            </a:solidFill>
+            <a:headEnd type="none" w="med" len="med"/>
+            <a:tailEnd type="arrow" w="med" len="med"/>
+          </a:ln>
+        </p:spPr>
+        <p:style>
+          <a:lnRef idx="2">
+            <a:schemeClr val="accent1">
+              <a:shade val="50000"/>
+            </a:schemeClr>
+          </a:lnRef>
+          <a:fillRef idx="1">
+            <a:schemeClr val="accent1"/>
+          </a:fillRef>
+          <a:effectRef idx="0">
+            <a:schemeClr val="accent1"/>
+          </a:effectRef>
+          <a:fontRef idx="minor">
+            <a:schemeClr val="lt1"/>
+          </a:fontRef>
+        </p:style>
+        <p:txBody>
+          <a:bodyPr rtlCol="0" anchor="ctr"/>
+          <a:lstStyle/>
+          <a:p>
+            <a:pPr algn="ctr"/>
+            <a:r>
+              <a:rPr lang="fr-FR" sz="1400" dirty="0" smtClean="0">
+                <a:solidFill>
+                  <a:schemeClr val="tx1"/>
+                </a:solidFill>
+              </a:rPr>
+              <a:t>Design</a:t>
+            </a:r>
+            <a:endParaRPr lang="en-GB" sz="1400" dirty="0">
               <a:solidFill>
                 <a:schemeClr val="tx1"/>
               </a:solidFill>
@@ -5745,55 +6161,101 @@
           </a:p>
         </p:txBody>
       </p:sp>
+      <p:sp>
+        <p:nvSpPr>
+          <p:cNvPr id="66" name="Oval 65"/>
+          <p:cNvSpPr/>
+          <p:nvPr/>
+        </p:nvSpPr>
+        <p:spPr>
+          <a:xfrm>
+            <a:off x="448509" y="1656041"/>
+            <a:ext cx="1158843" cy="450923"/>
+          </a:xfrm>
+          <a:prstGeom prst="ellipse">
+            <a:avLst/>
+          </a:prstGeom>
+          <a:noFill/>
+          <a:ln w="38100" cmpd="dbl">
+            <a:solidFill>
+              <a:schemeClr val="tx1"/>
+            </a:solidFill>
+            <a:headEnd type="none" w="med" len="med"/>
+            <a:tailEnd type="arrow" w="med" len="med"/>
+          </a:ln>
+        </p:spPr>
+        <p:style>
+          <a:lnRef idx="2">
+            <a:schemeClr val="accent1">
+              <a:shade val="50000"/>
+            </a:schemeClr>
+          </a:lnRef>
+          <a:fillRef idx="1">
+            <a:schemeClr val="accent1"/>
+          </a:fillRef>
+          <a:effectRef idx="0">
+            <a:schemeClr val="accent1"/>
+          </a:effectRef>
+          <a:fontRef idx="minor">
+            <a:schemeClr val="lt1"/>
+          </a:fontRef>
+        </p:style>
+        <p:txBody>
+          <a:bodyPr rtlCol="0" anchor="ctr"/>
+          <a:lstStyle/>
+          <a:p>
+            <a:pPr algn="ctr"/>
+            <a:r>
+              <a:rPr lang="fr-FR" sz="1400" dirty="0" err="1" smtClean="0">
+                <a:solidFill>
+                  <a:schemeClr val="tx1"/>
+                </a:solidFill>
+              </a:rPr>
+              <a:t>Validate</a:t>
+            </a:r>
+            <a:endParaRPr lang="en-GB" sz="1400" dirty="0">
+              <a:solidFill>
+                <a:schemeClr val="tx1"/>
+              </a:solidFill>
+            </a:endParaRPr>
+          </a:p>
+        </p:txBody>
+      </p:sp>
       <p:grpSp>
         <p:nvGrpSpPr>
-          <p:cNvPr id="2" name="Gruppieren 1">
-            <a:extLst>
-              <a:ext uri="{FF2B5EF4-FFF2-40B4-BE49-F238E27FC236}">
-                <a16:creationId xmlns:a16="http://schemas.microsoft.com/office/drawing/2014/main" id="{907E6972-B119-7C42-A398-755ABB6F054D}"/>
-              </a:ext>
-            </a:extLst>
-          </p:cNvPr>
+          <p:cNvPr id="27" name="Group 26"/>
           <p:cNvGrpSpPr/>
           <p:nvPr/>
         </p:nvGrpSpPr>
         <p:grpSpPr>
           <a:xfrm>
-            <a:off x="3485385" y="1597798"/>
-            <a:ext cx="1224000" cy="1008000"/>
-            <a:chOff x="2333385" y="3072895"/>
-            <a:chExt cx="1224000" cy="1008000"/>
+            <a:off x="55930" y="2512829"/>
+            <a:ext cx="1944000" cy="504000"/>
+            <a:chOff x="325365" y="2051317"/>
+            <a:chExt cx="1944000" cy="504000"/>
           </a:xfrm>
         </p:grpSpPr>
         <p:sp>
           <p:nvSpPr>
-            <p:cNvPr id="3" name="Rechteck 2">
-              <a:extLst>
-                <a:ext uri="{FF2B5EF4-FFF2-40B4-BE49-F238E27FC236}">
-                  <a16:creationId xmlns:a16="http://schemas.microsoft.com/office/drawing/2014/main" id="{9E1042CC-C633-0B46-91D8-16F38F938597}"/>
-                </a:ext>
-              </a:extLst>
-            </p:cNvPr>
-            <p:cNvSpPr>
-              <a:spLocks/>
-            </p:cNvSpPr>
+            <p:cNvPr id="67" name="Rectangle 66"/>
+            <p:cNvSpPr/>
             <p:nvPr/>
           </p:nvSpPr>
           <p:spPr>
             <a:xfrm>
-              <a:off x="2333385" y="3072895"/>
-              <a:ext cx="1224000" cy="1008000"/>
+              <a:off x="1333365" y="2051317"/>
+              <a:ext cx="936000" cy="504000"/>
             </a:xfrm>
             <a:prstGeom prst="rect">
               <a:avLst/>
             </a:prstGeom>
-            <a:solidFill>
-              <a:schemeClr val="bg1"/>
-            </a:solidFill>
-            <a:ln>
+            <a:noFill/>
+            <a:ln w="38100" cmpd="dbl">
               <a:solidFill>
                 <a:schemeClr val="tx1"/>
               </a:solidFill>
+              <a:headEnd type="none" w="med" len="med"/>
+              <a:tailEnd type="arrow" w="med" len="med"/>
             </a:ln>
           </p:spPr>
           <p:style>
@@ -5813,45 +6275,42 @@
             </a:fontRef>
           </p:style>
           <p:txBody>
-            <a:bodyPr lIns="36000" tIns="36000" rIns="36000" bIns="36000" rtlCol="0" anchor="ctr"/>
+            <a:bodyPr rtlCol="0" anchor="ctr"/>
             <a:lstStyle/>
             <a:p>
               <a:pPr algn="ctr"/>
-              <a:endParaRPr lang="de-DE" sz="2000" dirty="0">
-                <a:solidFill>
-                  <a:schemeClr val="tx1"/>
-                </a:solidFill>
-              </a:endParaRPr>
+              <a:r>
+                <a:rPr lang="fr-FR" sz="1600" dirty="0" smtClean="0">
+                  <a:solidFill>
+                    <a:schemeClr val="tx1"/>
+                  </a:solidFill>
+                </a:rPr>
+                <a:t>Trace</a:t>
+              </a:r>
             </a:p>
           </p:txBody>
         </p:sp>
         <p:sp>
           <p:nvSpPr>
-            <p:cNvPr id="4" name="Rechteck 3">
-              <a:extLst>
-                <a:ext uri="{FF2B5EF4-FFF2-40B4-BE49-F238E27FC236}">
-                  <a16:creationId xmlns:a16="http://schemas.microsoft.com/office/drawing/2014/main" id="{26183D26-619D-DE4B-B4A0-86B32B47756D}"/>
-                </a:ext>
-              </a:extLst>
-            </p:cNvPr>
+            <p:cNvPr id="69" name="Rectangle 68"/>
             <p:cNvSpPr/>
             <p:nvPr/>
           </p:nvSpPr>
           <p:spPr>
             <a:xfrm>
-              <a:off x="2405385" y="3144895"/>
-              <a:ext cx="1080000" cy="864000"/>
+              <a:off x="325365" y="2051317"/>
+              <a:ext cx="936000" cy="504000"/>
             </a:xfrm>
             <a:prstGeom prst="rect">
               <a:avLst/>
             </a:prstGeom>
-            <a:solidFill>
-              <a:schemeClr val="bg1"/>
-            </a:solidFill>
-            <a:ln>
+            <a:noFill/>
+            <a:ln w="25400" cmpd="sng">
               <a:solidFill>
                 <a:schemeClr val="tx1"/>
               </a:solidFill>
+              <a:headEnd type="none" w="med" len="med"/>
+              <a:tailEnd type="arrow" w="med" len="med"/>
             </a:ln>
           </p:spPr>
           <p:style>
@@ -5871,475 +6330,19 @@
             </a:fontRef>
           </p:style>
           <p:txBody>
-            <a:bodyPr lIns="36000" tIns="36000" rIns="36000" bIns="36000" rtlCol="0" anchor="ctr"/>
+            <a:bodyPr rtlCol="0" anchor="ctr"/>
             <a:lstStyle/>
             <a:p>
               <a:pPr algn="ctr"/>
               <a:r>
-                <a:rPr lang="de-DE" sz="2000" dirty="0">
-                  <a:solidFill>
-                    <a:schemeClr val="tx1"/>
-                  </a:solidFill>
-                </a:rPr>
-                <a:t>CCAD</a:t>
-              </a:r>
-              <a:br>
-                <a:rPr lang="de-DE" sz="2000" dirty="0">
-                  <a:solidFill>
-                    <a:schemeClr val="tx1"/>
-                  </a:solidFill>
-                </a:rPr>
-              </a:br>
-              <a:r>
-                <a:rPr lang="de-DE" sz="2000" dirty="0">
-                  <a:solidFill>
-                    <a:schemeClr val="tx1"/>
-                  </a:solidFill>
-                </a:rPr>
-                <a:t>Drawing</a:t>
-              </a:r>
-            </a:p>
-          </p:txBody>
-        </p:sp>
-      </p:grpSp>
-      <p:grpSp>
-        <p:nvGrpSpPr>
-          <p:cNvPr id="5" name="Gruppieren 4">
-            <a:extLst>
-              <a:ext uri="{FF2B5EF4-FFF2-40B4-BE49-F238E27FC236}">
-                <a16:creationId xmlns:a16="http://schemas.microsoft.com/office/drawing/2014/main" id="{02944AC6-BD7C-1149-8AB8-192F87B5EE8C}"/>
-              </a:ext>
-            </a:extLst>
-          </p:cNvPr>
-          <p:cNvGrpSpPr/>
-          <p:nvPr/>
-        </p:nvGrpSpPr>
-        <p:grpSpPr>
-          <a:xfrm>
-            <a:off x="1431329" y="4453196"/>
-            <a:ext cx="1224000" cy="1008000"/>
-            <a:chOff x="2333385" y="4768881"/>
-            <a:chExt cx="1224000" cy="1008000"/>
-          </a:xfrm>
-        </p:grpSpPr>
-        <p:sp>
-          <p:nvSpPr>
-            <p:cNvPr id="6" name="Rechteck 5">
-              <a:extLst>
-                <a:ext uri="{FF2B5EF4-FFF2-40B4-BE49-F238E27FC236}">
-                  <a16:creationId xmlns:a16="http://schemas.microsoft.com/office/drawing/2014/main" id="{451E1B34-87EF-C84C-B334-2CD503CAC9CE}"/>
-                </a:ext>
-              </a:extLst>
-            </p:cNvPr>
-            <p:cNvSpPr>
-              <a:spLocks/>
-            </p:cNvSpPr>
-            <p:nvPr/>
-          </p:nvSpPr>
-          <p:spPr>
-            <a:xfrm>
-              <a:off x="2333385" y="4768881"/>
-              <a:ext cx="1224000" cy="1008000"/>
-            </a:xfrm>
-            <a:prstGeom prst="rect">
-              <a:avLst/>
-            </a:prstGeom>
-            <a:solidFill>
-              <a:schemeClr val="bg1"/>
-            </a:solidFill>
-            <a:ln>
-              <a:solidFill>
-                <a:schemeClr val="tx1"/>
-              </a:solidFill>
-            </a:ln>
-          </p:spPr>
-          <p:style>
-            <a:lnRef idx="2">
-              <a:schemeClr val="accent1">
-                <a:shade val="50000"/>
-              </a:schemeClr>
-            </a:lnRef>
-            <a:fillRef idx="1">
-              <a:schemeClr val="accent1"/>
-            </a:fillRef>
-            <a:effectRef idx="0">
-              <a:schemeClr val="accent1"/>
-            </a:effectRef>
-            <a:fontRef idx="minor">
-              <a:schemeClr val="lt1"/>
-            </a:fontRef>
-          </p:style>
-          <p:txBody>
-            <a:bodyPr lIns="36000" tIns="36000" rIns="36000" bIns="36000" rtlCol="0" anchor="ctr"/>
-            <a:lstStyle/>
-            <a:p>
-              <a:pPr algn="ctr"/>
-              <a:endParaRPr lang="de-DE" sz="2000" dirty="0">
-                <a:solidFill>
-                  <a:schemeClr val="tx1"/>
-                </a:solidFill>
-              </a:endParaRPr>
-            </a:p>
-          </p:txBody>
-        </p:sp>
-        <p:sp>
-          <p:nvSpPr>
-            <p:cNvPr id="7" name="Rechteck 6">
-              <a:extLst>
-                <a:ext uri="{FF2B5EF4-FFF2-40B4-BE49-F238E27FC236}">
-                  <a16:creationId xmlns:a16="http://schemas.microsoft.com/office/drawing/2014/main" id="{DFDF0D1A-7EF0-B34E-B628-D5704DF1145B}"/>
-                </a:ext>
-              </a:extLst>
-            </p:cNvPr>
-            <p:cNvSpPr/>
-            <p:nvPr/>
-          </p:nvSpPr>
-          <p:spPr>
-            <a:xfrm>
-              <a:off x="2405385" y="4840882"/>
-              <a:ext cx="1080000" cy="864000"/>
-            </a:xfrm>
-            <a:prstGeom prst="rect">
-              <a:avLst/>
-            </a:prstGeom>
-            <a:solidFill>
-              <a:schemeClr val="bg1"/>
-            </a:solidFill>
-            <a:ln>
-              <a:solidFill>
-                <a:schemeClr val="tx1"/>
-              </a:solidFill>
-            </a:ln>
-          </p:spPr>
-          <p:style>
-            <a:lnRef idx="2">
-              <a:schemeClr val="accent1">
-                <a:shade val="50000"/>
-              </a:schemeClr>
-            </a:lnRef>
-            <a:fillRef idx="1">
-              <a:schemeClr val="accent1"/>
-            </a:fillRef>
-            <a:effectRef idx="0">
-              <a:schemeClr val="accent1"/>
-            </a:effectRef>
-            <a:fontRef idx="minor">
-              <a:schemeClr val="lt1"/>
-            </a:fontRef>
-          </p:style>
-          <p:txBody>
-            <a:bodyPr lIns="36000" tIns="36000" rIns="36000" bIns="36000" rtlCol="0" anchor="ctr"/>
-            <a:lstStyle/>
-            <a:p>
-              <a:pPr algn="ctr"/>
-              <a:r>
-                <a:rPr lang="de-DE" sz="2000" dirty="0">
+                <a:rPr lang="fr-FR" sz="1600" dirty="0" err="1" smtClean="0">
                   <a:solidFill>
                     <a:schemeClr val="tx1"/>
                   </a:solidFill>
                 </a:rPr>
                 <a:t>Boolean</a:t>
               </a:r>
-            </a:p>
-          </p:txBody>
-        </p:sp>
-      </p:grpSp>
-      <p:grpSp>
-        <p:nvGrpSpPr>
-          <p:cNvPr id="8" name="Gruppieren 7">
-            <a:extLst>
-              <a:ext uri="{FF2B5EF4-FFF2-40B4-BE49-F238E27FC236}">
-                <a16:creationId xmlns:a16="http://schemas.microsoft.com/office/drawing/2014/main" id="{FB669445-A474-E149-BED1-387A3731A6FB}"/>
-              </a:ext>
-            </a:extLst>
-          </p:cNvPr>
-          <p:cNvGrpSpPr/>
-          <p:nvPr/>
-        </p:nvGrpSpPr>
-        <p:grpSpPr>
-          <a:xfrm>
-            <a:off x="5539367" y="1587171"/>
-            <a:ext cx="1224000" cy="1008000"/>
-            <a:chOff x="5180357" y="4768881"/>
-            <a:chExt cx="1224000" cy="1008000"/>
-          </a:xfrm>
-        </p:grpSpPr>
-        <p:sp>
-          <p:nvSpPr>
-            <p:cNvPr id="9" name="Rechteck 8">
-              <a:extLst>
-                <a:ext uri="{FF2B5EF4-FFF2-40B4-BE49-F238E27FC236}">
-                  <a16:creationId xmlns:a16="http://schemas.microsoft.com/office/drawing/2014/main" id="{318D2160-0AEF-0F42-9521-36A5032BFFAB}"/>
-                </a:ext>
-              </a:extLst>
-            </p:cNvPr>
-            <p:cNvSpPr>
-              <a:spLocks/>
-            </p:cNvSpPr>
-            <p:nvPr/>
-          </p:nvSpPr>
-          <p:spPr>
-            <a:xfrm>
-              <a:off x="5180357" y="4768881"/>
-              <a:ext cx="1224000" cy="1008000"/>
-            </a:xfrm>
-            <a:prstGeom prst="rect">
-              <a:avLst/>
-            </a:prstGeom>
-            <a:solidFill>
-              <a:schemeClr val="bg1"/>
-            </a:solidFill>
-            <a:ln>
-              <a:solidFill>
-                <a:schemeClr val="tx1"/>
-              </a:solidFill>
-            </a:ln>
-          </p:spPr>
-          <p:style>
-            <a:lnRef idx="2">
-              <a:schemeClr val="accent1">
-                <a:shade val="50000"/>
-              </a:schemeClr>
-            </a:lnRef>
-            <a:fillRef idx="1">
-              <a:schemeClr val="accent1"/>
-            </a:fillRef>
-            <a:effectRef idx="0">
-              <a:schemeClr val="accent1"/>
-            </a:effectRef>
-            <a:fontRef idx="minor">
-              <a:schemeClr val="lt1"/>
-            </a:fontRef>
-          </p:style>
-          <p:txBody>
-            <a:bodyPr lIns="36000" tIns="36000" rIns="36000" bIns="36000" rtlCol="0" anchor="ctr"/>
-            <a:lstStyle/>
-            <a:p>
-              <a:pPr algn="ctr"/>
-              <a:endParaRPr lang="de-DE" sz="2000" dirty="0">
-                <a:solidFill>
-                  <a:schemeClr val="tx1"/>
-                </a:solidFill>
-              </a:endParaRPr>
-            </a:p>
-          </p:txBody>
-        </p:sp>
-        <p:sp>
-          <p:nvSpPr>
-            <p:cNvPr id="10" name="Rechteck 9">
-              <a:extLst>
-                <a:ext uri="{FF2B5EF4-FFF2-40B4-BE49-F238E27FC236}">
-                  <a16:creationId xmlns:a16="http://schemas.microsoft.com/office/drawing/2014/main" id="{637AC929-9B67-AA49-9BB7-A5A65BF6B2B7}"/>
-                </a:ext>
-              </a:extLst>
-            </p:cNvPr>
-            <p:cNvSpPr/>
-            <p:nvPr/>
-          </p:nvSpPr>
-          <p:spPr>
-            <a:xfrm>
-              <a:off x="5252357" y="4840882"/>
-              <a:ext cx="1080000" cy="864000"/>
-            </a:xfrm>
-            <a:prstGeom prst="rect">
-              <a:avLst/>
-            </a:prstGeom>
-            <a:solidFill>
-              <a:schemeClr val="bg1"/>
-            </a:solidFill>
-            <a:ln>
-              <a:solidFill>
-                <a:schemeClr val="tx1"/>
-              </a:solidFill>
-            </a:ln>
-          </p:spPr>
-          <p:style>
-            <a:lnRef idx="2">
-              <a:schemeClr val="accent1">
-                <a:shade val="50000"/>
-              </a:schemeClr>
-            </a:lnRef>
-            <a:fillRef idx="1">
-              <a:schemeClr val="accent1"/>
-            </a:fillRef>
-            <a:effectRef idx="0">
-              <a:schemeClr val="accent1"/>
-            </a:effectRef>
-            <a:fontRef idx="minor">
-              <a:schemeClr val="lt1"/>
-            </a:fontRef>
-          </p:style>
-          <p:txBody>
-            <a:bodyPr lIns="36000" tIns="36000" rIns="36000" bIns="36000" rtlCol="0" anchor="ctr"/>
-            <a:lstStyle/>
-            <a:p>
-              <a:pPr algn="ctr"/>
-              <a:r>
-                <a:rPr lang="de-DE" sz="2000" dirty="0">
-                  <a:solidFill>
-                    <a:schemeClr val="tx1"/>
-                  </a:solidFill>
-                </a:rPr>
-                <a:t>3D</a:t>
-              </a:r>
-              <a:br>
-                <a:rPr lang="de-DE" sz="2000" dirty="0">
-                  <a:solidFill>
-                    <a:schemeClr val="tx1"/>
-                  </a:solidFill>
-                </a:rPr>
-              </a:br>
-              <a:r>
-                <a:rPr lang="de-DE" sz="2000" dirty="0">
-                  <a:solidFill>
-                    <a:schemeClr val="tx1"/>
-                  </a:solidFill>
-                </a:rPr>
-                <a:t>Model</a:t>
-              </a:r>
-            </a:p>
-          </p:txBody>
-        </p:sp>
-      </p:grpSp>
-      <p:grpSp>
-        <p:nvGrpSpPr>
-          <p:cNvPr id="11" name="Gruppieren 10">
-            <a:extLst>
-              <a:ext uri="{FF2B5EF4-FFF2-40B4-BE49-F238E27FC236}">
-                <a16:creationId xmlns:a16="http://schemas.microsoft.com/office/drawing/2014/main" id="{1720DA33-BF15-5243-8EFA-432917A0164F}"/>
-              </a:ext>
-            </a:extLst>
-          </p:cNvPr>
-          <p:cNvGrpSpPr/>
-          <p:nvPr/>
-        </p:nvGrpSpPr>
-        <p:grpSpPr>
-          <a:xfrm>
-            <a:off x="7665349" y="2925000"/>
-            <a:ext cx="1224000" cy="1008000"/>
-            <a:chOff x="8819023" y="4768881"/>
-            <a:chExt cx="1224000" cy="1008000"/>
-          </a:xfrm>
-        </p:grpSpPr>
-        <p:sp>
-          <p:nvSpPr>
-            <p:cNvPr id="12" name="Rechteck 11">
-              <a:extLst>
-                <a:ext uri="{FF2B5EF4-FFF2-40B4-BE49-F238E27FC236}">
-                  <a16:creationId xmlns:a16="http://schemas.microsoft.com/office/drawing/2014/main" id="{F46F7936-0789-914B-BB4D-3B504594BCB7}"/>
-                </a:ext>
-              </a:extLst>
-            </p:cNvPr>
-            <p:cNvSpPr>
-              <a:spLocks/>
-            </p:cNvSpPr>
-            <p:nvPr/>
-          </p:nvSpPr>
-          <p:spPr>
-            <a:xfrm>
-              <a:off x="8819023" y="4768881"/>
-              <a:ext cx="1224000" cy="1008000"/>
-            </a:xfrm>
-            <a:prstGeom prst="rect">
-              <a:avLst/>
-            </a:prstGeom>
-            <a:solidFill>
-              <a:schemeClr val="bg1"/>
-            </a:solidFill>
-            <a:ln>
-              <a:solidFill>
-                <a:schemeClr val="tx1"/>
-              </a:solidFill>
-            </a:ln>
-          </p:spPr>
-          <p:style>
-            <a:lnRef idx="2">
-              <a:schemeClr val="accent1">
-                <a:shade val="50000"/>
-              </a:schemeClr>
-            </a:lnRef>
-            <a:fillRef idx="1">
-              <a:schemeClr val="accent1"/>
-            </a:fillRef>
-            <a:effectRef idx="0">
-              <a:schemeClr val="accent1"/>
-            </a:effectRef>
-            <a:fontRef idx="minor">
-              <a:schemeClr val="lt1"/>
-            </a:fontRef>
-          </p:style>
-          <p:txBody>
-            <a:bodyPr lIns="36000" tIns="36000" rIns="36000" bIns="36000" rtlCol="0" anchor="ctr"/>
-            <a:lstStyle/>
-            <a:p>
-              <a:pPr algn="ctr"/>
-              <a:endParaRPr lang="de-DE" sz="2000" dirty="0">
-                <a:solidFill>
-                  <a:schemeClr val="tx1"/>
-                </a:solidFill>
-              </a:endParaRPr>
-            </a:p>
-          </p:txBody>
-        </p:sp>
-        <p:sp>
-          <p:nvSpPr>
-            <p:cNvPr id="13" name="Rechteck 12">
-              <a:extLst>
-                <a:ext uri="{FF2B5EF4-FFF2-40B4-BE49-F238E27FC236}">
-                  <a16:creationId xmlns:a16="http://schemas.microsoft.com/office/drawing/2014/main" id="{1E801C30-31FB-C342-8138-6CD717314898}"/>
-                </a:ext>
-              </a:extLst>
-            </p:cNvPr>
-            <p:cNvSpPr/>
-            <p:nvPr/>
-          </p:nvSpPr>
-          <p:spPr>
-            <a:xfrm>
-              <a:off x="8894019" y="4840881"/>
-              <a:ext cx="1080000" cy="864000"/>
-            </a:xfrm>
-            <a:prstGeom prst="rect">
-              <a:avLst/>
-            </a:prstGeom>
-            <a:solidFill>
-              <a:schemeClr val="bg1"/>
-            </a:solidFill>
-            <a:ln>
-              <a:solidFill>
-                <a:schemeClr val="tx1"/>
-              </a:solidFill>
-            </a:ln>
-          </p:spPr>
-          <p:style>
-            <a:lnRef idx="2">
-              <a:schemeClr val="accent1">
-                <a:shade val="50000"/>
-              </a:schemeClr>
-            </a:lnRef>
-            <a:fillRef idx="1">
-              <a:schemeClr val="accent1"/>
-            </a:fillRef>
-            <a:effectRef idx="0">
-              <a:schemeClr val="accent1"/>
-            </a:effectRef>
-            <a:fontRef idx="minor">
-              <a:schemeClr val="lt1"/>
-            </a:fontRef>
-          </p:style>
-          <p:txBody>
-            <a:bodyPr lIns="36000" tIns="36000" rIns="36000" bIns="36000" rtlCol="0" anchor="ctr"/>
-            <a:lstStyle/>
-            <a:p>
-              <a:pPr algn="ctr"/>
-              <a:r>
-                <a:rPr lang="de-DE" sz="2000" dirty="0" err="1">
-                  <a:solidFill>
-                    <a:schemeClr val="tx1"/>
-                  </a:solidFill>
-                </a:rPr>
-                <a:t>Product</a:t>
-              </a:r>
-              <a:endParaRPr lang="de-DE" sz="2000" dirty="0">
+              <a:endParaRPr lang="fr-FR" sz="1600" dirty="0" smtClean="0">
                 <a:solidFill>
                   <a:schemeClr val="tx1"/>
                 </a:solidFill>
@@ -6348,390 +6351,22 @@
           </p:txBody>
         </p:sp>
       </p:grpSp>
-      <p:grpSp>
-        <p:nvGrpSpPr>
-          <p:cNvPr id="18" name="Gruppieren 17">
-            <a:extLst>
-              <a:ext uri="{FF2B5EF4-FFF2-40B4-BE49-F238E27FC236}">
-                <a16:creationId xmlns:a16="http://schemas.microsoft.com/office/drawing/2014/main" id="{7A9E882A-56AF-2644-93F7-6940A0DE33BA}"/>
-              </a:ext>
-            </a:extLst>
-          </p:cNvPr>
-          <p:cNvGrpSpPr/>
-          <p:nvPr/>
-        </p:nvGrpSpPr>
-        <p:grpSpPr>
-          <a:xfrm>
-            <a:off x="1287329" y="1663025"/>
-            <a:ext cx="1512000" cy="864000"/>
-            <a:chOff x="1287329" y="1663025"/>
-            <a:chExt cx="1512000" cy="864000"/>
-          </a:xfrm>
-        </p:grpSpPr>
-        <p:sp>
-          <p:nvSpPr>
-            <p:cNvPr id="17" name="Oval 16">
-              <a:extLst>
-                <a:ext uri="{FF2B5EF4-FFF2-40B4-BE49-F238E27FC236}">
-                  <a16:creationId xmlns:a16="http://schemas.microsoft.com/office/drawing/2014/main" id="{AD993E58-B6FF-0D4C-B402-70BEF1A9BE31}"/>
-                </a:ext>
-              </a:extLst>
-            </p:cNvPr>
-            <p:cNvSpPr/>
-            <p:nvPr/>
-          </p:nvSpPr>
-          <p:spPr>
-            <a:xfrm>
-              <a:off x="1287329" y="1663025"/>
-              <a:ext cx="1512000" cy="864000"/>
-            </a:xfrm>
-            <a:prstGeom prst="ellipse">
-              <a:avLst/>
-            </a:prstGeom>
-            <a:solidFill>
-              <a:schemeClr val="bg1"/>
-            </a:solidFill>
-            <a:ln>
-              <a:solidFill>
-                <a:schemeClr val="tx1"/>
-              </a:solidFill>
-            </a:ln>
-          </p:spPr>
-          <p:style>
-            <a:lnRef idx="2">
-              <a:schemeClr val="accent1">
-                <a:shade val="50000"/>
-              </a:schemeClr>
-            </a:lnRef>
-            <a:fillRef idx="1">
-              <a:schemeClr val="accent1"/>
-            </a:fillRef>
-            <a:effectRef idx="0">
-              <a:schemeClr val="accent1"/>
-            </a:effectRef>
-            <a:fontRef idx="minor">
-              <a:schemeClr val="lt1"/>
-            </a:fontRef>
-          </p:style>
-          <p:txBody>
-            <a:bodyPr lIns="36000" tIns="36000" rIns="36000" bIns="36000" rtlCol="0" anchor="ctr"/>
-            <a:lstStyle/>
-            <a:p>
-              <a:pPr algn="ctr"/>
-              <a:endParaRPr lang="de-DE" sz="1600" dirty="0">
-                <a:solidFill>
-                  <a:schemeClr val="tx1"/>
-                </a:solidFill>
-              </a:endParaRPr>
-            </a:p>
-          </p:txBody>
-        </p:sp>
-        <p:sp>
-          <p:nvSpPr>
-            <p:cNvPr id="14" name="Oval 13">
-              <a:extLst>
-                <a:ext uri="{FF2B5EF4-FFF2-40B4-BE49-F238E27FC236}">
-                  <a16:creationId xmlns:a16="http://schemas.microsoft.com/office/drawing/2014/main" id="{2F88115C-4641-BA44-9FBD-BE750299BF7D}"/>
-                </a:ext>
-              </a:extLst>
-            </p:cNvPr>
-            <p:cNvSpPr/>
-            <p:nvPr/>
-          </p:nvSpPr>
-          <p:spPr>
-            <a:xfrm>
-              <a:off x="1359329" y="1731171"/>
-              <a:ext cx="1368000" cy="720000"/>
-            </a:xfrm>
-            <a:prstGeom prst="ellipse">
-              <a:avLst/>
-            </a:prstGeom>
-            <a:solidFill>
-              <a:schemeClr val="bg1"/>
-            </a:solidFill>
-            <a:ln>
-              <a:solidFill>
-                <a:schemeClr val="tx1"/>
-              </a:solidFill>
-            </a:ln>
-          </p:spPr>
-          <p:style>
-            <a:lnRef idx="2">
-              <a:schemeClr val="accent1">
-                <a:shade val="50000"/>
-              </a:schemeClr>
-            </a:lnRef>
-            <a:fillRef idx="1">
-              <a:schemeClr val="accent1"/>
-            </a:fillRef>
-            <a:effectRef idx="0">
-              <a:schemeClr val="accent1"/>
-            </a:effectRef>
-            <a:fontRef idx="minor">
-              <a:schemeClr val="lt1"/>
-            </a:fontRef>
-          </p:style>
-          <p:txBody>
-            <a:bodyPr lIns="36000" tIns="36000" rIns="36000" bIns="36000" rtlCol="0" anchor="ctr"/>
-            <a:lstStyle/>
-            <a:p>
-              <a:pPr algn="ctr"/>
-              <a:r>
-                <a:rPr lang="de-DE" sz="1600" dirty="0" err="1">
-                  <a:solidFill>
-                    <a:schemeClr val="tx1"/>
-                  </a:solidFill>
-                </a:rPr>
-                <a:t>draw</a:t>
-              </a:r>
-              <a:r>
-                <a:rPr lang="de-DE" sz="1600" dirty="0">
-                  <a:solidFill>
-                    <a:schemeClr val="tx1"/>
-                  </a:solidFill>
-                </a:rPr>
-                <a:t/>
-              </a:r>
-              <a:br>
-                <a:rPr lang="de-DE" sz="1600" dirty="0">
-                  <a:solidFill>
-                    <a:schemeClr val="tx1"/>
-                  </a:solidFill>
-                </a:rPr>
-              </a:br>
-              <a:r>
-                <a:rPr lang="de-DE" sz="1600" dirty="0" err="1">
-                  <a:solidFill>
-                    <a:schemeClr val="tx1"/>
-                  </a:solidFill>
-                </a:rPr>
-                <a:t>lines</a:t>
-              </a:r>
-              <a:endParaRPr lang="de-DE" sz="1600" dirty="0">
-                <a:solidFill>
-                  <a:schemeClr val="tx1"/>
-                </a:solidFill>
-              </a:endParaRPr>
-            </a:p>
-          </p:txBody>
-        </p:sp>
-      </p:grpSp>
-      <p:grpSp>
-        <p:nvGrpSpPr>
-          <p:cNvPr id="20" name="Gruppieren 19">
-            <a:extLst>
-              <a:ext uri="{FF2B5EF4-FFF2-40B4-BE49-F238E27FC236}">
-                <a16:creationId xmlns:a16="http://schemas.microsoft.com/office/drawing/2014/main" id="{ADA46461-6854-5947-A7D9-1E5A485918F6}"/>
-              </a:ext>
-            </a:extLst>
-          </p:cNvPr>
-          <p:cNvGrpSpPr/>
-          <p:nvPr/>
-        </p:nvGrpSpPr>
-        <p:grpSpPr>
-          <a:xfrm>
-            <a:off x="5395367" y="2997000"/>
-            <a:ext cx="1512000" cy="864000"/>
-            <a:chOff x="5947800" y="3171171"/>
-            <a:chExt cx="1512000" cy="864000"/>
-          </a:xfrm>
-        </p:grpSpPr>
-        <p:sp>
-          <p:nvSpPr>
-            <p:cNvPr id="19" name="Oval 18">
-              <a:extLst>
-                <a:ext uri="{FF2B5EF4-FFF2-40B4-BE49-F238E27FC236}">
-                  <a16:creationId xmlns:a16="http://schemas.microsoft.com/office/drawing/2014/main" id="{14756A3D-CA13-C343-B5F8-20AB357263B4}"/>
-                </a:ext>
-              </a:extLst>
-            </p:cNvPr>
-            <p:cNvSpPr/>
-            <p:nvPr/>
-          </p:nvSpPr>
-          <p:spPr>
-            <a:xfrm>
-              <a:off x="5947800" y="3171171"/>
-              <a:ext cx="1512000" cy="864000"/>
-            </a:xfrm>
-            <a:prstGeom prst="ellipse">
-              <a:avLst/>
-            </a:prstGeom>
-            <a:solidFill>
-              <a:schemeClr val="bg1"/>
-            </a:solidFill>
-            <a:ln>
-              <a:solidFill>
-                <a:schemeClr val="tx1"/>
-              </a:solidFill>
-            </a:ln>
-          </p:spPr>
-          <p:style>
-            <a:lnRef idx="2">
-              <a:schemeClr val="accent1">
-                <a:shade val="50000"/>
-              </a:schemeClr>
-            </a:lnRef>
-            <a:fillRef idx="1">
-              <a:schemeClr val="accent1"/>
-            </a:fillRef>
-            <a:effectRef idx="0">
-              <a:schemeClr val="accent1"/>
-            </a:effectRef>
-            <a:fontRef idx="minor">
-              <a:schemeClr val="lt1"/>
-            </a:fontRef>
-          </p:style>
-          <p:txBody>
-            <a:bodyPr lIns="36000" tIns="36000" rIns="36000" bIns="36000" rtlCol="0" anchor="ctr"/>
-            <a:lstStyle/>
-            <a:p>
-              <a:pPr algn="ctr"/>
-              <a:endParaRPr lang="de-DE" sz="1600" dirty="0">
-                <a:solidFill>
-                  <a:schemeClr val="tx1"/>
-                </a:solidFill>
-              </a:endParaRPr>
-            </a:p>
-          </p:txBody>
-        </p:sp>
-        <p:sp>
-          <p:nvSpPr>
-            <p:cNvPr id="15" name="Oval 14">
-              <a:extLst>
-                <a:ext uri="{FF2B5EF4-FFF2-40B4-BE49-F238E27FC236}">
-                  <a16:creationId xmlns:a16="http://schemas.microsoft.com/office/drawing/2014/main" id="{2923A426-63B9-DE4B-A449-6A171D7ABFA9}"/>
-                </a:ext>
-              </a:extLst>
-            </p:cNvPr>
-            <p:cNvSpPr/>
-            <p:nvPr/>
-          </p:nvSpPr>
-          <p:spPr>
-            <a:xfrm>
-              <a:off x="6019800" y="3243171"/>
-              <a:ext cx="1368000" cy="720000"/>
-            </a:xfrm>
-            <a:prstGeom prst="ellipse">
-              <a:avLst/>
-            </a:prstGeom>
-            <a:solidFill>
-              <a:schemeClr val="bg1"/>
-            </a:solidFill>
-            <a:ln>
-              <a:solidFill>
-                <a:schemeClr val="tx1"/>
-              </a:solidFill>
-            </a:ln>
-          </p:spPr>
-          <p:style>
-            <a:lnRef idx="2">
-              <a:schemeClr val="accent1">
-                <a:shade val="50000"/>
-              </a:schemeClr>
-            </a:lnRef>
-            <a:fillRef idx="1">
-              <a:schemeClr val="accent1"/>
-            </a:fillRef>
-            <a:effectRef idx="0">
-              <a:schemeClr val="accent1"/>
-            </a:effectRef>
-            <a:fontRef idx="minor">
-              <a:schemeClr val="lt1"/>
-            </a:fontRef>
-          </p:style>
-          <p:txBody>
-            <a:bodyPr lIns="36000" tIns="36000" rIns="36000" bIns="36000" rtlCol="0" anchor="ctr"/>
-            <a:lstStyle/>
-            <a:p>
-              <a:pPr algn="ctr"/>
-              <a:r>
-                <a:rPr lang="de-DE" sz="1600" dirty="0" err="1">
-                  <a:solidFill>
-                    <a:schemeClr val="tx1"/>
-                  </a:solidFill>
-                </a:rPr>
-                <a:t>lift</a:t>
-              </a:r>
-              <a:r>
-                <a:rPr lang="de-DE" sz="1600" dirty="0">
-                  <a:solidFill>
-                    <a:schemeClr val="tx1"/>
-                  </a:solidFill>
-                </a:rPr>
-                <a:t> </a:t>
-              </a:r>
-              <a:r>
-                <a:rPr lang="de-DE" sz="1600" dirty="0" err="1">
-                  <a:solidFill>
-                    <a:schemeClr val="tx1"/>
-                  </a:solidFill>
-                </a:rPr>
-                <a:t>to</a:t>
-              </a:r>
-              <a:r>
-                <a:rPr lang="de-DE" sz="1600" dirty="0">
-                  <a:solidFill>
-                    <a:schemeClr val="tx1"/>
-                  </a:solidFill>
-                </a:rPr>
-                <a:t/>
-              </a:r>
-              <a:br>
-                <a:rPr lang="de-DE" sz="1600" dirty="0">
-                  <a:solidFill>
-                    <a:schemeClr val="tx1"/>
-                  </a:solidFill>
-                </a:rPr>
-              </a:br>
-              <a:r>
-                <a:rPr lang="de-DE" sz="1600" dirty="0">
-                  <a:solidFill>
-                    <a:schemeClr val="tx1"/>
-                  </a:solidFill>
-                </a:rPr>
-                <a:t>3D </a:t>
-              </a:r>
-              <a:r>
-                <a:rPr lang="de-DE" sz="1600">
-                  <a:solidFill>
-                    <a:schemeClr val="tx1"/>
-                  </a:solidFill>
-                </a:rPr>
-                <a:t>model</a:t>
-              </a:r>
-              <a:endParaRPr lang="de-DE" sz="1600" dirty="0">
-                <a:solidFill>
-                  <a:schemeClr val="tx1"/>
-                </a:solidFill>
-              </a:endParaRPr>
-            </a:p>
-          </p:txBody>
-        </p:sp>
-      </p:grpSp>
-      <p:cxnSp>
-        <p:nvCxnSpPr>
-          <p:cNvPr id="22" name="Gerade Verbindung mit Pfeil 21">
-            <a:extLst>
-              <a:ext uri="{FF2B5EF4-FFF2-40B4-BE49-F238E27FC236}">
-                <a16:creationId xmlns:a16="http://schemas.microsoft.com/office/drawing/2014/main" id="{4B946733-11C0-9742-A061-A8A008B5E8B4}"/>
-              </a:ext>
-            </a:extLst>
-          </p:cNvPr>
-          <p:cNvCxnSpPr>
-            <a:stCxn id="17" idx="6"/>
-            <a:endCxn id="3" idx="1"/>
-          </p:cNvCxnSpPr>
-          <p:nvPr/>
-        </p:nvCxnSpPr>
-        <p:spPr>
-          <a:xfrm>
-            <a:off x="2799329" y="2095025"/>
-            <a:ext cx="686056" cy="0"/>
-          </a:xfrm>
-          <a:prstGeom prst="straightConnector1">
-            <a:avLst/>
-          </a:prstGeom>
-          <a:ln w="12700">
+      <p:sp>
+        <p:nvSpPr>
+          <p:cNvPr id="70" name="Oval 69"/>
+          <p:cNvSpPr/>
+          <p:nvPr/>
+        </p:nvSpPr>
+        <p:spPr>
+          <a:xfrm>
+            <a:off x="4945882" y="930702"/>
+            <a:ext cx="1262654" cy="571563"/>
+          </a:xfrm>
+          <a:prstGeom prst="ellipse">
+            <a:avLst/>
+          </a:prstGeom>
+          <a:noFill/>
+          <a:ln w="38100" cmpd="dbl">
             <a:solidFill>
               <a:schemeClr val="tx1"/>
             </a:solidFill>
@@ -6740,210 +6375,295 @@
           </a:ln>
         </p:spPr>
         <p:style>
-          <a:lnRef idx="1">
-            <a:schemeClr val="accent1"/>
+          <a:lnRef idx="2">
+            <a:schemeClr val="accent1">
+              <a:shade val="50000"/>
+            </a:schemeClr>
           </a:lnRef>
-          <a:fillRef idx="0">
+          <a:fillRef idx="1">
             <a:schemeClr val="accent1"/>
           </a:fillRef>
           <a:effectRef idx="0">
             <a:schemeClr val="accent1"/>
           </a:effectRef>
           <a:fontRef idx="minor">
-            <a:schemeClr val="tx1"/>
+            <a:schemeClr val="lt1"/>
           </a:fontRef>
         </p:style>
-      </p:cxnSp>
-      <p:grpSp>
-        <p:nvGrpSpPr>
-          <p:cNvPr id="23" name="Gruppieren 22">
-            <a:extLst>
-              <a:ext uri="{FF2B5EF4-FFF2-40B4-BE49-F238E27FC236}">
-                <a16:creationId xmlns:a16="http://schemas.microsoft.com/office/drawing/2014/main" id="{ACD20656-3E4F-8B4B-8FCD-51DBACE3269C}"/>
-              </a:ext>
-            </a:extLst>
-          </p:cNvPr>
-          <p:cNvGrpSpPr/>
-          <p:nvPr/>
-        </p:nvGrpSpPr>
-        <p:grpSpPr>
-          <a:xfrm>
-            <a:off x="1287329" y="3001532"/>
-            <a:ext cx="1512000" cy="864000"/>
-            <a:chOff x="5947800" y="3171171"/>
-            <a:chExt cx="1512000" cy="864000"/>
-          </a:xfrm>
-        </p:grpSpPr>
-        <p:sp>
-          <p:nvSpPr>
-            <p:cNvPr id="24" name="Oval 23">
-              <a:extLst>
-                <a:ext uri="{FF2B5EF4-FFF2-40B4-BE49-F238E27FC236}">
-                  <a16:creationId xmlns:a16="http://schemas.microsoft.com/office/drawing/2014/main" id="{64A31A8C-FBF0-B04A-9DBD-5448FF91AE84}"/>
-                </a:ext>
-              </a:extLst>
-            </p:cNvPr>
-            <p:cNvSpPr/>
-            <p:nvPr/>
-          </p:nvSpPr>
-          <p:spPr>
-            <a:xfrm>
-              <a:off x="5947800" y="3171171"/>
-              <a:ext cx="1512000" cy="864000"/>
-            </a:xfrm>
-            <a:prstGeom prst="ellipse">
-              <a:avLst/>
-            </a:prstGeom>
-            <a:solidFill>
-              <a:schemeClr val="bg1"/>
-            </a:solidFill>
-            <a:ln>
+        <p:txBody>
+          <a:bodyPr rtlCol="0" anchor="ctr"/>
+          <a:lstStyle/>
+          <a:p>
+            <a:pPr algn="ctr"/>
+            <a:r>
+              <a:rPr lang="fr-FR" sz="1400" dirty="0" err="1" smtClean="0">
+                <a:solidFill>
+                  <a:schemeClr val="tx1"/>
+                </a:solidFill>
+              </a:rPr>
+              <a:t>EstimateCosts</a:t>
+            </a:r>
+            <a:endParaRPr lang="en-GB" sz="1400" dirty="0">
               <a:solidFill>
                 <a:schemeClr val="tx1"/>
               </a:solidFill>
-            </a:ln>
-          </p:spPr>
-          <p:style>
-            <a:lnRef idx="2">
-              <a:schemeClr val="accent1">
-                <a:shade val="50000"/>
-              </a:schemeClr>
-            </a:lnRef>
-            <a:fillRef idx="1">
-              <a:schemeClr val="accent1"/>
-            </a:fillRef>
-            <a:effectRef idx="0">
-              <a:schemeClr val="accent1"/>
-            </a:effectRef>
-            <a:fontRef idx="minor">
-              <a:schemeClr val="lt1"/>
-            </a:fontRef>
-          </p:style>
-          <p:txBody>
-            <a:bodyPr lIns="36000" tIns="36000" rIns="36000" bIns="36000" rtlCol="0" anchor="ctr"/>
-            <a:lstStyle/>
-            <a:p>
-              <a:pPr algn="ctr"/>
-              <a:endParaRPr lang="de-DE" sz="1600" dirty="0">
-                <a:solidFill>
-                  <a:schemeClr val="tx1"/>
-                </a:solidFill>
-              </a:endParaRPr>
-            </a:p>
-          </p:txBody>
-        </p:sp>
-        <p:sp>
-          <p:nvSpPr>
-            <p:cNvPr id="25" name="Oval 24">
-              <a:extLst>
-                <a:ext uri="{FF2B5EF4-FFF2-40B4-BE49-F238E27FC236}">
-                  <a16:creationId xmlns:a16="http://schemas.microsoft.com/office/drawing/2014/main" id="{42F5675C-933D-894F-A655-DAA13770FCCB}"/>
-                </a:ext>
-              </a:extLst>
-            </p:cNvPr>
-            <p:cNvSpPr/>
-            <p:nvPr/>
-          </p:nvSpPr>
-          <p:spPr>
-            <a:xfrm>
-              <a:off x="6019800" y="3243171"/>
-              <a:ext cx="1368000" cy="720000"/>
-            </a:xfrm>
-            <a:prstGeom prst="ellipse">
-              <a:avLst/>
-            </a:prstGeom>
-            <a:solidFill>
-              <a:schemeClr val="bg1"/>
-            </a:solidFill>
-            <a:ln>
-              <a:solidFill>
-                <a:schemeClr val="tx1"/>
-              </a:solidFill>
-            </a:ln>
-          </p:spPr>
-          <p:style>
-            <a:lnRef idx="2">
-              <a:schemeClr val="accent1">
-                <a:shade val="50000"/>
-              </a:schemeClr>
-            </a:lnRef>
-            <a:fillRef idx="1">
-              <a:schemeClr val="accent1"/>
-            </a:fillRef>
-            <a:effectRef idx="0">
-              <a:schemeClr val="accent1"/>
-            </a:effectRef>
-            <a:fontRef idx="minor">
-              <a:schemeClr val="lt1"/>
-            </a:fontRef>
-          </p:style>
-          <p:txBody>
-            <a:bodyPr lIns="36000" tIns="36000" rIns="36000" bIns="36000" rtlCol="0" anchor="ctr"/>
-            <a:lstStyle/>
-            <a:p>
-              <a:pPr algn="ctr"/>
-              <a:r>
-                <a:rPr lang="de-DE" sz="1600" dirty="0" err="1">
-                  <a:solidFill>
-                    <a:schemeClr val="tx1"/>
-                  </a:solidFill>
-                </a:rPr>
-                <a:t>validate</a:t>
-              </a:r>
-              <a:r>
-                <a:rPr lang="de-DE" sz="1600" dirty="0">
-                  <a:solidFill>
-                    <a:schemeClr val="tx1"/>
-                  </a:solidFill>
-                </a:rPr>
-                <a:t> </a:t>
-              </a:r>
-              <a:r>
-                <a:rPr lang="de-DE" sz="1600" dirty="0" err="1">
-                  <a:solidFill>
-                    <a:schemeClr val="tx1"/>
-                  </a:solidFill>
-                </a:rPr>
-                <a:t>shape</a:t>
-              </a:r>
-              <a:endParaRPr lang="de-DE" sz="1600" dirty="0">
-                <a:solidFill>
-                  <a:schemeClr val="tx1"/>
-                </a:solidFill>
-              </a:endParaRPr>
-            </a:p>
-          </p:txBody>
-        </p:sp>
-      </p:grpSp>
-      <p:cxnSp>
-        <p:nvCxnSpPr>
-          <p:cNvPr id="29" name="Gerade Verbindung mit Pfeil 28">
-            <a:extLst>
-              <a:ext uri="{FF2B5EF4-FFF2-40B4-BE49-F238E27FC236}">
-                <a16:creationId xmlns:a16="http://schemas.microsoft.com/office/drawing/2014/main" id="{890F5CD9-3C29-C34F-ABDA-CABFB8553A54}"/>
-              </a:ext>
-            </a:extLst>
-          </p:cNvPr>
-          <p:cNvCxnSpPr>
-            <a:cxnSpLocks/>
-            <a:endCxn id="24" idx="7"/>
-          </p:cNvCxnSpPr>
-          <p:nvPr/>
-        </p:nvCxnSpPr>
-        <p:spPr>
-          <a:xfrm flipH="1">
-            <a:off x="2577902" y="2605798"/>
-            <a:ext cx="905810" cy="522264"/>
-          </a:xfrm>
-          <a:prstGeom prst="straightConnector1">
-            <a:avLst/>
-          </a:prstGeom>
-          <a:ln w="12700">
+            </a:endParaRPr>
+          </a:p>
+        </p:txBody>
+      </p:sp>
+      <p:sp>
+        <p:nvSpPr>
+          <p:cNvPr id="73" name="Rectangle 72"/>
+          <p:cNvSpPr/>
+          <p:nvPr/>
+        </p:nvSpPr>
+        <p:spPr>
+          <a:xfrm>
+            <a:off x="7409802" y="966999"/>
+            <a:ext cx="936000" cy="504000"/>
+          </a:xfrm>
+          <a:prstGeom prst="rect">
+            <a:avLst/>
+          </a:prstGeom>
+          <a:noFill/>
+          <a:ln w="38100" cmpd="dbl">
             <a:solidFill>
               <a:schemeClr val="tx1"/>
             </a:solidFill>
             <a:headEnd type="none" w="med" len="med"/>
             <a:tailEnd type="arrow" w="med" len="med"/>
+          </a:ln>
+        </p:spPr>
+        <p:style>
+          <a:lnRef idx="2">
+            <a:schemeClr val="accent1">
+              <a:shade val="50000"/>
+            </a:schemeClr>
+          </a:lnRef>
+          <a:fillRef idx="1">
+            <a:schemeClr val="accent1"/>
+          </a:fillRef>
+          <a:effectRef idx="0">
+            <a:schemeClr val="accent1"/>
+          </a:effectRef>
+          <a:fontRef idx="minor">
+            <a:schemeClr val="lt1"/>
+          </a:fontRef>
+        </p:style>
+        <p:txBody>
+          <a:bodyPr rtlCol="0" anchor="ctr"/>
+          <a:lstStyle/>
+          <a:p>
+            <a:pPr algn="ctr"/>
+            <a:r>
+              <a:rPr lang="fr-FR" sz="1600" dirty="0" smtClean="0">
+                <a:solidFill>
+                  <a:schemeClr val="tx1"/>
+                </a:solidFill>
+              </a:rPr>
+              <a:t>Money</a:t>
+            </a:r>
+          </a:p>
+        </p:txBody>
+      </p:sp>
+      <p:sp>
+        <p:nvSpPr>
+          <p:cNvPr id="74" name="Oval 73"/>
+          <p:cNvSpPr/>
+          <p:nvPr/>
+        </p:nvSpPr>
+        <p:spPr>
+          <a:xfrm>
+            <a:off x="4777561" y="1600562"/>
+            <a:ext cx="1599296" cy="571563"/>
+          </a:xfrm>
+          <a:prstGeom prst="ellipse">
+            <a:avLst/>
+          </a:prstGeom>
+          <a:noFill/>
+          <a:ln w="38100" cmpd="dbl">
+            <a:solidFill>
+              <a:schemeClr val="tx1"/>
+            </a:solidFill>
+            <a:headEnd type="none" w="med" len="med"/>
+            <a:tailEnd type="arrow" w="med" len="med"/>
+          </a:ln>
+        </p:spPr>
+        <p:style>
+          <a:lnRef idx="2">
+            <a:schemeClr val="accent1">
+              <a:shade val="50000"/>
+            </a:schemeClr>
+          </a:lnRef>
+          <a:fillRef idx="1">
+            <a:schemeClr val="accent1"/>
+          </a:fillRef>
+          <a:effectRef idx="0">
+            <a:schemeClr val="accent1"/>
+          </a:effectRef>
+          <a:fontRef idx="minor">
+            <a:schemeClr val="lt1"/>
+          </a:fontRef>
+        </p:style>
+        <p:txBody>
+          <a:bodyPr rtlCol="0" anchor="ctr"/>
+          <a:lstStyle/>
+          <a:p>
+            <a:pPr algn="ctr"/>
+            <a:r>
+              <a:rPr lang="fr-FR" sz="1400" dirty="0" smtClean="0">
+                <a:solidFill>
+                  <a:schemeClr val="tx1"/>
+                </a:solidFill>
+              </a:rPr>
+              <a:t>Manufacture</a:t>
+            </a:r>
+            <a:endParaRPr lang="en-GB" sz="1400" dirty="0">
+              <a:solidFill>
+                <a:schemeClr val="tx1"/>
+              </a:solidFill>
+            </a:endParaRPr>
+          </a:p>
+        </p:txBody>
+      </p:sp>
+      <p:sp>
+        <p:nvSpPr>
+          <p:cNvPr id="75" name="Rectangle 74"/>
+          <p:cNvSpPr/>
+          <p:nvPr/>
+        </p:nvSpPr>
+        <p:spPr>
+          <a:xfrm>
+            <a:off x="3783827" y="2512829"/>
+            <a:ext cx="936000" cy="504000"/>
+          </a:xfrm>
+          <a:prstGeom prst="rect">
+            <a:avLst/>
+          </a:prstGeom>
+          <a:noFill/>
+          <a:ln w="25400" cmpd="sng">
+            <a:solidFill>
+              <a:schemeClr val="tx1"/>
+            </a:solidFill>
+            <a:headEnd type="none" w="med" len="med"/>
+            <a:tailEnd type="arrow" w="med" len="med"/>
+          </a:ln>
+        </p:spPr>
+        <p:style>
+          <a:lnRef idx="2">
+            <a:schemeClr val="accent1">
+              <a:shade val="50000"/>
+            </a:schemeClr>
+          </a:lnRef>
+          <a:fillRef idx="1">
+            <a:schemeClr val="accent1"/>
+          </a:fillRef>
+          <a:effectRef idx="0">
+            <a:schemeClr val="accent1"/>
+          </a:effectRef>
+          <a:fontRef idx="minor">
+            <a:schemeClr val="lt1"/>
+          </a:fontRef>
+        </p:style>
+        <p:txBody>
+          <a:bodyPr rtlCol="0" anchor="ctr"/>
+          <a:lstStyle/>
+          <a:p>
+            <a:pPr algn="ctr"/>
+            <a:r>
+              <a:rPr lang="fr-FR" sz="1600" dirty="0" smtClean="0">
+                <a:solidFill>
+                  <a:schemeClr val="tx1"/>
+                </a:solidFill>
+              </a:rPr>
+              <a:t>Real</a:t>
+            </a:r>
+            <a:endParaRPr lang="fr-FR" sz="1600" dirty="0" smtClean="0">
+              <a:solidFill>
+                <a:schemeClr val="tx1"/>
+              </a:solidFill>
+            </a:endParaRPr>
+          </a:p>
+        </p:txBody>
+      </p:sp>
+      <p:sp>
+        <p:nvSpPr>
+          <p:cNvPr id="76" name="Rectangle 75"/>
+          <p:cNvSpPr/>
+          <p:nvPr/>
+        </p:nvSpPr>
+        <p:spPr>
+          <a:xfrm>
+            <a:off x="7409802" y="1629502"/>
+            <a:ext cx="936000" cy="504000"/>
+          </a:xfrm>
+          <a:prstGeom prst="rect">
+            <a:avLst/>
+          </a:prstGeom>
+          <a:noFill/>
+          <a:ln w="38100" cmpd="dbl">
+            <a:solidFill>
+              <a:schemeClr val="tx1"/>
+            </a:solidFill>
+            <a:headEnd type="none" w="med" len="med"/>
+            <a:tailEnd type="arrow" w="med" len="med"/>
+          </a:ln>
+        </p:spPr>
+        <p:style>
+          <a:lnRef idx="2">
+            <a:schemeClr val="accent1">
+              <a:shade val="50000"/>
+            </a:schemeClr>
+          </a:lnRef>
+          <a:fillRef idx="1">
+            <a:schemeClr val="accent1"/>
+          </a:fillRef>
+          <a:effectRef idx="0">
+            <a:schemeClr val="accent1"/>
+          </a:effectRef>
+          <a:fontRef idx="minor">
+            <a:schemeClr val="lt1"/>
+          </a:fontRef>
+        </p:style>
+        <p:txBody>
+          <a:bodyPr rtlCol="0" anchor="ctr"/>
+          <a:lstStyle/>
+          <a:p>
+            <a:pPr algn="ctr"/>
+            <a:r>
+              <a:rPr lang="fr-FR" sz="1600" dirty="0" smtClean="0">
+                <a:solidFill>
+                  <a:schemeClr val="tx1"/>
+                </a:solidFill>
+              </a:rPr>
+              <a:t>Product</a:t>
+            </a:r>
+          </a:p>
+        </p:txBody>
+      </p:sp>
+      <p:cxnSp>
+        <p:nvCxnSpPr>
+          <p:cNvPr id="77" name="Straight Arrow Connector 76"/>
+          <p:cNvCxnSpPr>
+            <a:stCxn id="64" idx="6"/>
+            <a:endCxn id="63" idx="1"/>
+          </p:cNvCxnSpPr>
+          <p:nvPr/>
+        </p:nvCxnSpPr>
+        <p:spPr>
+          <a:xfrm>
+            <a:off x="1607352" y="1216485"/>
+            <a:ext cx="1201265" cy="332509"/>
+          </a:xfrm>
+          <a:prstGeom prst="straightConnector1">
+            <a:avLst/>
+          </a:prstGeom>
+          <a:ln w="38100">
+            <a:solidFill>
+              <a:schemeClr val="tx1"/>
+            </a:solidFill>
+            <a:headEnd type="triangle" w="med" len="med"/>
+            <a:tailEnd type="triangle"/>
           </a:ln>
         </p:spPr>
         <p:style>
@@ -6963,34 +6683,27 @@
       </p:cxnSp>
       <p:cxnSp>
         <p:nvCxnSpPr>
-          <p:cNvPr id="32" name="Gerade Verbindung mit Pfeil 31">
-            <a:extLst>
-              <a:ext uri="{FF2B5EF4-FFF2-40B4-BE49-F238E27FC236}">
-                <a16:creationId xmlns:a16="http://schemas.microsoft.com/office/drawing/2014/main" id="{533B1BF3-8D2B-F445-A021-BD6520820B5F}"/>
-              </a:ext>
-            </a:extLst>
-          </p:cNvPr>
+          <p:cNvPr id="78" name="Straight Arrow Connector 77"/>
           <p:cNvCxnSpPr>
-            <a:cxnSpLocks/>
-            <a:stCxn id="24" idx="4"/>
-            <a:endCxn id="6" idx="0"/>
+            <a:stCxn id="66" idx="6"/>
+            <a:endCxn id="63" idx="1"/>
           </p:cNvCxnSpPr>
           <p:nvPr/>
         </p:nvCxnSpPr>
         <p:spPr>
-          <a:xfrm>
-            <a:off x="2043329" y="3865532"/>
-            <a:ext cx="0" cy="587664"/>
+          <a:xfrm flipV="1">
+            <a:off x="1607352" y="1548994"/>
+            <a:ext cx="1201265" cy="332509"/>
           </a:xfrm>
           <a:prstGeom prst="straightConnector1">
             <a:avLst/>
           </a:prstGeom>
-          <a:ln w="12700">
+          <a:ln w="38100">
             <a:solidFill>
               <a:schemeClr val="tx1"/>
             </a:solidFill>
-            <a:headEnd type="none" w="med" len="med"/>
-            <a:tailEnd type="arrow" w="med" len="med"/>
+            <a:headEnd type="triangle" w="med" len="med"/>
+            <a:tailEnd type="triangle"/>
           </a:ln>
         </p:spPr>
         <p:style>
@@ -7010,32 +6723,27 @@
       </p:cxnSp>
       <p:cxnSp>
         <p:nvCxnSpPr>
-          <p:cNvPr id="37" name="Gerade Verbindung mit Pfeil 36">
-            <a:extLst>
-              <a:ext uri="{FF2B5EF4-FFF2-40B4-BE49-F238E27FC236}">
-                <a16:creationId xmlns:a16="http://schemas.microsoft.com/office/drawing/2014/main" id="{E00186F8-B9EE-344A-BD85-A0C5B8BA23C4}"/>
-              </a:ext>
-            </a:extLst>
-          </p:cNvPr>
+          <p:cNvPr id="79" name="Straight Arrow Connector 78"/>
           <p:cNvCxnSpPr>
-            <a:cxnSpLocks/>
+            <a:stCxn id="69" idx="0"/>
+            <a:endCxn id="66" idx="4"/>
           </p:cNvCxnSpPr>
           <p:nvPr/>
         </p:nvCxnSpPr>
         <p:spPr>
           <a:xfrm flipV="1">
-            <a:off x="2434615" y="2448331"/>
-            <a:ext cx="1017578" cy="607195"/>
+            <a:off x="523930" y="2106964"/>
+            <a:ext cx="504001" cy="405865"/>
           </a:xfrm>
           <a:prstGeom prst="straightConnector1">
             <a:avLst/>
           </a:prstGeom>
-          <a:ln w="12700">
+          <a:ln w="38100">
             <a:solidFill>
               <a:schemeClr val="tx1"/>
             </a:solidFill>
-            <a:headEnd type="none" w="med" len="med"/>
-            <a:tailEnd type="arrow" w="med" len="med"/>
+            <a:headEnd type="triangle" w="med" len="med"/>
+            <a:tailEnd type="none"/>
           </a:ln>
         </p:spPr>
         <p:style>
@@ -7055,33 +6763,27 @@
       </p:cxnSp>
       <p:cxnSp>
         <p:nvCxnSpPr>
-          <p:cNvPr id="41" name="Gerade Verbindung mit Pfeil 40">
-            <a:extLst>
-              <a:ext uri="{FF2B5EF4-FFF2-40B4-BE49-F238E27FC236}">
-                <a16:creationId xmlns:a16="http://schemas.microsoft.com/office/drawing/2014/main" id="{8D81DD10-0C6F-684A-B632-27CDFEEA0013}"/>
-              </a:ext>
-            </a:extLst>
-          </p:cNvPr>
+          <p:cNvPr id="80" name="Straight Arrow Connector 79"/>
           <p:cNvCxnSpPr>
-            <a:cxnSpLocks/>
-            <a:endCxn id="19" idx="1"/>
+            <a:stCxn id="67" idx="0"/>
+            <a:endCxn id="66" idx="4"/>
           </p:cNvCxnSpPr>
           <p:nvPr/>
         </p:nvCxnSpPr>
         <p:spPr>
-          <a:xfrm>
-            <a:off x="4709385" y="2605798"/>
-            <a:ext cx="907409" cy="517732"/>
+          <a:xfrm flipH="1" flipV="1">
+            <a:off x="1027931" y="2106964"/>
+            <a:ext cx="503999" cy="405865"/>
           </a:xfrm>
           <a:prstGeom prst="straightConnector1">
             <a:avLst/>
           </a:prstGeom>
-          <a:ln w="12700">
+          <a:ln w="38100">
             <a:solidFill>
               <a:schemeClr val="tx1"/>
             </a:solidFill>
-            <a:headEnd type="none" w="med" len="med"/>
-            <a:tailEnd type="arrow" w="med" len="med"/>
+            <a:headEnd type="triangle" w="med" len="med"/>
+            <a:tailEnd type="none"/>
           </a:ln>
         </p:spPr>
         <p:style>
@@ -7101,34 +6803,127 @@
       </p:cxnSp>
       <p:cxnSp>
         <p:nvCxnSpPr>
-          <p:cNvPr id="44" name="Gerade Verbindung mit Pfeil 43">
-            <a:extLst>
-              <a:ext uri="{FF2B5EF4-FFF2-40B4-BE49-F238E27FC236}">
-                <a16:creationId xmlns:a16="http://schemas.microsoft.com/office/drawing/2014/main" id="{C707F3B8-7D18-B34D-878A-C13CD478ADBF}"/>
-              </a:ext>
-            </a:extLst>
-          </p:cNvPr>
+          <p:cNvPr id="81" name="Straight Arrow Connector 80"/>
           <p:cNvCxnSpPr>
-            <a:cxnSpLocks/>
-            <a:stCxn id="19" idx="0"/>
-            <a:endCxn id="9" idx="2"/>
+            <a:stCxn id="70" idx="2"/>
+            <a:endCxn id="63" idx="3"/>
           </p:cNvCxnSpPr>
           <p:nvPr/>
         </p:nvCxnSpPr>
         <p:spPr>
-          <a:xfrm flipV="1">
-            <a:off x="6151367" y="2595171"/>
-            <a:ext cx="0" cy="401829"/>
+          <a:xfrm flipH="1">
+            <a:off x="3744617" y="1216484"/>
+            <a:ext cx="1201265" cy="332510"/>
           </a:xfrm>
           <a:prstGeom prst="straightConnector1">
             <a:avLst/>
           </a:prstGeom>
-          <a:ln w="12700">
+          <a:ln w="38100">
+            <a:solidFill>
+              <a:schemeClr val="tx1"/>
+            </a:solidFill>
+            <a:headEnd type="triangle" w="med" len="med"/>
+            <a:tailEnd type="none"/>
+          </a:ln>
+        </p:spPr>
+        <p:style>
+          <a:lnRef idx="1">
+            <a:schemeClr val="accent1"/>
+          </a:lnRef>
+          <a:fillRef idx="0">
+            <a:schemeClr val="accent1"/>
+          </a:fillRef>
+          <a:effectRef idx="0">
+            <a:schemeClr val="accent1"/>
+          </a:effectRef>
+          <a:fontRef idx="minor">
+            <a:schemeClr val="tx1"/>
+          </a:fontRef>
+        </p:style>
+      </p:cxnSp>
+      <p:sp>
+        <p:nvSpPr>
+          <p:cNvPr id="82" name="Rectangle 81"/>
+          <p:cNvSpPr/>
+          <p:nvPr/>
+        </p:nvSpPr>
+        <p:spPr>
+          <a:xfrm>
+            <a:off x="2357509" y="230567"/>
+            <a:ext cx="1894318" cy="504000"/>
+          </a:xfrm>
+          <a:prstGeom prst="rect">
+            <a:avLst/>
+          </a:prstGeom>
+          <a:noFill/>
+          <a:ln w="38100" cmpd="dbl">
             <a:solidFill>
               <a:schemeClr val="tx1"/>
             </a:solidFill>
             <a:headEnd type="none" w="med" len="med"/>
             <a:tailEnd type="arrow" w="med" len="med"/>
+          </a:ln>
+        </p:spPr>
+        <p:style>
+          <a:lnRef idx="2">
+            <a:schemeClr val="accent1">
+              <a:shade val="50000"/>
+            </a:schemeClr>
+          </a:lnRef>
+          <a:fillRef idx="1">
+            <a:schemeClr val="accent1"/>
+          </a:fillRef>
+          <a:effectRef idx="0">
+            <a:schemeClr val="accent1"/>
+          </a:effectRef>
+          <a:fontRef idx="minor">
+            <a:schemeClr val="lt1"/>
+          </a:fontRef>
+        </p:style>
+        <p:txBody>
+          <a:bodyPr rtlCol="0" anchor="ctr"/>
+          <a:lstStyle/>
+          <a:p>
+            <a:pPr algn="ctr"/>
+            <a:r>
+              <a:rPr lang="fr-FR" sz="1600" dirty="0" err="1" smtClean="0">
+                <a:solidFill>
+                  <a:schemeClr val="tx1"/>
+                </a:solidFill>
+              </a:rPr>
+              <a:t>MaterialDescription</a:t>
+            </a:r>
+            <a:endParaRPr lang="fr-FR" sz="1600" dirty="0" smtClean="0">
+              <a:solidFill>
+                <a:schemeClr val="tx1"/>
+              </a:solidFill>
+            </a:endParaRPr>
+          </a:p>
+        </p:txBody>
+      </p:sp>
+      <p:cxnSp>
+        <p:nvCxnSpPr>
+          <p:cNvPr id="83" name="Straight Arrow Connector 82"/>
+          <p:cNvCxnSpPr>
+            <a:stCxn id="70" idx="2"/>
+            <a:endCxn id="82" idx="3"/>
+          </p:cNvCxnSpPr>
+          <p:nvPr/>
+        </p:nvCxnSpPr>
+        <p:spPr>
+          <a:xfrm flipH="1" flipV="1">
+            <a:off x="4251827" y="482567"/>
+            <a:ext cx="694055" cy="733917"/>
+          </a:xfrm>
+          <a:prstGeom prst="straightConnector1">
+            <a:avLst/>
+          </a:prstGeom>
+          <a:ln w="38100">
+            <a:solidFill>
+              <a:schemeClr val="tx1"/>
+            </a:solidFill>
+            <a:headEnd type="triangle" w="med" len="med"/>
+            <a:tailEnd type="none"/>
           </a:ln>
         </p:spPr>
         <p:style>
@@ -7148,591 +6943,27 @@
       </p:cxnSp>
       <p:cxnSp>
         <p:nvCxnSpPr>
-          <p:cNvPr id="47" name="Gerade Verbindung mit Pfeil 46">
-            <a:extLst>
-              <a:ext uri="{FF2B5EF4-FFF2-40B4-BE49-F238E27FC236}">
-                <a16:creationId xmlns:a16="http://schemas.microsoft.com/office/drawing/2014/main" id="{444BB0F8-1450-7745-80B5-0AF7189A73F5}"/>
-              </a:ext>
-            </a:extLst>
-          </p:cNvPr>
+          <p:cNvPr id="85" name="Straight Arrow Connector 84"/>
           <p:cNvCxnSpPr>
-            <a:cxnSpLocks/>
-            <a:stCxn id="49" idx="2"/>
-            <a:endCxn id="9" idx="3"/>
+            <a:stCxn id="73" idx="1"/>
+            <a:endCxn id="70" idx="6"/>
           </p:cNvCxnSpPr>
           <p:nvPr/>
         </p:nvCxnSpPr>
         <p:spPr>
-          <a:xfrm flipH="1">
-            <a:off x="6763367" y="2091171"/>
-            <a:ext cx="757982" cy="0"/>
+          <a:xfrm flipH="1" flipV="1">
+            <a:off x="6208536" y="1216484"/>
+            <a:ext cx="1201266" cy="0"/>
           </a:xfrm>
           <a:prstGeom prst="straightConnector1">
             <a:avLst/>
           </a:prstGeom>
-          <a:ln w="12700">
+          <a:ln w="38100">
             <a:solidFill>
               <a:schemeClr val="tx1"/>
             </a:solidFill>
-            <a:headEnd type="none" w="med" len="med"/>
-            <a:tailEnd type="arrow" w="med" len="med"/>
-          </a:ln>
-        </p:spPr>
-        <p:style>
-          <a:lnRef idx="1">
-            <a:schemeClr val="accent1"/>
-          </a:lnRef>
-          <a:fillRef idx="0">
-            <a:schemeClr val="accent1"/>
-          </a:fillRef>
-          <a:effectRef idx="0">
-            <a:schemeClr val="accent1"/>
-          </a:effectRef>
-          <a:fontRef idx="minor">
-            <a:schemeClr val="tx1"/>
-          </a:fontRef>
-        </p:style>
-      </p:cxnSp>
-      <p:grpSp>
-        <p:nvGrpSpPr>
-          <p:cNvPr id="48" name="Gruppieren 47">
-            <a:extLst>
-              <a:ext uri="{FF2B5EF4-FFF2-40B4-BE49-F238E27FC236}">
-                <a16:creationId xmlns:a16="http://schemas.microsoft.com/office/drawing/2014/main" id="{F44551D1-14B7-ED4A-A64F-76815FE02200}"/>
-              </a:ext>
-            </a:extLst>
-          </p:cNvPr>
-          <p:cNvGrpSpPr/>
-          <p:nvPr/>
-        </p:nvGrpSpPr>
-        <p:grpSpPr>
-          <a:xfrm>
-            <a:off x="7521349" y="1659171"/>
-            <a:ext cx="1512000" cy="864000"/>
-            <a:chOff x="5947800" y="3171171"/>
-            <a:chExt cx="1512000" cy="864000"/>
-          </a:xfrm>
-        </p:grpSpPr>
-        <p:sp>
-          <p:nvSpPr>
-            <p:cNvPr id="49" name="Oval 48">
-              <a:extLst>
-                <a:ext uri="{FF2B5EF4-FFF2-40B4-BE49-F238E27FC236}">
-                  <a16:creationId xmlns:a16="http://schemas.microsoft.com/office/drawing/2014/main" id="{1A378214-C09A-9744-984D-E23D2A4B77F3}"/>
-                </a:ext>
-              </a:extLst>
-            </p:cNvPr>
-            <p:cNvSpPr/>
-            <p:nvPr/>
-          </p:nvSpPr>
-          <p:spPr>
-            <a:xfrm>
-              <a:off x="5947800" y="3171171"/>
-              <a:ext cx="1512000" cy="864000"/>
-            </a:xfrm>
-            <a:prstGeom prst="ellipse">
-              <a:avLst/>
-            </a:prstGeom>
-            <a:solidFill>
-              <a:schemeClr val="bg1"/>
-            </a:solidFill>
-            <a:ln>
-              <a:solidFill>
-                <a:schemeClr val="tx1"/>
-              </a:solidFill>
-            </a:ln>
-          </p:spPr>
-          <p:style>
-            <a:lnRef idx="2">
-              <a:schemeClr val="accent1">
-                <a:shade val="50000"/>
-              </a:schemeClr>
-            </a:lnRef>
-            <a:fillRef idx="1">
-              <a:schemeClr val="accent1"/>
-            </a:fillRef>
-            <a:effectRef idx="0">
-              <a:schemeClr val="accent1"/>
-            </a:effectRef>
-            <a:fontRef idx="minor">
-              <a:schemeClr val="lt1"/>
-            </a:fontRef>
-          </p:style>
-          <p:txBody>
-            <a:bodyPr lIns="36000" tIns="36000" rIns="36000" bIns="36000" rtlCol="0" anchor="ctr"/>
-            <a:lstStyle/>
-            <a:p>
-              <a:pPr algn="ctr"/>
-              <a:endParaRPr lang="de-DE" sz="1600" dirty="0">
-                <a:solidFill>
-                  <a:schemeClr val="tx1"/>
-                </a:solidFill>
-              </a:endParaRPr>
-            </a:p>
-          </p:txBody>
-        </p:sp>
-        <p:sp>
-          <p:nvSpPr>
-            <p:cNvPr id="50" name="Oval 49">
-              <a:extLst>
-                <a:ext uri="{FF2B5EF4-FFF2-40B4-BE49-F238E27FC236}">
-                  <a16:creationId xmlns:a16="http://schemas.microsoft.com/office/drawing/2014/main" id="{AA25BE52-6260-3849-B039-D5D98FB1CE30}"/>
-                </a:ext>
-              </a:extLst>
-            </p:cNvPr>
-            <p:cNvSpPr/>
-            <p:nvPr/>
-          </p:nvSpPr>
-          <p:spPr>
-            <a:xfrm>
-              <a:off x="6019800" y="3243171"/>
-              <a:ext cx="1368000" cy="720000"/>
-            </a:xfrm>
-            <a:prstGeom prst="ellipse">
-              <a:avLst/>
-            </a:prstGeom>
-            <a:solidFill>
-              <a:schemeClr val="bg1"/>
-            </a:solidFill>
-            <a:ln>
-              <a:solidFill>
-                <a:schemeClr val="tx1"/>
-              </a:solidFill>
-            </a:ln>
-          </p:spPr>
-          <p:style>
-            <a:lnRef idx="2">
-              <a:schemeClr val="accent1">
-                <a:shade val="50000"/>
-              </a:schemeClr>
-            </a:lnRef>
-            <a:fillRef idx="1">
-              <a:schemeClr val="accent1"/>
-            </a:fillRef>
-            <a:effectRef idx="0">
-              <a:schemeClr val="accent1"/>
-            </a:effectRef>
-            <a:fontRef idx="minor">
-              <a:schemeClr val="lt1"/>
-            </a:fontRef>
-          </p:style>
-          <p:txBody>
-            <a:bodyPr lIns="36000" tIns="36000" rIns="36000" bIns="36000" rtlCol="0" anchor="ctr"/>
-            <a:lstStyle/>
-            <a:p>
-              <a:pPr algn="ctr"/>
-              <a:r>
-                <a:rPr lang="de-DE" sz="1600">
-                  <a:solidFill>
-                    <a:schemeClr val="tx1"/>
-                  </a:solidFill>
-                </a:rPr>
-                <a:t>3D </a:t>
-              </a:r>
-              <a:r>
-                <a:rPr lang="de-DE" sz="1600" dirty="0" err="1">
-                  <a:solidFill>
-                    <a:schemeClr val="tx1"/>
-                  </a:solidFill>
-                </a:rPr>
-                <a:t>print</a:t>
-              </a:r>
-              <a:endParaRPr lang="de-DE" sz="1600" dirty="0">
-                <a:solidFill>
-                  <a:schemeClr val="tx1"/>
-                </a:solidFill>
-              </a:endParaRPr>
-            </a:p>
-          </p:txBody>
-        </p:sp>
-      </p:grpSp>
-      <p:cxnSp>
-        <p:nvCxnSpPr>
-          <p:cNvPr id="53" name="Gerade Verbindung mit Pfeil 52">
-            <a:extLst>
-              <a:ext uri="{FF2B5EF4-FFF2-40B4-BE49-F238E27FC236}">
-                <a16:creationId xmlns:a16="http://schemas.microsoft.com/office/drawing/2014/main" id="{C41856C9-D312-6D45-AFBC-2FBBAC43A895}"/>
-              </a:ext>
-            </a:extLst>
-          </p:cNvPr>
-          <p:cNvCxnSpPr>
-            <a:cxnSpLocks/>
-            <a:stCxn id="49" idx="4"/>
-            <a:endCxn id="12" idx="0"/>
-          </p:cNvCxnSpPr>
-          <p:nvPr/>
-        </p:nvCxnSpPr>
-        <p:spPr>
-          <a:xfrm>
-            <a:off x="8277349" y="2523171"/>
-            <a:ext cx="0" cy="401829"/>
-          </a:xfrm>
-          <a:prstGeom prst="straightConnector1">
-            <a:avLst/>
-          </a:prstGeom>
-          <a:ln w="12700">
-            <a:solidFill>
-              <a:schemeClr val="tx1"/>
-            </a:solidFill>
-            <a:headEnd type="none" w="med" len="med"/>
-            <a:tailEnd type="arrow" w="med" len="med"/>
-          </a:ln>
-        </p:spPr>
-        <p:style>
-          <a:lnRef idx="1">
-            <a:schemeClr val="accent1"/>
-          </a:lnRef>
-          <a:fillRef idx="0">
-            <a:schemeClr val="accent1"/>
-          </a:fillRef>
-          <a:effectRef idx="0">
-            <a:schemeClr val="accent1"/>
-          </a:effectRef>
-          <a:fontRef idx="minor">
-            <a:schemeClr val="tx1"/>
-          </a:fontRef>
-        </p:style>
-      </p:cxnSp>
-      <p:grpSp>
-        <p:nvGrpSpPr>
-          <p:cNvPr id="56" name="Gruppieren 55">
-            <a:extLst>
-              <a:ext uri="{FF2B5EF4-FFF2-40B4-BE49-F238E27FC236}">
-                <a16:creationId xmlns:a16="http://schemas.microsoft.com/office/drawing/2014/main" id="{91BA2B80-B790-C548-B896-CFAA62673D05}"/>
-              </a:ext>
-            </a:extLst>
-          </p:cNvPr>
-          <p:cNvGrpSpPr/>
-          <p:nvPr/>
-        </p:nvGrpSpPr>
-        <p:grpSpPr>
-          <a:xfrm>
-            <a:off x="3341385" y="4525196"/>
-            <a:ext cx="1512000" cy="864000"/>
-            <a:chOff x="5947800" y="3171171"/>
-            <a:chExt cx="1512000" cy="864000"/>
-          </a:xfrm>
-        </p:grpSpPr>
-        <p:sp>
-          <p:nvSpPr>
-            <p:cNvPr id="57" name="Oval 56">
-              <a:extLst>
-                <a:ext uri="{FF2B5EF4-FFF2-40B4-BE49-F238E27FC236}">
-                  <a16:creationId xmlns:a16="http://schemas.microsoft.com/office/drawing/2014/main" id="{B93B48D9-5E23-E241-8809-FFE6EDB62AD3}"/>
-                </a:ext>
-              </a:extLst>
-            </p:cNvPr>
-            <p:cNvSpPr/>
-            <p:nvPr/>
-          </p:nvSpPr>
-          <p:spPr>
-            <a:xfrm>
-              <a:off x="5947800" y="3171171"/>
-              <a:ext cx="1512000" cy="864000"/>
-            </a:xfrm>
-            <a:prstGeom prst="ellipse">
-              <a:avLst/>
-            </a:prstGeom>
-            <a:solidFill>
-              <a:schemeClr val="bg1"/>
-            </a:solidFill>
-            <a:ln>
-              <a:solidFill>
-                <a:schemeClr val="tx1"/>
-              </a:solidFill>
-            </a:ln>
-          </p:spPr>
-          <p:style>
-            <a:lnRef idx="2">
-              <a:schemeClr val="accent1">
-                <a:shade val="50000"/>
-              </a:schemeClr>
-            </a:lnRef>
-            <a:fillRef idx="1">
-              <a:schemeClr val="accent1"/>
-            </a:fillRef>
-            <a:effectRef idx="0">
-              <a:schemeClr val="accent1"/>
-            </a:effectRef>
-            <a:fontRef idx="minor">
-              <a:schemeClr val="lt1"/>
-            </a:fontRef>
-          </p:style>
-          <p:txBody>
-            <a:bodyPr lIns="36000" tIns="36000" rIns="36000" bIns="36000" rtlCol="0" anchor="ctr"/>
-            <a:lstStyle/>
-            <a:p>
-              <a:pPr algn="ctr"/>
-              <a:endParaRPr lang="de-DE" sz="1600" dirty="0">
-                <a:solidFill>
-                  <a:schemeClr val="tx1"/>
-                </a:solidFill>
-              </a:endParaRPr>
-            </a:p>
-          </p:txBody>
-        </p:sp>
-        <p:sp>
-          <p:nvSpPr>
-            <p:cNvPr id="58" name="Oval 57">
-              <a:extLst>
-                <a:ext uri="{FF2B5EF4-FFF2-40B4-BE49-F238E27FC236}">
-                  <a16:creationId xmlns:a16="http://schemas.microsoft.com/office/drawing/2014/main" id="{F74C8A0F-97EC-D74C-82FF-730C7DFE8C33}"/>
-                </a:ext>
-              </a:extLst>
-            </p:cNvPr>
-            <p:cNvSpPr/>
-            <p:nvPr/>
-          </p:nvSpPr>
-          <p:spPr>
-            <a:xfrm>
-              <a:off x="6019800" y="3243171"/>
-              <a:ext cx="1368000" cy="720000"/>
-            </a:xfrm>
-            <a:prstGeom prst="ellipse">
-              <a:avLst/>
-            </a:prstGeom>
-            <a:solidFill>
-              <a:schemeClr val="bg1"/>
-            </a:solidFill>
-            <a:ln>
-              <a:solidFill>
-                <a:schemeClr val="tx1"/>
-              </a:solidFill>
-            </a:ln>
-          </p:spPr>
-          <p:style>
-            <a:lnRef idx="2">
-              <a:schemeClr val="accent1">
-                <a:shade val="50000"/>
-              </a:schemeClr>
-            </a:lnRef>
-            <a:fillRef idx="1">
-              <a:schemeClr val="accent1"/>
-            </a:fillRef>
-            <a:effectRef idx="0">
-              <a:schemeClr val="accent1"/>
-            </a:effectRef>
-            <a:fontRef idx="minor">
-              <a:schemeClr val="lt1"/>
-            </a:fontRef>
-          </p:style>
-          <p:txBody>
-            <a:bodyPr lIns="36000" tIns="36000" rIns="36000" bIns="36000" rtlCol="0" anchor="ctr"/>
-            <a:lstStyle/>
-            <a:p>
-              <a:pPr algn="ctr"/>
-              <a:r>
-                <a:rPr lang="de-DE" sz="1600">
-                  <a:solidFill>
-                    <a:schemeClr val="tx1"/>
-                  </a:solidFill>
-                </a:rPr>
-                <a:t>calculate</a:t>
-              </a:r>
-              <a:r>
-                <a:rPr lang="de-DE" sz="1600" dirty="0">
-                  <a:solidFill>
-                    <a:schemeClr val="tx1"/>
-                  </a:solidFill>
-                </a:rPr>
-                <a:t/>
-              </a:r>
-              <a:br>
-                <a:rPr lang="de-DE" sz="1600" dirty="0">
-                  <a:solidFill>
-                    <a:schemeClr val="tx1"/>
-                  </a:solidFill>
-                </a:rPr>
-              </a:br>
-              <a:r>
-                <a:rPr lang="de-DE" sz="1600" dirty="0" err="1">
-                  <a:solidFill>
-                    <a:schemeClr val="tx1"/>
-                  </a:solidFill>
-                </a:rPr>
-                <a:t>cost</a:t>
-              </a:r>
-              <a:endParaRPr lang="de-DE" sz="1600" dirty="0">
-                <a:solidFill>
-                  <a:schemeClr val="tx1"/>
-                </a:solidFill>
-              </a:endParaRPr>
-            </a:p>
-          </p:txBody>
-        </p:sp>
-      </p:grpSp>
-      <p:grpSp>
-        <p:nvGrpSpPr>
-          <p:cNvPr id="59" name="Gruppieren 58">
-            <a:extLst>
-              <a:ext uri="{FF2B5EF4-FFF2-40B4-BE49-F238E27FC236}">
-                <a16:creationId xmlns:a16="http://schemas.microsoft.com/office/drawing/2014/main" id="{705E34C9-F962-8D44-9A1F-B2760E467003}"/>
-              </a:ext>
-            </a:extLst>
-          </p:cNvPr>
-          <p:cNvGrpSpPr/>
-          <p:nvPr/>
-        </p:nvGrpSpPr>
-        <p:grpSpPr>
-          <a:xfrm>
-            <a:off x="5539367" y="4453196"/>
-            <a:ext cx="1224000" cy="1008000"/>
-            <a:chOff x="2333385" y="4768881"/>
-            <a:chExt cx="1224000" cy="1008000"/>
-          </a:xfrm>
-        </p:grpSpPr>
-        <p:sp>
-          <p:nvSpPr>
-            <p:cNvPr id="60" name="Rechteck 59">
-              <a:extLst>
-                <a:ext uri="{FF2B5EF4-FFF2-40B4-BE49-F238E27FC236}">
-                  <a16:creationId xmlns:a16="http://schemas.microsoft.com/office/drawing/2014/main" id="{CFC9C9EE-1F49-7A4B-8D1D-0E8568626200}"/>
-                </a:ext>
-              </a:extLst>
-            </p:cNvPr>
-            <p:cNvSpPr>
-              <a:spLocks/>
-            </p:cNvSpPr>
-            <p:nvPr/>
-          </p:nvSpPr>
-          <p:spPr>
-            <a:xfrm>
-              <a:off x="2333385" y="4768881"/>
-              <a:ext cx="1224000" cy="1008000"/>
-            </a:xfrm>
-            <a:prstGeom prst="rect">
-              <a:avLst/>
-            </a:prstGeom>
-            <a:solidFill>
-              <a:schemeClr val="bg1"/>
-            </a:solidFill>
-            <a:ln>
-              <a:solidFill>
-                <a:schemeClr val="tx1"/>
-              </a:solidFill>
-            </a:ln>
-          </p:spPr>
-          <p:style>
-            <a:lnRef idx="2">
-              <a:schemeClr val="accent1">
-                <a:shade val="50000"/>
-              </a:schemeClr>
-            </a:lnRef>
-            <a:fillRef idx="1">
-              <a:schemeClr val="accent1"/>
-            </a:fillRef>
-            <a:effectRef idx="0">
-              <a:schemeClr val="accent1"/>
-            </a:effectRef>
-            <a:fontRef idx="minor">
-              <a:schemeClr val="lt1"/>
-            </a:fontRef>
-          </p:style>
-          <p:txBody>
-            <a:bodyPr lIns="36000" tIns="36000" rIns="36000" bIns="36000" rtlCol="0" anchor="ctr"/>
-            <a:lstStyle/>
-            <a:p>
-              <a:pPr algn="ctr"/>
-              <a:endParaRPr lang="de-DE" sz="2000" dirty="0">
-                <a:solidFill>
-                  <a:schemeClr val="tx1"/>
-                </a:solidFill>
-              </a:endParaRPr>
-            </a:p>
-          </p:txBody>
-        </p:sp>
-        <p:sp>
-          <p:nvSpPr>
-            <p:cNvPr id="61" name="Rechteck 60">
-              <a:extLst>
-                <a:ext uri="{FF2B5EF4-FFF2-40B4-BE49-F238E27FC236}">
-                  <a16:creationId xmlns:a16="http://schemas.microsoft.com/office/drawing/2014/main" id="{F7DAE61B-AEF6-B342-9C91-19D3BC62FC01}"/>
-                </a:ext>
-              </a:extLst>
-            </p:cNvPr>
-            <p:cNvSpPr/>
-            <p:nvPr/>
-          </p:nvSpPr>
-          <p:spPr>
-            <a:xfrm>
-              <a:off x="2405385" y="4840882"/>
-              <a:ext cx="1080000" cy="864000"/>
-            </a:xfrm>
-            <a:prstGeom prst="rect">
-              <a:avLst/>
-            </a:prstGeom>
-            <a:solidFill>
-              <a:schemeClr val="bg1"/>
-            </a:solidFill>
-            <a:ln>
-              <a:solidFill>
-                <a:schemeClr val="tx1"/>
-              </a:solidFill>
-            </a:ln>
-          </p:spPr>
-          <p:style>
-            <a:lnRef idx="2">
-              <a:schemeClr val="accent1">
-                <a:shade val="50000"/>
-              </a:schemeClr>
-            </a:lnRef>
-            <a:fillRef idx="1">
-              <a:schemeClr val="accent1"/>
-            </a:fillRef>
-            <a:effectRef idx="0">
-              <a:schemeClr val="accent1"/>
-            </a:effectRef>
-            <a:fontRef idx="minor">
-              <a:schemeClr val="lt1"/>
-            </a:fontRef>
-          </p:style>
-          <p:txBody>
-            <a:bodyPr lIns="36000" tIns="36000" rIns="36000" bIns="36000" rtlCol="0" anchor="ctr"/>
-            <a:lstStyle/>
-            <a:p>
-              <a:pPr algn="ctr"/>
-              <a:r>
-                <a:rPr lang="de-DE" sz="2000" dirty="0">
-                  <a:solidFill>
-                    <a:schemeClr val="tx1"/>
-                  </a:solidFill>
-                </a:rPr>
-                <a:t>Money</a:t>
-              </a:r>
-            </a:p>
-          </p:txBody>
-        </p:sp>
-      </p:grpSp>
-      <p:cxnSp>
-        <p:nvCxnSpPr>
-          <p:cNvPr id="62" name="Gerade Verbindung mit Pfeil 61">
-            <a:extLst>
-              <a:ext uri="{FF2B5EF4-FFF2-40B4-BE49-F238E27FC236}">
-                <a16:creationId xmlns:a16="http://schemas.microsoft.com/office/drawing/2014/main" id="{E9D95757-9AD4-5142-BC93-BE2D9367DCC9}"/>
-              </a:ext>
-            </a:extLst>
-          </p:cNvPr>
-          <p:cNvCxnSpPr>
-            <a:cxnSpLocks/>
-            <a:stCxn id="54" idx="2"/>
-            <a:endCxn id="57" idx="0"/>
-          </p:cNvCxnSpPr>
-          <p:nvPr/>
-        </p:nvCxnSpPr>
-        <p:spPr>
-          <a:xfrm>
-            <a:off x="4092999" y="4000797"/>
-            <a:ext cx="4386" cy="524399"/>
-          </a:xfrm>
-          <a:prstGeom prst="straightConnector1">
-            <a:avLst/>
-          </a:prstGeom>
-          <a:ln w="12700">
-            <a:solidFill>
-              <a:schemeClr val="tx1"/>
-            </a:solidFill>
-            <a:headEnd type="none" w="med" len="med"/>
-            <a:tailEnd type="arrow" w="med" len="med"/>
+            <a:headEnd type="triangle" w="med" len="med"/>
+            <a:tailEnd type="none"/>
           </a:ln>
         </p:spPr>
         <p:style>
@@ -7752,34 +6983,27 @@
       </p:cxnSp>
       <p:cxnSp>
         <p:nvCxnSpPr>
-          <p:cNvPr id="65" name="Gerade Verbindung mit Pfeil 64">
-            <a:extLst>
-              <a:ext uri="{FF2B5EF4-FFF2-40B4-BE49-F238E27FC236}">
-                <a16:creationId xmlns:a16="http://schemas.microsoft.com/office/drawing/2014/main" id="{46708156-6730-2F44-8ABA-E36933879740}"/>
-              </a:ext>
-            </a:extLst>
-          </p:cNvPr>
+          <p:cNvPr id="89" name="Straight Arrow Connector 88"/>
           <p:cNvCxnSpPr>
-            <a:cxnSpLocks/>
-            <a:stCxn id="57" idx="6"/>
-            <a:endCxn id="60" idx="1"/>
+            <a:stCxn id="76" idx="1"/>
+            <a:endCxn id="74" idx="6"/>
           </p:cNvCxnSpPr>
           <p:nvPr/>
         </p:nvCxnSpPr>
         <p:spPr>
-          <a:xfrm>
-            <a:off x="4853385" y="4957196"/>
-            <a:ext cx="685982" cy="0"/>
+          <a:xfrm flipH="1">
+            <a:off x="6376857" y="1881502"/>
+            <a:ext cx="1032945" cy="0"/>
           </a:xfrm>
           <a:prstGeom prst="straightConnector1">
             <a:avLst/>
           </a:prstGeom>
-          <a:ln w="12700">
+          <a:ln w="38100">
             <a:solidFill>
               <a:schemeClr val="tx1"/>
             </a:solidFill>
-            <a:headEnd type="none" w="med" len="med"/>
-            <a:tailEnd type="arrow" w="med" len="med"/>
+            <a:headEnd type="triangle" w="med" len="med"/>
+            <a:tailEnd type="none"/>
           </a:ln>
         </p:spPr>
         <p:style>
@@ -7797,539 +7021,86 @@
           </a:fontRef>
         </p:style>
       </p:cxnSp>
-      <p:sp>
-        <p:nvSpPr>
-          <p:cNvPr id="46" name="Textfeld 45">
-            <a:extLst>
-              <a:ext uri="{FF2B5EF4-FFF2-40B4-BE49-F238E27FC236}">
-                <a16:creationId xmlns:a16="http://schemas.microsoft.com/office/drawing/2014/main" id="{860FD651-96DA-4E43-B61F-25BB35A71D85}"/>
-              </a:ext>
-            </a:extLst>
-          </p:cNvPr>
-          <p:cNvSpPr txBox="1"/>
-          <p:nvPr/>
-        </p:nvSpPr>
-        <p:spPr>
-          <a:xfrm>
-            <a:off x="2708114" y="1302705"/>
-            <a:ext cx="1015021" cy="307777"/>
-          </a:xfrm>
-          <a:prstGeom prst="rect">
-            <a:avLst/>
-          </a:prstGeom>
-          <a:noFill/>
-        </p:spPr>
-        <p:txBody>
-          <a:bodyPr wrap="none" rtlCol="0">
-            <a:spAutoFit/>
-          </a:bodyPr>
-          <a:lstStyle/>
-          <a:p>
-            <a:r>
-              <a:rPr lang="de-DE" sz="1400" i="1" dirty="0" err="1">
-                <a:solidFill>
-                  <a:schemeClr val="accent1"/>
-                </a:solidFill>
-                <a:latin typeface="Comic Sans MS" panose="030F0902030302020204" pitchFamily="66" charset="0"/>
-              </a:rPr>
-              <a:t>formalism</a:t>
-            </a:r>
-            <a:endParaRPr lang="de-DE" sz="1400" i="1" dirty="0">
-              <a:solidFill>
-                <a:schemeClr val="accent1"/>
-              </a:solidFill>
-              <a:latin typeface="Comic Sans MS" panose="030F0902030302020204" pitchFamily="66" charset="0"/>
-            </a:endParaRPr>
-          </a:p>
-        </p:txBody>
-      </p:sp>
-      <p:sp>
-        <p:nvSpPr>
-          <p:cNvPr id="16" name="Freihandform 15">
-            <a:extLst>
-              <a:ext uri="{FF2B5EF4-FFF2-40B4-BE49-F238E27FC236}">
-                <a16:creationId xmlns:a16="http://schemas.microsoft.com/office/drawing/2014/main" id="{11F6931C-3431-0A43-9F55-BA3661F8486C}"/>
-              </a:ext>
-            </a:extLst>
-          </p:cNvPr>
-          <p:cNvSpPr/>
-          <p:nvPr/>
-        </p:nvSpPr>
-        <p:spPr>
-          <a:xfrm>
-            <a:off x="3712029" y="1418913"/>
-            <a:ext cx="217714" cy="137744"/>
-          </a:xfrm>
-          <a:custGeom>
-            <a:avLst/>
-            <a:gdLst>
-              <a:gd name="connsiteX0" fmla="*/ 0 w 217714"/>
-              <a:gd name="connsiteY0" fmla="*/ 28887 h 137744"/>
-              <a:gd name="connsiteX1" fmla="*/ 163285 w 217714"/>
-              <a:gd name="connsiteY1" fmla="*/ 7116 h 137744"/>
-              <a:gd name="connsiteX2" fmla="*/ 217714 w 217714"/>
-              <a:gd name="connsiteY2" fmla="*/ 137744 h 137744"/>
-            </a:gdLst>
-            <a:ahLst/>
-            <a:cxnLst>
-              <a:cxn ang="0">
-                <a:pos x="connsiteX0" y="connsiteY0"/>
-              </a:cxn>
-              <a:cxn ang="0">
-                <a:pos x="connsiteX1" y="connsiteY1"/>
-              </a:cxn>
-              <a:cxn ang="0">
-                <a:pos x="connsiteX2" y="connsiteY2"/>
-              </a:cxn>
-            </a:cxnLst>
-            <a:rect l="l" t="t" r="r" b="b"/>
-            <a:pathLst>
-              <a:path w="217714" h="137744">
-                <a:moveTo>
-                  <a:pt x="0" y="28887"/>
-                </a:moveTo>
-                <a:cubicBezTo>
-                  <a:pt x="63499" y="8930"/>
-                  <a:pt x="126999" y="-11027"/>
-                  <a:pt x="163285" y="7116"/>
-                </a:cubicBezTo>
-                <a:cubicBezTo>
-                  <a:pt x="199571" y="25259"/>
-                  <a:pt x="208642" y="81501"/>
-                  <a:pt x="217714" y="137744"/>
-                </a:cubicBezTo>
-              </a:path>
-            </a:pathLst>
-          </a:custGeom>
-          <a:noFill/>
-          <a:ln>
-            <a:solidFill>
-              <a:schemeClr val="accent1"/>
-            </a:solidFill>
-            <a:headEnd type="none" w="med" len="med"/>
-            <a:tailEnd type="arrow" w="med" len="med"/>
-          </a:ln>
-        </p:spPr>
-        <p:style>
-          <a:lnRef idx="2">
-            <a:schemeClr val="accent1">
-              <a:shade val="50000"/>
-            </a:schemeClr>
-          </a:lnRef>
-          <a:fillRef idx="1">
-            <a:schemeClr val="accent1"/>
-          </a:fillRef>
-          <a:effectRef idx="0">
-            <a:schemeClr val="accent1"/>
-          </a:effectRef>
-          <a:fontRef idx="minor">
-            <a:schemeClr val="lt1"/>
-          </a:fontRef>
-        </p:style>
-        <p:txBody>
-          <a:bodyPr rtlCol="0" anchor="ctr"/>
-          <a:lstStyle/>
-          <a:p>
-            <a:pPr algn="ctr"/>
-            <a:endParaRPr lang="de-DE"/>
-          </a:p>
-        </p:txBody>
-      </p:sp>
-      <p:sp>
-        <p:nvSpPr>
-          <p:cNvPr id="51" name="Textfeld 50">
-            <a:extLst>
-              <a:ext uri="{FF2B5EF4-FFF2-40B4-BE49-F238E27FC236}">
-                <a16:creationId xmlns:a16="http://schemas.microsoft.com/office/drawing/2014/main" id="{53F59EA1-637A-2341-AAF4-3B1ECA665CCB}"/>
-              </a:ext>
-            </a:extLst>
-          </p:cNvPr>
-          <p:cNvSpPr txBox="1"/>
-          <p:nvPr/>
-        </p:nvSpPr>
-        <p:spPr>
-          <a:xfrm>
-            <a:off x="7085838" y="1302705"/>
-            <a:ext cx="1457450" cy="307777"/>
-          </a:xfrm>
-          <a:prstGeom prst="rect">
-            <a:avLst/>
-          </a:prstGeom>
-          <a:noFill/>
-        </p:spPr>
-        <p:txBody>
-          <a:bodyPr wrap="none" rtlCol="0">
-            <a:spAutoFit/>
-          </a:bodyPr>
-          <a:lstStyle/>
-          <a:p>
-            <a:r>
-              <a:rPr lang="de-DE" sz="1400" i="1" dirty="0" err="1">
-                <a:solidFill>
-                  <a:schemeClr val="accent1"/>
-                </a:solidFill>
-                <a:latin typeface="Comic Sans MS" panose="030F0902030302020204" pitchFamily="66" charset="0"/>
-              </a:rPr>
-              <a:t>transformation</a:t>
-            </a:r>
-            <a:endParaRPr lang="de-DE" sz="1400" i="1" dirty="0">
-              <a:solidFill>
-                <a:schemeClr val="accent1"/>
-              </a:solidFill>
-              <a:latin typeface="Comic Sans MS" panose="030F0902030302020204" pitchFamily="66" charset="0"/>
-            </a:endParaRPr>
-          </a:p>
-        </p:txBody>
-      </p:sp>
-      <p:sp>
-        <p:nvSpPr>
-          <p:cNvPr id="21" name="Freihandform 20">
-            <a:extLst>
-              <a:ext uri="{FF2B5EF4-FFF2-40B4-BE49-F238E27FC236}">
-                <a16:creationId xmlns:a16="http://schemas.microsoft.com/office/drawing/2014/main" id="{226B61DA-D136-2C46-947A-33978279F495}"/>
-              </a:ext>
-            </a:extLst>
-          </p:cNvPr>
-          <p:cNvSpPr/>
-          <p:nvPr/>
-        </p:nvSpPr>
-        <p:spPr>
-          <a:xfrm>
-            <a:off x="7548221" y="1578429"/>
-            <a:ext cx="104436" cy="185057"/>
-          </a:xfrm>
-          <a:custGeom>
-            <a:avLst/>
-            <a:gdLst>
-              <a:gd name="connsiteX0" fmla="*/ 17350 w 104436"/>
-              <a:gd name="connsiteY0" fmla="*/ 0 h 185057"/>
-              <a:gd name="connsiteX1" fmla="*/ 6465 w 104436"/>
-              <a:gd name="connsiteY1" fmla="*/ 108857 h 185057"/>
-              <a:gd name="connsiteX2" fmla="*/ 104436 w 104436"/>
-              <a:gd name="connsiteY2" fmla="*/ 185057 h 185057"/>
-            </a:gdLst>
-            <a:ahLst/>
-            <a:cxnLst>
-              <a:cxn ang="0">
-                <a:pos x="connsiteX0" y="connsiteY0"/>
-              </a:cxn>
-              <a:cxn ang="0">
-                <a:pos x="connsiteX1" y="connsiteY1"/>
-              </a:cxn>
-              <a:cxn ang="0">
-                <a:pos x="connsiteX2" y="connsiteY2"/>
-              </a:cxn>
-            </a:cxnLst>
-            <a:rect l="l" t="t" r="r" b="b"/>
-            <a:pathLst>
-              <a:path w="104436" h="185057">
-                <a:moveTo>
-                  <a:pt x="17350" y="0"/>
-                </a:moveTo>
-                <a:cubicBezTo>
-                  <a:pt x="4650" y="39007"/>
-                  <a:pt x="-8049" y="78014"/>
-                  <a:pt x="6465" y="108857"/>
-                </a:cubicBezTo>
-                <a:cubicBezTo>
-                  <a:pt x="20979" y="139700"/>
-                  <a:pt x="62707" y="162378"/>
-                  <a:pt x="104436" y="185057"/>
-                </a:cubicBezTo>
-              </a:path>
-            </a:pathLst>
-          </a:custGeom>
-          <a:noFill/>
-          <a:ln>
-            <a:solidFill>
-              <a:schemeClr val="accent1"/>
-            </a:solidFill>
-            <a:headEnd type="none" w="med" len="med"/>
-            <a:tailEnd type="arrow" w="med" len="med"/>
-          </a:ln>
-        </p:spPr>
-        <p:style>
-          <a:lnRef idx="2">
-            <a:schemeClr val="accent1">
-              <a:shade val="50000"/>
-            </a:schemeClr>
-          </a:lnRef>
-          <a:fillRef idx="1">
-            <a:schemeClr val="accent1"/>
-          </a:fillRef>
-          <a:effectRef idx="0">
-            <a:schemeClr val="accent1"/>
-          </a:effectRef>
-          <a:fontRef idx="minor">
-            <a:schemeClr val="lt1"/>
-          </a:fontRef>
-        </p:style>
-        <p:txBody>
-          <a:bodyPr rtlCol="0" anchor="ctr"/>
-          <a:lstStyle/>
-          <a:p>
-            <a:pPr algn="ctr"/>
-            <a:endParaRPr lang="de-DE"/>
-          </a:p>
-        </p:txBody>
-      </p:sp>
-      <p:grpSp>
-        <p:nvGrpSpPr>
-          <p:cNvPr id="52" name="Gruppieren 51">
-            <a:extLst>
-              <a:ext uri="{FF2B5EF4-FFF2-40B4-BE49-F238E27FC236}">
-                <a16:creationId xmlns:a16="http://schemas.microsoft.com/office/drawing/2014/main" id="{A9B19464-5EAC-0648-B771-CB14A526B8BA}"/>
-              </a:ext>
-            </a:extLst>
-          </p:cNvPr>
-          <p:cNvGrpSpPr/>
-          <p:nvPr/>
-        </p:nvGrpSpPr>
-        <p:grpSpPr>
-          <a:xfrm>
-            <a:off x="3480999" y="2992797"/>
-            <a:ext cx="1224000" cy="1008000"/>
-            <a:chOff x="5180357" y="4768881"/>
-            <a:chExt cx="1224000" cy="1008000"/>
-          </a:xfrm>
-        </p:grpSpPr>
-        <p:sp>
-          <p:nvSpPr>
-            <p:cNvPr id="54" name="Rechteck 53">
-              <a:extLst>
-                <a:ext uri="{FF2B5EF4-FFF2-40B4-BE49-F238E27FC236}">
-                  <a16:creationId xmlns:a16="http://schemas.microsoft.com/office/drawing/2014/main" id="{A17213E6-945E-3244-8A47-ECCBD6EFF552}"/>
-                </a:ext>
-              </a:extLst>
-            </p:cNvPr>
-            <p:cNvSpPr>
-              <a:spLocks/>
-            </p:cNvSpPr>
-            <p:nvPr/>
-          </p:nvSpPr>
-          <p:spPr>
-            <a:xfrm>
-              <a:off x="5180357" y="4768881"/>
-              <a:ext cx="1224000" cy="1008000"/>
-            </a:xfrm>
-            <a:prstGeom prst="rect">
-              <a:avLst/>
-            </a:prstGeom>
-            <a:solidFill>
-              <a:schemeClr val="bg1"/>
-            </a:solidFill>
-            <a:ln>
-              <a:solidFill>
-                <a:schemeClr val="tx1"/>
-              </a:solidFill>
-            </a:ln>
-          </p:spPr>
-          <p:style>
-            <a:lnRef idx="2">
-              <a:schemeClr val="accent1">
-                <a:shade val="50000"/>
-              </a:schemeClr>
-            </a:lnRef>
-            <a:fillRef idx="1">
-              <a:schemeClr val="accent1"/>
-            </a:fillRef>
-            <a:effectRef idx="0">
-              <a:schemeClr val="accent1"/>
-            </a:effectRef>
-            <a:fontRef idx="minor">
-              <a:schemeClr val="lt1"/>
-            </a:fontRef>
-          </p:style>
-          <p:txBody>
-            <a:bodyPr lIns="36000" tIns="36000" rIns="36000" bIns="36000" rtlCol="0" anchor="ctr"/>
-            <a:lstStyle/>
-            <a:p>
-              <a:pPr algn="ctr"/>
-              <a:endParaRPr lang="de-DE" sz="2000" dirty="0">
-                <a:solidFill>
-                  <a:schemeClr val="tx1"/>
-                </a:solidFill>
-              </a:endParaRPr>
-            </a:p>
-          </p:txBody>
-        </p:sp>
-        <p:sp>
-          <p:nvSpPr>
-            <p:cNvPr id="55" name="Rechteck 54">
-              <a:extLst>
-                <a:ext uri="{FF2B5EF4-FFF2-40B4-BE49-F238E27FC236}">
-                  <a16:creationId xmlns:a16="http://schemas.microsoft.com/office/drawing/2014/main" id="{0CEFD7FA-168F-CD41-80C7-891E858EC63F}"/>
-                </a:ext>
-              </a:extLst>
-            </p:cNvPr>
-            <p:cNvSpPr/>
-            <p:nvPr/>
-          </p:nvSpPr>
-          <p:spPr>
-            <a:xfrm>
-              <a:off x="5252357" y="4840882"/>
-              <a:ext cx="1080000" cy="864000"/>
-            </a:xfrm>
-            <a:prstGeom prst="rect">
-              <a:avLst/>
-            </a:prstGeom>
-            <a:solidFill>
-              <a:schemeClr val="bg1"/>
-            </a:solidFill>
-            <a:ln>
-              <a:solidFill>
-                <a:schemeClr val="tx1"/>
-              </a:solidFill>
-            </a:ln>
-          </p:spPr>
-          <p:style>
-            <a:lnRef idx="2">
-              <a:schemeClr val="accent1">
-                <a:shade val="50000"/>
-              </a:schemeClr>
-            </a:lnRef>
-            <a:fillRef idx="1">
-              <a:schemeClr val="accent1"/>
-            </a:fillRef>
-            <a:effectRef idx="0">
-              <a:schemeClr val="accent1"/>
-            </a:effectRef>
-            <a:fontRef idx="minor">
-              <a:schemeClr val="lt1"/>
-            </a:fontRef>
-          </p:style>
-          <p:txBody>
-            <a:bodyPr lIns="36000" tIns="36000" rIns="36000" bIns="36000" rtlCol="0" anchor="ctr"/>
-            <a:lstStyle/>
-            <a:p>
-              <a:pPr algn="ctr"/>
-              <a:r>
-                <a:rPr lang="de-DE" sz="2000" dirty="0">
-                  <a:solidFill>
-                    <a:schemeClr val="tx1"/>
-                  </a:solidFill>
-                </a:rPr>
-                <a:t>Material</a:t>
-              </a:r>
-              <a:br>
-                <a:rPr lang="de-DE" sz="2000" dirty="0">
-                  <a:solidFill>
-                    <a:schemeClr val="tx1"/>
-                  </a:solidFill>
-                </a:rPr>
-              </a:br>
-              <a:r>
-                <a:rPr lang="de-DE" sz="2000" dirty="0" err="1">
-                  <a:solidFill>
-                    <a:schemeClr val="tx1"/>
-                  </a:solidFill>
-                </a:rPr>
-                <a:t>Descript</a:t>
-              </a:r>
-              <a:r>
-                <a:rPr lang="de-DE" sz="2000" dirty="0">
-                  <a:solidFill>
-                    <a:schemeClr val="tx1"/>
-                  </a:solidFill>
-                </a:rPr>
-                <a:t>.</a:t>
-              </a:r>
-            </a:p>
-          </p:txBody>
-        </p:sp>
-      </p:grpSp>
-      <p:sp>
-        <p:nvSpPr>
-          <p:cNvPr id="26" name="Freihandform 25">
-            <a:extLst>
-              <a:ext uri="{FF2B5EF4-FFF2-40B4-BE49-F238E27FC236}">
-                <a16:creationId xmlns:a16="http://schemas.microsoft.com/office/drawing/2014/main" id="{E8907DA3-E3EF-994E-ADCF-8EADBFD34892}"/>
-              </a:ext>
-            </a:extLst>
-          </p:cNvPr>
-          <p:cNvSpPr/>
-          <p:nvPr/>
-        </p:nvSpPr>
-        <p:spPr>
-          <a:xfrm>
-            <a:off x="4572000" y="2612571"/>
-            <a:ext cx="512002" cy="2024743"/>
-          </a:xfrm>
-          <a:custGeom>
-            <a:avLst/>
-            <a:gdLst>
-              <a:gd name="connsiteX0" fmla="*/ 0 w 512002"/>
-              <a:gd name="connsiteY0" fmla="*/ 0 h 2024743"/>
-              <a:gd name="connsiteX1" fmla="*/ 511629 w 512002"/>
-              <a:gd name="connsiteY1" fmla="*/ 740229 h 2024743"/>
-              <a:gd name="connsiteX2" fmla="*/ 65314 w 512002"/>
-              <a:gd name="connsiteY2" fmla="*/ 2024743 h 2024743"/>
-            </a:gdLst>
-            <a:ahLst/>
-            <a:cxnLst>
-              <a:cxn ang="0">
-                <a:pos x="connsiteX0" y="connsiteY0"/>
-              </a:cxn>
-              <a:cxn ang="0">
-                <a:pos x="connsiteX1" y="connsiteY1"/>
-              </a:cxn>
-              <a:cxn ang="0">
-                <a:pos x="connsiteX2" y="connsiteY2"/>
-              </a:cxn>
-            </a:cxnLst>
-            <a:rect l="l" t="t" r="r" b="b"/>
-            <a:pathLst>
-              <a:path w="512002" h="2024743">
-                <a:moveTo>
-                  <a:pt x="0" y="0"/>
-                </a:moveTo>
-                <a:cubicBezTo>
-                  <a:pt x="250371" y="201386"/>
-                  <a:pt x="500743" y="402772"/>
-                  <a:pt x="511629" y="740229"/>
-                </a:cubicBezTo>
-                <a:cubicBezTo>
-                  <a:pt x="522515" y="1077686"/>
-                  <a:pt x="293914" y="1551214"/>
-                  <a:pt x="65314" y="2024743"/>
-                </a:cubicBezTo>
-              </a:path>
-            </a:pathLst>
-          </a:custGeom>
-          <a:noFill/>
-          <a:ln>
+      <p:cxnSp>
+        <p:nvCxnSpPr>
+          <p:cNvPr id="92" name="Straight Arrow Connector 91"/>
+          <p:cNvCxnSpPr>
+            <a:stCxn id="74" idx="2"/>
+            <a:endCxn id="75" idx="0"/>
+          </p:cNvCxnSpPr>
+          <p:nvPr/>
+        </p:nvCxnSpPr>
+        <p:spPr>
+          <a:xfrm flipH="1">
+            <a:off x="4251827" y="1886344"/>
+            <a:ext cx="525734" cy="626485"/>
+          </a:xfrm>
+          <a:prstGeom prst="straightConnector1">
+            <a:avLst/>
+          </a:prstGeom>
+          <a:ln w="38100">
             <a:solidFill>
               <a:schemeClr val="tx1"/>
             </a:solidFill>
-            <a:headEnd type="none" w="med" len="med"/>
-            <a:tailEnd type="arrow" w="med" len="med"/>
+            <a:headEnd type="triangle" w="med" len="med"/>
+            <a:tailEnd type="none"/>
           </a:ln>
         </p:spPr>
         <p:style>
-          <a:lnRef idx="2">
-            <a:schemeClr val="accent1">
-              <a:shade val="50000"/>
-            </a:schemeClr>
+          <a:lnRef idx="1">
+            <a:schemeClr val="accent1"/>
           </a:lnRef>
-          <a:fillRef idx="1">
+          <a:fillRef idx="0">
             <a:schemeClr val="accent1"/>
           </a:fillRef>
           <a:effectRef idx="0">
             <a:schemeClr val="accent1"/>
           </a:effectRef>
           <a:fontRef idx="minor">
-            <a:schemeClr val="lt1"/>
+            <a:schemeClr val="tx1"/>
           </a:fontRef>
         </p:style>
-        <p:txBody>
-          <a:bodyPr rtlCol="0" anchor="ctr"/>
-          <a:lstStyle/>
-          <a:p>
-            <a:pPr algn="ctr"/>
-            <a:endParaRPr lang="de-DE"/>
-          </a:p>
-        </p:txBody>
-      </p:sp>
+      </p:cxnSp>
+      <p:cxnSp>
+        <p:nvCxnSpPr>
+          <p:cNvPr id="95" name="Straight Arrow Connector 94"/>
+          <p:cNvCxnSpPr>
+            <a:stCxn id="74" idx="2"/>
+            <a:endCxn id="63" idx="3"/>
+          </p:cNvCxnSpPr>
+          <p:nvPr/>
+        </p:nvCxnSpPr>
+        <p:spPr>
+          <a:xfrm flipH="1" flipV="1">
+            <a:off x="3744617" y="1548994"/>
+            <a:ext cx="1032944" cy="337350"/>
+          </a:xfrm>
+          <a:prstGeom prst="straightConnector1">
+            <a:avLst/>
+          </a:prstGeom>
+          <a:ln w="38100">
+            <a:solidFill>
+              <a:schemeClr val="tx1"/>
+            </a:solidFill>
+            <a:headEnd type="triangle" w="med" len="med"/>
+            <a:tailEnd type="none"/>
+          </a:ln>
+        </p:spPr>
+        <p:style>
+          <a:lnRef idx="1">
+            <a:schemeClr val="accent1"/>
+          </a:lnRef>
+          <a:fillRef idx="0">
+            <a:schemeClr val="accent1"/>
+          </a:fillRef>
+          <a:effectRef idx="0">
+            <a:schemeClr val="accent1"/>
+          </a:effectRef>
+          <a:fontRef idx="minor">
+            <a:schemeClr val="tx1"/>
+          </a:fontRef>
+        </p:style>
+      </p:cxnSp>
     </p:spTree>
     <p:extLst>
       <p:ext uri="{BB962C8B-B14F-4D97-AF65-F5344CB8AC3E}">
@@ -8369,10 +7140,10 @@
       </p:grpSpPr>
       <p:sp>
         <p:nvSpPr>
-          <p:cNvPr id="74" name="Rechteck 73">
-            <a:extLst>
-              <a:ext uri="{FF2B5EF4-FFF2-40B4-BE49-F238E27FC236}">
-                <a16:creationId xmlns:a16="http://schemas.microsoft.com/office/drawing/2014/main" id="{9BDA332C-2531-F94E-B87F-F1933D4A6C34}"/>
+          <p:cNvPr id="15" name="Rechteck 14">
+            <a:extLst>
+              <a:ext uri="{FF2B5EF4-FFF2-40B4-BE49-F238E27FC236}">
+                <a16:creationId xmlns:a16="http://schemas.microsoft.com/office/drawing/2014/main" id="{5CF2D6B0-B611-EB48-8F2F-5DC277DAE832}"/>
               </a:ext>
             </a:extLst>
           </p:cNvPr>
@@ -8381,65 +7152,7 @@
         </p:nvSpPr>
         <p:spPr>
           <a:xfrm>
-            <a:off x="2275115" y="1010282"/>
-            <a:ext cx="7489280" cy="1547861"/>
-          </a:xfrm>
-          <a:prstGeom prst="rect">
-            <a:avLst/>
-          </a:prstGeom>
-          <a:solidFill>
-            <a:schemeClr val="bg1"/>
-          </a:solidFill>
-          <a:ln>
-            <a:solidFill>
-              <a:schemeClr val="bg1"/>
-            </a:solidFill>
-          </a:ln>
-        </p:spPr>
-        <p:style>
-          <a:lnRef idx="2">
-            <a:schemeClr val="accent1">
-              <a:shade val="50000"/>
-            </a:schemeClr>
-          </a:lnRef>
-          <a:fillRef idx="1">
-            <a:schemeClr val="accent1"/>
-          </a:fillRef>
-          <a:effectRef idx="0">
-            <a:schemeClr val="accent1"/>
-          </a:effectRef>
-          <a:fontRef idx="minor">
-            <a:schemeClr val="lt1"/>
-          </a:fontRef>
-        </p:style>
-        <p:txBody>
-          <a:bodyPr lIns="36000" tIns="36000" rIns="36000" bIns="36000" rtlCol="0" anchor="ctr"/>
-          <a:lstStyle/>
-          <a:p>
-            <a:pPr algn="ctr"/>
-            <a:endParaRPr lang="de-DE" sz="2000" dirty="0" err="1">
-              <a:solidFill>
-                <a:schemeClr val="tx1"/>
-              </a:solidFill>
-            </a:endParaRPr>
-          </a:p>
-        </p:txBody>
-      </p:sp>
-      <p:sp>
-        <p:nvSpPr>
-          <p:cNvPr id="15" name="Rechteck 14">
-            <a:extLst>
-              <a:ext uri="{FF2B5EF4-FFF2-40B4-BE49-F238E27FC236}">
-                <a16:creationId xmlns:a16="http://schemas.microsoft.com/office/drawing/2014/main" id="{5CF2D6B0-B611-EB48-8F2F-5DC277DAE832}"/>
-              </a:ext>
-            </a:extLst>
-          </p:cNvPr>
-          <p:cNvSpPr/>
-          <p:nvPr/>
-        </p:nvSpPr>
-        <p:spPr>
-          <a:xfrm>
-            <a:off x="6498772" y="1186412"/>
+            <a:off x="753686" y="1098800"/>
             <a:ext cx="1080000" cy="360000"/>
           </a:xfrm>
           <a:prstGeom prst="rect">
@@ -8502,7 +7215,7 @@
         </p:nvSpPr>
         <p:spPr>
           <a:xfrm>
-            <a:off x="8323245" y="1186412"/>
+            <a:off x="753686" y="1915827"/>
             <a:ext cx="1080000" cy="360000"/>
           </a:xfrm>
           <a:prstGeom prst="rect">
@@ -8572,8 +7285,8 @@
         </p:nvCxnSpPr>
         <p:spPr>
           <a:xfrm>
-            <a:off x="7578772" y="1272723"/>
-            <a:ext cx="754941" cy="0"/>
+            <a:off x="1023686" y="1459306"/>
+            <a:ext cx="0" cy="485334"/>
           </a:xfrm>
           <a:prstGeom prst="straightConnector1">
             <a:avLst/>
@@ -8617,8 +7330,8 @@
         </p:nvCxnSpPr>
         <p:spPr>
           <a:xfrm>
-            <a:off x="7578772" y="1463611"/>
-            <a:ext cx="754941" cy="0"/>
+            <a:off x="1538036" y="1459376"/>
+            <a:ext cx="0" cy="455947"/>
           </a:xfrm>
           <a:prstGeom prst="straightConnector1">
             <a:avLst/>
@@ -8660,7 +7373,7 @@
         </p:nvSpPr>
         <p:spPr>
           <a:xfrm>
-            <a:off x="7580690" y="1010282"/>
+            <a:off x="772701" y="1648568"/>
             <a:ext cx="271228" cy="307777"/>
           </a:xfrm>
           <a:prstGeom prst="rect">
@@ -8695,7 +7408,7 @@
         </p:nvSpPr>
         <p:spPr>
           <a:xfrm>
-            <a:off x="7580690" y="1458800"/>
+            <a:off x="1509779" y="1687349"/>
             <a:ext cx="279244" cy="307777"/>
           </a:xfrm>
           <a:prstGeom prst="rect">
@@ -8730,7 +7443,7 @@
         </p:nvSpPr>
         <p:spPr>
           <a:xfrm>
-            <a:off x="4506536" y="1186412"/>
+            <a:off x="753686" y="252962"/>
             <a:ext cx="1080000" cy="360000"/>
           </a:xfrm>
           <a:prstGeom prst="rect">
@@ -8790,15 +7503,14 @@
           </p:cNvPr>
           <p:cNvCxnSpPr>
             <a:cxnSpLocks/>
-            <a:stCxn id="56" idx="3"/>
-            <a:endCxn id="15" idx="1"/>
+            <a:endCxn id="15" idx="0"/>
           </p:cNvCxnSpPr>
           <p:nvPr/>
         </p:nvCxnSpPr>
         <p:spPr>
           <a:xfrm>
-            <a:off x="5586536" y="1366412"/>
-            <a:ext cx="912236" cy="0"/>
+            <a:off x="1293686" y="612962"/>
+            <a:ext cx="0" cy="485838"/>
           </a:xfrm>
           <a:prstGeom prst="straightConnector1">
             <a:avLst/>
@@ -8840,7 +7552,7 @@
         </p:nvSpPr>
         <p:spPr>
           <a:xfrm>
-            <a:off x="5995205" y="1081840"/>
+            <a:off x="1240340" y="784237"/>
             <a:ext cx="566181" cy="307777"/>
           </a:xfrm>
           <a:prstGeom prst="rect">
@@ -8856,133 +7568,22 @@
           <a:p>
             <a:r>
               <a:rPr lang="de-DE" sz="1400" dirty="0"/>
-              <a:t>[2..2]</a:t>
-            </a:r>
-          </a:p>
-        </p:txBody>
-      </p:sp>
-      <p:sp>
-        <p:nvSpPr>
-          <p:cNvPr id="26" name="Textfeld 25">
-            <a:extLst>
-              <a:ext uri="{FF2B5EF4-FFF2-40B4-BE49-F238E27FC236}">
-                <a16:creationId xmlns:a16="http://schemas.microsoft.com/office/drawing/2014/main" id="{4133B144-DE72-D546-9C1E-D42217F1C59F}"/>
-              </a:ext>
-            </a:extLst>
-          </p:cNvPr>
-          <p:cNvSpPr txBox="1"/>
-          <p:nvPr/>
-        </p:nvSpPr>
-        <p:spPr>
-          <a:xfrm>
-            <a:off x="2427606" y="1137460"/>
-            <a:ext cx="1859805" cy="461665"/>
-          </a:xfrm>
-          <a:prstGeom prst="rect">
-            <a:avLst/>
-          </a:prstGeom>
-          <a:noFill/>
-        </p:spPr>
-        <p:txBody>
-          <a:bodyPr wrap="none" rtlCol="0">
-            <a:spAutoFit/>
-          </a:bodyPr>
-          <a:lstStyle/>
-          <a:p>
-            <a:pPr algn="r"/>
-            <a:r>
-              <a:rPr lang="de-DE" sz="1200" i="1" dirty="0" err="1">
-                <a:solidFill>
-                  <a:schemeClr val="accent1"/>
-                </a:solidFill>
-                <a:latin typeface="Comic Sans MS" panose="030F0902030302020204" pitchFamily="66" charset="0"/>
-              </a:rPr>
-              <a:t>pattern</a:t>
-            </a:r>
-            <a:r>
-              <a:rPr lang="de-DE" sz="1200" i="1" dirty="0">
-                <a:solidFill>
-                  <a:schemeClr val="accent1"/>
-                </a:solidFill>
-                <a:latin typeface="Comic Sans MS" panose="030F0902030302020204" pitchFamily="66" charset="0"/>
-              </a:rPr>
-              <a:t> </a:t>
-            </a:r>
-            <a:r>
-              <a:rPr lang="de-DE" sz="1200" i="1" dirty="0" err="1">
-                <a:solidFill>
-                  <a:schemeClr val="accent1"/>
-                </a:solidFill>
-                <a:latin typeface="Comic Sans MS" panose="030F0902030302020204" pitchFamily="66" charset="0"/>
-              </a:rPr>
-              <a:t>characterizing</a:t>
-            </a:r>
-            <a:r>
-              <a:rPr lang="de-DE" sz="1200" i="1" dirty="0">
-                <a:solidFill>
-                  <a:schemeClr val="accent1"/>
-                </a:solidFill>
-                <a:latin typeface="Comic Sans MS" panose="030F0902030302020204" pitchFamily="66" charset="0"/>
-              </a:rPr>
-              <a:t> </a:t>
-            </a:r>
-          </a:p>
-          <a:p>
-            <a:pPr algn="r"/>
-            <a:r>
-              <a:rPr lang="de-DE" sz="1200" i="1" dirty="0" err="1">
-                <a:solidFill>
-                  <a:schemeClr val="accent1"/>
-                </a:solidFill>
-                <a:latin typeface="Comic Sans MS" panose="030F0902030302020204" pitchFamily="66" charset="0"/>
-              </a:rPr>
-              <a:t>the</a:t>
-            </a:r>
-            <a:r>
-              <a:rPr lang="de-DE" sz="1200" i="1" dirty="0">
-                <a:solidFill>
-                  <a:schemeClr val="accent1"/>
-                </a:solidFill>
-                <a:latin typeface="Comic Sans MS" panose="030F0902030302020204" pitchFamily="66" charset="0"/>
-              </a:rPr>
-              <a:t> </a:t>
-            </a:r>
-            <a:r>
-              <a:rPr lang="de-DE" sz="1200" i="1" dirty="0" err="1">
-                <a:solidFill>
-                  <a:schemeClr val="accent1"/>
-                </a:solidFill>
-                <a:latin typeface="Comic Sans MS" panose="030F0902030302020204" pitchFamily="66" charset="0"/>
-              </a:rPr>
-              <a:t>property</a:t>
-            </a:r>
-            <a:r>
-              <a:rPr lang="de-DE" sz="1200" i="1" dirty="0">
-                <a:solidFill>
-                  <a:schemeClr val="accent1"/>
-                </a:solidFill>
-                <a:latin typeface="Comic Sans MS" panose="030F0902030302020204" pitchFamily="66" charset="0"/>
-              </a:rPr>
-              <a:t> CAD</a:t>
-            </a:r>
-            <a:r>
-              <a:rPr lang="de-DE" sz="1200" i="1" baseline="-25000" dirty="0">
-                <a:solidFill>
-                  <a:schemeClr val="accent1"/>
-                </a:solidFill>
-                <a:latin typeface="Comic Sans MS" panose="030F0902030302020204" pitchFamily="66" charset="0"/>
-              </a:rPr>
-              <a:t>1</a:t>
-            </a:r>
-          </a:p>
-        </p:txBody>
-      </p:sp>
-      <p:sp>
-        <p:nvSpPr>
-          <p:cNvPr id="27" name="Freihandform 26">
-            <a:extLst>
-              <a:ext uri="{FF2B5EF4-FFF2-40B4-BE49-F238E27FC236}">
-                <a16:creationId xmlns:a16="http://schemas.microsoft.com/office/drawing/2014/main" id="{576843CA-3110-BB47-8E76-33ED6582411D}"/>
+              <a:t>[2</a:t>
+            </a:r>
+            <a:r>
+              <a:rPr lang="de-DE" sz="1400" dirty="0" smtClean="0"/>
+              <a:t>..2]</a:t>
+            </a:r>
+            <a:endParaRPr lang="de-DE" sz="1400" dirty="0"/>
+          </a:p>
+        </p:txBody>
+      </p:sp>
+      <p:sp>
+        <p:nvSpPr>
+          <p:cNvPr id="63" name="Rechteck 62">
+            <a:extLst>
+              <a:ext uri="{FF2B5EF4-FFF2-40B4-BE49-F238E27FC236}">
+                <a16:creationId xmlns:a16="http://schemas.microsoft.com/office/drawing/2014/main" id="{70004B9B-9A72-7242-8E81-FBEC4D1372D3}"/>
               </a:ext>
             </a:extLst>
           </p:cNvPr>
@@ -8991,99 +7592,7 @@
         </p:nvSpPr>
         <p:spPr>
           <a:xfrm>
-            <a:off x="4180114" y="1349513"/>
-            <a:ext cx="283029" cy="32842"/>
-          </a:xfrm>
-          <a:custGeom>
-            <a:avLst/>
-            <a:gdLst>
-              <a:gd name="connsiteX0" fmla="*/ 0 w 283029"/>
-              <a:gd name="connsiteY0" fmla="*/ 21956 h 32842"/>
-              <a:gd name="connsiteX1" fmla="*/ 152400 w 283029"/>
-              <a:gd name="connsiteY1" fmla="*/ 185 h 32842"/>
-              <a:gd name="connsiteX2" fmla="*/ 283029 w 283029"/>
-              <a:gd name="connsiteY2" fmla="*/ 32842 h 32842"/>
-            </a:gdLst>
-            <a:ahLst/>
-            <a:cxnLst>
-              <a:cxn ang="0">
-                <a:pos x="connsiteX0" y="connsiteY0"/>
-              </a:cxn>
-              <a:cxn ang="0">
-                <a:pos x="connsiteX1" y="connsiteY1"/>
-              </a:cxn>
-              <a:cxn ang="0">
-                <a:pos x="connsiteX2" y="connsiteY2"/>
-              </a:cxn>
-            </a:cxnLst>
-            <a:rect l="l" t="t" r="r" b="b"/>
-            <a:pathLst>
-              <a:path w="283029" h="32842">
-                <a:moveTo>
-                  <a:pt x="0" y="21956"/>
-                </a:moveTo>
-                <a:cubicBezTo>
-                  <a:pt x="52614" y="10163"/>
-                  <a:pt x="105229" y="-1629"/>
-                  <a:pt x="152400" y="185"/>
-                </a:cubicBezTo>
-                <a:cubicBezTo>
-                  <a:pt x="199571" y="1999"/>
-                  <a:pt x="241300" y="17420"/>
-                  <a:pt x="283029" y="32842"/>
-                </a:cubicBezTo>
-              </a:path>
-            </a:pathLst>
-          </a:custGeom>
-          <a:noFill/>
-          <a:ln>
-            <a:solidFill>
-              <a:schemeClr val="accent1"/>
-            </a:solidFill>
-            <a:headEnd type="none" w="med" len="med"/>
-            <a:tailEnd type="arrow" w="med" len="med"/>
-          </a:ln>
-        </p:spPr>
-        <p:style>
-          <a:lnRef idx="2">
-            <a:schemeClr val="accent1">
-              <a:shade val="50000"/>
-            </a:schemeClr>
-          </a:lnRef>
-          <a:fillRef idx="1">
-            <a:schemeClr val="accent1"/>
-          </a:fillRef>
-          <a:effectRef idx="0">
-            <a:schemeClr val="accent1"/>
-          </a:effectRef>
-          <a:fontRef idx="minor">
-            <a:schemeClr val="lt1"/>
-          </a:fontRef>
-        </p:style>
-        <p:txBody>
-          <a:bodyPr rtlCol="0" anchor="ctr"/>
-          <a:lstStyle/>
-          <a:p>
-            <a:pPr algn="ctr"/>
-            <a:endParaRPr lang="de-DE"/>
-          </a:p>
-        </p:txBody>
-      </p:sp>
-      <p:sp>
-        <p:nvSpPr>
-          <p:cNvPr id="63" name="Rechteck 62">
-            <a:extLst>
-              <a:ext uri="{FF2B5EF4-FFF2-40B4-BE49-F238E27FC236}">
-                <a16:creationId xmlns:a16="http://schemas.microsoft.com/office/drawing/2014/main" id="{70004B9B-9A72-7242-8E81-FBEC4D1372D3}"/>
-              </a:ext>
-            </a:extLst>
-          </p:cNvPr>
-          <p:cNvSpPr/>
-          <p:nvPr/>
-        </p:nvSpPr>
-        <p:spPr>
-          <a:xfrm>
-            <a:off x="6498772" y="2013726"/>
+            <a:off x="1919400" y="1920040"/>
             <a:ext cx="1080000" cy="360000"/>
           </a:xfrm>
           <a:prstGeom prst="rect">
@@ -9146,7 +7655,7 @@
         </p:nvSpPr>
         <p:spPr>
           <a:xfrm>
-            <a:off x="4506536" y="2013726"/>
+            <a:off x="1919400" y="252962"/>
             <a:ext cx="1080000" cy="360000"/>
           </a:xfrm>
           <a:prstGeom prst="rect">
@@ -9190,8 +7699,13 @@
                   <a:schemeClr val="tx1"/>
                 </a:solidFill>
               </a:rPr>
-              <a:t>D</a:t>
-            </a:r>
+              <a:t>S</a:t>
+            </a:r>
+            <a:endParaRPr lang="de-DE" sz="1400" dirty="0">
+              <a:solidFill>
+                <a:schemeClr val="tx1"/>
+              </a:solidFill>
+            </a:endParaRPr>
           </a:p>
         </p:txBody>
       </p:sp>
@@ -9206,15 +7720,15 @@
           </p:cNvPr>
           <p:cNvCxnSpPr>
             <a:cxnSpLocks/>
-            <a:stCxn id="69" idx="3"/>
-            <a:endCxn id="63" idx="1"/>
+            <a:stCxn id="69" idx="2"/>
+            <a:endCxn id="63" idx="0"/>
           </p:cNvCxnSpPr>
           <p:nvPr/>
         </p:nvCxnSpPr>
         <p:spPr>
           <a:xfrm>
-            <a:off x="5586536" y="2193726"/>
-            <a:ext cx="912236" cy="0"/>
+            <a:off x="2459400" y="612962"/>
+            <a:ext cx="0" cy="1307078"/>
           </a:xfrm>
           <a:prstGeom prst="straightConnector1">
             <a:avLst/>
@@ -9244,10 +7758,10 @@
       </p:cxnSp>
       <p:sp>
         <p:nvSpPr>
-          <p:cNvPr id="71" name="Textfeld 70">
-            <a:extLst>
-              <a:ext uri="{FF2B5EF4-FFF2-40B4-BE49-F238E27FC236}">
-                <a16:creationId xmlns:a16="http://schemas.microsoft.com/office/drawing/2014/main" id="{4122483B-E074-8141-9B45-0FAABF0B18D5}"/>
+          <p:cNvPr id="31" name="Textfeld 60">
+            <a:extLst>
+              <a:ext uri="{FF2B5EF4-FFF2-40B4-BE49-F238E27FC236}">
+                <a16:creationId xmlns:a16="http://schemas.microsoft.com/office/drawing/2014/main" id="{19DB0996-F2F3-0844-B7B3-9D8BF9E6468A}"/>
               </a:ext>
             </a:extLst>
           </p:cNvPr>
@@ -9256,8 +7770,8 @@
         </p:nvSpPr>
         <p:spPr>
           <a:xfrm>
-            <a:off x="6223804" y="1920040"/>
-            <a:ext cx="300082" cy="369332"/>
+            <a:off x="2434822" y="1602692"/>
+            <a:ext cx="564578" cy="307777"/>
           </a:xfrm>
           <a:prstGeom prst="rect">
             <a:avLst/>
@@ -9271,264 +7785,21 @@
           <a:lstStyle/>
           <a:p>
             <a:r>
-              <a:rPr lang="de-DE"/>
+              <a:rPr lang="de-DE" sz="1400" dirty="0" smtClean="0"/>
+              <a:t>[3..</a:t>
+            </a:r>
+            <a:r>
+              <a:rPr lang="de-DE" sz="1400" dirty="0"/>
               <a:t>*</a:t>
             </a:r>
-            <a:endParaRPr lang="de-DE" dirty="0"/>
-          </a:p>
-        </p:txBody>
-      </p:sp>
-      <p:sp>
-        <p:nvSpPr>
-          <p:cNvPr id="72" name="Textfeld 71">
-            <a:extLst>
-              <a:ext uri="{FF2B5EF4-FFF2-40B4-BE49-F238E27FC236}">
-                <a16:creationId xmlns:a16="http://schemas.microsoft.com/office/drawing/2014/main" id="{94A04CA6-DF87-C248-B1E5-A92C61B70520}"/>
-              </a:ext>
-            </a:extLst>
-          </p:cNvPr>
-          <p:cNvSpPr txBox="1"/>
-          <p:nvPr/>
-        </p:nvSpPr>
-        <p:spPr>
-          <a:xfrm>
-            <a:off x="2427606" y="1964774"/>
-            <a:ext cx="1859805" cy="461665"/>
-          </a:xfrm>
-          <a:prstGeom prst="rect">
-            <a:avLst/>
-          </a:prstGeom>
-          <a:noFill/>
-        </p:spPr>
-        <p:txBody>
-          <a:bodyPr wrap="none" rtlCol="0">
-            <a:spAutoFit/>
-          </a:bodyPr>
-          <a:lstStyle/>
-          <a:p>
-            <a:pPr algn="r"/>
-            <a:r>
-              <a:rPr lang="de-DE" sz="1200" i="1" dirty="0" err="1">
-                <a:solidFill>
-                  <a:schemeClr val="accent1"/>
-                </a:solidFill>
-                <a:latin typeface="Comic Sans MS" panose="030F0902030302020204" pitchFamily="66" charset="0"/>
-              </a:rPr>
-              <a:t>pattern</a:t>
-            </a:r>
-            <a:r>
-              <a:rPr lang="de-DE" sz="1200" i="1" dirty="0">
-                <a:solidFill>
-                  <a:schemeClr val="accent1"/>
-                </a:solidFill>
-                <a:latin typeface="Comic Sans MS" panose="030F0902030302020204" pitchFamily="66" charset="0"/>
-              </a:rPr>
-              <a:t> </a:t>
-            </a:r>
-            <a:r>
-              <a:rPr lang="de-DE" sz="1200" i="1" dirty="0" err="1">
-                <a:solidFill>
-                  <a:schemeClr val="accent1"/>
-                </a:solidFill>
-                <a:latin typeface="Comic Sans MS" panose="030F0902030302020204" pitchFamily="66" charset="0"/>
-              </a:rPr>
-              <a:t>characterizing</a:t>
-            </a:r>
-            <a:r>
-              <a:rPr lang="de-DE" sz="1200" i="1" dirty="0">
-                <a:solidFill>
-                  <a:schemeClr val="accent1"/>
-                </a:solidFill>
-                <a:latin typeface="Comic Sans MS" panose="030F0902030302020204" pitchFamily="66" charset="0"/>
-              </a:rPr>
-              <a:t> </a:t>
-            </a:r>
-          </a:p>
-          <a:p>
-            <a:pPr algn="r"/>
-            <a:r>
-              <a:rPr lang="de-DE" sz="1200" i="1" dirty="0" err="1">
-                <a:solidFill>
-                  <a:schemeClr val="accent1"/>
-                </a:solidFill>
-                <a:latin typeface="Comic Sans MS" panose="030F0902030302020204" pitchFamily="66" charset="0"/>
-              </a:rPr>
-              <a:t>the</a:t>
-            </a:r>
-            <a:r>
-              <a:rPr lang="de-DE" sz="1200" i="1" dirty="0">
-                <a:solidFill>
-                  <a:schemeClr val="accent1"/>
-                </a:solidFill>
-                <a:latin typeface="Comic Sans MS" panose="030F0902030302020204" pitchFamily="66" charset="0"/>
-              </a:rPr>
-              <a:t> </a:t>
-            </a:r>
-            <a:r>
-              <a:rPr lang="de-DE" sz="1200" i="1" dirty="0" err="1">
-                <a:solidFill>
-                  <a:schemeClr val="accent1"/>
-                </a:solidFill>
-                <a:latin typeface="Comic Sans MS" panose="030F0902030302020204" pitchFamily="66" charset="0"/>
-              </a:rPr>
-              <a:t>property</a:t>
-            </a:r>
-            <a:r>
-              <a:rPr lang="de-DE" sz="1200" i="1" dirty="0">
-                <a:solidFill>
-                  <a:schemeClr val="accent1"/>
-                </a:solidFill>
-                <a:latin typeface="Comic Sans MS" panose="030F0902030302020204" pitchFamily="66" charset="0"/>
-              </a:rPr>
-              <a:t> CAD</a:t>
-            </a:r>
-            <a:r>
-              <a:rPr lang="de-DE" sz="1200" i="1" baseline="-25000" dirty="0">
-                <a:solidFill>
-                  <a:schemeClr val="accent1"/>
-                </a:solidFill>
-                <a:latin typeface="Comic Sans MS" panose="030F0902030302020204" pitchFamily="66" charset="0"/>
-              </a:rPr>
-              <a:t>2</a:t>
-            </a:r>
-          </a:p>
-        </p:txBody>
-      </p:sp>
-      <p:sp>
-        <p:nvSpPr>
-          <p:cNvPr id="73" name="Freihandform 72">
-            <a:extLst>
-              <a:ext uri="{FF2B5EF4-FFF2-40B4-BE49-F238E27FC236}">
-                <a16:creationId xmlns:a16="http://schemas.microsoft.com/office/drawing/2014/main" id="{93FF7E98-33CA-5446-A160-D434B8721679}"/>
-              </a:ext>
-            </a:extLst>
-          </p:cNvPr>
-          <p:cNvSpPr/>
-          <p:nvPr/>
-        </p:nvSpPr>
-        <p:spPr>
-          <a:xfrm>
-            <a:off x="4180114" y="2176827"/>
-            <a:ext cx="283029" cy="32842"/>
-          </a:xfrm>
-          <a:custGeom>
-            <a:avLst/>
-            <a:gdLst>
-              <a:gd name="connsiteX0" fmla="*/ 0 w 283029"/>
-              <a:gd name="connsiteY0" fmla="*/ 21956 h 32842"/>
-              <a:gd name="connsiteX1" fmla="*/ 152400 w 283029"/>
-              <a:gd name="connsiteY1" fmla="*/ 185 h 32842"/>
-              <a:gd name="connsiteX2" fmla="*/ 283029 w 283029"/>
-              <a:gd name="connsiteY2" fmla="*/ 32842 h 32842"/>
-            </a:gdLst>
-            <a:ahLst/>
-            <a:cxnLst>
-              <a:cxn ang="0">
-                <a:pos x="connsiteX0" y="connsiteY0"/>
-              </a:cxn>
-              <a:cxn ang="0">
-                <a:pos x="connsiteX1" y="connsiteY1"/>
-              </a:cxn>
-              <a:cxn ang="0">
-                <a:pos x="connsiteX2" y="connsiteY2"/>
-              </a:cxn>
-            </a:cxnLst>
-            <a:rect l="l" t="t" r="r" b="b"/>
-            <a:pathLst>
-              <a:path w="283029" h="32842">
-                <a:moveTo>
-                  <a:pt x="0" y="21956"/>
-                </a:moveTo>
-                <a:cubicBezTo>
-                  <a:pt x="52614" y="10163"/>
-                  <a:pt x="105229" y="-1629"/>
-                  <a:pt x="152400" y="185"/>
-                </a:cubicBezTo>
-                <a:cubicBezTo>
-                  <a:pt x="199571" y="1999"/>
-                  <a:pt x="241300" y="17420"/>
-                  <a:pt x="283029" y="32842"/>
-                </a:cubicBezTo>
-              </a:path>
-            </a:pathLst>
-          </a:custGeom>
-          <a:noFill/>
-          <a:ln>
-            <a:solidFill>
-              <a:schemeClr val="accent1"/>
-            </a:solidFill>
-            <a:headEnd type="none" w="med" len="med"/>
-            <a:tailEnd type="arrow" w="med" len="med"/>
-          </a:ln>
-        </p:spPr>
-        <p:style>
-          <a:lnRef idx="2">
-            <a:schemeClr val="accent1">
-              <a:shade val="50000"/>
-            </a:schemeClr>
-          </a:lnRef>
-          <a:fillRef idx="1">
-            <a:schemeClr val="accent1"/>
-          </a:fillRef>
-          <a:effectRef idx="0">
-            <a:schemeClr val="accent1"/>
-          </a:effectRef>
-          <a:fontRef idx="minor">
-            <a:schemeClr val="lt1"/>
-          </a:fontRef>
-        </p:style>
-        <p:txBody>
-          <a:bodyPr rtlCol="0" anchor="ctr"/>
-          <a:lstStyle/>
-          <a:p>
-            <a:pPr algn="ctr"/>
-            <a:endParaRPr lang="de-DE"/>
-          </a:p>
-        </p:txBody>
-      </p:sp>
-      <p:cxnSp>
-        <p:nvCxnSpPr>
-          <p:cNvPr id="35" name="Gerade Verbindung 34">
-            <a:extLst>
-              <a:ext uri="{FF2B5EF4-FFF2-40B4-BE49-F238E27FC236}">
-                <a16:creationId xmlns:a16="http://schemas.microsoft.com/office/drawing/2014/main" id="{9FEA822E-FEF0-934C-94F8-190683D84A10}"/>
-              </a:ext>
-            </a:extLst>
-          </p:cNvPr>
-          <p:cNvCxnSpPr/>
-          <p:nvPr/>
-        </p:nvCxnSpPr>
-        <p:spPr>
-          <a:xfrm>
-            <a:off x="2427606" y="1766577"/>
-            <a:ext cx="7128000" cy="0"/>
-          </a:xfrm>
-          <a:prstGeom prst="line">
-            <a:avLst/>
-          </a:prstGeom>
-          <a:ln w="12700">
-            <a:solidFill>
-              <a:schemeClr val="tx1"/>
-            </a:solidFill>
-            <a:headEnd type="none" w="med" len="med"/>
-            <a:tailEnd type="none" w="med" len="med"/>
-          </a:ln>
-        </p:spPr>
-        <p:style>
-          <a:lnRef idx="1">
-            <a:schemeClr val="accent1"/>
-          </a:lnRef>
-          <a:fillRef idx="0">
-            <a:schemeClr val="accent1"/>
-          </a:fillRef>
-          <a:effectRef idx="0">
-            <a:schemeClr val="accent1"/>
-          </a:effectRef>
-          <a:fontRef idx="minor">
-            <a:schemeClr val="tx1"/>
-          </a:fontRef>
-        </p:style>
-      </p:cxnSp>
+            <a:r>
+              <a:rPr lang="de-DE" sz="1400" dirty="0" smtClean="0"/>
+              <a:t>]</a:t>
+            </a:r>
+            <a:endParaRPr lang="de-DE" sz="1400" dirty="0"/>
+          </a:p>
+        </p:txBody>
+      </p:sp>
     </p:spTree>
     <p:extLst>
       <p:ext uri="{BB962C8B-B14F-4D97-AF65-F5344CB8AC3E}">
